--- a/Pentetris bots.pptx
+++ b/Pentetris bots.pptx
@@ -7,9 +7,12 @@
   <p:sldIdLst>
     <p:sldId id="256" r:id="rId2"/>
     <p:sldId id="257" r:id="rId3"/>
-    <p:sldId id="258" r:id="rId4"/>
-    <p:sldId id="259" r:id="rId5"/>
-    <p:sldId id="260" r:id="rId6"/>
+    <p:sldId id="260" r:id="rId4"/>
+    <p:sldId id="258" r:id="rId5"/>
+    <p:sldId id="259" r:id="rId6"/>
+    <p:sldId id="261" r:id="rId7"/>
+    <p:sldId id="262" r:id="rId8"/>
+    <p:sldId id="263" r:id="rId9"/>
   </p:sldIdLst>
   <p:sldSz cx="12192000" cy="6858000"/>
   <p:notesSz cx="6858000" cy="9144000"/>
@@ -108,6 +111,11 @@
       </a:defRPr>
     </a:lvl9pPr>
   </p:defaultTextStyle>
+  <p:extLst>
+    <p:ext uri="{EFAFB233-063F-42B5-8137-9DF3F51BA10A}">
+      <p15:sldGuideLst xmlns:p15="http://schemas.microsoft.com/office/powerpoint/2012/main"/>
+    </p:ext>
+  </p:extLst>
 </p:presentation>
 </file>
 
@@ -307,7 +315,7 @@
           <a:p>
             <a:fld id="{32FC8DA1-6707-49A3-ADA2-8E23F5184E6C}" type="datetimeFigureOut">
               <a:rPr lang="en-US" smtClean="0"/>
-              <a:t>12/3/2019</a:t>
+              <a:t>12/6/2019</a:t>
             </a:fld>
             <a:endParaRPr lang="en-US"/>
           </a:p>
@@ -528,7 +536,7 @@
           <a:p>
             <a:fld id="{32FC8DA1-6707-49A3-ADA2-8E23F5184E6C}" type="datetimeFigureOut">
               <a:rPr lang="en-US" smtClean="0"/>
-              <a:t>12/3/2019</a:t>
+              <a:t>12/6/2019</a:t>
             </a:fld>
             <a:endParaRPr lang="en-US"/>
           </a:p>
@@ -708,7 +716,7 @@
           <a:p>
             <a:fld id="{32FC8DA1-6707-49A3-ADA2-8E23F5184E6C}" type="datetimeFigureOut">
               <a:rPr lang="en-US" smtClean="0"/>
-              <a:t>12/3/2019</a:t>
+              <a:t>12/6/2019</a:t>
             </a:fld>
             <a:endParaRPr lang="en-US"/>
           </a:p>
@@ -878,7 +886,7 @@
           <a:p>
             <a:fld id="{32FC8DA1-6707-49A3-ADA2-8E23F5184E6C}" type="datetimeFigureOut">
               <a:rPr lang="en-US" smtClean="0"/>
-              <a:t>12/3/2019</a:t>
+              <a:t>12/6/2019</a:t>
             </a:fld>
             <a:endParaRPr lang="en-US"/>
           </a:p>
@@ -1129,7 +1137,7 @@
           <a:p>
             <a:fld id="{32FC8DA1-6707-49A3-ADA2-8E23F5184E6C}" type="datetimeFigureOut">
               <a:rPr lang="en-US" smtClean="0"/>
-              <a:t>12/3/2019</a:t>
+              <a:t>12/6/2019</a:t>
             </a:fld>
             <a:endParaRPr lang="en-US"/>
           </a:p>
@@ -1452,7 +1460,7 @@
           <a:p>
             <a:fld id="{32FC8DA1-6707-49A3-ADA2-8E23F5184E6C}" type="datetimeFigureOut">
               <a:rPr lang="en-US" smtClean="0"/>
-              <a:t>12/3/2019</a:t>
+              <a:t>12/6/2019</a:t>
             </a:fld>
             <a:endParaRPr lang="en-US"/>
           </a:p>
@@ -1876,7 +1884,7 @@
           <a:p>
             <a:fld id="{32FC8DA1-6707-49A3-ADA2-8E23F5184E6C}" type="datetimeFigureOut">
               <a:rPr lang="en-US" smtClean="0"/>
-              <a:t>12/3/2019</a:t>
+              <a:t>12/6/2019</a:t>
             </a:fld>
             <a:endParaRPr lang="en-US"/>
           </a:p>
@@ -1994,7 +2002,7 @@
           <a:p>
             <a:fld id="{32FC8DA1-6707-49A3-ADA2-8E23F5184E6C}" type="datetimeFigureOut">
               <a:rPr lang="en-US" smtClean="0"/>
-              <a:t>12/3/2019</a:t>
+              <a:t>12/6/2019</a:t>
             </a:fld>
             <a:endParaRPr lang="en-US"/>
           </a:p>
@@ -2089,7 +2097,7 @@
           <a:p>
             <a:fld id="{32FC8DA1-6707-49A3-ADA2-8E23F5184E6C}" type="datetimeFigureOut">
               <a:rPr lang="en-US" smtClean="0"/>
-              <a:t>12/3/2019</a:t>
+              <a:t>12/6/2019</a:t>
             </a:fld>
             <a:endParaRPr lang="en-US"/>
           </a:p>
@@ -2379,7 +2387,7 @@
           <a:p>
             <a:fld id="{32FC8DA1-6707-49A3-ADA2-8E23F5184E6C}" type="datetimeFigureOut">
               <a:rPr lang="en-US" smtClean="0"/>
-              <a:t>12/3/2019</a:t>
+              <a:t>12/6/2019</a:t>
             </a:fld>
             <a:endParaRPr lang="en-US"/>
           </a:p>
@@ -2651,7 +2659,7 @@
           <a:p>
             <a:fld id="{32FC8DA1-6707-49A3-ADA2-8E23F5184E6C}" type="datetimeFigureOut">
               <a:rPr lang="en-US" smtClean="0"/>
-              <a:t>12/3/2019</a:t>
+              <a:t>12/6/2019</a:t>
             </a:fld>
             <a:endParaRPr lang="en-US"/>
           </a:p>
@@ -2905,7 +2913,7 @@
           <a:p>
             <a:fld id="{32FC8DA1-6707-49A3-ADA2-8E23F5184E6C}" type="datetimeFigureOut">
               <a:rPr lang="en-US" smtClean="0"/>
-              <a:t>12/3/2019</a:t>
+              <a:t>12/6/2019</a:t>
             </a:fld>
             <a:endParaRPr lang="en-US"/>
           </a:p>
@@ -3764,7 +3772,7 @@
           <p:cNvPr id="2" name="Title 1">
             <a:extLst>
               <a:ext uri="{FF2B5EF4-FFF2-40B4-BE49-F238E27FC236}">
-                <a16:creationId xmlns:a16="http://schemas.microsoft.com/office/drawing/2014/main" id="{B669CEEC-9940-4FB4-8502-B72F41FFEE6F}"/>
+                <a16:creationId xmlns:a16="http://schemas.microsoft.com/office/drawing/2014/main" id="{6573C650-87CD-4543-86C3-D8389ADA3477}"/>
               </a:ext>
             </a:extLst>
           </p:cNvPr>
@@ -3782,7 +3790,7 @@
           <a:p>
             <a:r>
               <a:rPr lang="en-US" dirty="0"/>
-              <a:t>Bots</a:t>
+              <a:t>Optimal order</a:t>
             </a:r>
           </a:p>
         </p:txBody>
@@ -3792,7 +3800,7 @@
           <p:cNvPr id="3" name="Content Placeholder 2">
             <a:extLst>
               <a:ext uri="{FF2B5EF4-FFF2-40B4-BE49-F238E27FC236}">
-                <a16:creationId xmlns:a16="http://schemas.microsoft.com/office/drawing/2014/main" id="{805DA676-81F7-4A4B-8EFE-7598B85191E0}"/>
+                <a16:creationId xmlns:a16="http://schemas.microsoft.com/office/drawing/2014/main" id="{279FE082-926E-40A8-96A2-5C630C00392E}"/>
               </a:ext>
             </a:extLst>
           </p:cNvPr>
@@ -3810,13 +3818,13 @@
           <a:p>
             <a:r>
               <a:rPr lang="en-US" dirty="0"/>
-              <a:t>Q-bot</a:t>
+              <a:t>Approach</a:t>
             </a:r>
           </a:p>
           <a:p>
             <a:r>
               <a:rPr lang="en-US" dirty="0"/>
-              <a:t>G-bot</a:t>
+              <a:t>Results</a:t>
             </a:r>
           </a:p>
         </p:txBody>
@@ -3824,7 +3832,7 @@
     </p:spTree>
     <p:extLst>
       <p:ext uri="{BB962C8B-B14F-4D97-AF65-F5344CB8AC3E}">
-        <p14:creationId xmlns:p14="http://schemas.microsoft.com/office/powerpoint/2010/main" val="703005659"/>
+        <p14:creationId xmlns:p14="http://schemas.microsoft.com/office/powerpoint/2010/main" val="1471489852"/>
       </p:ext>
     </p:extLst>
   </p:cSld>
@@ -3856,6 +3864,98 @@
           <p:cNvPr id="2" name="Title 1">
             <a:extLst>
               <a:ext uri="{FF2B5EF4-FFF2-40B4-BE49-F238E27FC236}">
+                <a16:creationId xmlns:a16="http://schemas.microsoft.com/office/drawing/2014/main" id="{B669CEEC-9940-4FB4-8502-B72F41FFEE6F}"/>
+              </a:ext>
+            </a:extLst>
+          </p:cNvPr>
+          <p:cNvSpPr>
+            <a:spLocks noGrp="1"/>
+          </p:cNvSpPr>
+          <p:nvPr>
+            <p:ph type="title"/>
+          </p:nvPr>
+        </p:nvSpPr>
+        <p:spPr/>
+        <p:txBody>
+          <a:bodyPr/>
+          <a:lstStyle/>
+          <a:p>
+            <a:r>
+              <a:rPr lang="en-US" dirty="0"/>
+              <a:t>Bots</a:t>
+            </a:r>
+          </a:p>
+        </p:txBody>
+      </p:sp>
+      <p:sp>
+        <p:nvSpPr>
+          <p:cNvPr id="3" name="Content Placeholder 2">
+            <a:extLst>
+              <a:ext uri="{FF2B5EF4-FFF2-40B4-BE49-F238E27FC236}">
+                <a16:creationId xmlns:a16="http://schemas.microsoft.com/office/drawing/2014/main" id="{805DA676-81F7-4A4B-8EFE-7598B85191E0}"/>
+              </a:ext>
+            </a:extLst>
+          </p:cNvPr>
+          <p:cNvSpPr>
+            <a:spLocks noGrp="1"/>
+          </p:cNvSpPr>
+          <p:nvPr>
+            <p:ph idx="1"/>
+          </p:nvPr>
+        </p:nvSpPr>
+        <p:spPr/>
+        <p:txBody>
+          <a:bodyPr/>
+          <a:lstStyle/>
+          <a:p>
+            <a:r>
+              <a:rPr lang="en-US" dirty="0"/>
+              <a:t>Q-bot</a:t>
+            </a:r>
+          </a:p>
+          <a:p>
+            <a:r>
+              <a:rPr lang="en-US" dirty="0"/>
+              <a:t>G-bot</a:t>
+            </a:r>
+          </a:p>
+        </p:txBody>
+      </p:sp>
+    </p:spTree>
+    <p:extLst>
+      <p:ext uri="{BB962C8B-B14F-4D97-AF65-F5344CB8AC3E}">
+        <p14:creationId xmlns:p14="http://schemas.microsoft.com/office/powerpoint/2010/main" val="703005659"/>
+      </p:ext>
+    </p:extLst>
+  </p:cSld>
+  <p:clrMapOvr>
+    <a:masterClrMapping/>
+  </p:clrMapOvr>
+</p:sld>
+</file>
+
+<file path=ppt/slides/slide5.xml><?xml version="1.0" encoding="utf-8"?>
+<p:sld xmlns:a="http://schemas.openxmlformats.org/drawingml/2006/main" xmlns:r="http://schemas.openxmlformats.org/officeDocument/2006/relationships" xmlns:p="http://schemas.openxmlformats.org/presentationml/2006/main">
+  <p:cSld>
+    <p:spTree>
+      <p:nvGrpSpPr>
+        <p:cNvPr id="1" name=""/>
+        <p:cNvGrpSpPr/>
+        <p:nvPr/>
+      </p:nvGrpSpPr>
+      <p:grpSpPr>
+        <a:xfrm>
+          <a:off x="0" y="0"/>
+          <a:ext cx="0" cy="0"/>
+          <a:chOff x="0" y="0"/>
+          <a:chExt cx="0" cy="0"/>
+        </a:xfrm>
+      </p:grpSpPr>
+      <p:sp>
+        <p:nvSpPr>
+          <p:cNvPr id="2" name="Title 1">
+            <a:extLst>
+              <a:ext uri="{FF2B5EF4-FFF2-40B4-BE49-F238E27FC236}">
                 <a16:creationId xmlns:a16="http://schemas.microsoft.com/office/drawing/2014/main" id="{4669A48A-1643-4CFD-84CD-F4474F6BEDBF}"/>
               </a:ext>
             </a:extLst>
@@ -3894,7 +3994,7 @@
           <p:nvPr>
             <p:extLst>
               <p:ext uri="{D42A27DB-BD31-4B8C-83A1-F6EECF244321}">
-                <p14:modId xmlns:p14="http://schemas.microsoft.com/office/powerpoint/2010/main" val="2419162638"/>
+                <p14:modId xmlns:p14="http://schemas.microsoft.com/office/powerpoint/2010/main" val="2528372432"/>
               </p:ext>
             </p:extLst>
           </p:nvPr>
@@ -3994,7 +4094,10 @@
                     <a:bodyPr/>
                     <a:lstStyle/>
                     <a:p>
-                      <a:endParaRPr lang="en-US"/>
+                      <a:r>
+                        <a:rPr lang="en-US" dirty="0"/>
+                        <a:t>Unknown</a:t>
+                      </a:r>
                     </a:p>
                   </a:txBody>
                   <a:tcPr/>
@@ -4004,7 +4107,10 @@
                     <a:bodyPr/>
                     <a:lstStyle/>
                     <a:p>
-                      <a:endParaRPr lang="en-US" dirty="0"/>
+                      <a:r>
+                        <a:rPr lang="en-US" dirty="0"/>
+                        <a:t>High</a:t>
+                      </a:r>
                     </a:p>
                   </a:txBody>
                   <a:tcPr/>
@@ -4034,7 +4140,7 @@
                     <a:bodyPr/>
                     <a:lstStyle/>
                     <a:p>
-                      <a:endParaRPr lang="en-US"/>
+                      <a:endParaRPr lang="en-US" dirty="0"/>
                     </a:p>
                   </a:txBody>
                   <a:tcPr/>
@@ -4087,7 +4193,10 @@
                     <a:bodyPr/>
                     <a:lstStyle/>
                     <a:p>
-                      <a:endParaRPr lang="en-US" dirty="0"/>
+                      <a:r>
+                        <a:rPr lang="en-US" dirty="0"/>
+                        <a:t>High</a:t>
+                      </a:r>
                     </a:p>
                   </a:txBody>
                   <a:tcPr/>
@@ -4117,7 +4226,10 @@
                     <a:bodyPr/>
                     <a:lstStyle/>
                     <a:p>
-                      <a:endParaRPr lang="en-US"/>
+                      <a:r>
+                        <a:rPr lang="en-US" dirty="0"/>
+                        <a:t>High</a:t>
+                      </a:r>
                     </a:p>
                   </a:txBody>
                   <a:tcPr/>
@@ -4127,7 +4239,10 @@
                     <a:bodyPr/>
                     <a:lstStyle/>
                     <a:p>
-                      <a:endParaRPr lang="en-US"/>
+                      <a:r>
+                        <a:rPr lang="en-US" dirty="0"/>
+                        <a:t>Very low</a:t>
+                      </a:r>
                     </a:p>
                   </a:txBody>
                   <a:tcPr/>
@@ -4157,7 +4272,10 @@
                     <a:bodyPr/>
                     <a:lstStyle/>
                     <a:p>
-                      <a:endParaRPr lang="en-US"/>
+                      <a:r>
+                        <a:rPr lang="en-US" dirty="0"/>
+                        <a:t>Medium</a:t>
+                      </a:r>
                     </a:p>
                   </a:txBody>
                   <a:tcPr/>
@@ -4167,7 +4285,10 @@
                     <a:bodyPr/>
                     <a:lstStyle/>
                     <a:p>
-                      <a:endParaRPr lang="en-US" dirty="0"/>
+                      <a:r>
+                        <a:rPr lang="en-US" dirty="0"/>
+                        <a:t>High</a:t>
+                      </a:r>
                     </a:p>
                   </a:txBody>
                   <a:tcPr/>
@@ -4195,7 +4316,7 @@
 </p:sld>
 </file>
 
-<file path=ppt/slides/slide5.xml><?xml version="1.0" encoding="utf-8"?>
+<file path=ppt/slides/slide6.xml><?xml version="1.0" encoding="utf-8"?>
 <p:sld xmlns:a="http://schemas.openxmlformats.org/drawingml/2006/main" xmlns:r="http://schemas.openxmlformats.org/officeDocument/2006/relationships" xmlns:p="http://schemas.openxmlformats.org/presentationml/2006/main">
   <p:cSld>
     <p:spTree>
@@ -4217,7 +4338,7 @@
           <p:cNvPr id="2" name="Title 1">
             <a:extLst>
               <a:ext uri="{FF2B5EF4-FFF2-40B4-BE49-F238E27FC236}">
-                <a16:creationId xmlns:a16="http://schemas.microsoft.com/office/drawing/2014/main" id="{6573C650-87CD-4543-86C3-D8389ADA3477}"/>
+                <a16:creationId xmlns:a16="http://schemas.microsoft.com/office/drawing/2014/main" id="{D3F06FD6-19EE-414B-B8CA-E7B9A1CC858A}"/>
               </a:ext>
             </a:extLst>
           </p:cNvPr>
@@ -4235,7 +4356,7 @@
           <a:p>
             <a:r>
               <a:rPr lang="en-US" dirty="0"/>
-              <a:t>Optimal order</a:t>
+              <a:t>G-bot data</a:t>
             </a:r>
           </a:p>
         </p:txBody>
@@ -4245,7 +4366,7 @@
           <p:cNvPr id="3" name="Content Placeholder 2">
             <a:extLst>
               <a:ext uri="{FF2B5EF4-FFF2-40B4-BE49-F238E27FC236}">
-                <a16:creationId xmlns:a16="http://schemas.microsoft.com/office/drawing/2014/main" id="{279FE082-926E-40A8-96A2-5C630C00392E}"/>
+                <a16:creationId xmlns:a16="http://schemas.microsoft.com/office/drawing/2014/main" id="{16C99E83-491E-427D-B5A7-089FD7BFECB8}"/>
               </a:ext>
             </a:extLst>
           </p:cNvPr>
@@ -4263,13 +4384,7 @@
           <a:p>
             <a:r>
               <a:rPr lang="en-US" dirty="0"/>
-              <a:t>Approach</a:t>
-            </a:r>
-          </a:p>
-          <a:p>
-            <a:r>
-              <a:rPr lang="en-US" dirty="0"/>
-              <a:t>Results</a:t>
+              <a:t>Put in graphs of the G-bot (provided by Sam)</a:t>
             </a:r>
           </a:p>
         </p:txBody>
@@ -4277,7 +4392,182 @@
     </p:spTree>
     <p:extLst>
       <p:ext uri="{BB962C8B-B14F-4D97-AF65-F5344CB8AC3E}">
-        <p14:creationId xmlns:p14="http://schemas.microsoft.com/office/powerpoint/2010/main" val="1471489852"/>
+        <p14:creationId xmlns:p14="http://schemas.microsoft.com/office/powerpoint/2010/main" val="2787979835"/>
+      </p:ext>
+    </p:extLst>
+  </p:cSld>
+  <p:clrMapOvr>
+    <a:masterClrMapping/>
+  </p:clrMapOvr>
+</p:sld>
+</file>
+
+<file path=ppt/slides/slide7.xml><?xml version="1.0" encoding="utf-8"?>
+<p:sld xmlns:a="http://schemas.openxmlformats.org/drawingml/2006/main" xmlns:r="http://schemas.openxmlformats.org/officeDocument/2006/relationships" xmlns:p="http://schemas.openxmlformats.org/presentationml/2006/main">
+  <p:cSld>
+    <p:spTree>
+      <p:nvGrpSpPr>
+        <p:cNvPr id="1" name=""/>
+        <p:cNvGrpSpPr/>
+        <p:nvPr/>
+      </p:nvGrpSpPr>
+      <p:grpSpPr>
+        <a:xfrm>
+          <a:off x="0" y="0"/>
+          <a:ext cx="0" cy="0"/>
+          <a:chOff x="0" y="0"/>
+          <a:chExt cx="0" cy="0"/>
+        </a:xfrm>
+      </p:grpSpPr>
+      <p:sp>
+        <p:nvSpPr>
+          <p:cNvPr id="2" name="Title 1">
+            <a:extLst>
+              <a:ext uri="{FF2B5EF4-FFF2-40B4-BE49-F238E27FC236}">
+                <a16:creationId xmlns:a16="http://schemas.microsoft.com/office/drawing/2014/main" id="{2DCFCFB1-0035-44A5-8129-871B9CC59C61}"/>
+              </a:ext>
+            </a:extLst>
+          </p:cNvPr>
+          <p:cNvSpPr>
+            <a:spLocks noGrp="1"/>
+          </p:cNvSpPr>
+          <p:nvPr>
+            <p:ph type="title"/>
+          </p:nvPr>
+        </p:nvSpPr>
+        <p:spPr/>
+        <p:txBody>
+          <a:bodyPr/>
+          <a:lstStyle/>
+          <a:p>
+            <a:r>
+              <a:rPr lang="en-US" dirty="0"/>
+              <a:t>What we learned</a:t>
+            </a:r>
+          </a:p>
+        </p:txBody>
+      </p:sp>
+      <p:sp>
+        <p:nvSpPr>
+          <p:cNvPr id="3" name="Content Placeholder 2">
+            <a:extLst>
+              <a:ext uri="{FF2B5EF4-FFF2-40B4-BE49-F238E27FC236}">
+                <a16:creationId xmlns:a16="http://schemas.microsoft.com/office/drawing/2014/main" id="{590E9924-E3D4-4154-9996-6010ACF4D853}"/>
+              </a:ext>
+            </a:extLst>
+          </p:cNvPr>
+          <p:cNvSpPr>
+            <a:spLocks noGrp="1"/>
+          </p:cNvSpPr>
+          <p:nvPr>
+            <p:ph idx="1"/>
+          </p:nvPr>
+        </p:nvSpPr>
+        <p:spPr/>
+        <p:txBody>
+          <a:bodyPr/>
+          <a:lstStyle/>
+          <a:p>
+            <a:r>
+              <a:rPr lang="en-US" dirty="0"/>
+              <a:t>Communication</a:t>
+            </a:r>
+          </a:p>
+          <a:p>
+            <a:r>
+              <a:rPr lang="en-US" dirty="0"/>
+              <a:t>Division of work</a:t>
+            </a:r>
+          </a:p>
+        </p:txBody>
+      </p:sp>
+    </p:spTree>
+    <p:extLst>
+      <p:ext uri="{BB962C8B-B14F-4D97-AF65-F5344CB8AC3E}">
+        <p14:creationId xmlns:p14="http://schemas.microsoft.com/office/powerpoint/2010/main" val="3651401109"/>
+      </p:ext>
+    </p:extLst>
+  </p:cSld>
+  <p:clrMapOvr>
+    <a:masterClrMapping/>
+  </p:clrMapOvr>
+</p:sld>
+</file>
+
+<file path=ppt/slides/slide8.xml><?xml version="1.0" encoding="utf-8"?>
+<p:sld xmlns:a="http://schemas.openxmlformats.org/drawingml/2006/main" xmlns:r="http://schemas.openxmlformats.org/officeDocument/2006/relationships" xmlns:p="http://schemas.openxmlformats.org/presentationml/2006/main">
+  <p:cSld>
+    <p:spTree>
+      <p:nvGrpSpPr>
+        <p:cNvPr id="1" name=""/>
+        <p:cNvGrpSpPr/>
+        <p:nvPr/>
+      </p:nvGrpSpPr>
+      <p:grpSpPr>
+        <a:xfrm>
+          <a:off x="0" y="0"/>
+          <a:ext cx="0" cy="0"/>
+          <a:chOff x="0" y="0"/>
+          <a:chExt cx="0" cy="0"/>
+        </a:xfrm>
+      </p:grpSpPr>
+      <p:sp>
+        <p:nvSpPr>
+          <p:cNvPr id="2" name="Title 1">
+            <a:extLst>
+              <a:ext uri="{FF2B5EF4-FFF2-40B4-BE49-F238E27FC236}">
+                <a16:creationId xmlns:a16="http://schemas.microsoft.com/office/drawing/2014/main" id="{4682BDC7-14CF-4BA5-A19D-D66FEE3E7C47}"/>
+              </a:ext>
+            </a:extLst>
+          </p:cNvPr>
+          <p:cNvSpPr>
+            <a:spLocks noGrp="1"/>
+          </p:cNvSpPr>
+          <p:nvPr>
+            <p:ph type="title"/>
+          </p:nvPr>
+        </p:nvSpPr>
+        <p:spPr/>
+        <p:txBody>
+          <a:bodyPr/>
+          <a:lstStyle/>
+          <a:p>
+            <a:r>
+              <a:rPr lang="en-US" dirty="0"/>
+              <a:t>Conclusion</a:t>
+            </a:r>
+          </a:p>
+        </p:txBody>
+      </p:sp>
+      <p:sp>
+        <p:nvSpPr>
+          <p:cNvPr id="3" name="Content Placeholder 2">
+            <a:extLst>
+              <a:ext uri="{FF2B5EF4-FFF2-40B4-BE49-F238E27FC236}">
+                <a16:creationId xmlns:a16="http://schemas.microsoft.com/office/drawing/2014/main" id="{91BD7426-7D74-46EC-B475-2FE92CB19928}"/>
+              </a:ext>
+            </a:extLst>
+          </p:cNvPr>
+          <p:cNvSpPr>
+            <a:spLocks noGrp="1"/>
+          </p:cNvSpPr>
+          <p:nvPr>
+            <p:ph idx="1"/>
+          </p:nvPr>
+        </p:nvSpPr>
+        <p:spPr/>
+        <p:txBody>
+          <a:bodyPr/>
+          <a:lstStyle/>
+          <a:p>
+            <a:endParaRPr lang="en-US" dirty="0"/>
+          </a:p>
+        </p:txBody>
+      </p:sp>
+    </p:spTree>
+    <p:extLst>
+      <p:ext uri="{BB962C8B-B14F-4D97-AF65-F5344CB8AC3E}">
+        <p14:creationId xmlns:p14="http://schemas.microsoft.com/office/powerpoint/2010/main" val="878504464"/>
       </p:ext>
     </p:extLst>
   </p:cSld>

--- a/Pentetris bots.pptx
+++ b/Pentetris bots.pptx
@@ -12,7 +12,8 @@
     <p:sldId id="259" r:id="rId6"/>
     <p:sldId id="261" r:id="rId7"/>
     <p:sldId id="262" r:id="rId8"/>
-    <p:sldId id="263" r:id="rId9"/>
+    <p:sldId id="264" r:id="rId9"/>
+    <p:sldId id="263" r:id="rId10"/>
   </p:sldIdLst>
   <p:sldSz cx="12192000" cy="6858000"/>
   <p:notesSz cx="6858000" cy="9144000"/>
@@ -4516,6 +4517,117 @@
           <p:cNvPr id="2" name="Title 1">
             <a:extLst>
               <a:ext uri="{FF2B5EF4-FFF2-40B4-BE49-F238E27FC236}">
+                <a16:creationId xmlns:a16="http://schemas.microsoft.com/office/drawing/2014/main" id="{24A1E10B-FF1F-40B6-906B-D1F43758CB27}"/>
+              </a:ext>
+            </a:extLst>
+          </p:cNvPr>
+          <p:cNvSpPr>
+            <a:spLocks noGrp="1"/>
+          </p:cNvSpPr>
+          <p:nvPr>
+            <p:ph type="title"/>
+          </p:nvPr>
+        </p:nvSpPr>
+        <p:spPr/>
+        <p:txBody>
+          <a:bodyPr/>
+          <a:lstStyle/>
+          <a:p>
+            <a:r>
+              <a:rPr lang="en-US" dirty="0"/>
+              <a:t>Planning phase 3</a:t>
+            </a:r>
+          </a:p>
+        </p:txBody>
+      </p:sp>
+      <p:sp>
+        <p:nvSpPr>
+          <p:cNvPr id="3" name="Content Placeholder 2">
+            <a:extLst>
+              <a:ext uri="{FF2B5EF4-FFF2-40B4-BE49-F238E27FC236}">
+                <a16:creationId xmlns:a16="http://schemas.microsoft.com/office/drawing/2014/main" id="{9053D02F-A9EE-493F-93D0-6DB9305321EE}"/>
+              </a:ext>
+            </a:extLst>
+          </p:cNvPr>
+          <p:cNvSpPr>
+            <a:spLocks noGrp="1"/>
+          </p:cNvSpPr>
+          <p:nvPr>
+            <p:ph idx="1"/>
+          </p:nvPr>
+        </p:nvSpPr>
+        <p:spPr/>
+        <p:txBody>
+          <a:bodyPr/>
+          <a:lstStyle/>
+          <a:p>
+            <a:r>
+              <a:rPr lang="en-GB" dirty="0"/>
+              <a:t>Visualization: week 1 and 2</a:t>
+            </a:r>
+          </a:p>
+          <a:p>
+            <a:r>
+              <a:rPr lang="en-GB" dirty="0"/>
+              <a:t>Research: week 1</a:t>
+            </a:r>
+          </a:p>
+          <a:p>
+            <a:r>
+              <a:rPr lang="en-GB" dirty="0"/>
+              <a:t>Implementation: end of week 1, start of week 2 and polish in week 3</a:t>
+            </a:r>
+          </a:p>
+          <a:p>
+            <a:r>
+              <a:rPr lang="en-GB" dirty="0"/>
+              <a:t>Report: introduction, format, etc week 1, finish in week 3</a:t>
+            </a:r>
+          </a:p>
+          <a:p>
+            <a:r>
+              <a:rPr lang="en-GB"/>
+              <a:t>Presentation: week 3</a:t>
+            </a:r>
+            <a:endParaRPr lang="en-US" dirty="0"/>
+          </a:p>
+        </p:txBody>
+      </p:sp>
+    </p:spTree>
+    <p:extLst>
+      <p:ext uri="{BB962C8B-B14F-4D97-AF65-F5344CB8AC3E}">
+        <p14:creationId xmlns:p14="http://schemas.microsoft.com/office/powerpoint/2010/main" val="3349127307"/>
+      </p:ext>
+    </p:extLst>
+  </p:cSld>
+  <p:clrMapOvr>
+    <a:masterClrMapping/>
+  </p:clrMapOvr>
+</p:sld>
+</file>
+
+<file path=ppt/slides/slide9.xml><?xml version="1.0" encoding="utf-8"?>
+<p:sld xmlns:a="http://schemas.openxmlformats.org/drawingml/2006/main" xmlns:r="http://schemas.openxmlformats.org/officeDocument/2006/relationships" xmlns:p="http://schemas.openxmlformats.org/presentationml/2006/main">
+  <p:cSld>
+    <p:spTree>
+      <p:nvGrpSpPr>
+        <p:cNvPr id="1" name=""/>
+        <p:cNvGrpSpPr/>
+        <p:nvPr/>
+      </p:nvGrpSpPr>
+      <p:grpSpPr>
+        <a:xfrm>
+          <a:off x="0" y="0"/>
+          <a:ext cx="0" cy="0"/>
+          <a:chOff x="0" y="0"/>
+          <a:chExt cx="0" cy="0"/>
+        </a:xfrm>
+      </p:grpSpPr>
+      <p:sp>
+        <p:nvSpPr>
+          <p:cNvPr id="2" name="Title 1">
+            <a:extLst>
+              <a:ext uri="{FF2B5EF4-FFF2-40B4-BE49-F238E27FC236}">
                 <a16:creationId xmlns:a16="http://schemas.microsoft.com/office/drawing/2014/main" id="{4682BDC7-14CF-4BA5-A19D-D66FEE3E7C47}"/>
               </a:ext>
             </a:extLst>

--- a/Pentetris bots.pptx
+++ b/Pentetris bots.pptx
@@ -9,11 +9,12 @@
     <p:sldId id="257" r:id="rId3"/>
     <p:sldId id="260" r:id="rId4"/>
     <p:sldId id="258" r:id="rId5"/>
-    <p:sldId id="259" r:id="rId6"/>
-    <p:sldId id="261" r:id="rId7"/>
-    <p:sldId id="262" r:id="rId8"/>
-    <p:sldId id="264" r:id="rId9"/>
-    <p:sldId id="263" r:id="rId10"/>
+    <p:sldId id="265" r:id="rId6"/>
+    <p:sldId id="266" r:id="rId7"/>
+    <p:sldId id="261" r:id="rId8"/>
+    <p:sldId id="259" r:id="rId9"/>
+    <p:sldId id="262" r:id="rId10"/>
+    <p:sldId id="264" r:id="rId11"/>
   </p:sldIdLst>
   <p:sldSz cx="12192000" cy="6858000"/>
   <p:notesSz cx="6858000" cy="9144000"/>
@@ -316,7 +317,7 @@
           <a:p>
             <a:fld id="{32FC8DA1-6707-49A3-ADA2-8E23F5184E6C}" type="datetimeFigureOut">
               <a:rPr lang="en-US" smtClean="0"/>
-              <a:t>12/6/2019</a:t>
+              <a:t>12/7/2019</a:t>
             </a:fld>
             <a:endParaRPr lang="en-US"/>
           </a:p>
@@ -537,7 +538,7 @@
           <a:p>
             <a:fld id="{32FC8DA1-6707-49A3-ADA2-8E23F5184E6C}" type="datetimeFigureOut">
               <a:rPr lang="en-US" smtClean="0"/>
-              <a:t>12/6/2019</a:t>
+              <a:t>12/7/2019</a:t>
             </a:fld>
             <a:endParaRPr lang="en-US"/>
           </a:p>
@@ -717,7 +718,7 @@
           <a:p>
             <a:fld id="{32FC8DA1-6707-49A3-ADA2-8E23F5184E6C}" type="datetimeFigureOut">
               <a:rPr lang="en-US" smtClean="0"/>
-              <a:t>12/6/2019</a:t>
+              <a:t>12/7/2019</a:t>
             </a:fld>
             <a:endParaRPr lang="en-US"/>
           </a:p>
@@ -887,7 +888,7 @@
           <a:p>
             <a:fld id="{32FC8DA1-6707-49A3-ADA2-8E23F5184E6C}" type="datetimeFigureOut">
               <a:rPr lang="en-US" smtClean="0"/>
-              <a:t>12/6/2019</a:t>
+              <a:t>12/7/2019</a:t>
             </a:fld>
             <a:endParaRPr lang="en-US"/>
           </a:p>
@@ -1138,7 +1139,7 @@
           <a:p>
             <a:fld id="{32FC8DA1-6707-49A3-ADA2-8E23F5184E6C}" type="datetimeFigureOut">
               <a:rPr lang="en-US" smtClean="0"/>
-              <a:t>12/6/2019</a:t>
+              <a:t>12/7/2019</a:t>
             </a:fld>
             <a:endParaRPr lang="en-US"/>
           </a:p>
@@ -1461,7 +1462,7 @@
           <a:p>
             <a:fld id="{32FC8DA1-6707-49A3-ADA2-8E23F5184E6C}" type="datetimeFigureOut">
               <a:rPr lang="en-US" smtClean="0"/>
-              <a:t>12/6/2019</a:t>
+              <a:t>12/7/2019</a:t>
             </a:fld>
             <a:endParaRPr lang="en-US"/>
           </a:p>
@@ -1885,7 +1886,7 @@
           <a:p>
             <a:fld id="{32FC8DA1-6707-49A3-ADA2-8E23F5184E6C}" type="datetimeFigureOut">
               <a:rPr lang="en-US" smtClean="0"/>
-              <a:t>12/6/2019</a:t>
+              <a:t>12/7/2019</a:t>
             </a:fld>
             <a:endParaRPr lang="en-US"/>
           </a:p>
@@ -2003,7 +2004,7 @@
           <a:p>
             <a:fld id="{32FC8DA1-6707-49A3-ADA2-8E23F5184E6C}" type="datetimeFigureOut">
               <a:rPr lang="en-US" smtClean="0"/>
-              <a:t>12/6/2019</a:t>
+              <a:t>12/7/2019</a:t>
             </a:fld>
             <a:endParaRPr lang="en-US"/>
           </a:p>
@@ -2098,7 +2099,7 @@
           <a:p>
             <a:fld id="{32FC8DA1-6707-49A3-ADA2-8E23F5184E6C}" type="datetimeFigureOut">
               <a:rPr lang="en-US" smtClean="0"/>
-              <a:t>12/6/2019</a:t>
+              <a:t>12/7/2019</a:t>
             </a:fld>
             <a:endParaRPr lang="en-US"/>
           </a:p>
@@ -2388,7 +2389,7 @@
           <a:p>
             <a:fld id="{32FC8DA1-6707-49A3-ADA2-8E23F5184E6C}" type="datetimeFigureOut">
               <a:rPr lang="en-US" smtClean="0"/>
-              <a:t>12/6/2019</a:t>
+              <a:t>12/7/2019</a:t>
             </a:fld>
             <a:endParaRPr lang="en-US"/>
           </a:p>
@@ -2660,7 +2661,7 @@
           <a:p>
             <a:fld id="{32FC8DA1-6707-49A3-ADA2-8E23F5184E6C}" type="datetimeFigureOut">
               <a:rPr lang="en-US" smtClean="0"/>
-              <a:t>12/6/2019</a:t>
+              <a:t>12/7/2019</a:t>
             </a:fld>
             <a:endParaRPr lang="en-US"/>
           </a:p>
@@ -2914,7 +2915,7 @@
           <a:p>
             <a:fld id="{32FC8DA1-6707-49A3-ADA2-8E23F5184E6C}" type="datetimeFigureOut">
               <a:rPr lang="en-US" smtClean="0"/>
-              <a:t>12/6/2019</a:t>
+              <a:t>12/7/2019</a:t>
             </a:fld>
             <a:endParaRPr lang="en-US"/>
           </a:p>
@@ -3364,7 +3365,7 @@
     <p:bg>
       <p:bgPr>
         <a:solidFill>
-          <a:schemeClr val="bg1"/>
+          <a:schemeClr val="accent1"/>
         </a:solidFill>
         <a:effectLst/>
       </p:bgPr>
@@ -3383,12 +3384,12 @@
           <a:chExt cx="0" cy="0"/>
         </a:xfrm>
       </p:grpSpPr>
-      <p:sp useBgFill="1">
-        <p:nvSpPr>
-          <p:cNvPr id="8" name="Rectangle 7">
+      <p:sp>
+        <p:nvSpPr>
+          <p:cNvPr id="18" name="Rectangle 17">
             <a:extLst>
               <a:ext uri="{FF2B5EF4-FFF2-40B4-BE49-F238E27FC236}">
-                <a16:creationId xmlns:a16="http://schemas.microsoft.com/office/drawing/2014/main" id="{5E639389-5CE5-4E42-90F2-7285AB3AB6E5}"/>
+                <a16:creationId xmlns:a16="http://schemas.microsoft.com/office/drawing/2014/main" id="{E7818327-9D44-4214-BEC7-F7463A8BDE7B}"/>
               </a:ext>
               <a:ext uri="{C183D7F6-B498-43B3-948B-1728B52AA6E4}">
                 <adec:decorative xmlns:adec="http://schemas.microsoft.com/office/drawing/2017/decorative" val="1"/>
@@ -3408,14 +3409,22 @@
         </p:nvSpPr>
         <p:spPr>
           <a:xfrm>
-            <a:off x="0" y="0"/>
-            <a:ext cx="12191999" cy="6858000"/>
+            <a:off x="231140" y="243840"/>
+            <a:ext cx="11724640" cy="6377939"/>
           </a:xfrm>
           <a:prstGeom prst="rect">
             <a:avLst/>
           </a:prstGeom>
-          <a:ln w="12700" cmpd="sng">
-            <a:noFill/>
+          <a:solidFill>
+            <a:schemeClr val="tx1">
+              <a:lumMod val="85000"/>
+              <a:lumOff val="15000"/>
+            </a:schemeClr>
+          </a:solidFill>
+          <a:ln w="12700">
+            <a:solidFill>
+              <a:srgbClr val="FFFFFF"/>
+            </a:solidFill>
           </a:ln>
         </p:spPr>
         <p:style>
@@ -3434,29 +3443,53 @@
             <a:schemeClr val="lt1"/>
           </a:fontRef>
         </p:style>
-        <p:txBody>
-          <a:bodyPr/>
-          <a:lstStyle/>
-          <a:p>
-            <a:endParaRPr lang="en-US" dirty="0"/>
-          </a:p>
-        </p:txBody>
-      </p:sp>
-      <p:sp>
-        <p:nvSpPr>
-          <p:cNvPr id="10" name="Rectangle 9">
+      </p:sp>
+      <p:pic>
+        <p:nvPicPr>
+          <p:cNvPr id="14" name="Picture 13">
             <a:extLst>
               <a:ext uri="{FF2B5EF4-FFF2-40B4-BE49-F238E27FC236}">
-                <a16:creationId xmlns:a16="http://schemas.microsoft.com/office/drawing/2014/main" id="{00D8BB72-00A6-426D-9D3D-E424019F37F2}"/>
+                <a16:creationId xmlns:a16="http://schemas.microsoft.com/office/drawing/2014/main" id="{1A87998C-BA03-4385-B334-C5039D16B978}"/>
+              </a:ext>
+            </a:extLst>
+          </p:cNvPr>
+          <p:cNvPicPr>
+            <a:picLocks noChangeAspect="1"/>
+          </p:cNvPicPr>
+          <p:nvPr/>
+        </p:nvPicPr>
+        <p:blipFill rotWithShape="1">
+          <a:blip r:embed="rId2">
+            <a:alphaModFix amt="25000"/>
+          </a:blip>
+          <a:srcRect/>
+          <a:stretch/>
+        </p:blipFill>
+        <p:spPr>
+          <a:xfrm>
+            <a:off x="20" y="3809"/>
+            <a:ext cx="12191980" cy="6858000"/>
+          </a:xfrm>
+          <a:prstGeom prst="rect">
+            <a:avLst/>
+          </a:prstGeom>
+        </p:spPr>
+      </p:pic>
+      <p:cxnSp>
+        <p:nvCxnSpPr>
+          <p:cNvPr id="20" name="Straight Connector 19">
+            <a:extLst>
+              <a:ext uri="{FF2B5EF4-FFF2-40B4-BE49-F238E27FC236}">
+                <a16:creationId xmlns:a16="http://schemas.microsoft.com/office/drawing/2014/main" id="{F896B7D9-8894-4E5C-8DCF-35BECF8D365A}"/>
               </a:ext>
               <a:ext uri="{C183D7F6-B498-43B3-948B-1728B52AA6E4}">
                 <adec:decorative xmlns:adec="http://schemas.microsoft.com/office/drawing/2017/decorative" val="1"/>
               </a:ext>
             </a:extLst>
           </p:cNvPr>
-          <p:cNvSpPr>
-            <a:spLocks noGrp="1" noRot="1" noChangeAspect="1" noMove="1" noResize="1" noEditPoints="1" noAdjustHandles="1" noChangeArrowheads="1" noChangeShapeType="1" noTextEdit="1"/>
-          </p:cNvSpPr>
+          <p:cNvCxnSpPr>
+            <a:cxnSpLocks noGrp="1" noRot="1" noChangeAspect="1" noMove="1" noResize="1" noEditPoints="1" noAdjustHandles="1" noChangeArrowheads="1" noChangeShapeType="1"/>
+          </p:cNvCxnSpPr>
           <p:nvPr>
             <p:extLst>
               <p:ext uri="{386F3935-93C4-4BCD-93E2-E3B085C9AB24}">
@@ -3464,17 +3497,181 @@
               </p:ext>
             </p:extLst>
           </p:nvPr>
-        </p:nvSpPr>
-        <p:spPr>
-          <a:xfrm>
-            <a:off x="233680" y="240031"/>
+        </p:nvCxnSpPr>
+        <p:spPr>
+          <a:xfrm>
+            <a:off x="1978660" y="3733800"/>
+            <a:ext cx="8229601" cy="0"/>
+          </a:xfrm>
+          <a:prstGeom prst="line">
+            <a:avLst/>
+          </a:prstGeom>
+          <a:ln>
+            <a:solidFill>
+              <a:srgbClr val="FFFFFF"/>
+            </a:solidFill>
+          </a:ln>
+        </p:spPr>
+        <p:style>
+          <a:lnRef idx="1">
+            <a:schemeClr val="accent1"/>
+          </a:lnRef>
+          <a:fillRef idx="0">
+            <a:schemeClr val="accent1"/>
+          </a:fillRef>
+          <a:effectRef idx="0">
+            <a:schemeClr val="accent1"/>
+          </a:effectRef>
+          <a:fontRef idx="minor">
+            <a:schemeClr val="tx1"/>
+          </a:fontRef>
+        </p:style>
+      </p:cxnSp>
+      <p:sp>
+        <p:nvSpPr>
+          <p:cNvPr id="2" name="Title 1">
+            <a:extLst>
+              <a:ext uri="{FF2B5EF4-FFF2-40B4-BE49-F238E27FC236}">
+                <a16:creationId xmlns:a16="http://schemas.microsoft.com/office/drawing/2014/main" id="{54B7D6D7-9204-4D57-BA02-4B5FA6C3D8C6}"/>
+              </a:ext>
+            </a:extLst>
+          </p:cNvPr>
+          <p:cNvSpPr>
+            <a:spLocks noGrp="1"/>
+          </p:cNvSpPr>
+          <p:nvPr>
+            <p:ph type="ctrTitle"/>
+          </p:nvPr>
+        </p:nvSpPr>
+        <p:spPr>
+          <a:xfrm>
+            <a:off x="1109980" y="882376"/>
+            <a:ext cx="9966960" cy="2926080"/>
+          </a:xfrm>
+        </p:spPr>
+        <p:txBody>
+          <a:bodyPr>
+            <a:normAutofit/>
+          </a:bodyPr>
+          <a:lstStyle/>
+          <a:p>
+            <a:r>
+              <a:rPr lang="en-US" dirty="0" err="1"/>
+              <a:t>Pentris</a:t>
+            </a:r>
+            <a:r>
+              <a:rPr lang="en-US" dirty="0"/>
+              <a:t> bots</a:t>
+            </a:r>
+          </a:p>
+        </p:txBody>
+      </p:sp>
+      <p:sp>
+        <p:nvSpPr>
+          <p:cNvPr id="3" name="Subtitle 2">
+            <a:extLst>
+              <a:ext uri="{FF2B5EF4-FFF2-40B4-BE49-F238E27FC236}">
+                <a16:creationId xmlns:a16="http://schemas.microsoft.com/office/drawing/2014/main" id="{89E2F01C-B57F-4231-851C-5E87490D2C81}"/>
+              </a:ext>
+            </a:extLst>
+          </p:cNvPr>
+          <p:cNvSpPr>
+            <a:spLocks noGrp="1"/>
+          </p:cNvSpPr>
+          <p:nvPr>
+            <p:ph type="subTitle" idx="1"/>
+          </p:nvPr>
+        </p:nvSpPr>
+        <p:spPr>
+          <a:xfrm>
+            <a:off x="1709530" y="3869634"/>
+            <a:ext cx="8767860" cy="1388165"/>
+          </a:xfrm>
+        </p:spPr>
+        <p:txBody>
+          <a:bodyPr>
+            <a:normAutofit/>
+          </a:bodyPr>
+          <a:lstStyle/>
+          <a:p>
+            <a:r>
+              <a:rPr lang="en-US"/>
+              <a:t>Group 25</a:t>
+            </a:r>
+          </a:p>
+        </p:txBody>
+      </p:sp>
+    </p:spTree>
+    <p:extLst>
+      <p:ext uri="{BB962C8B-B14F-4D97-AF65-F5344CB8AC3E}">
+        <p14:creationId xmlns:p14="http://schemas.microsoft.com/office/powerpoint/2010/main" val="2725594720"/>
+      </p:ext>
+    </p:extLst>
+  </p:cSld>
+  <p:clrMapOvr>
+    <a:masterClrMapping/>
+  </p:clrMapOvr>
+</p:sld>
+</file>
+
+<file path=ppt/slides/slide10.xml><?xml version="1.0" encoding="utf-8"?>
+<p:sld xmlns:a="http://schemas.openxmlformats.org/drawingml/2006/main" xmlns:r="http://schemas.openxmlformats.org/officeDocument/2006/relationships" xmlns:p="http://schemas.openxmlformats.org/presentationml/2006/main">
+  <p:cSld>
+    <p:bg>
+      <p:bgPr>
+        <a:solidFill>
+          <a:schemeClr val="accent1"/>
+        </a:solidFill>
+        <a:effectLst/>
+      </p:bgPr>
+    </p:bg>
+    <p:spTree>
+      <p:nvGrpSpPr>
+        <p:cNvPr id="1" name=""/>
+        <p:cNvGrpSpPr/>
+        <p:nvPr/>
+      </p:nvGrpSpPr>
+      <p:grpSpPr>
+        <a:xfrm>
+          <a:off x="0" y="0"/>
+          <a:ext cx="0" cy="0"/>
+          <a:chOff x="0" y="0"/>
+          <a:chExt cx="0" cy="0"/>
+        </a:xfrm>
+      </p:grpSpPr>
+      <p:sp>
+        <p:nvSpPr>
+          <p:cNvPr id="11" name="Rectangle 10">
+            <a:extLst>
+              <a:ext uri="{FF2B5EF4-FFF2-40B4-BE49-F238E27FC236}">
+                <a16:creationId xmlns:a16="http://schemas.microsoft.com/office/drawing/2014/main" id="{2EF7C252-67AA-4C4E-B73A-6C367865C153}"/>
+              </a:ext>
+              <a:ext uri="{C183D7F6-B498-43B3-948B-1728B52AA6E4}">
+                <adec:decorative xmlns:adec="http://schemas.microsoft.com/office/drawing/2017/decorative" val="1"/>
+              </a:ext>
+            </a:extLst>
+          </p:cNvPr>
+          <p:cNvSpPr>
+            <a:spLocks noGrp="1" noRot="1" noChangeAspect="1" noMove="1" noResize="1" noEditPoints="1" noAdjustHandles="1" noChangeArrowheads="1" noChangeShapeType="1" noTextEdit="1"/>
+          </p:cNvSpPr>
+          <p:nvPr>
+            <p:extLst>
+              <p:ext uri="{386F3935-93C4-4BCD-93E2-E3B085C9AB24}">
+                <p16:designElem xmlns:p16="http://schemas.microsoft.com/office/powerpoint/2015/main" val="1"/>
+              </p:ext>
+            </p:extLst>
+          </p:nvPr>
+        </p:nvSpPr>
+        <p:spPr>
+          <a:xfrm>
+            <a:off x="231140" y="243840"/>
             <a:ext cx="11724640" cy="6377939"/>
           </a:xfrm>
           <a:prstGeom prst="rect">
             <a:avLst/>
           </a:prstGeom>
           <a:solidFill>
-            <a:schemeClr val="accent1"/>
+            <a:schemeClr val="tx1"/>
           </a:solidFill>
           <a:ln w="12700">
             <a:noFill/>
@@ -3497,12 +3694,700 @@
           </a:fontRef>
         </p:style>
       </p:sp>
-      <p:sp>
-        <p:nvSpPr>
-          <p:cNvPr id="12" name="Rectangle 11">
+      <p:pic>
+        <p:nvPicPr>
+          <p:cNvPr id="5" name="Picture 4">
             <a:extLst>
               <a:ext uri="{FF2B5EF4-FFF2-40B4-BE49-F238E27FC236}">
-                <a16:creationId xmlns:a16="http://schemas.microsoft.com/office/drawing/2014/main" id="{6690CD3C-3755-4F1C-9BDA-BF4A62A219FC}"/>
+                <a16:creationId xmlns:a16="http://schemas.microsoft.com/office/drawing/2014/main" id="{9A96FF7E-CBA1-453D-B8A3-F7E6CEC3759B}"/>
+              </a:ext>
+            </a:extLst>
+          </p:cNvPr>
+          <p:cNvPicPr>
+            <a:picLocks noChangeAspect="1"/>
+          </p:cNvPicPr>
+          <p:nvPr/>
+        </p:nvPicPr>
+        <p:blipFill rotWithShape="1">
+          <a:blip r:embed="rId2">
+            <a:alphaModFix amt="25000"/>
+            <a:extLst>
+              <a:ext uri="{28A0092B-C50C-407E-A947-70E740481C1C}">
+                <a14:useLocalDpi xmlns:a14="http://schemas.microsoft.com/office/drawing/2010/main" val="0"/>
+              </a:ext>
+              <a:ext uri="{837473B0-CC2E-450A-ABE3-18F120FF3D39}">
+                <a1611:picAttrSrcUrl xmlns:a1611="http://schemas.microsoft.com/office/drawing/2016/11/main" r:id="rId3"/>
+              </a:ext>
+            </a:extLst>
+          </a:blip>
+          <a:srcRect t="10066" r="1" b="8434"/>
+          <a:stretch/>
+        </p:blipFill>
+        <p:spPr>
+          <a:xfrm>
+            <a:off x="231140" y="246888"/>
+            <a:ext cx="11732261" cy="6382512"/>
+          </a:xfrm>
+          <a:prstGeom prst="rect">
+            <a:avLst/>
+          </a:prstGeom>
+        </p:spPr>
+      </p:pic>
+      <p:sp>
+        <p:nvSpPr>
+          <p:cNvPr id="2" name="Title 1">
+            <a:extLst>
+              <a:ext uri="{FF2B5EF4-FFF2-40B4-BE49-F238E27FC236}">
+                <a16:creationId xmlns:a16="http://schemas.microsoft.com/office/drawing/2014/main" id="{24A1E10B-FF1F-40B6-906B-D1F43758CB27}"/>
+              </a:ext>
+            </a:extLst>
+          </p:cNvPr>
+          <p:cNvSpPr>
+            <a:spLocks noGrp="1"/>
+          </p:cNvSpPr>
+          <p:nvPr>
+            <p:ph type="title"/>
+          </p:nvPr>
+        </p:nvSpPr>
+        <p:spPr>
+          <a:xfrm>
+            <a:off x="1143000" y="609600"/>
+            <a:ext cx="9875520" cy="1356360"/>
+          </a:xfrm>
+        </p:spPr>
+        <p:txBody>
+          <a:bodyPr>
+            <a:normAutofit/>
+          </a:bodyPr>
+          <a:lstStyle/>
+          <a:p>
+            <a:r>
+              <a:rPr lang="en-US">
+                <a:solidFill>
+                  <a:schemeClr val="bg1"/>
+                </a:solidFill>
+              </a:rPr>
+              <a:t>Planning phase 3</a:t>
+            </a:r>
+          </a:p>
+        </p:txBody>
+      </p:sp>
+      <p:sp>
+        <p:nvSpPr>
+          <p:cNvPr id="3" name="Content Placeholder 2">
+            <a:extLst>
+              <a:ext uri="{FF2B5EF4-FFF2-40B4-BE49-F238E27FC236}">
+                <a16:creationId xmlns:a16="http://schemas.microsoft.com/office/drawing/2014/main" id="{9053D02F-A9EE-493F-93D0-6DB9305321EE}"/>
+              </a:ext>
+            </a:extLst>
+          </p:cNvPr>
+          <p:cNvSpPr>
+            <a:spLocks noGrp="1"/>
+          </p:cNvSpPr>
+          <p:nvPr>
+            <p:ph idx="1"/>
+          </p:nvPr>
+        </p:nvSpPr>
+        <p:spPr>
+          <a:xfrm>
+            <a:off x="1143000" y="2057400"/>
+            <a:ext cx="9872871" cy="4038600"/>
+          </a:xfrm>
+        </p:spPr>
+        <p:txBody>
+          <a:bodyPr>
+            <a:normAutofit/>
+          </a:bodyPr>
+          <a:lstStyle/>
+          <a:p>
+            <a:r>
+              <a:rPr lang="en-GB">
+                <a:solidFill>
+                  <a:schemeClr val="bg1"/>
+                </a:solidFill>
+              </a:rPr>
+              <a:t>Visualization: week 1 and 2</a:t>
+            </a:r>
+          </a:p>
+          <a:p>
+            <a:r>
+              <a:rPr lang="en-GB">
+                <a:solidFill>
+                  <a:schemeClr val="bg1"/>
+                </a:solidFill>
+              </a:rPr>
+              <a:t>Research: week 1</a:t>
+            </a:r>
+          </a:p>
+          <a:p>
+            <a:r>
+              <a:rPr lang="en-GB">
+                <a:solidFill>
+                  <a:schemeClr val="bg1"/>
+                </a:solidFill>
+              </a:rPr>
+              <a:t>Implementation: end of week 1, start of week 2 and polish in week 3</a:t>
+            </a:r>
+          </a:p>
+          <a:p>
+            <a:r>
+              <a:rPr lang="en-GB">
+                <a:solidFill>
+                  <a:schemeClr val="bg1"/>
+                </a:solidFill>
+              </a:rPr>
+              <a:t>Report: introduction, format, etc week 1, finish in week 3</a:t>
+            </a:r>
+          </a:p>
+          <a:p>
+            <a:r>
+              <a:rPr lang="en-GB">
+                <a:solidFill>
+                  <a:schemeClr val="bg1"/>
+                </a:solidFill>
+              </a:rPr>
+              <a:t>Presentation: week 3</a:t>
+            </a:r>
+            <a:endParaRPr lang="en-US">
+              <a:solidFill>
+                <a:schemeClr val="bg1"/>
+              </a:solidFill>
+            </a:endParaRPr>
+          </a:p>
+        </p:txBody>
+      </p:sp>
+      <p:sp>
+        <p:nvSpPr>
+          <p:cNvPr id="6" name="TextBox 5">
+            <a:extLst>
+              <a:ext uri="{FF2B5EF4-FFF2-40B4-BE49-F238E27FC236}">
+                <a16:creationId xmlns:a16="http://schemas.microsoft.com/office/drawing/2014/main" id="{0C4E2737-260B-458F-AC32-762A12C4E7CC}"/>
+              </a:ext>
+            </a:extLst>
+          </p:cNvPr>
+          <p:cNvSpPr txBox="1"/>
+          <p:nvPr/>
+        </p:nvSpPr>
+        <p:spPr>
+          <a:xfrm>
+            <a:off x="9595445" y="6429345"/>
+            <a:ext cx="2367956" cy="200055"/>
+          </a:xfrm>
+          <a:prstGeom prst="rect">
+            <a:avLst/>
+          </a:prstGeom>
+          <a:solidFill>
+            <a:srgbClr val="000000"/>
+          </a:solidFill>
+        </p:spPr>
+        <p:txBody>
+          <a:bodyPr wrap="none" rtlCol="0">
+            <a:spAutoFit/>
+          </a:bodyPr>
+          <a:lstStyle/>
+          <a:p>
+            <a:pPr algn="r">
+              <a:spcAft>
+                <a:spcPts val="600"/>
+              </a:spcAft>
+            </a:pPr>
+            <a:r>
+              <a:rPr lang="en-US" sz="700">
+                <a:solidFill>
+                  <a:srgbClr val="FFFFFF"/>
+                </a:solidFill>
+                <a:hlinkClick r:id="rId3" tooltip="http://www.thebluediamondgallery.com/wooden-tile/p/planning.html">
+                  <a:extLst>
+                    <a:ext uri="{A12FA001-AC4F-418D-AE19-62706E023703}">
+                      <ahyp:hlinkClr xmlns:ahyp="http://schemas.microsoft.com/office/drawing/2018/hyperlinkcolor" val="tx"/>
+                    </a:ext>
+                  </a:extLst>
+                </a:hlinkClick>
+              </a:rPr>
+              <a:t>This Photo</a:t>
+            </a:r>
+            <a:r>
+              <a:rPr lang="en-US" sz="700">
+                <a:solidFill>
+                  <a:srgbClr val="FFFFFF"/>
+                </a:solidFill>
+              </a:rPr>
+              <a:t> by Unknown Author is licensed under </a:t>
+            </a:r>
+            <a:r>
+              <a:rPr lang="en-US" sz="700">
+                <a:solidFill>
+                  <a:srgbClr val="FFFFFF"/>
+                </a:solidFill>
+                <a:hlinkClick r:id="rId4" tooltip="https://creativecommons.org/licenses/by-sa/3.0/">
+                  <a:extLst>
+                    <a:ext uri="{A12FA001-AC4F-418D-AE19-62706E023703}">
+                      <ahyp:hlinkClr xmlns:ahyp="http://schemas.microsoft.com/office/drawing/2018/hyperlinkcolor" val="tx"/>
+                    </a:ext>
+                  </a:extLst>
+                </a:hlinkClick>
+              </a:rPr>
+              <a:t>CC BY-SA</a:t>
+            </a:r>
+            <a:endParaRPr lang="en-US" sz="700">
+              <a:solidFill>
+                <a:srgbClr val="FFFFFF"/>
+              </a:solidFill>
+            </a:endParaRPr>
+          </a:p>
+        </p:txBody>
+      </p:sp>
+    </p:spTree>
+    <p:extLst>
+      <p:ext uri="{BB962C8B-B14F-4D97-AF65-F5344CB8AC3E}">
+        <p14:creationId xmlns:p14="http://schemas.microsoft.com/office/powerpoint/2010/main" val="3349127307"/>
+      </p:ext>
+    </p:extLst>
+  </p:cSld>
+  <p:clrMapOvr>
+    <a:masterClrMapping/>
+  </p:clrMapOvr>
+</p:sld>
+</file>
+
+<file path=ppt/slides/slide2.xml><?xml version="1.0" encoding="utf-8"?>
+<p:sld xmlns:a="http://schemas.openxmlformats.org/drawingml/2006/main" xmlns:r="http://schemas.openxmlformats.org/officeDocument/2006/relationships" xmlns:p="http://schemas.openxmlformats.org/presentationml/2006/main">
+  <p:cSld>
+    <p:bg>
+      <p:bgPr>
+        <a:solidFill>
+          <a:schemeClr val="accent1"/>
+        </a:solidFill>
+        <a:effectLst/>
+      </p:bgPr>
+    </p:bg>
+    <p:spTree>
+      <p:nvGrpSpPr>
+        <p:cNvPr id="1" name=""/>
+        <p:cNvGrpSpPr/>
+        <p:nvPr/>
+      </p:nvGrpSpPr>
+      <p:grpSpPr>
+        <a:xfrm>
+          <a:off x="0" y="0"/>
+          <a:ext cx="0" cy="0"/>
+          <a:chOff x="0" y="0"/>
+          <a:chExt cx="0" cy="0"/>
+        </a:xfrm>
+      </p:grpSpPr>
+      <p:sp>
+        <p:nvSpPr>
+          <p:cNvPr id="2" name="Title 1">
+            <a:extLst>
+              <a:ext uri="{FF2B5EF4-FFF2-40B4-BE49-F238E27FC236}">
+                <a16:creationId xmlns:a16="http://schemas.microsoft.com/office/drawing/2014/main" id="{73E393F3-4B0F-4228-9E40-6D0F3F30F671}"/>
+              </a:ext>
+            </a:extLst>
+          </p:cNvPr>
+          <p:cNvSpPr>
+            <a:spLocks noGrp="1"/>
+          </p:cNvSpPr>
+          <p:nvPr>
+            <p:ph type="title"/>
+          </p:nvPr>
+        </p:nvSpPr>
+        <p:spPr>
+          <a:xfrm>
+            <a:off x="1143000" y="609600"/>
+            <a:ext cx="6693061" cy="1356360"/>
+          </a:xfrm>
+        </p:spPr>
+        <p:txBody>
+          <a:bodyPr>
+            <a:normAutofit/>
+          </a:bodyPr>
+          <a:lstStyle/>
+          <a:p>
+            <a:r>
+              <a:rPr lang="en-US"/>
+              <a:t>Game</a:t>
+            </a:r>
+            <a:endParaRPr lang="en-US" dirty="0"/>
+          </a:p>
+        </p:txBody>
+      </p:sp>
+      <p:sp>
+        <p:nvSpPr>
+          <p:cNvPr id="3" name="Content Placeholder 2">
+            <a:extLst>
+              <a:ext uri="{FF2B5EF4-FFF2-40B4-BE49-F238E27FC236}">
+                <a16:creationId xmlns:a16="http://schemas.microsoft.com/office/drawing/2014/main" id="{50BF1F1A-B440-4FFF-9710-1EC3C8B55CE0}"/>
+              </a:ext>
+            </a:extLst>
+          </p:cNvPr>
+          <p:cNvSpPr>
+            <a:spLocks noGrp="1"/>
+          </p:cNvSpPr>
+          <p:nvPr>
+            <p:ph idx="1"/>
+          </p:nvPr>
+        </p:nvSpPr>
+        <p:spPr>
+          <a:xfrm>
+            <a:off x="1143000" y="2057400"/>
+            <a:ext cx="6693061" cy="4038600"/>
+          </a:xfrm>
+        </p:spPr>
+        <p:txBody>
+          <a:bodyPr>
+            <a:normAutofit/>
+          </a:bodyPr>
+          <a:lstStyle/>
+          <a:p>
+            <a:r>
+              <a:rPr lang="en-US"/>
+              <a:t>Objective</a:t>
+            </a:r>
+          </a:p>
+          <a:p>
+            <a:r>
+              <a:rPr lang="en-US"/>
+              <a:t>Limitations</a:t>
+            </a:r>
+          </a:p>
+          <a:p>
+            <a:r>
+              <a:rPr lang="en-US"/>
+              <a:t>Scoring</a:t>
+            </a:r>
+            <a:endParaRPr lang="en-US" dirty="0"/>
+          </a:p>
+        </p:txBody>
+      </p:sp>
+      <p:pic>
+        <p:nvPicPr>
+          <p:cNvPr id="5" name="Picture 4" descr="A picture containing wall, object, indoor&#10;&#10;Description automatically generated">
+            <a:extLst>
+              <a:ext uri="{FF2B5EF4-FFF2-40B4-BE49-F238E27FC236}">
+                <a16:creationId xmlns:a16="http://schemas.microsoft.com/office/drawing/2014/main" id="{5135224E-7FD9-4548-86EA-ADAF0420C470}"/>
+              </a:ext>
+            </a:extLst>
+          </p:cNvPr>
+          <p:cNvPicPr>
+            <a:picLocks noChangeAspect="1"/>
+          </p:cNvPicPr>
+          <p:nvPr/>
+        </p:nvPicPr>
+        <p:blipFill rotWithShape="1">
+          <a:blip r:embed="rId2">
+            <a:extLst>
+              <a:ext uri="{28A0092B-C50C-407E-A947-70E740481C1C}">
+                <a14:useLocalDpi xmlns:a14="http://schemas.microsoft.com/office/drawing/2010/main" val="0"/>
+              </a:ext>
+              <a:ext uri="{837473B0-CC2E-450A-ABE3-18F120FF3D39}">
+                <a1611:picAttrSrcUrl xmlns:a1611="http://schemas.microsoft.com/office/drawing/2016/11/main" r:id="rId3"/>
+              </a:ext>
+            </a:extLst>
+          </a:blip>
+          <a:srcRect l="21767" r="21054" b="1"/>
+          <a:stretch/>
+        </p:blipFill>
+        <p:spPr>
+          <a:xfrm>
+            <a:off x="8310622" y="243840"/>
+            <a:ext cx="3646837" cy="6377939"/>
+          </a:xfrm>
+          <a:prstGeom prst="rect">
+            <a:avLst/>
+          </a:prstGeom>
+        </p:spPr>
+      </p:pic>
+      <p:sp>
+        <p:nvSpPr>
+          <p:cNvPr id="6" name="TextBox 5">
+            <a:extLst>
+              <a:ext uri="{FF2B5EF4-FFF2-40B4-BE49-F238E27FC236}">
+                <a16:creationId xmlns:a16="http://schemas.microsoft.com/office/drawing/2014/main" id="{C410F968-9ED9-4984-AE97-AA9DD3071C46}"/>
+              </a:ext>
+            </a:extLst>
+          </p:cNvPr>
+          <p:cNvSpPr txBox="1"/>
+          <p:nvPr/>
+        </p:nvSpPr>
+        <p:spPr>
+          <a:xfrm>
+            <a:off x="9443629" y="6421724"/>
+            <a:ext cx="2513830" cy="200055"/>
+          </a:xfrm>
+          <a:prstGeom prst="rect">
+            <a:avLst/>
+          </a:prstGeom>
+          <a:solidFill>
+            <a:srgbClr val="000000"/>
+          </a:solidFill>
+        </p:spPr>
+        <p:txBody>
+          <a:bodyPr wrap="none" rtlCol="0">
+            <a:spAutoFit/>
+          </a:bodyPr>
+          <a:lstStyle/>
+          <a:p>
+            <a:pPr algn="r">
+              <a:spcAft>
+                <a:spcPts val="600"/>
+              </a:spcAft>
+            </a:pPr>
+            <a:r>
+              <a:rPr lang="en-US" sz="700">
+                <a:solidFill>
+                  <a:srgbClr val="FFFFFF"/>
+                </a:solidFill>
+                <a:hlinkClick r:id="rId3" tooltip="https://gadgetsin.com/tetris-desk-light.htm">
+                  <a:extLst>
+                    <a:ext uri="{A12FA001-AC4F-418D-AE19-62706E023703}">
+                      <ahyp:hlinkClr xmlns:ahyp="http://schemas.microsoft.com/office/drawing/2018/hyperlinkcolor" val="tx"/>
+                    </a:ext>
+                  </a:extLst>
+                </a:hlinkClick>
+              </a:rPr>
+              <a:t>This Photo</a:t>
+            </a:r>
+            <a:r>
+              <a:rPr lang="en-US" sz="700">
+                <a:solidFill>
+                  <a:srgbClr val="FFFFFF"/>
+                </a:solidFill>
+              </a:rPr>
+              <a:t> by Unknown Author is licensed under </a:t>
+            </a:r>
+            <a:r>
+              <a:rPr lang="en-US" sz="700">
+                <a:solidFill>
+                  <a:srgbClr val="FFFFFF"/>
+                </a:solidFill>
+                <a:hlinkClick r:id="rId4" tooltip="https://creativecommons.org/licenses/by-nc-sa/3.0/">
+                  <a:extLst>
+                    <a:ext uri="{A12FA001-AC4F-418D-AE19-62706E023703}">
+                      <ahyp:hlinkClr xmlns:ahyp="http://schemas.microsoft.com/office/drawing/2018/hyperlinkcolor" val="tx"/>
+                    </a:ext>
+                  </a:extLst>
+                </a:hlinkClick>
+              </a:rPr>
+              <a:t>CC BY-SA-NC</a:t>
+            </a:r>
+            <a:endParaRPr lang="en-US" sz="700">
+              <a:solidFill>
+                <a:srgbClr val="FFFFFF"/>
+              </a:solidFill>
+            </a:endParaRPr>
+          </a:p>
+        </p:txBody>
+      </p:sp>
+    </p:spTree>
+    <p:extLst>
+      <p:ext uri="{BB962C8B-B14F-4D97-AF65-F5344CB8AC3E}">
+        <p14:creationId xmlns:p14="http://schemas.microsoft.com/office/powerpoint/2010/main" val="3452186063"/>
+      </p:ext>
+    </p:extLst>
+  </p:cSld>
+  <p:clrMapOvr>
+    <a:masterClrMapping/>
+  </p:clrMapOvr>
+</p:sld>
+</file>
+
+<file path=ppt/slides/slide3.xml><?xml version="1.0" encoding="utf-8"?>
+<p:sld xmlns:a="http://schemas.openxmlformats.org/drawingml/2006/main" xmlns:r="http://schemas.openxmlformats.org/officeDocument/2006/relationships" xmlns:p="http://schemas.openxmlformats.org/presentationml/2006/main">
+  <p:cSld>
+    <p:bg>
+      <p:bgPr>
+        <a:solidFill>
+          <a:schemeClr val="accent1"/>
+        </a:solidFill>
+        <a:effectLst/>
+      </p:bgPr>
+    </p:bg>
+    <p:spTree>
+      <p:nvGrpSpPr>
+        <p:cNvPr id="1" name=""/>
+        <p:cNvGrpSpPr/>
+        <p:nvPr/>
+      </p:nvGrpSpPr>
+      <p:grpSpPr>
+        <a:xfrm>
+          <a:off x="0" y="0"/>
+          <a:ext cx="0" cy="0"/>
+          <a:chOff x="0" y="0"/>
+          <a:chExt cx="0" cy="0"/>
+        </a:xfrm>
+      </p:grpSpPr>
+      <p:sp>
+        <p:nvSpPr>
+          <p:cNvPr id="2" name="Title 1">
+            <a:extLst>
+              <a:ext uri="{FF2B5EF4-FFF2-40B4-BE49-F238E27FC236}">
+                <a16:creationId xmlns:a16="http://schemas.microsoft.com/office/drawing/2014/main" id="{6573C650-87CD-4543-86C3-D8389ADA3477}"/>
+              </a:ext>
+            </a:extLst>
+          </p:cNvPr>
+          <p:cNvSpPr>
+            <a:spLocks noGrp="1"/>
+          </p:cNvSpPr>
+          <p:nvPr>
+            <p:ph type="title"/>
+          </p:nvPr>
+        </p:nvSpPr>
+        <p:spPr>
+          <a:xfrm>
+            <a:off x="1143000" y="609600"/>
+            <a:ext cx="6693061" cy="1356360"/>
+          </a:xfrm>
+        </p:spPr>
+        <p:txBody>
+          <a:bodyPr>
+            <a:normAutofit/>
+          </a:bodyPr>
+          <a:lstStyle/>
+          <a:p>
+            <a:r>
+              <a:rPr lang="en-US" dirty="0"/>
+              <a:t>Optimal order</a:t>
+            </a:r>
+          </a:p>
+        </p:txBody>
+      </p:sp>
+      <p:sp>
+        <p:nvSpPr>
+          <p:cNvPr id="3" name="Content Placeholder 2">
+            <a:extLst>
+              <a:ext uri="{FF2B5EF4-FFF2-40B4-BE49-F238E27FC236}">
+                <a16:creationId xmlns:a16="http://schemas.microsoft.com/office/drawing/2014/main" id="{279FE082-926E-40A8-96A2-5C630C00392E}"/>
+              </a:ext>
+            </a:extLst>
+          </p:cNvPr>
+          <p:cNvSpPr>
+            <a:spLocks noGrp="1"/>
+          </p:cNvSpPr>
+          <p:nvPr>
+            <p:ph idx="1"/>
+          </p:nvPr>
+        </p:nvSpPr>
+        <p:spPr>
+          <a:xfrm>
+            <a:off x="1143000" y="2057400"/>
+            <a:ext cx="6693061" cy="4038600"/>
+          </a:xfrm>
+        </p:spPr>
+        <p:txBody>
+          <a:bodyPr>
+            <a:normAutofit/>
+          </a:bodyPr>
+          <a:lstStyle/>
+          <a:p>
+            <a:r>
+              <a:rPr lang="en-US" dirty="0"/>
+              <a:t>Approach</a:t>
+            </a:r>
+          </a:p>
+          <a:p>
+            <a:pPr lvl="1"/>
+            <a:r>
+              <a:rPr lang="en-US" dirty="0"/>
+              <a:t>Algorithm X as a start</a:t>
+            </a:r>
+          </a:p>
+          <a:p>
+            <a:pPr lvl="1"/>
+            <a:r>
+              <a:rPr lang="en-US" dirty="0"/>
+              <a:t>Play the game with the given orders</a:t>
+            </a:r>
+          </a:p>
+          <a:p>
+            <a:r>
+              <a:rPr lang="en-US" dirty="0"/>
+              <a:t>Results</a:t>
+            </a:r>
+          </a:p>
+        </p:txBody>
+      </p:sp>
+      <p:pic>
+        <p:nvPicPr>
+          <p:cNvPr id="5" name="Picture 4" descr="A picture containing object, clock&#10;&#10;Description automatically generated">
+            <a:extLst>
+              <a:ext uri="{FF2B5EF4-FFF2-40B4-BE49-F238E27FC236}">
+                <a16:creationId xmlns:a16="http://schemas.microsoft.com/office/drawing/2014/main" id="{0B3EE4C3-D4E2-477B-9A53-7EDAC1E6DA4A}"/>
+              </a:ext>
+            </a:extLst>
+          </p:cNvPr>
+          <p:cNvPicPr>
+            <a:picLocks noChangeAspect="1"/>
+          </p:cNvPicPr>
+          <p:nvPr/>
+        </p:nvPicPr>
+        <p:blipFill rotWithShape="1">
+          <a:blip r:embed="rId2">
+            <a:extLst>
+              <a:ext uri="{28A0092B-C50C-407E-A947-70E740481C1C}">
+                <a14:useLocalDpi xmlns:a14="http://schemas.microsoft.com/office/drawing/2010/main" val="0"/>
+              </a:ext>
+              <a:ext uri="{837473B0-CC2E-450A-ABE3-18F120FF3D39}">
+                <a1611:picAttrSrcUrl xmlns:a1611="http://schemas.microsoft.com/office/drawing/2016/11/main" r:id="rId3"/>
+              </a:ext>
+            </a:extLst>
+          </a:blip>
+          <a:srcRect t="12555" r="-1" b="-1"/>
+          <a:stretch/>
+        </p:blipFill>
+        <p:spPr>
+          <a:xfrm>
+            <a:off x="8310622" y="243840"/>
+            <a:ext cx="3646837" cy="6377939"/>
+          </a:xfrm>
+          <a:prstGeom prst="rect">
+            <a:avLst/>
+          </a:prstGeom>
+        </p:spPr>
+      </p:pic>
+    </p:spTree>
+    <p:extLst>
+      <p:ext uri="{BB962C8B-B14F-4D97-AF65-F5344CB8AC3E}">
+        <p14:creationId xmlns:p14="http://schemas.microsoft.com/office/powerpoint/2010/main" val="1471489852"/>
+      </p:ext>
+    </p:extLst>
+  </p:cSld>
+  <p:clrMapOvr>
+    <a:masterClrMapping/>
+  </p:clrMapOvr>
+</p:sld>
+</file>
+
+<file path=ppt/slides/slide4.xml><?xml version="1.0" encoding="utf-8"?>
+<p:sld xmlns:a="http://schemas.openxmlformats.org/drawingml/2006/main" xmlns:r="http://schemas.openxmlformats.org/officeDocument/2006/relationships" xmlns:p="http://schemas.openxmlformats.org/presentationml/2006/main">
+  <p:cSld>
+    <p:bg>
+      <p:bgPr>
+        <a:solidFill>
+          <a:schemeClr val="accent1"/>
+        </a:solidFill>
+        <a:effectLst/>
+      </p:bgPr>
+    </p:bg>
+    <p:spTree>
+      <p:nvGrpSpPr>
+        <p:cNvPr id="1" name=""/>
+        <p:cNvGrpSpPr/>
+        <p:nvPr/>
+      </p:nvGrpSpPr>
+      <p:grpSpPr>
+        <a:xfrm>
+          <a:off x="0" y="0"/>
+          <a:ext cx="0" cy="0"/>
+          <a:chOff x="0" y="0"/>
+          <a:chExt cx="0" cy="0"/>
+        </a:xfrm>
+      </p:grpSpPr>
+      <p:sp>
+        <p:nvSpPr>
+          <p:cNvPr id="11" name="Rectangle 10">
+            <a:extLst>
+              <a:ext uri="{FF2B5EF4-FFF2-40B4-BE49-F238E27FC236}">
+                <a16:creationId xmlns:a16="http://schemas.microsoft.com/office/drawing/2014/main" id="{BA2EA6A6-CD0C-4CFD-8EC2-AA44F9870331}"/>
               </a:ext>
               <a:ext uri="{C183D7F6-B498-43B3-948B-1728B52AA6E4}">
                 <adec:decorative xmlns:adec="http://schemas.microsoft.com/office/drawing/2017/decorative" val="1"/>
@@ -3522,14 +4407,14 @@
         </p:nvSpPr>
         <p:spPr>
           <a:xfrm>
-            <a:off x="231141" y="240030"/>
-            <a:ext cx="7821038" cy="6377940"/>
+            <a:off x="231140" y="243840"/>
+            <a:ext cx="11724640" cy="6377939"/>
           </a:xfrm>
           <a:prstGeom prst="rect">
             <a:avLst/>
           </a:prstGeom>
           <a:solidFill>
-            <a:schemeClr val="tx1"/>
+            <a:schemeClr val="bg1"/>
           </a:solidFill>
           <a:ln w="12700">
             <a:noFill/>
@@ -3557,7 +4442,7 @@
           <p:cNvPr id="2" name="Title 1">
             <a:extLst>
               <a:ext uri="{FF2B5EF4-FFF2-40B4-BE49-F238E27FC236}">
-                <a16:creationId xmlns:a16="http://schemas.microsoft.com/office/drawing/2014/main" id="{54B7D6D7-9204-4D57-BA02-4B5FA6C3D8C6}"/>
+                <a16:creationId xmlns:a16="http://schemas.microsoft.com/office/drawing/2014/main" id="{B669CEEC-9940-4FB4-8502-B72F41FFEE6F}"/>
               </a:ext>
             </a:extLst>
           </p:cNvPr>
@@ -3565,85 +4450,193 @@
             <a:spLocks noGrp="1"/>
           </p:cNvSpPr>
           <p:nvPr>
-            <p:ph type="ctrTitle"/>
-          </p:nvPr>
-        </p:nvSpPr>
-        <p:spPr>
-          <a:xfrm>
-            <a:off x="1142996" y="688255"/>
-            <a:ext cx="6244018" cy="5217595"/>
-          </a:xfrm>
-          <a:noFill/>
-          <a:ln w="12700" cmpd="sng">
-            <a:noFill/>
-          </a:ln>
-        </p:spPr>
-        <p:txBody>
-          <a:bodyPr anchor="ctr">
+            <p:ph type="title"/>
+          </p:nvPr>
+        </p:nvSpPr>
+        <p:spPr>
+          <a:xfrm>
+            <a:off x="7558564" y="609600"/>
+            <a:ext cx="3912583" cy="1356360"/>
+          </a:xfrm>
+        </p:spPr>
+        <p:txBody>
+          <a:bodyPr>
             <a:normAutofit/>
           </a:bodyPr>
           <a:lstStyle/>
           <a:p>
-            <a:pPr algn="r"/>
-            <a:r>
-              <a:rPr lang="en-US" sz="6000" dirty="0" err="1">
-                <a:solidFill>
-                  <a:schemeClr val="bg1"/>
-                </a:solidFill>
-              </a:rPr>
-              <a:t>Pentetris</a:t>
-            </a:r>
-            <a:r>
-              <a:rPr lang="en-US" sz="6000" dirty="0">
-                <a:solidFill>
-                  <a:schemeClr val="bg1"/>
-                </a:solidFill>
-              </a:rPr>
-              <a:t> bots</a:t>
-            </a:r>
-          </a:p>
-        </p:txBody>
-      </p:sp>
-      <p:sp>
-        <p:nvSpPr>
-          <p:cNvPr id="3" name="Subtitle 2">
+            <a:r>
+              <a:rPr lang="en-US" sz="3200"/>
+              <a:t>Bots</a:t>
+            </a:r>
+          </a:p>
+        </p:txBody>
+      </p:sp>
+      <p:pic>
+        <p:nvPicPr>
+          <p:cNvPr id="5" name="Picture 4">
             <a:extLst>
               <a:ext uri="{FF2B5EF4-FFF2-40B4-BE49-F238E27FC236}">
-                <a16:creationId xmlns:a16="http://schemas.microsoft.com/office/drawing/2014/main" id="{89E2F01C-B57F-4231-851C-5E87490D2C81}"/>
+                <a16:creationId xmlns:a16="http://schemas.microsoft.com/office/drawing/2014/main" id="{DC3F13C0-F773-45D9-84DE-1FD1BE8446F6}"/>
               </a:ext>
             </a:extLst>
           </p:cNvPr>
-          <p:cNvSpPr>
-            <a:spLocks noGrp="1"/>
-          </p:cNvSpPr>
-          <p:nvPr>
-            <p:ph type="subTitle" idx="1"/>
-          </p:nvPr>
-        </p:nvSpPr>
-        <p:spPr>
-          <a:xfrm>
-            <a:off x="8369994" y="688255"/>
-            <a:ext cx="3079883" cy="5217595"/>
-          </a:xfrm>
-        </p:spPr>
-        <p:txBody>
-          <a:bodyPr anchor="ctr">
+          <p:cNvPicPr>
+            <a:picLocks noChangeAspect="1"/>
+          </p:cNvPicPr>
+          <p:nvPr/>
+        </p:nvPicPr>
+        <p:blipFill>
+          <a:blip r:embed="rId2">
+            <a:extLst>
+              <a:ext uri="{28A0092B-C50C-407E-A947-70E740481C1C}">
+                <a14:useLocalDpi xmlns:a14="http://schemas.microsoft.com/office/drawing/2010/main" val="0"/>
+              </a:ext>
+              <a:ext uri="{837473B0-CC2E-450A-ABE3-18F120FF3D39}">
+                <a1611:picAttrSrcUrl xmlns:a1611="http://schemas.microsoft.com/office/drawing/2016/11/main" r:id="rId3"/>
+              </a:ext>
+            </a:extLst>
+          </a:blip>
+          <a:stretch>
+            <a:fillRect/>
+          </a:stretch>
+        </p:blipFill>
+        <p:spPr>
+          <a:xfrm>
+            <a:off x="1324517" y="857675"/>
+            <a:ext cx="5140669" cy="5140669"/>
+          </a:xfrm>
+          <a:prstGeom prst="rect">
+            <a:avLst/>
+          </a:prstGeom>
+        </p:spPr>
+      </p:pic>
+      <p:sp>
+        <p:nvSpPr>
+          <p:cNvPr id="3" name="Content Placeholder 2">
+            <a:extLst>
+              <a:ext uri="{FF2B5EF4-FFF2-40B4-BE49-F238E27FC236}">
+                <a16:creationId xmlns:a16="http://schemas.microsoft.com/office/drawing/2014/main" id="{805DA676-81F7-4A4B-8EFE-7598B85191E0}"/>
+              </a:ext>
+            </a:extLst>
+          </p:cNvPr>
+          <p:cNvSpPr>
+            <a:spLocks noGrp="1"/>
+          </p:cNvSpPr>
+          <p:nvPr>
+            <p:ph idx="1"/>
+          </p:nvPr>
+        </p:nvSpPr>
+        <p:spPr>
+          <a:xfrm>
+            <a:off x="7558564" y="2057400"/>
+            <a:ext cx="3912583" cy="4038600"/>
+          </a:xfrm>
+        </p:spPr>
+        <p:txBody>
+          <a:bodyPr>
             <a:normAutofit/>
           </a:bodyPr>
           <a:lstStyle/>
           <a:p>
-            <a:pPr algn="l"/>
-            <a:r>
-              <a:rPr lang="en-US" sz="2400" dirty="0"/>
-              <a:t>Group 25</a:t>
-            </a:r>
+            <a:r>
+              <a:rPr lang="en-US" sz="1600"/>
+              <a:t>Q-bot</a:t>
+            </a:r>
+          </a:p>
+          <a:p>
+            <a:r>
+              <a:rPr lang="en-US" sz="1600"/>
+              <a:t>G-bot</a:t>
+            </a:r>
+          </a:p>
+        </p:txBody>
+      </p:sp>
+      <p:sp>
+        <p:nvSpPr>
+          <p:cNvPr id="6" name="TextBox 5">
+            <a:extLst>
+              <a:ext uri="{FF2B5EF4-FFF2-40B4-BE49-F238E27FC236}">
+                <a16:creationId xmlns:a16="http://schemas.microsoft.com/office/drawing/2014/main" id="{024E7570-FC13-47C6-B60D-FD25100F17D2}"/>
+              </a:ext>
+            </a:extLst>
+          </p:cNvPr>
+          <p:cNvSpPr txBox="1"/>
+          <p:nvPr/>
+        </p:nvSpPr>
+        <p:spPr>
+          <a:xfrm>
+            <a:off x="4097230" y="5798289"/>
+            <a:ext cx="2367956" cy="200055"/>
+          </a:xfrm>
+          <a:prstGeom prst="rect">
+            <a:avLst/>
+          </a:prstGeom>
+          <a:solidFill>
+            <a:srgbClr val="000000"/>
+          </a:solidFill>
+        </p:spPr>
+        <p:txBody>
+          <a:bodyPr wrap="none" rtlCol="0">
+            <a:spAutoFit/>
+          </a:bodyPr>
+          <a:lstStyle/>
+          <a:p>
+            <a:pPr algn="r">
+              <a:spcAft>
+                <a:spcPts val="600"/>
+              </a:spcAft>
+            </a:pPr>
+            <a:r>
+              <a:rPr lang="en-US" sz="700">
+                <a:solidFill>
+                  <a:srgbClr val="FFFFFF"/>
+                </a:solidFill>
+                <a:hlinkClick r:id="rId3" tooltip="http://commons.wikimedia.org/wiki/File:Logo_wikibot.svg">
+                  <a:extLst>
+                    <a:ext uri="{A12FA001-AC4F-418D-AE19-62706E023703}">
+                      <ahyp:hlinkClr xmlns:ahyp="http://schemas.microsoft.com/office/drawing/2018/hyperlinkcolor" val="tx"/>
+                    </a:ext>
+                  </a:extLst>
+                </a:hlinkClick>
+              </a:rPr>
+              <a:t>This Photo</a:t>
+            </a:r>
+            <a:r>
+              <a:rPr lang="en-US" sz="700">
+                <a:solidFill>
+                  <a:srgbClr val="FFFFFF"/>
+                </a:solidFill>
+              </a:rPr>
+              <a:t> by Unknown Author is licensed under </a:t>
+            </a:r>
+            <a:r>
+              <a:rPr lang="en-US" sz="700">
+                <a:solidFill>
+                  <a:srgbClr val="FFFFFF"/>
+                </a:solidFill>
+                <a:hlinkClick r:id="rId4" tooltip="https://creativecommons.org/licenses/by-sa/3.0/">
+                  <a:extLst>
+                    <a:ext uri="{A12FA001-AC4F-418D-AE19-62706E023703}">
+                      <ahyp:hlinkClr xmlns:ahyp="http://schemas.microsoft.com/office/drawing/2018/hyperlinkcolor" val="tx"/>
+                    </a:ext>
+                  </a:extLst>
+                </a:hlinkClick>
+              </a:rPr>
+              <a:t>CC BY-SA</a:t>
+            </a:r>
+            <a:endParaRPr lang="en-US" sz="700">
+              <a:solidFill>
+                <a:srgbClr val="FFFFFF"/>
+              </a:solidFill>
+            </a:endParaRPr>
           </a:p>
         </p:txBody>
       </p:sp>
     </p:spTree>
     <p:extLst>
       <p:ext uri="{BB962C8B-B14F-4D97-AF65-F5344CB8AC3E}">
-        <p14:creationId xmlns:p14="http://schemas.microsoft.com/office/powerpoint/2010/main" val="2725594720"/>
+        <p14:creationId xmlns:p14="http://schemas.microsoft.com/office/powerpoint/2010/main" val="703005659"/>
       </p:ext>
     </p:extLst>
   </p:cSld>
@@ -3653,7 +4646,1072 @@
 </p:sld>
 </file>
 
-<file path=ppt/slides/slide2.xml><?xml version="1.0" encoding="utf-8"?>
+<file path=ppt/slides/slide5.xml><?xml version="1.0" encoding="utf-8"?>
+<p:sld xmlns:a="http://schemas.openxmlformats.org/drawingml/2006/main" xmlns:r="http://schemas.openxmlformats.org/officeDocument/2006/relationships" xmlns:p="http://schemas.openxmlformats.org/presentationml/2006/main">
+  <p:cSld>
+    <p:bg>
+      <p:bgPr>
+        <a:solidFill>
+          <a:schemeClr val="accent1"/>
+        </a:solidFill>
+        <a:effectLst/>
+      </p:bgPr>
+    </p:bg>
+    <p:spTree>
+      <p:nvGrpSpPr>
+        <p:cNvPr id="1" name=""/>
+        <p:cNvGrpSpPr/>
+        <p:nvPr/>
+      </p:nvGrpSpPr>
+      <p:grpSpPr>
+        <a:xfrm>
+          <a:off x="0" y="0"/>
+          <a:ext cx="0" cy="0"/>
+          <a:chOff x="0" y="0"/>
+          <a:chExt cx="0" cy="0"/>
+        </a:xfrm>
+      </p:grpSpPr>
+      <p:sp>
+        <p:nvSpPr>
+          <p:cNvPr id="11" name="Rectangle 10">
+            <a:extLst>
+              <a:ext uri="{FF2B5EF4-FFF2-40B4-BE49-F238E27FC236}">
+                <a16:creationId xmlns:a16="http://schemas.microsoft.com/office/drawing/2014/main" id="{79CBD3C9-4E66-426D-948E-7CF4778107E8}"/>
+              </a:ext>
+              <a:ext uri="{C183D7F6-B498-43B3-948B-1728B52AA6E4}">
+                <adec:decorative xmlns:adec="http://schemas.microsoft.com/office/drawing/2017/decorative" val="1"/>
+              </a:ext>
+            </a:extLst>
+          </p:cNvPr>
+          <p:cNvSpPr>
+            <a:spLocks noGrp="1" noRot="1" noChangeAspect="1" noMove="1" noResize="1" noEditPoints="1" noAdjustHandles="1" noChangeArrowheads="1" noChangeShapeType="1" noTextEdit="1"/>
+          </p:cNvSpPr>
+          <p:nvPr>
+            <p:extLst>
+              <p:ext uri="{386F3935-93C4-4BCD-93E2-E3B085C9AB24}">
+                <p16:designElem xmlns:p16="http://schemas.microsoft.com/office/powerpoint/2015/main" val="1"/>
+              </p:ext>
+            </p:extLst>
+          </p:nvPr>
+        </p:nvSpPr>
+        <p:spPr>
+          <a:xfrm>
+            <a:off x="231140" y="243840"/>
+            <a:ext cx="11724640" cy="6377939"/>
+          </a:xfrm>
+          <a:prstGeom prst="rect">
+            <a:avLst/>
+          </a:prstGeom>
+          <a:solidFill>
+            <a:schemeClr val="bg1"/>
+          </a:solidFill>
+          <a:ln w="12700">
+            <a:noFill/>
+          </a:ln>
+        </p:spPr>
+        <p:style>
+          <a:lnRef idx="2">
+            <a:schemeClr val="accent1">
+              <a:shade val="50000"/>
+            </a:schemeClr>
+          </a:lnRef>
+          <a:fillRef idx="1">
+            <a:schemeClr val="accent1"/>
+          </a:fillRef>
+          <a:effectRef idx="0">
+            <a:schemeClr val="accent1"/>
+          </a:effectRef>
+          <a:fontRef idx="minor">
+            <a:schemeClr val="lt1"/>
+          </a:fontRef>
+        </p:style>
+      </p:sp>
+      <p:sp>
+        <p:nvSpPr>
+          <p:cNvPr id="13" name="Rectangle 12">
+            <a:extLst>
+              <a:ext uri="{FF2B5EF4-FFF2-40B4-BE49-F238E27FC236}">
+                <a16:creationId xmlns:a16="http://schemas.microsoft.com/office/drawing/2014/main" id="{DDB95FCF-AD96-482F-9FB8-CD95725E6EFF}"/>
+              </a:ext>
+              <a:ext uri="{C183D7F6-B498-43B3-948B-1728B52AA6E4}">
+                <adec:decorative xmlns:adec="http://schemas.microsoft.com/office/drawing/2017/decorative" val="1"/>
+              </a:ext>
+            </a:extLst>
+          </p:cNvPr>
+          <p:cNvSpPr>
+            <a:spLocks noGrp="1" noRot="1" noChangeAspect="1" noMove="1" noResize="1" noEditPoints="1" noAdjustHandles="1" noChangeArrowheads="1" noChangeShapeType="1" noTextEdit="1"/>
+          </p:cNvSpPr>
+          <p:nvPr>
+            <p:extLst>
+              <p:ext uri="{386F3935-93C4-4BCD-93E2-E3B085C9AB24}">
+                <p16:designElem xmlns:p16="http://schemas.microsoft.com/office/powerpoint/2015/main" val="1"/>
+              </p:ext>
+            </p:extLst>
+          </p:nvPr>
+        </p:nvSpPr>
+        <p:spPr>
+          <a:xfrm>
+            <a:off x="231140" y="243840"/>
+            <a:ext cx="11724640" cy="6377939"/>
+          </a:xfrm>
+          <a:prstGeom prst="rect">
+            <a:avLst/>
+          </a:prstGeom>
+          <a:solidFill>
+            <a:schemeClr val="accent1"/>
+          </a:solidFill>
+          <a:ln w="12700">
+            <a:solidFill>
+              <a:srgbClr val="FFFFFF"/>
+            </a:solidFill>
+          </a:ln>
+        </p:spPr>
+        <p:style>
+          <a:lnRef idx="2">
+            <a:schemeClr val="accent1">
+              <a:shade val="50000"/>
+            </a:schemeClr>
+          </a:lnRef>
+          <a:fillRef idx="1">
+            <a:schemeClr val="accent1"/>
+          </a:fillRef>
+          <a:effectRef idx="0">
+            <a:schemeClr val="accent1"/>
+          </a:effectRef>
+          <a:fontRef idx="minor">
+            <a:schemeClr val="lt1"/>
+          </a:fontRef>
+        </p:style>
+      </p:sp>
+      <p:cxnSp>
+        <p:nvCxnSpPr>
+          <p:cNvPr id="15" name="Straight Connector 14">
+            <a:extLst>
+              <a:ext uri="{FF2B5EF4-FFF2-40B4-BE49-F238E27FC236}">
+                <a16:creationId xmlns:a16="http://schemas.microsoft.com/office/drawing/2014/main" id="{64EEEC00-AD80-4734-BEE6-04CBDEC830C9}"/>
+              </a:ext>
+              <a:ext uri="{C183D7F6-B498-43B3-948B-1728B52AA6E4}">
+                <adec:decorative xmlns:adec="http://schemas.microsoft.com/office/drawing/2017/decorative" val="1"/>
+              </a:ext>
+            </a:extLst>
+          </p:cNvPr>
+          <p:cNvCxnSpPr>
+            <a:cxnSpLocks noGrp="1" noRot="1" noChangeAspect="1" noMove="1" noResize="1" noEditPoints="1" noAdjustHandles="1" noChangeArrowheads="1" noChangeShapeType="1"/>
+          </p:cNvCxnSpPr>
+          <p:nvPr>
+            <p:extLst>
+              <p:ext uri="{386F3935-93C4-4BCD-93E2-E3B085C9AB24}">
+                <p16:designElem xmlns:p16="http://schemas.microsoft.com/office/powerpoint/2015/main" val="1"/>
+              </p:ext>
+            </p:extLst>
+          </p:nvPr>
+        </p:nvCxnSpPr>
+        <p:spPr>
+          <a:xfrm>
+            <a:off x="1978660" y="3733800"/>
+            <a:ext cx="8229601" cy="0"/>
+          </a:xfrm>
+          <a:prstGeom prst="line">
+            <a:avLst/>
+          </a:prstGeom>
+          <a:ln>
+            <a:solidFill>
+              <a:srgbClr val="FFFFFF"/>
+            </a:solidFill>
+          </a:ln>
+        </p:spPr>
+        <p:style>
+          <a:lnRef idx="1">
+            <a:schemeClr val="accent1"/>
+          </a:lnRef>
+          <a:fillRef idx="0">
+            <a:schemeClr val="accent1"/>
+          </a:fillRef>
+          <a:effectRef idx="0">
+            <a:schemeClr val="accent1"/>
+          </a:effectRef>
+          <a:fontRef idx="minor">
+            <a:schemeClr val="tx1"/>
+          </a:fontRef>
+        </p:style>
+      </p:cxnSp>
+      <p:sp>
+        <p:nvSpPr>
+          <p:cNvPr id="17" name="Rectangle 16">
+            <a:extLst>
+              <a:ext uri="{FF2B5EF4-FFF2-40B4-BE49-F238E27FC236}">
+                <a16:creationId xmlns:a16="http://schemas.microsoft.com/office/drawing/2014/main" id="{24AF37F0-1E8F-443E-AA28-4BC6348204B4}"/>
+              </a:ext>
+              <a:ext uri="{C183D7F6-B498-43B3-948B-1728B52AA6E4}">
+                <adec:decorative xmlns:adec="http://schemas.microsoft.com/office/drawing/2017/decorative" val="1"/>
+              </a:ext>
+            </a:extLst>
+          </p:cNvPr>
+          <p:cNvSpPr>
+            <a:spLocks noGrp="1" noRot="1" noChangeAspect="1" noMove="1" noResize="1" noEditPoints="1" noAdjustHandles="1" noChangeArrowheads="1" noChangeShapeType="1" noTextEdit="1"/>
+          </p:cNvSpPr>
+          <p:nvPr>
+            <p:extLst>
+              <p:ext uri="{386F3935-93C4-4BCD-93E2-E3B085C9AB24}">
+                <p16:designElem xmlns:p16="http://schemas.microsoft.com/office/powerpoint/2015/main" val="1"/>
+              </p:ext>
+            </p:extLst>
+          </p:nvPr>
+        </p:nvSpPr>
+        <p:spPr>
+          <a:xfrm>
+            <a:off x="0" y="0"/>
+            <a:ext cx="12192000" cy="6858000"/>
+          </a:xfrm>
+          <a:prstGeom prst="rect">
+            <a:avLst/>
+          </a:prstGeom>
+          <a:ln>
+            <a:noFill/>
+          </a:ln>
+        </p:spPr>
+        <p:style>
+          <a:lnRef idx="2">
+            <a:schemeClr val="accent1">
+              <a:shade val="50000"/>
+            </a:schemeClr>
+          </a:lnRef>
+          <a:fillRef idx="1">
+            <a:schemeClr val="accent1"/>
+          </a:fillRef>
+          <a:effectRef idx="0">
+            <a:schemeClr val="accent1"/>
+          </a:effectRef>
+          <a:fontRef idx="minor">
+            <a:schemeClr val="lt1"/>
+          </a:fontRef>
+        </p:style>
+        <p:txBody>
+          <a:bodyPr rtlCol="0" anchor="ctr"/>
+          <a:lstStyle/>
+          <a:p>
+            <a:pPr algn="ctr"/>
+            <a:endParaRPr lang="en-US"/>
+          </a:p>
+        </p:txBody>
+      </p:sp>
+      <p:sp>
+        <p:nvSpPr>
+          <p:cNvPr id="19" name="Rectangle 18">
+            <a:extLst>
+              <a:ext uri="{FF2B5EF4-FFF2-40B4-BE49-F238E27FC236}">
+                <a16:creationId xmlns:a16="http://schemas.microsoft.com/office/drawing/2014/main" id="{3DBE9D54-6250-40F2-A23A-F9CEBF5F9196}"/>
+              </a:ext>
+              <a:ext uri="{C183D7F6-B498-43B3-948B-1728B52AA6E4}">
+                <adec:decorative xmlns:adec="http://schemas.microsoft.com/office/drawing/2017/decorative" val="1"/>
+              </a:ext>
+            </a:extLst>
+          </p:cNvPr>
+          <p:cNvSpPr>
+            <a:spLocks noGrp="1" noRot="1" noChangeAspect="1" noMove="1" noResize="1" noEditPoints="1" noAdjustHandles="1" noChangeArrowheads="1" noChangeShapeType="1" noTextEdit="1"/>
+          </p:cNvSpPr>
+          <p:nvPr>
+            <p:extLst>
+              <p:ext uri="{386F3935-93C4-4BCD-93E2-E3B085C9AB24}">
+                <p16:designElem xmlns:p16="http://schemas.microsoft.com/office/powerpoint/2015/main" val="1"/>
+              </p:ext>
+            </p:extLst>
+          </p:nvPr>
+        </p:nvSpPr>
+        <p:spPr>
+          <a:xfrm>
+            <a:off x="243840" y="256540"/>
+            <a:ext cx="11704320" cy="6365239"/>
+          </a:xfrm>
+          <a:prstGeom prst="rect">
+            <a:avLst/>
+          </a:prstGeom>
+          <a:solidFill>
+            <a:schemeClr val="bg1"/>
+          </a:solidFill>
+          <a:ln w="12700">
+            <a:noFill/>
+          </a:ln>
+        </p:spPr>
+        <p:style>
+          <a:lnRef idx="2">
+            <a:schemeClr val="accent1">
+              <a:shade val="50000"/>
+            </a:schemeClr>
+          </a:lnRef>
+          <a:fillRef idx="1">
+            <a:schemeClr val="accent1"/>
+          </a:fillRef>
+          <a:effectRef idx="0">
+            <a:schemeClr val="accent1"/>
+          </a:effectRef>
+          <a:fontRef idx="minor">
+            <a:schemeClr val="lt1"/>
+          </a:fontRef>
+        </p:style>
+      </p:sp>
+      <p:cxnSp>
+        <p:nvCxnSpPr>
+          <p:cNvPr id="21" name="Straight Connector 20">
+            <a:extLst>
+              <a:ext uri="{FF2B5EF4-FFF2-40B4-BE49-F238E27FC236}">
+                <a16:creationId xmlns:a16="http://schemas.microsoft.com/office/drawing/2014/main" id="{E46E6328-0D82-4747-8B39-60373321BB39}"/>
+              </a:ext>
+              <a:ext uri="{C183D7F6-B498-43B3-948B-1728B52AA6E4}">
+                <adec:decorative xmlns:adec="http://schemas.microsoft.com/office/drawing/2017/decorative" val="1"/>
+              </a:ext>
+            </a:extLst>
+          </p:cNvPr>
+          <p:cNvCxnSpPr>
+            <a:cxnSpLocks noGrp="1" noRot="1" noChangeAspect="1" noMove="1" noResize="1" noEditPoints="1" noAdjustHandles="1" noChangeArrowheads="1" noChangeShapeType="1"/>
+          </p:cNvCxnSpPr>
+          <p:nvPr>
+            <p:extLst>
+              <p:ext uri="{386F3935-93C4-4BCD-93E2-E3B085C9AB24}">
+                <p16:designElem xmlns:p16="http://schemas.microsoft.com/office/powerpoint/2015/main" val="1"/>
+              </p:ext>
+            </p:extLst>
+          </p:nvPr>
+        </p:nvCxnSpPr>
+        <p:spPr>
+          <a:xfrm>
+            <a:off x="1978660" y="5458968"/>
+            <a:ext cx="8229601" cy="0"/>
+          </a:xfrm>
+          <a:prstGeom prst="line">
+            <a:avLst/>
+          </a:prstGeom>
+          <a:ln>
+            <a:solidFill>
+              <a:schemeClr val="accent1"/>
+            </a:solidFill>
+          </a:ln>
+        </p:spPr>
+        <p:style>
+          <a:lnRef idx="1">
+            <a:schemeClr val="accent1"/>
+          </a:lnRef>
+          <a:fillRef idx="0">
+            <a:schemeClr val="accent1"/>
+          </a:fillRef>
+          <a:effectRef idx="0">
+            <a:schemeClr val="accent1"/>
+          </a:effectRef>
+          <a:fontRef idx="minor">
+            <a:schemeClr val="tx1"/>
+          </a:fontRef>
+        </p:style>
+      </p:cxnSp>
+      <p:sp>
+        <p:nvSpPr>
+          <p:cNvPr id="2" name="Title 1">
+            <a:extLst>
+              <a:ext uri="{FF2B5EF4-FFF2-40B4-BE49-F238E27FC236}">
+                <a16:creationId xmlns:a16="http://schemas.microsoft.com/office/drawing/2014/main" id="{F5308069-F356-4FEA-BB66-AD223B9182D6}"/>
+              </a:ext>
+            </a:extLst>
+          </p:cNvPr>
+          <p:cNvSpPr>
+            <a:spLocks noGrp="1"/>
+          </p:cNvSpPr>
+          <p:nvPr>
+            <p:ph type="title"/>
+          </p:nvPr>
+        </p:nvSpPr>
+        <p:spPr>
+          <a:xfrm>
+            <a:off x="1109980" y="4206240"/>
+            <a:ext cx="9966960" cy="1325880"/>
+          </a:xfrm>
+        </p:spPr>
+        <p:txBody>
+          <a:bodyPr vert="horz" lIns="91440" tIns="45720" rIns="91440" bIns="45720" rtlCol="0" anchor="b">
+            <a:normAutofit/>
+          </a:bodyPr>
+          <a:lstStyle/>
+          <a:p>
+            <a:pPr algn="ctr">
+              <a:lnSpc>
+                <a:spcPct val="85000"/>
+              </a:lnSpc>
+            </a:pPr>
+            <a:r>
+              <a:rPr lang="en-US" sz="6600" b="1" cap="all"/>
+              <a:t>Q-bot</a:t>
+            </a:r>
+          </a:p>
+        </p:txBody>
+      </p:sp>
+      <p:pic>
+        <p:nvPicPr>
+          <p:cNvPr id="5" name="Content Placeholder 4" descr="A screenshot of a cell phone&#10;&#10;Description automatically generated">
+            <a:extLst>
+              <a:ext uri="{FF2B5EF4-FFF2-40B4-BE49-F238E27FC236}">
+                <a16:creationId xmlns:a16="http://schemas.microsoft.com/office/drawing/2014/main" id="{CB079866-CEFF-4FE5-9ECB-621A8923A807}"/>
+              </a:ext>
+            </a:extLst>
+          </p:cNvPr>
+          <p:cNvPicPr>
+            <a:picLocks noGrp="1" noChangeAspect="1"/>
+          </p:cNvPicPr>
+          <p:nvPr>
+            <p:ph idx="1"/>
+          </p:nvPr>
+        </p:nvPicPr>
+        <p:blipFill>
+          <a:blip r:embed="rId2">
+            <a:extLst>
+              <a:ext uri="{28A0092B-C50C-407E-A947-70E740481C1C}">
+                <a14:useLocalDpi xmlns:a14="http://schemas.microsoft.com/office/drawing/2010/main" val="0"/>
+              </a:ext>
+              <a:ext uri="{837473B0-CC2E-450A-ABE3-18F120FF3D39}">
+                <a1611:picAttrSrcUrl xmlns:a1611="http://schemas.microsoft.com/office/drawing/2016/11/main" r:id="rId3"/>
+              </a:ext>
+            </a:extLst>
+          </a:blip>
+          <a:stretch>
+            <a:fillRect/>
+          </a:stretch>
+        </p:blipFill>
+        <p:spPr>
+          <a:xfrm>
+            <a:off x="2643743" y="741172"/>
+            <a:ext cx="6904513" cy="3279644"/>
+          </a:xfrm>
+          <a:prstGeom prst="rect">
+            <a:avLst/>
+          </a:prstGeom>
+        </p:spPr>
+      </p:pic>
+      <p:sp>
+        <p:nvSpPr>
+          <p:cNvPr id="6" name="TextBox 5">
+            <a:extLst>
+              <a:ext uri="{FF2B5EF4-FFF2-40B4-BE49-F238E27FC236}">
+                <a16:creationId xmlns:a16="http://schemas.microsoft.com/office/drawing/2014/main" id="{20D8FE0B-825F-4BF1-99FB-15CEE46B249E}"/>
+              </a:ext>
+            </a:extLst>
+          </p:cNvPr>
+          <p:cNvSpPr txBox="1"/>
+          <p:nvPr/>
+        </p:nvSpPr>
+        <p:spPr>
+          <a:xfrm>
+            <a:off x="7180300" y="3820761"/>
+            <a:ext cx="2367956" cy="200055"/>
+          </a:xfrm>
+          <a:prstGeom prst="rect">
+            <a:avLst/>
+          </a:prstGeom>
+          <a:solidFill>
+            <a:srgbClr val="000000"/>
+          </a:solidFill>
+        </p:spPr>
+        <p:txBody>
+          <a:bodyPr wrap="none" rtlCol="0">
+            <a:spAutoFit/>
+          </a:bodyPr>
+          <a:lstStyle/>
+          <a:p>
+            <a:pPr algn="r">
+              <a:spcAft>
+                <a:spcPts val="600"/>
+              </a:spcAft>
+            </a:pPr>
+            <a:r>
+              <a:rPr lang="en-US" sz="700">
+                <a:solidFill>
+                  <a:srgbClr val="FFFFFF"/>
+                </a:solidFill>
+                <a:hlinkClick r:id="rId3" tooltip="https://stackoverflow.com/questions/34200673/utilities-of-states-in-reinforcement-learning">
+                  <a:extLst>
+                    <a:ext uri="{A12FA001-AC4F-418D-AE19-62706E023703}">
+                      <ahyp:hlinkClr xmlns:ahyp="http://schemas.microsoft.com/office/drawing/2018/hyperlinkcolor" val="tx"/>
+                    </a:ext>
+                  </a:extLst>
+                </a:hlinkClick>
+              </a:rPr>
+              <a:t>This Photo</a:t>
+            </a:r>
+            <a:r>
+              <a:rPr lang="en-US" sz="700">
+                <a:solidFill>
+                  <a:srgbClr val="FFFFFF"/>
+                </a:solidFill>
+              </a:rPr>
+              <a:t> by Unknown Author is licensed under </a:t>
+            </a:r>
+            <a:r>
+              <a:rPr lang="en-US" sz="700">
+                <a:solidFill>
+                  <a:srgbClr val="FFFFFF"/>
+                </a:solidFill>
+                <a:hlinkClick r:id="rId4" tooltip="https://creativecommons.org/licenses/by-sa/3.0/">
+                  <a:extLst>
+                    <a:ext uri="{A12FA001-AC4F-418D-AE19-62706E023703}">
+                      <ahyp:hlinkClr xmlns:ahyp="http://schemas.microsoft.com/office/drawing/2018/hyperlinkcolor" val="tx"/>
+                    </a:ext>
+                  </a:extLst>
+                </a:hlinkClick>
+              </a:rPr>
+              <a:t>CC BY-SA</a:t>
+            </a:r>
+            <a:endParaRPr lang="en-US" sz="700">
+              <a:solidFill>
+                <a:srgbClr val="FFFFFF"/>
+              </a:solidFill>
+            </a:endParaRPr>
+          </a:p>
+        </p:txBody>
+      </p:sp>
+    </p:spTree>
+    <p:extLst>
+      <p:ext uri="{BB962C8B-B14F-4D97-AF65-F5344CB8AC3E}">
+        <p14:creationId xmlns:p14="http://schemas.microsoft.com/office/powerpoint/2010/main" val="794926802"/>
+      </p:ext>
+    </p:extLst>
+  </p:cSld>
+  <p:clrMapOvr>
+    <a:masterClrMapping/>
+  </p:clrMapOvr>
+</p:sld>
+</file>
+
+<file path=ppt/slides/slide6.xml><?xml version="1.0" encoding="utf-8"?>
+<p:sld xmlns:a="http://schemas.openxmlformats.org/drawingml/2006/main" xmlns:r="http://schemas.openxmlformats.org/officeDocument/2006/relationships" xmlns:p="http://schemas.openxmlformats.org/presentationml/2006/main">
+  <p:cSld>
+    <p:bg>
+      <p:bgPr>
+        <a:solidFill>
+          <a:schemeClr val="accent1"/>
+        </a:solidFill>
+        <a:effectLst/>
+      </p:bgPr>
+    </p:bg>
+    <p:spTree>
+      <p:nvGrpSpPr>
+        <p:cNvPr id="1" name=""/>
+        <p:cNvGrpSpPr/>
+        <p:nvPr/>
+      </p:nvGrpSpPr>
+      <p:grpSpPr>
+        <a:xfrm>
+          <a:off x="0" y="0"/>
+          <a:ext cx="0" cy="0"/>
+          <a:chOff x="0" y="0"/>
+          <a:chExt cx="0" cy="0"/>
+        </a:xfrm>
+      </p:grpSpPr>
+      <p:sp>
+        <p:nvSpPr>
+          <p:cNvPr id="12" name="Rectangle 11">
+            <a:extLst>
+              <a:ext uri="{FF2B5EF4-FFF2-40B4-BE49-F238E27FC236}">
+                <a16:creationId xmlns:a16="http://schemas.microsoft.com/office/drawing/2014/main" id="{79CBD3C9-4E66-426D-948E-7CF4778107E8}"/>
+              </a:ext>
+              <a:ext uri="{C183D7F6-B498-43B3-948B-1728B52AA6E4}">
+                <adec:decorative xmlns:adec="http://schemas.microsoft.com/office/drawing/2017/decorative" val="1"/>
+              </a:ext>
+            </a:extLst>
+          </p:cNvPr>
+          <p:cNvSpPr>
+            <a:spLocks noGrp="1" noRot="1" noChangeAspect="1" noMove="1" noResize="1" noEditPoints="1" noAdjustHandles="1" noChangeArrowheads="1" noChangeShapeType="1" noTextEdit="1"/>
+          </p:cNvSpPr>
+          <p:nvPr>
+            <p:extLst>
+              <p:ext uri="{386F3935-93C4-4BCD-93E2-E3B085C9AB24}">
+                <p16:designElem xmlns:p16="http://schemas.microsoft.com/office/powerpoint/2015/main" val="1"/>
+              </p:ext>
+            </p:extLst>
+          </p:nvPr>
+        </p:nvSpPr>
+        <p:spPr>
+          <a:xfrm>
+            <a:off x="231140" y="243840"/>
+            <a:ext cx="11724640" cy="6377939"/>
+          </a:xfrm>
+          <a:prstGeom prst="rect">
+            <a:avLst/>
+          </a:prstGeom>
+          <a:solidFill>
+            <a:schemeClr val="bg1"/>
+          </a:solidFill>
+          <a:ln w="12700">
+            <a:noFill/>
+          </a:ln>
+        </p:spPr>
+        <p:style>
+          <a:lnRef idx="2">
+            <a:schemeClr val="accent1">
+              <a:shade val="50000"/>
+            </a:schemeClr>
+          </a:lnRef>
+          <a:fillRef idx="1">
+            <a:schemeClr val="accent1"/>
+          </a:fillRef>
+          <a:effectRef idx="0">
+            <a:schemeClr val="accent1"/>
+          </a:effectRef>
+          <a:fontRef idx="minor">
+            <a:schemeClr val="lt1"/>
+          </a:fontRef>
+        </p:style>
+      </p:sp>
+      <p:sp>
+        <p:nvSpPr>
+          <p:cNvPr id="14" name="Rectangle 13">
+            <a:extLst>
+              <a:ext uri="{FF2B5EF4-FFF2-40B4-BE49-F238E27FC236}">
+                <a16:creationId xmlns:a16="http://schemas.microsoft.com/office/drawing/2014/main" id="{DDB95FCF-AD96-482F-9FB8-CD95725E6EFF}"/>
+              </a:ext>
+              <a:ext uri="{C183D7F6-B498-43B3-948B-1728B52AA6E4}">
+                <adec:decorative xmlns:adec="http://schemas.microsoft.com/office/drawing/2017/decorative" val="1"/>
+              </a:ext>
+            </a:extLst>
+          </p:cNvPr>
+          <p:cNvSpPr>
+            <a:spLocks noGrp="1" noRot="1" noChangeAspect="1" noMove="1" noResize="1" noEditPoints="1" noAdjustHandles="1" noChangeArrowheads="1" noChangeShapeType="1" noTextEdit="1"/>
+          </p:cNvSpPr>
+          <p:nvPr>
+            <p:extLst>
+              <p:ext uri="{386F3935-93C4-4BCD-93E2-E3B085C9AB24}">
+                <p16:designElem xmlns:p16="http://schemas.microsoft.com/office/powerpoint/2015/main" val="1"/>
+              </p:ext>
+            </p:extLst>
+          </p:nvPr>
+        </p:nvSpPr>
+        <p:spPr>
+          <a:xfrm>
+            <a:off x="231140" y="243840"/>
+            <a:ext cx="11724640" cy="6377939"/>
+          </a:xfrm>
+          <a:prstGeom prst="rect">
+            <a:avLst/>
+          </a:prstGeom>
+          <a:solidFill>
+            <a:schemeClr val="accent1"/>
+          </a:solidFill>
+          <a:ln w="12700">
+            <a:solidFill>
+              <a:srgbClr val="FFFFFF"/>
+            </a:solidFill>
+          </a:ln>
+        </p:spPr>
+        <p:style>
+          <a:lnRef idx="2">
+            <a:schemeClr val="accent1">
+              <a:shade val="50000"/>
+            </a:schemeClr>
+          </a:lnRef>
+          <a:fillRef idx="1">
+            <a:schemeClr val="accent1"/>
+          </a:fillRef>
+          <a:effectRef idx="0">
+            <a:schemeClr val="accent1"/>
+          </a:effectRef>
+          <a:fontRef idx="minor">
+            <a:schemeClr val="lt1"/>
+          </a:fontRef>
+        </p:style>
+      </p:sp>
+      <p:cxnSp>
+        <p:nvCxnSpPr>
+          <p:cNvPr id="16" name="Straight Connector 15">
+            <a:extLst>
+              <a:ext uri="{FF2B5EF4-FFF2-40B4-BE49-F238E27FC236}">
+                <a16:creationId xmlns:a16="http://schemas.microsoft.com/office/drawing/2014/main" id="{64EEEC00-AD80-4734-BEE6-04CBDEC830C9}"/>
+              </a:ext>
+              <a:ext uri="{C183D7F6-B498-43B3-948B-1728B52AA6E4}">
+                <adec:decorative xmlns:adec="http://schemas.microsoft.com/office/drawing/2017/decorative" val="1"/>
+              </a:ext>
+            </a:extLst>
+          </p:cNvPr>
+          <p:cNvCxnSpPr>
+            <a:cxnSpLocks noGrp="1" noRot="1" noChangeAspect="1" noMove="1" noResize="1" noEditPoints="1" noAdjustHandles="1" noChangeArrowheads="1" noChangeShapeType="1"/>
+          </p:cNvCxnSpPr>
+          <p:nvPr>
+            <p:extLst>
+              <p:ext uri="{386F3935-93C4-4BCD-93E2-E3B085C9AB24}">
+                <p16:designElem xmlns:p16="http://schemas.microsoft.com/office/powerpoint/2015/main" val="1"/>
+              </p:ext>
+            </p:extLst>
+          </p:nvPr>
+        </p:nvCxnSpPr>
+        <p:spPr>
+          <a:xfrm>
+            <a:off x="1978660" y="3733800"/>
+            <a:ext cx="8229601" cy="0"/>
+          </a:xfrm>
+          <a:prstGeom prst="line">
+            <a:avLst/>
+          </a:prstGeom>
+          <a:ln>
+            <a:solidFill>
+              <a:srgbClr val="FFFFFF"/>
+            </a:solidFill>
+          </a:ln>
+        </p:spPr>
+        <p:style>
+          <a:lnRef idx="1">
+            <a:schemeClr val="accent1"/>
+          </a:lnRef>
+          <a:fillRef idx="0">
+            <a:schemeClr val="accent1"/>
+          </a:fillRef>
+          <a:effectRef idx="0">
+            <a:schemeClr val="accent1"/>
+          </a:effectRef>
+          <a:fontRef idx="minor">
+            <a:schemeClr val="tx1"/>
+          </a:fontRef>
+        </p:style>
+      </p:cxnSp>
+      <p:sp>
+        <p:nvSpPr>
+          <p:cNvPr id="18" name="Rectangle 17">
+            <a:extLst>
+              <a:ext uri="{FF2B5EF4-FFF2-40B4-BE49-F238E27FC236}">
+                <a16:creationId xmlns:a16="http://schemas.microsoft.com/office/drawing/2014/main" id="{24AF37F0-1E8F-443E-AA28-4BC6348204B4}"/>
+              </a:ext>
+              <a:ext uri="{C183D7F6-B498-43B3-948B-1728B52AA6E4}">
+                <adec:decorative xmlns:adec="http://schemas.microsoft.com/office/drawing/2017/decorative" val="1"/>
+              </a:ext>
+            </a:extLst>
+          </p:cNvPr>
+          <p:cNvSpPr>
+            <a:spLocks noGrp="1" noRot="1" noChangeAspect="1" noMove="1" noResize="1" noEditPoints="1" noAdjustHandles="1" noChangeArrowheads="1" noChangeShapeType="1" noTextEdit="1"/>
+          </p:cNvSpPr>
+          <p:nvPr>
+            <p:extLst>
+              <p:ext uri="{386F3935-93C4-4BCD-93E2-E3B085C9AB24}">
+                <p16:designElem xmlns:p16="http://schemas.microsoft.com/office/powerpoint/2015/main" val="1"/>
+              </p:ext>
+            </p:extLst>
+          </p:nvPr>
+        </p:nvSpPr>
+        <p:spPr>
+          <a:xfrm>
+            <a:off x="0" y="0"/>
+            <a:ext cx="12192000" cy="6858000"/>
+          </a:xfrm>
+          <a:prstGeom prst="rect">
+            <a:avLst/>
+          </a:prstGeom>
+          <a:ln>
+            <a:noFill/>
+          </a:ln>
+        </p:spPr>
+        <p:style>
+          <a:lnRef idx="2">
+            <a:schemeClr val="accent1">
+              <a:shade val="50000"/>
+            </a:schemeClr>
+          </a:lnRef>
+          <a:fillRef idx="1">
+            <a:schemeClr val="accent1"/>
+          </a:fillRef>
+          <a:effectRef idx="0">
+            <a:schemeClr val="accent1"/>
+          </a:effectRef>
+          <a:fontRef idx="minor">
+            <a:schemeClr val="lt1"/>
+          </a:fontRef>
+        </p:style>
+        <p:txBody>
+          <a:bodyPr rtlCol="0" anchor="ctr"/>
+          <a:lstStyle/>
+          <a:p>
+            <a:pPr algn="ctr"/>
+            <a:endParaRPr lang="en-US"/>
+          </a:p>
+        </p:txBody>
+      </p:sp>
+      <p:sp>
+        <p:nvSpPr>
+          <p:cNvPr id="20" name="Rectangle 19">
+            <a:extLst>
+              <a:ext uri="{FF2B5EF4-FFF2-40B4-BE49-F238E27FC236}">
+                <a16:creationId xmlns:a16="http://schemas.microsoft.com/office/drawing/2014/main" id="{3DBE9D54-6250-40F2-A23A-F9CEBF5F9196}"/>
+              </a:ext>
+              <a:ext uri="{C183D7F6-B498-43B3-948B-1728B52AA6E4}">
+                <adec:decorative xmlns:adec="http://schemas.microsoft.com/office/drawing/2017/decorative" val="1"/>
+              </a:ext>
+            </a:extLst>
+          </p:cNvPr>
+          <p:cNvSpPr>
+            <a:spLocks noGrp="1" noRot="1" noChangeAspect="1" noMove="1" noResize="1" noEditPoints="1" noAdjustHandles="1" noChangeArrowheads="1" noChangeShapeType="1" noTextEdit="1"/>
+          </p:cNvSpPr>
+          <p:nvPr>
+            <p:extLst>
+              <p:ext uri="{386F3935-93C4-4BCD-93E2-E3B085C9AB24}">
+                <p16:designElem xmlns:p16="http://schemas.microsoft.com/office/powerpoint/2015/main" val="1"/>
+              </p:ext>
+            </p:extLst>
+          </p:nvPr>
+        </p:nvSpPr>
+        <p:spPr>
+          <a:xfrm>
+            <a:off x="243840" y="256540"/>
+            <a:ext cx="11704320" cy="6365239"/>
+          </a:xfrm>
+          <a:prstGeom prst="rect">
+            <a:avLst/>
+          </a:prstGeom>
+          <a:solidFill>
+            <a:schemeClr val="bg1"/>
+          </a:solidFill>
+          <a:ln w="12700">
+            <a:noFill/>
+          </a:ln>
+        </p:spPr>
+        <p:style>
+          <a:lnRef idx="2">
+            <a:schemeClr val="accent1">
+              <a:shade val="50000"/>
+            </a:schemeClr>
+          </a:lnRef>
+          <a:fillRef idx="1">
+            <a:schemeClr val="accent1"/>
+          </a:fillRef>
+          <a:effectRef idx="0">
+            <a:schemeClr val="accent1"/>
+          </a:effectRef>
+          <a:fontRef idx="minor">
+            <a:schemeClr val="lt1"/>
+          </a:fontRef>
+        </p:style>
+      </p:sp>
+      <p:cxnSp>
+        <p:nvCxnSpPr>
+          <p:cNvPr id="22" name="Straight Connector 21">
+            <a:extLst>
+              <a:ext uri="{FF2B5EF4-FFF2-40B4-BE49-F238E27FC236}">
+                <a16:creationId xmlns:a16="http://schemas.microsoft.com/office/drawing/2014/main" id="{E46E6328-0D82-4747-8B39-60373321BB39}"/>
+              </a:ext>
+              <a:ext uri="{C183D7F6-B498-43B3-948B-1728B52AA6E4}">
+                <adec:decorative xmlns:adec="http://schemas.microsoft.com/office/drawing/2017/decorative" val="1"/>
+              </a:ext>
+            </a:extLst>
+          </p:cNvPr>
+          <p:cNvCxnSpPr>
+            <a:cxnSpLocks noGrp="1" noRot="1" noChangeAspect="1" noMove="1" noResize="1" noEditPoints="1" noAdjustHandles="1" noChangeArrowheads="1" noChangeShapeType="1"/>
+          </p:cNvCxnSpPr>
+          <p:nvPr>
+            <p:extLst>
+              <p:ext uri="{386F3935-93C4-4BCD-93E2-E3B085C9AB24}">
+                <p16:designElem xmlns:p16="http://schemas.microsoft.com/office/powerpoint/2015/main" val="1"/>
+              </p:ext>
+            </p:extLst>
+          </p:nvPr>
+        </p:nvCxnSpPr>
+        <p:spPr>
+          <a:xfrm>
+            <a:off x="1978660" y="5458968"/>
+            <a:ext cx="8229601" cy="0"/>
+          </a:xfrm>
+          <a:prstGeom prst="line">
+            <a:avLst/>
+          </a:prstGeom>
+          <a:ln>
+            <a:solidFill>
+              <a:schemeClr val="accent1"/>
+            </a:solidFill>
+          </a:ln>
+        </p:spPr>
+        <p:style>
+          <a:lnRef idx="1">
+            <a:schemeClr val="accent1"/>
+          </a:lnRef>
+          <a:fillRef idx="0">
+            <a:schemeClr val="accent1"/>
+          </a:fillRef>
+          <a:effectRef idx="0">
+            <a:schemeClr val="accent1"/>
+          </a:effectRef>
+          <a:fontRef idx="minor">
+            <a:schemeClr val="tx1"/>
+          </a:fontRef>
+        </p:style>
+      </p:cxnSp>
+      <p:sp>
+        <p:nvSpPr>
+          <p:cNvPr id="2" name="Title 1">
+            <a:extLst>
+              <a:ext uri="{FF2B5EF4-FFF2-40B4-BE49-F238E27FC236}">
+                <a16:creationId xmlns:a16="http://schemas.microsoft.com/office/drawing/2014/main" id="{209AA5D8-8CEF-4E9D-A672-A3388CA191A3}"/>
+              </a:ext>
+            </a:extLst>
+          </p:cNvPr>
+          <p:cNvSpPr>
+            <a:spLocks noGrp="1"/>
+          </p:cNvSpPr>
+          <p:nvPr>
+            <p:ph type="title"/>
+          </p:nvPr>
+        </p:nvSpPr>
+        <p:spPr>
+          <a:xfrm>
+            <a:off x="1109980" y="4206240"/>
+            <a:ext cx="9966960" cy="1325880"/>
+          </a:xfrm>
+        </p:spPr>
+        <p:txBody>
+          <a:bodyPr vert="horz" lIns="91440" tIns="45720" rIns="91440" bIns="45720" rtlCol="0" anchor="b">
+            <a:normAutofit/>
+          </a:bodyPr>
+          <a:lstStyle/>
+          <a:p>
+            <a:pPr algn="ctr">
+              <a:lnSpc>
+                <a:spcPct val="85000"/>
+              </a:lnSpc>
+            </a:pPr>
+            <a:r>
+              <a:rPr lang="en-US" sz="6600" b="1" cap="all"/>
+              <a:t>G-bot</a:t>
+            </a:r>
+          </a:p>
+        </p:txBody>
+      </p:sp>
+      <p:pic>
+        <p:nvPicPr>
+          <p:cNvPr id="6" name="Content Placeholder 5">
+            <a:extLst>
+              <a:ext uri="{FF2B5EF4-FFF2-40B4-BE49-F238E27FC236}">
+                <a16:creationId xmlns:a16="http://schemas.microsoft.com/office/drawing/2014/main" id="{2BFAA034-3862-494A-9341-E132DBB76A3C}"/>
+              </a:ext>
+            </a:extLst>
+          </p:cNvPr>
+          <p:cNvPicPr>
+            <a:picLocks noGrp="1" noChangeAspect="1"/>
+          </p:cNvPicPr>
+          <p:nvPr>
+            <p:ph idx="1"/>
+          </p:nvPr>
+        </p:nvPicPr>
+        <p:blipFill>
+          <a:blip r:embed="rId2">
+            <a:extLst>
+              <a:ext uri="{28A0092B-C50C-407E-A947-70E740481C1C}">
+                <a14:useLocalDpi xmlns:a14="http://schemas.microsoft.com/office/drawing/2010/main" val="0"/>
+              </a:ext>
+              <a:ext uri="{96DAC541-7B7A-43D3-8B79-37D633B846F1}">
+                <asvg:svgBlip xmlns:asvg="http://schemas.microsoft.com/office/drawing/2016/SVG/main" r:embed="rId3"/>
+              </a:ext>
+              <a:ext uri="{837473B0-CC2E-450A-ABE3-18F120FF3D39}">
+                <a1611:picAttrSrcUrl xmlns:a1611="http://schemas.microsoft.com/office/drawing/2016/11/main" r:id="rId4"/>
+              </a:ext>
+            </a:extLst>
+          </a:blip>
+          <a:stretch>
+            <a:fillRect/>
+          </a:stretch>
+        </p:blipFill>
+        <p:spPr>
+          <a:xfrm>
+            <a:off x="3731605" y="741172"/>
+            <a:ext cx="4728789" cy="3279644"/>
+          </a:xfrm>
+          <a:prstGeom prst="rect">
+            <a:avLst/>
+          </a:prstGeom>
+        </p:spPr>
+      </p:pic>
+      <p:sp>
+        <p:nvSpPr>
+          <p:cNvPr id="7" name="TextBox 6">
+            <a:extLst>
+              <a:ext uri="{FF2B5EF4-FFF2-40B4-BE49-F238E27FC236}">
+                <a16:creationId xmlns:a16="http://schemas.microsoft.com/office/drawing/2014/main" id="{A0971204-5BA4-476E-AC59-85C13DEB3C4C}"/>
+              </a:ext>
+            </a:extLst>
+          </p:cNvPr>
+          <p:cNvSpPr txBox="1"/>
+          <p:nvPr/>
+        </p:nvSpPr>
+        <p:spPr>
+          <a:xfrm>
+            <a:off x="6092438" y="3820761"/>
+            <a:ext cx="2367956" cy="200055"/>
+          </a:xfrm>
+          <a:prstGeom prst="rect">
+            <a:avLst/>
+          </a:prstGeom>
+          <a:solidFill>
+            <a:srgbClr val="000000"/>
+          </a:solidFill>
+        </p:spPr>
+        <p:txBody>
+          <a:bodyPr wrap="none" rtlCol="0">
+            <a:spAutoFit/>
+          </a:bodyPr>
+          <a:lstStyle/>
+          <a:p>
+            <a:pPr algn="r">
+              <a:spcAft>
+                <a:spcPts val="600"/>
+              </a:spcAft>
+            </a:pPr>
+            <a:r>
+              <a:rPr lang="en-US" sz="700">
+                <a:solidFill>
+                  <a:srgbClr val="FFFFFF"/>
+                </a:solidFill>
+                <a:hlinkClick r:id="rId4" tooltip="https://leblancfg.com/higher-level-functions-python-reduce.html">
+                  <a:extLst>
+                    <a:ext uri="{A12FA001-AC4F-418D-AE19-62706E023703}">
+                      <ahyp:hlinkClr xmlns:ahyp="http://schemas.microsoft.com/office/drawing/2018/hyperlinkcolor" val="tx"/>
+                    </a:ext>
+                  </a:extLst>
+                </a:hlinkClick>
+              </a:rPr>
+              <a:t>This Photo</a:t>
+            </a:r>
+            <a:r>
+              <a:rPr lang="en-US" sz="700">
+                <a:solidFill>
+                  <a:srgbClr val="FFFFFF"/>
+                </a:solidFill>
+              </a:rPr>
+              <a:t> by Unknown Author is licensed under </a:t>
+            </a:r>
+            <a:r>
+              <a:rPr lang="en-US" sz="700">
+                <a:solidFill>
+                  <a:srgbClr val="FFFFFF"/>
+                </a:solidFill>
+                <a:hlinkClick r:id="rId5" tooltip="https://creativecommons.org/licenses/by-sa/3.0/">
+                  <a:extLst>
+                    <a:ext uri="{A12FA001-AC4F-418D-AE19-62706E023703}">
+                      <ahyp:hlinkClr xmlns:ahyp="http://schemas.microsoft.com/office/drawing/2018/hyperlinkcolor" val="tx"/>
+                    </a:ext>
+                  </a:extLst>
+                </a:hlinkClick>
+              </a:rPr>
+              <a:t>CC BY-SA</a:t>
+            </a:r>
+            <a:endParaRPr lang="en-US" sz="700">
+              <a:solidFill>
+                <a:srgbClr val="FFFFFF"/>
+              </a:solidFill>
+            </a:endParaRPr>
+          </a:p>
+        </p:txBody>
+      </p:sp>
+    </p:spTree>
+    <p:extLst>
+      <p:ext uri="{BB962C8B-B14F-4D97-AF65-F5344CB8AC3E}">
+        <p14:creationId xmlns:p14="http://schemas.microsoft.com/office/powerpoint/2010/main" val="1864315231"/>
+      </p:ext>
+    </p:extLst>
+  </p:cSld>
+  <p:clrMapOvr>
+    <a:masterClrMapping/>
+  </p:clrMapOvr>
+</p:sld>
+</file>
+
+<file path=ppt/slides/slide7.xml><?xml version="1.0" encoding="utf-8"?>
 <p:sld xmlns:a="http://schemas.openxmlformats.org/drawingml/2006/main" xmlns:r="http://schemas.openxmlformats.org/officeDocument/2006/relationships" xmlns:p="http://schemas.openxmlformats.org/presentationml/2006/main">
   <p:cSld>
     <p:spTree>
@@ -3675,7 +5733,7 @@
           <p:cNvPr id="2" name="Title 1">
             <a:extLst>
               <a:ext uri="{FF2B5EF4-FFF2-40B4-BE49-F238E27FC236}">
-                <a16:creationId xmlns:a16="http://schemas.microsoft.com/office/drawing/2014/main" id="{73E393F3-4B0F-4228-9E40-6D0F3F30F671}"/>
+                <a16:creationId xmlns:a16="http://schemas.microsoft.com/office/drawing/2014/main" id="{D3F06FD6-19EE-414B-B8CA-E7B9A1CC858A}"/>
               </a:ext>
             </a:extLst>
           </p:cNvPr>
@@ -3693,7 +5751,7 @@
           <a:p>
             <a:r>
               <a:rPr lang="en-US" dirty="0"/>
-              <a:t>Game</a:t>
+              <a:t>G-bot data</a:t>
             </a:r>
           </a:p>
         </p:txBody>
@@ -3703,7 +5761,7 @@
           <p:cNvPr id="3" name="Content Placeholder 2">
             <a:extLst>
               <a:ext uri="{FF2B5EF4-FFF2-40B4-BE49-F238E27FC236}">
-                <a16:creationId xmlns:a16="http://schemas.microsoft.com/office/drawing/2014/main" id="{50BF1F1A-B440-4FFF-9710-1EC3C8B55CE0}"/>
+                <a16:creationId xmlns:a16="http://schemas.microsoft.com/office/drawing/2014/main" id="{16C99E83-491E-427D-B5A7-089FD7BFECB8}"/>
               </a:ext>
             </a:extLst>
           </p:cNvPr>
@@ -3721,19 +5779,7 @@
           <a:p>
             <a:r>
               <a:rPr lang="en-US" dirty="0"/>
-              <a:t>Objective</a:t>
-            </a:r>
-          </a:p>
-          <a:p>
-            <a:r>
-              <a:rPr lang="en-US" dirty="0"/>
-              <a:t>Limitations</a:t>
-            </a:r>
-          </a:p>
-          <a:p>
-            <a:r>
-              <a:rPr lang="en-US" dirty="0"/>
-              <a:t>Scoring</a:t>
+              <a:t>Put in graphs of the G-bot (provided by Sam) per ‘upgrade’</a:t>
             </a:r>
           </a:p>
         </p:txBody>
@@ -3741,7 +5787,7 @@
     </p:spTree>
     <p:extLst>
       <p:ext uri="{BB962C8B-B14F-4D97-AF65-F5344CB8AC3E}">
-        <p14:creationId xmlns:p14="http://schemas.microsoft.com/office/powerpoint/2010/main" val="3452186063"/>
+        <p14:creationId xmlns:p14="http://schemas.microsoft.com/office/powerpoint/2010/main" val="2787979835"/>
       </p:ext>
     </p:extLst>
   </p:cSld>
@@ -3751,7 +5797,7 @@
 </p:sld>
 </file>
 
-<file path=ppt/slides/slide3.xml><?xml version="1.0" encoding="utf-8"?>
+<file path=ppt/slides/slide8.xml><?xml version="1.0" encoding="utf-8"?>
 <p:sld xmlns:a="http://schemas.openxmlformats.org/drawingml/2006/main" xmlns:r="http://schemas.openxmlformats.org/officeDocument/2006/relationships" xmlns:p="http://schemas.openxmlformats.org/presentationml/2006/main">
   <p:cSld>
     <p:spTree>
@@ -3773,190 +5819,6 @@
           <p:cNvPr id="2" name="Title 1">
             <a:extLst>
               <a:ext uri="{FF2B5EF4-FFF2-40B4-BE49-F238E27FC236}">
-                <a16:creationId xmlns:a16="http://schemas.microsoft.com/office/drawing/2014/main" id="{6573C650-87CD-4543-86C3-D8389ADA3477}"/>
-              </a:ext>
-            </a:extLst>
-          </p:cNvPr>
-          <p:cNvSpPr>
-            <a:spLocks noGrp="1"/>
-          </p:cNvSpPr>
-          <p:nvPr>
-            <p:ph type="title"/>
-          </p:nvPr>
-        </p:nvSpPr>
-        <p:spPr/>
-        <p:txBody>
-          <a:bodyPr/>
-          <a:lstStyle/>
-          <a:p>
-            <a:r>
-              <a:rPr lang="en-US" dirty="0"/>
-              <a:t>Optimal order</a:t>
-            </a:r>
-          </a:p>
-        </p:txBody>
-      </p:sp>
-      <p:sp>
-        <p:nvSpPr>
-          <p:cNvPr id="3" name="Content Placeholder 2">
-            <a:extLst>
-              <a:ext uri="{FF2B5EF4-FFF2-40B4-BE49-F238E27FC236}">
-                <a16:creationId xmlns:a16="http://schemas.microsoft.com/office/drawing/2014/main" id="{279FE082-926E-40A8-96A2-5C630C00392E}"/>
-              </a:ext>
-            </a:extLst>
-          </p:cNvPr>
-          <p:cNvSpPr>
-            <a:spLocks noGrp="1"/>
-          </p:cNvSpPr>
-          <p:nvPr>
-            <p:ph idx="1"/>
-          </p:nvPr>
-        </p:nvSpPr>
-        <p:spPr/>
-        <p:txBody>
-          <a:bodyPr/>
-          <a:lstStyle/>
-          <a:p>
-            <a:r>
-              <a:rPr lang="en-US" dirty="0"/>
-              <a:t>Approach</a:t>
-            </a:r>
-          </a:p>
-          <a:p>
-            <a:r>
-              <a:rPr lang="en-US" dirty="0"/>
-              <a:t>Results</a:t>
-            </a:r>
-          </a:p>
-        </p:txBody>
-      </p:sp>
-    </p:spTree>
-    <p:extLst>
-      <p:ext uri="{BB962C8B-B14F-4D97-AF65-F5344CB8AC3E}">
-        <p14:creationId xmlns:p14="http://schemas.microsoft.com/office/powerpoint/2010/main" val="1471489852"/>
-      </p:ext>
-    </p:extLst>
-  </p:cSld>
-  <p:clrMapOvr>
-    <a:masterClrMapping/>
-  </p:clrMapOvr>
-</p:sld>
-</file>
-
-<file path=ppt/slides/slide4.xml><?xml version="1.0" encoding="utf-8"?>
-<p:sld xmlns:a="http://schemas.openxmlformats.org/drawingml/2006/main" xmlns:r="http://schemas.openxmlformats.org/officeDocument/2006/relationships" xmlns:p="http://schemas.openxmlformats.org/presentationml/2006/main">
-  <p:cSld>
-    <p:spTree>
-      <p:nvGrpSpPr>
-        <p:cNvPr id="1" name=""/>
-        <p:cNvGrpSpPr/>
-        <p:nvPr/>
-      </p:nvGrpSpPr>
-      <p:grpSpPr>
-        <a:xfrm>
-          <a:off x="0" y="0"/>
-          <a:ext cx="0" cy="0"/>
-          <a:chOff x="0" y="0"/>
-          <a:chExt cx="0" cy="0"/>
-        </a:xfrm>
-      </p:grpSpPr>
-      <p:sp>
-        <p:nvSpPr>
-          <p:cNvPr id="2" name="Title 1">
-            <a:extLst>
-              <a:ext uri="{FF2B5EF4-FFF2-40B4-BE49-F238E27FC236}">
-                <a16:creationId xmlns:a16="http://schemas.microsoft.com/office/drawing/2014/main" id="{B669CEEC-9940-4FB4-8502-B72F41FFEE6F}"/>
-              </a:ext>
-            </a:extLst>
-          </p:cNvPr>
-          <p:cNvSpPr>
-            <a:spLocks noGrp="1"/>
-          </p:cNvSpPr>
-          <p:nvPr>
-            <p:ph type="title"/>
-          </p:nvPr>
-        </p:nvSpPr>
-        <p:spPr/>
-        <p:txBody>
-          <a:bodyPr/>
-          <a:lstStyle/>
-          <a:p>
-            <a:r>
-              <a:rPr lang="en-US" dirty="0"/>
-              <a:t>Bots</a:t>
-            </a:r>
-          </a:p>
-        </p:txBody>
-      </p:sp>
-      <p:sp>
-        <p:nvSpPr>
-          <p:cNvPr id="3" name="Content Placeholder 2">
-            <a:extLst>
-              <a:ext uri="{FF2B5EF4-FFF2-40B4-BE49-F238E27FC236}">
-                <a16:creationId xmlns:a16="http://schemas.microsoft.com/office/drawing/2014/main" id="{805DA676-81F7-4A4B-8EFE-7598B85191E0}"/>
-              </a:ext>
-            </a:extLst>
-          </p:cNvPr>
-          <p:cNvSpPr>
-            <a:spLocks noGrp="1"/>
-          </p:cNvSpPr>
-          <p:nvPr>
-            <p:ph idx="1"/>
-          </p:nvPr>
-        </p:nvSpPr>
-        <p:spPr/>
-        <p:txBody>
-          <a:bodyPr/>
-          <a:lstStyle/>
-          <a:p>
-            <a:r>
-              <a:rPr lang="en-US" dirty="0"/>
-              <a:t>Q-bot</a:t>
-            </a:r>
-          </a:p>
-          <a:p>
-            <a:r>
-              <a:rPr lang="en-US" dirty="0"/>
-              <a:t>G-bot</a:t>
-            </a:r>
-          </a:p>
-        </p:txBody>
-      </p:sp>
-    </p:spTree>
-    <p:extLst>
-      <p:ext uri="{BB962C8B-B14F-4D97-AF65-F5344CB8AC3E}">
-        <p14:creationId xmlns:p14="http://schemas.microsoft.com/office/powerpoint/2010/main" val="703005659"/>
-      </p:ext>
-    </p:extLst>
-  </p:cSld>
-  <p:clrMapOvr>
-    <a:masterClrMapping/>
-  </p:clrMapOvr>
-</p:sld>
-</file>
-
-<file path=ppt/slides/slide5.xml><?xml version="1.0" encoding="utf-8"?>
-<p:sld xmlns:a="http://schemas.openxmlformats.org/drawingml/2006/main" xmlns:r="http://schemas.openxmlformats.org/officeDocument/2006/relationships" xmlns:p="http://schemas.openxmlformats.org/presentationml/2006/main">
-  <p:cSld>
-    <p:spTree>
-      <p:nvGrpSpPr>
-        <p:cNvPr id="1" name=""/>
-        <p:cNvGrpSpPr/>
-        <p:nvPr/>
-      </p:nvGrpSpPr>
-      <p:grpSpPr>
-        <a:xfrm>
-          <a:off x="0" y="0"/>
-          <a:ext cx="0" cy="0"/>
-          <a:chOff x="0" y="0"/>
-          <a:chExt cx="0" cy="0"/>
-        </a:xfrm>
-      </p:grpSpPr>
-      <p:sp>
-        <p:nvSpPr>
-          <p:cNvPr id="2" name="Title 1">
-            <a:extLst>
-              <a:ext uri="{FF2B5EF4-FFF2-40B4-BE49-F238E27FC236}">
                 <a16:creationId xmlns:a16="http://schemas.microsoft.com/office/drawing/2014/main" id="{4669A48A-1643-4CFD-84CD-F4474F6BEDBF}"/>
               </a:ext>
             </a:extLst>
@@ -3995,7 +5857,7 @@
           <p:nvPr>
             <p:extLst>
               <p:ext uri="{D42A27DB-BD31-4B8C-83A1-F6EECF244321}">
-                <p14:modId xmlns:p14="http://schemas.microsoft.com/office/powerpoint/2010/main" val="2528372432"/>
+                <p14:modId xmlns:p14="http://schemas.microsoft.com/office/powerpoint/2010/main" val="1188170708"/>
               </p:ext>
             </p:extLst>
           </p:nvPr>
@@ -4110,7 +5972,7 @@
                     <a:p>
                       <a:r>
                         <a:rPr lang="en-US" dirty="0"/>
-                        <a:t>High</a:t>
+                        <a:t>4500</a:t>
                       </a:r>
                     </a:p>
                   </a:txBody>
@@ -4141,7 +6003,10 @@
                     <a:bodyPr/>
                     <a:lstStyle/>
                     <a:p>
-                      <a:endParaRPr lang="en-US" dirty="0"/>
+                      <a:r>
+                        <a:rPr lang="en-US" dirty="0"/>
+                        <a:t>Unknown</a:t>
+                      </a:r>
                     </a:p>
                   </a:txBody>
                   <a:tcPr/>
@@ -4151,7 +6016,10 @@
                     <a:bodyPr/>
                     <a:lstStyle/>
                     <a:p>
-                      <a:endParaRPr lang="en-US"/>
+                      <a:r>
+                        <a:rPr lang="en-US" dirty="0"/>
+                        <a:t>15</a:t>
+                      </a:r>
                     </a:p>
                   </a:txBody>
                   <a:tcPr/>
@@ -4317,295 +6185,6 @@
 </p:sld>
 </file>
 
-<file path=ppt/slides/slide6.xml><?xml version="1.0" encoding="utf-8"?>
-<p:sld xmlns:a="http://schemas.openxmlformats.org/drawingml/2006/main" xmlns:r="http://schemas.openxmlformats.org/officeDocument/2006/relationships" xmlns:p="http://schemas.openxmlformats.org/presentationml/2006/main">
-  <p:cSld>
-    <p:spTree>
-      <p:nvGrpSpPr>
-        <p:cNvPr id="1" name=""/>
-        <p:cNvGrpSpPr/>
-        <p:nvPr/>
-      </p:nvGrpSpPr>
-      <p:grpSpPr>
-        <a:xfrm>
-          <a:off x="0" y="0"/>
-          <a:ext cx="0" cy="0"/>
-          <a:chOff x="0" y="0"/>
-          <a:chExt cx="0" cy="0"/>
-        </a:xfrm>
-      </p:grpSpPr>
-      <p:sp>
-        <p:nvSpPr>
-          <p:cNvPr id="2" name="Title 1">
-            <a:extLst>
-              <a:ext uri="{FF2B5EF4-FFF2-40B4-BE49-F238E27FC236}">
-                <a16:creationId xmlns:a16="http://schemas.microsoft.com/office/drawing/2014/main" id="{D3F06FD6-19EE-414B-B8CA-E7B9A1CC858A}"/>
-              </a:ext>
-            </a:extLst>
-          </p:cNvPr>
-          <p:cNvSpPr>
-            <a:spLocks noGrp="1"/>
-          </p:cNvSpPr>
-          <p:nvPr>
-            <p:ph type="title"/>
-          </p:nvPr>
-        </p:nvSpPr>
-        <p:spPr/>
-        <p:txBody>
-          <a:bodyPr/>
-          <a:lstStyle/>
-          <a:p>
-            <a:r>
-              <a:rPr lang="en-US" dirty="0"/>
-              <a:t>G-bot data</a:t>
-            </a:r>
-          </a:p>
-        </p:txBody>
-      </p:sp>
-      <p:sp>
-        <p:nvSpPr>
-          <p:cNvPr id="3" name="Content Placeholder 2">
-            <a:extLst>
-              <a:ext uri="{FF2B5EF4-FFF2-40B4-BE49-F238E27FC236}">
-                <a16:creationId xmlns:a16="http://schemas.microsoft.com/office/drawing/2014/main" id="{16C99E83-491E-427D-B5A7-089FD7BFECB8}"/>
-              </a:ext>
-            </a:extLst>
-          </p:cNvPr>
-          <p:cNvSpPr>
-            <a:spLocks noGrp="1"/>
-          </p:cNvSpPr>
-          <p:nvPr>
-            <p:ph idx="1"/>
-          </p:nvPr>
-        </p:nvSpPr>
-        <p:spPr/>
-        <p:txBody>
-          <a:bodyPr/>
-          <a:lstStyle/>
-          <a:p>
-            <a:r>
-              <a:rPr lang="en-US" dirty="0"/>
-              <a:t>Put in graphs of the G-bot (provided by Sam)</a:t>
-            </a:r>
-          </a:p>
-        </p:txBody>
-      </p:sp>
-    </p:spTree>
-    <p:extLst>
-      <p:ext uri="{BB962C8B-B14F-4D97-AF65-F5344CB8AC3E}">
-        <p14:creationId xmlns:p14="http://schemas.microsoft.com/office/powerpoint/2010/main" val="2787979835"/>
-      </p:ext>
-    </p:extLst>
-  </p:cSld>
-  <p:clrMapOvr>
-    <a:masterClrMapping/>
-  </p:clrMapOvr>
-</p:sld>
-</file>
-
-<file path=ppt/slides/slide7.xml><?xml version="1.0" encoding="utf-8"?>
-<p:sld xmlns:a="http://schemas.openxmlformats.org/drawingml/2006/main" xmlns:r="http://schemas.openxmlformats.org/officeDocument/2006/relationships" xmlns:p="http://schemas.openxmlformats.org/presentationml/2006/main">
-  <p:cSld>
-    <p:spTree>
-      <p:nvGrpSpPr>
-        <p:cNvPr id="1" name=""/>
-        <p:cNvGrpSpPr/>
-        <p:nvPr/>
-      </p:nvGrpSpPr>
-      <p:grpSpPr>
-        <a:xfrm>
-          <a:off x="0" y="0"/>
-          <a:ext cx="0" cy="0"/>
-          <a:chOff x="0" y="0"/>
-          <a:chExt cx="0" cy="0"/>
-        </a:xfrm>
-      </p:grpSpPr>
-      <p:sp>
-        <p:nvSpPr>
-          <p:cNvPr id="2" name="Title 1">
-            <a:extLst>
-              <a:ext uri="{FF2B5EF4-FFF2-40B4-BE49-F238E27FC236}">
-                <a16:creationId xmlns:a16="http://schemas.microsoft.com/office/drawing/2014/main" id="{2DCFCFB1-0035-44A5-8129-871B9CC59C61}"/>
-              </a:ext>
-            </a:extLst>
-          </p:cNvPr>
-          <p:cNvSpPr>
-            <a:spLocks noGrp="1"/>
-          </p:cNvSpPr>
-          <p:nvPr>
-            <p:ph type="title"/>
-          </p:nvPr>
-        </p:nvSpPr>
-        <p:spPr/>
-        <p:txBody>
-          <a:bodyPr/>
-          <a:lstStyle/>
-          <a:p>
-            <a:r>
-              <a:rPr lang="en-US" dirty="0"/>
-              <a:t>What we learned</a:t>
-            </a:r>
-          </a:p>
-        </p:txBody>
-      </p:sp>
-      <p:sp>
-        <p:nvSpPr>
-          <p:cNvPr id="3" name="Content Placeholder 2">
-            <a:extLst>
-              <a:ext uri="{FF2B5EF4-FFF2-40B4-BE49-F238E27FC236}">
-                <a16:creationId xmlns:a16="http://schemas.microsoft.com/office/drawing/2014/main" id="{590E9924-E3D4-4154-9996-6010ACF4D853}"/>
-              </a:ext>
-            </a:extLst>
-          </p:cNvPr>
-          <p:cNvSpPr>
-            <a:spLocks noGrp="1"/>
-          </p:cNvSpPr>
-          <p:nvPr>
-            <p:ph idx="1"/>
-          </p:nvPr>
-        </p:nvSpPr>
-        <p:spPr/>
-        <p:txBody>
-          <a:bodyPr/>
-          <a:lstStyle/>
-          <a:p>
-            <a:r>
-              <a:rPr lang="en-US" dirty="0"/>
-              <a:t>Communication</a:t>
-            </a:r>
-          </a:p>
-          <a:p>
-            <a:r>
-              <a:rPr lang="en-US" dirty="0"/>
-              <a:t>Division of work</a:t>
-            </a:r>
-          </a:p>
-        </p:txBody>
-      </p:sp>
-    </p:spTree>
-    <p:extLst>
-      <p:ext uri="{BB962C8B-B14F-4D97-AF65-F5344CB8AC3E}">
-        <p14:creationId xmlns:p14="http://schemas.microsoft.com/office/powerpoint/2010/main" val="3651401109"/>
-      </p:ext>
-    </p:extLst>
-  </p:cSld>
-  <p:clrMapOvr>
-    <a:masterClrMapping/>
-  </p:clrMapOvr>
-</p:sld>
-</file>
-
-<file path=ppt/slides/slide8.xml><?xml version="1.0" encoding="utf-8"?>
-<p:sld xmlns:a="http://schemas.openxmlformats.org/drawingml/2006/main" xmlns:r="http://schemas.openxmlformats.org/officeDocument/2006/relationships" xmlns:p="http://schemas.openxmlformats.org/presentationml/2006/main">
-  <p:cSld>
-    <p:spTree>
-      <p:nvGrpSpPr>
-        <p:cNvPr id="1" name=""/>
-        <p:cNvGrpSpPr/>
-        <p:nvPr/>
-      </p:nvGrpSpPr>
-      <p:grpSpPr>
-        <a:xfrm>
-          <a:off x="0" y="0"/>
-          <a:ext cx="0" cy="0"/>
-          <a:chOff x="0" y="0"/>
-          <a:chExt cx="0" cy="0"/>
-        </a:xfrm>
-      </p:grpSpPr>
-      <p:sp>
-        <p:nvSpPr>
-          <p:cNvPr id="2" name="Title 1">
-            <a:extLst>
-              <a:ext uri="{FF2B5EF4-FFF2-40B4-BE49-F238E27FC236}">
-                <a16:creationId xmlns:a16="http://schemas.microsoft.com/office/drawing/2014/main" id="{24A1E10B-FF1F-40B6-906B-D1F43758CB27}"/>
-              </a:ext>
-            </a:extLst>
-          </p:cNvPr>
-          <p:cNvSpPr>
-            <a:spLocks noGrp="1"/>
-          </p:cNvSpPr>
-          <p:nvPr>
-            <p:ph type="title"/>
-          </p:nvPr>
-        </p:nvSpPr>
-        <p:spPr/>
-        <p:txBody>
-          <a:bodyPr/>
-          <a:lstStyle/>
-          <a:p>
-            <a:r>
-              <a:rPr lang="en-US" dirty="0"/>
-              <a:t>Planning phase 3</a:t>
-            </a:r>
-          </a:p>
-        </p:txBody>
-      </p:sp>
-      <p:sp>
-        <p:nvSpPr>
-          <p:cNvPr id="3" name="Content Placeholder 2">
-            <a:extLst>
-              <a:ext uri="{FF2B5EF4-FFF2-40B4-BE49-F238E27FC236}">
-                <a16:creationId xmlns:a16="http://schemas.microsoft.com/office/drawing/2014/main" id="{9053D02F-A9EE-493F-93D0-6DB9305321EE}"/>
-              </a:ext>
-            </a:extLst>
-          </p:cNvPr>
-          <p:cNvSpPr>
-            <a:spLocks noGrp="1"/>
-          </p:cNvSpPr>
-          <p:nvPr>
-            <p:ph idx="1"/>
-          </p:nvPr>
-        </p:nvSpPr>
-        <p:spPr/>
-        <p:txBody>
-          <a:bodyPr/>
-          <a:lstStyle/>
-          <a:p>
-            <a:r>
-              <a:rPr lang="en-GB" dirty="0"/>
-              <a:t>Visualization: week 1 and 2</a:t>
-            </a:r>
-          </a:p>
-          <a:p>
-            <a:r>
-              <a:rPr lang="en-GB" dirty="0"/>
-              <a:t>Research: week 1</a:t>
-            </a:r>
-          </a:p>
-          <a:p>
-            <a:r>
-              <a:rPr lang="en-GB" dirty="0"/>
-              <a:t>Implementation: end of week 1, start of week 2 and polish in week 3</a:t>
-            </a:r>
-          </a:p>
-          <a:p>
-            <a:r>
-              <a:rPr lang="en-GB" dirty="0"/>
-              <a:t>Report: introduction, format, etc week 1, finish in week 3</a:t>
-            </a:r>
-          </a:p>
-          <a:p>
-            <a:r>
-              <a:rPr lang="en-GB"/>
-              <a:t>Presentation: week 3</a:t>
-            </a:r>
-            <a:endParaRPr lang="en-US" dirty="0"/>
-          </a:p>
-        </p:txBody>
-      </p:sp>
-    </p:spTree>
-    <p:extLst>
-      <p:ext uri="{BB962C8B-B14F-4D97-AF65-F5344CB8AC3E}">
-        <p14:creationId xmlns:p14="http://schemas.microsoft.com/office/powerpoint/2010/main" val="3349127307"/>
-      </p:ext>
-    </p:extLst>
-  </p:cSld>
-  <p:clrMapOvr>
-    <a:masterClrMapping/>
-  </p:clrMapOvr>
-</p:sld>
-</file>
-
 <file path=ppt/slides/slide9.xml><?xml version="1.0" encoding="utf-8"?>
 <p:sld xmlns:a="http://schemas.openxmlformats.org/drawingml/2006/main" xmlns:r="http://schemas.openxmlformats.org/officeDocument/2006/relationships" xmlns:p="http://schemas.openxmlformats.org/presentationml/2006/main">
   <p:cSld>
@@ -4628,7 +6207,7 @@
           <p:cNvPr id="2" name="Title 1">
             <a:extLst>
               <a:ext uri="{FF2B5EF4-FFF2-40B4-BE49-F238E27FC236}">
-                <a16:creationId xmlns:a16="http://schemas.microsoft.com/office/drawing/2014/main" id="{4682BDC7-14CF-4BA5-A19D-D66FEE3E7C47}"/>
+                <a16:creationId xmlns:a16="http://schemas.microsoft.com/office/drawing/2014/main" id="{2DCFCFB1-0035-44A5-8129-871B9CC59C61}"/>
               </a:ext>
             </a:extLst>
           </p:cNvPr>
@@ -4646,7 +6225,7 @@
           <a:p>
             <a:r>
               <a:rPr lang="en-US" dirty="0"/>
-              <a:t>Conclusion</a:t>
+              <a:t>What we learned</a:t>
             </a:r>
           </a:p>
         </p:txBody>
@@ -4656,7 +6235,7 @@
           <p:cNvPr id="3" name="Content Placeholder 2">
             <a:extLst>
               <a:ext uri="{FF2B5EF4-FFF2-40B4-BE49-F238E27FC236}">
-                <a16:creationId xmlns:a16="http://schemas.microsoft.com/office/drawing/2014/main" id="{91BD7426-7D74-46EC-B475-2FE92CB19928}"/>
+                <a16:creationId xmlns:a16="http://schemas.microsoft.com/office/drawing/2014/main" id="{590E9924-E3D4-4154-9996-6010ACF4D853}"/>
               </a:ext>
             </a:extLst>
           </p:cNvPr>
@@ -4672,14 +6251,23 @@
           <a:bodyPr/>
           <a:lstStyle/>
           <a:p>
-            <a:endParaRPr lang="en-US" dirty="0"/>
+            <a:r>
+              <a:rPr lang="en-US" dirty="0"/>
+              <a:t>Communication</a:t>
+            </a:r>
+          </a:p>
+          <a:p>
+            <a:r>
+              <a:rPr lang="en-US" dirty="0"/>
+              <a:t>Division of work</a:t>
+            </a:r>
           </a:p>
         </p:txBody>
       </p:sp>
     </p:spTree>
     <p:extLst>
       <p:ext uri="{BB962C8B-B14F-4D97-AF65-F5344CB8AC3E}">
-        <p14:creationId xmlns:p14="http://schemas.microsoft.com/office/powerpoint/2010/main" val="878504464"/>
+        <p14:creationId xmlns:p14="http://schemas.microsoft.com/office/powerpoint/2010/main" val="3651401109"/>
       </p:ext>
     </p:extLst>
   </p:cSld>

--- a/Pentetris bots.pptx
+++ b/Pentetris bots.pptx
@@ -129,7 +129,7 @@
 <file path=ppt/charts/chart1.xml><?xml version="1.0" encoding="utf-8"?>
 <c:chartSpace xmlns:c="http://schemas.openxmlformats.org/drawingml/2006/chart" xmlns:a="http://schemas.openxmlformats.org/drawingml/2006/main" xmlns:r="http://schemas.openxmlformats.org/officeDocument/2006/relationships" xmlns:c16r2="http://schemas.microsoft.com/office/drawing/2015/06/chart">
   <c:date1904 val="0"/>
-  <c:lang val="en-US"/>
+  <c:lang val="en-GB"/>
   <c:roundedCorners val="0"/>
   <mc:AlternateContent xmlns:mc="http://schemas.openxmlformats.org/markup-compatibility/2006">
     <mc:Choice xmlns:c14="http://schemas.microsoft.com/office/drawing/2007/8/2/chart" Requires="c14">
@@ -1096,7 +1096,7 @@
 <file path=ppt/charts/chart2.xml><?xml version="1.0" encoding="utf-8"?>
 <c:chartSpace xmlns:c="http://schemas.openxmlformats.org/drawingml/2006/chart" xmlns:a="http://schemas.openxmlformats.org/drawingml/2006/main" xmlns:r="http://schemas.openxmlformats.org/officeDocument/2006/relationships" xmlns:c16r2="http://schemas.microsoft.com/office/drawing/2015/06/chart">
   <c:date1904 val="0"/>
-  <c:lang val="en-US"/>
+  <c:lang val="en-GB"/>
   <c:roundedCorners val="0"/>
   <mc:AlternateContent xmlns:mc="http://schemas.openxmlformats.org/markup-compatibility/2006">
     <mc:Choice xmlns:c14="http://schemas.microsoft.com/office/drawing/2007/8/2/chart" Requires="c14">
@@ -2057,7 +2057,7 @@
 <file path=ppt/charts/chart3.xml><?xml version="1.0" encoding="utf-8"?>
 <c:chartSpace xmlns:c="http://schemas.openxmlformats.org/drawingml/2006/chart" xmlns:a="http://schemas.openxmlformats.org/drawingml/2006/main" xmlns:r="http://schemas.openxmlformats.org/officeDocument/2006/relationships" xmlns:c16r2="http://schemas.microsoft.com/office/drawing/2015/06/chart">
   <c:date1904 val="0"/>
-  <c:lang val="en-US"/>
+  <c:lang val="en-GB"/>
   <c:roundedCorners val="0"/>
   <mc:AlternateContent xmlns:mc="http://schemas.openxmlformats.org/markup-compatibility/2006">
     <mc:Choice xmlns:c14="http://schemas.microsoft.com/office/drawing/2007/8/2/chart" Requires="c14">
@@ -3019,7 +3019,7 @@
 <file path=ppt/charts/chart4.xml><?xml version="1.0" encoding="utf-8"?>
 <c:chartSpace xmlns:c="http://schemas.openxmlformats.org/drawingml/2006/chart" xmlns:a="http://schemas.openxmlformats.org/drawingml/2006/main" xmlns:r="http://schemas.openxmlformats.org/officeDocument/2006/relationships" xmlns:c16r2="http://schemas.microsoft.com/office/drawing/2015/06/chart">
   <c:date1904 val="0"/>
-  <c:lang val="en-US"/>
+  <c:lang val="en-GB"/>
   <c:roundedCorners val="0"/>
   <mc:AlternateContent xmlns:mc="http://schemas.openxmlformats.org/markup-compatibility/2006">
     <mc:Choice xmlns:c14="http://schemas.microsoft.com/office/drawing/2007/8/2/chart" Requires="c14">
@@ -3981,7 +3981,7 @@
 <file path=ppt/charts/chart5.xml><?xml version="1.0" encoding="utf-8"?>
 <c:chartSpace xmlns:c="http://schemas.openxmlformats.org/drawingml/2006/chart" xmlns:a="http://schemas.openxmlformats.org/drawingml/2006/main" xmlns:r="http://schemas.openxmlformats.org/officeDocument/2006/relationships" xmlns:c16r2="http://schemas.microsoft.com/office/drawing/2015/06/chart">
   <c:date1904 val="0"/>
-  <c:lang val="en-US"/>
+  <c:lang val="en-GB"/>
   <c:roundedCorners val="0"/>
   <mc:AlternateContent xmlns:mc="http://schemas.openxmlformats.org/markup-compatibility/2006">
     <mc:Choice xmlns:c14="http://schemas.microsoft.com/office/drawing/2007/8/2/chart" Requires="c14">
@@ -7912,7 +7912,7 @@
           <a:p>
             <a:fld id="{32FC8DA1-6707-49A3-ADA2-8E23F5184E6C}" type="datetimeFigureOut">
               <a:rPr lang="en-US" smtClean="0"/>
-              <a:t>12/8/2019</a:t>
+              <a:t>12/8/19</a:t>
             </a:fld>
             <a:endParaRPr lang="en-US"/>
           </a:p>
@@ -8133,7 +8133,7 @@
           <a:p>
             <a:fld id="{32FC8DA1-6707-49A3-ADA2-8E23F5184E6C}" type="datetimeFigureOut">
               <a:rPr lang="en-US" smtClean="0"/>
-              <a:t>12/8/2019</a:t>
+              <a:t>12/8/19</a:t>
             </a:fld>
             <a:endParaRPr lang="en-US"/>
           </a:p>
@@ -8313,7 +8313,7 @@
           <a:p>
             <a:fld id="{32FC8DA1-6707-49A3-ADA2-8E23F5184E6C}" type="datetimeFigureOut">
               <a:rPr lang="en-US" smtClean="0"/>
-              <a:t>12/8/2019</a:t>
+              <a:t>12/8/19</a:t>
             </a:fld>
             <a:endParaRPr lang="en-US"/>
           </a:p>
@@ -8483,7 +8483,7 @@
           <a:p>
             <a:fld id="{32FC8DA1-6707-49A3-ADA2-8E23F5184E6C}" type="datetimeFigureOut">
               <a:rPr lang="en-US" smtClean="0"/>
-              <a:t>12/8/2019</a:t>
+              <a:t>12/8/19</a:t>
             </a:fld>
             <a:endParaRPr lang="en-US"/>
           </a:p>
@@ -8734,7 +8734,7 @@
           <a:p>
             <a:fld id="{32FC8DA1-6707-49A3-ADA2-8E23F5184E6C}" type="datetimeFigureOut">
               <a:rPr lang="en-US" smtClean="0"/>
-              <a:t>12/8/2019</a:t>
+              <a:t>12/8/19</a:t>
             </a:fld>
             <a:endParaRPr lang="en-US"/>
           </a:p>
@@ -9057,7 +9057,7 @@
           <a:p>
             <a:fld id="{32FC8DA1-6707-49A3-ADA2-8E23F5184E6C}" type="datetimeFigureOut">
               <a:rPr lang="en-US" smtClean="0"/>
-              <a:t>12/8/2019</a:t>
+              <a:t>12/8/19</a:t>
             </a:fld>
             <a:endParaRPr lang="en-US"/>
           </a:p>
@@ -9481,7 +9481,7 @@
           <a:p>
             <a:fld id="{32FC8DA1-6707-49A3-ADA2-8E23F5184E6C}" type="datetimeFigureOut">
               <a:rPr lang="en-US" smtClean="0"/>
-              <a:t>12/8/2019</a:t>
+              <a:t>12/8/19</a:t>
             </a:fld>
             <a:endParaRPr lang="en-US"/>
           </a:p>
@@ -9599,7 +9599,7 @@
           <a:p>
             <a:fld id="{32FC8DA1-6707-49A3-ADA2-8E23F5184E6C}" type="datetimeFigureOut">
               <a:rPr lang="en-US" smtClean="0"/>
-              <a:t>12/8/2019</a:t>
+              <a:t>12/8/19</a:t>
             </a:fld>
             <a:endParaRPr lang="en-US"/>
           </a:p>
@@ -9694,7 +9694,7 @@
           <a:p>
             <a:fld id="{32FC8DA1-6707-49A3-ADA2-8E23F5184E6C}" type="datetimeFigureOut">
               <a:rPr lang="en-US" smtClean="0"/>
-              <a:t>12/8/2019</a:t>
+              <a:t>12/8/19</a:t>
             </a:fld>
             <a:endParaRPr lang="en-US"/>
           </a:p>
@@ -9984,7 +9984,7 @@
           <a:p>
             <a:fld id="{32FC8DA1-6707-49A3-ADA2-8E23F5184E6C}" type="datetimeFigureOut">
               <a:rPr lang="en-US" smtClean="0"/>
-              <a:t>12/8/2019</a:t>
+              <a:t>12/8/19</a:t>
             </a:fld>
             <a:endParaRPr lang="en-US"/>
           </a:p>
@@ -10256,7 +10256,7 @@
           <a:p>
             <a:fld id="{32FC8DA1-6707-49A3-ADA2-8E23F5184E6C}" type="datetimeFigureOut">
               <a:rPr lang="en-US" smtClean="0"/>
-              <a:t>12/8/2019</a:t>
+              <a:t>12/8/19</a:t>
             </a:fld>
             <a:endParaRPr lang="en-US"/>
           </a:p>
@@ -10510,7 +10510,7 @@
           <a:p>
             <a:fld id="{32FC8DA1-6707-49A3-ADA2-8E23F5184E6C}" type="datetimeFigureOut">
               <a:rPr lang="en-US" smtClean="0"/>
-              <a:t>12/8/2019</a:t>
+              <a:t>12/8/19</a:t>
             </a:fld>
             <a:endParaRPr lang="en-US"/>
           </a:p>
@@ -11255,7 +11255,11 @@
           <a:lstStyle/>
           <a:p>
             <a:r>
-              <a:rPr lang="en-US" sz="2800" dirty="0"/>
+              <a:rPr lang="en-US" sz="2800" dirty="0">
+                <a:solidFill>
+                  <a:schemeClr val="tx1"/>
+                </a:solidFill>
+              </a:rPr>
               <a:t>Difference in field width: roughness</a:t>
             </a:r>
           </a:p>
@@ -11350,7 +11354,11 @@
           <a:lstStyle/>
           <a:p>
             <a:r>
-              <a:rPr lang="en-US" sz="2800" dirty="0"/>
+              <a:rPr lang="en-US" sz="2800" dirty="0">
+                <a:solidFill>
+                  <a:schemeClr val="tx1"/>
+                </a:solidFill>
+              </a:rPr>
               <a:t>Difference in field width: move influence</a:t>
             </a:r>
           </a:p>
@@ -11445,7 +11453,11 @@
           <a:lstStyle/>
           <a:p>
             <a:r>
-              <a:rPr lang="en-US" sz="2800" dirty="0"/>
+              <a:rPr lang="en-US" sz="2800" dirty="0">
+                <a:solidFill>
+                  <a:schemeClr val="tx1"/>
+                </a:solidFill>
+              </a:rPr>
               <a:t>Difference in field width: rows cleared</a:t>
             </a:r>
           </a:p>
@@ -11533,7 +11545,11 @@
           <a:lstStyle/>
           <a:p>
             <a:r>
-              <a:rPr lang="en-US" dirty="0"/>
+              <a:rPr lang="en-US" b="1" dirty="0">
+                <a:solidFill>
+                  <a:schemeClr val="tx1"/>
+                </a:solidFill>
+              </a:rPr>
               <a:t>Bot comparison</a:t>
             </a:r>
           </a:p>
@@ -11921,7 +11937,11 @@
           <a:lstStyle/>
           <a:p>
             <a:r>
-              <a:rPr lang="en-US" dirty="0"/>
+              <a:rPr lang="en-US" dirty="0">
+                <a:solidFill>
+                  <a:schemeClr val="tx1"/>
+                </a:solidFill>
+              </a:rPr>
               <a:t>What we learned</a:t>
             </a:r>
           </a:p>
@@ -11949,13 +11969,21 @@
           <a:lstStyle/>
           <a:p>
             <a:r>
-              <a:rPr lang="en-US" dirty="0"/>
+              <a:rPr lang="en-US" dirty="0">
+                <a:solidFill>
+                  <a:schemeClr val="tx1"/>
+                </a:solidFill>
+              </a:rPr>
               <a:t>Communication</a:t>
             </a:r>
           </a:p>
           <a:p>
             <a:r>
-              <a:rPr lang="en-US" dirty="0"/>
+              <a:rPr lang="en-US" dirty="0">
+                <a:solidFill>
+                  <a:schemeClr val="tx1"/>
+                </a:solidFill>
+              </a:rPr>
               <a:t>Division of work</a:t>
             </a:r>
           </a:p>
@@ -12364,10 +12392,13 @@
           <a:lstStyle/>
           <a:p>
             <a:r>
-              <a:rPr lang="en-US"/>
+              <a:rPr lang="en-US" dirty="0">
+                <a:solidFill>
+                  <a:schemeClr val="tx1"/>
+                </a:solidFill>
+              </a:rPr>
               <a:t>Game</a:t>
             </a:r>
-            <a:endParaRPr lang="en-US" dirty="0"/>
           </a:p>
         </p:txBody>
       </p:sp>
@@ -12400,22 +12431,33 @@
           <a:lstStyle/>
           <a:p>
             <a:r>
-              <a:rPr lang="en-US"/>
+              <a:rPr lang="en-US" dirty="0">
+                <a:solidFill>
+                  <a:schemeClr val="tx1"/>
+                </a:solidFill>
+              </a:rPr>
               <a:t>Objective</a:t>
             </a:r>
           </a:p>
           <a:p>
             <a:r>
-              <a:rPr lang="en-US"/>
+              <a:rPr lang="en-US" dirty="0">
+                <a:solidFill>
+                  <a:schemeClr val="tx1"/>
+                </a:solidFill>
+              </a:rPr>
               <a:t>Limitations</a:t>
             </a:r>
           </a:p>
           <a:p>
             <a:r>
-              <a:rPr lang="en-US"/>
+              <a:rPr lang="en-US" dirty="0">
+                <a:solidFill>
+                  <a:schemeClr val="tx1"/>
+                </a:solidFill>
+              </a:rPr>
               <a:t>Scoring</a:t>
             </a:r>
-            <a:endParaRPr lang="en-US" dirty="0"/>
           </a:p>
         </p:txBody>
       </p:sp>
@@ -12444,7 +12486,7 @@
               </a:ext>
             </a:extLst>
           </a:blip>
-          <a:srcRect l="21767" r="21054" b="1"/>
+          <a:srcRect l="21745" r="21077" b="1"/>
           <a:stretch/>
         </p:blipFill>
         <p:spPr>
@@ -12494,9 +12536,6 @@
             </a:pPr>
             <a:r>
               <a:rPr lang="en-US" sz="700">
-                <a:solidFill>
-                  <a:srgbClr val="FFFFFF"/>
-                </a:solidFill>
                 <a:hlinkClick r:id="rId3" tooltip="https://gadgetsin.com/tetris-desk-light.htm">
                   <a:extLst>
                     <a:ext uri="{A12FA001-AC4F-418D-AE19-62706E023703}">
@@ -12508,18 +12547,11 @@
               <a:t>This Photo</a:t>
             </a:r>
             <a:r>
-              <a:rPr lang="en-US" sz="700">
-                <a:solidFill>
-                  <a:srgbClr val="FFFFFF"/>
-                </a:solidFill>
-              </a:rPr>
+              <a:rPr lang="en-US" sz="700"/>
               <a:t> by Unknown Author is licensed under </a:t>
             </a:r>
             <a:r>
               <a:rPr lang="en-US" sz="700">
-                <a:solidFill>
-                  <a:srgbClr val="FFFFFF"/>
-                </a:solidFill>
                 <a:hlinkClick r:id="rId4" tooltip="https://creativecommons.org/licenses/by-nc-sa/3.0/">
                   <a:extLst>
                     <a:ext uri="{A12FA001-AC4F-418D-AE19-62706E023703}">
@@ -12530,11 +12562,7 @@
               </a:rPr>
               <a:t>CC BY-SA-NC</a:t>
             </a:r>
-            <a:endParaRPr lang="en-US" sz="700">
-              <a:solidFill>
-                <a:srgbClr val="FFFFFF"/>
-              </a:solidFill>
-            </a:endParaRPr>
+            <a:endParaRPr lang="en-US" sz="700"/>
           </a:p>
         </p:txBody>
       </p:sp>
@@ -12605,7 +12633,11 @@
           <a:lstStyle/>
           <a:p>
             <a:r>
-              <a:rPr lang="en-US" dirty="0"/>
+              <a:rPr lang="en-US" dirty="0">
+                <a:solidFill>
+                  <a:schemeClr val="tx1"/>
+                </a:solidFill>
+              </a:rPr>
               <a:t>Optimal order</a:t>
             </a:r>
           </a:p>
@@ -12640,27 +12672,43 @@
           <a:lstStyle/>
           <a:p>
             <a:r>
-              <a:rPr lang="en-US" dirty="0"/>
+              <a:rPr lang="en-US" dirty="0">
+                <a:solidFill>
+                  <a:schemeClr val="tx1"/>
+                </a:solidFill>
+              </a:rPr>
               <a:t>Approach</a:t>
             </a:r>
           </a:p>
           <a:p>
             <a:pPr lvl="1"/>
             <a:r>
-              <a:rPr lang="en-US" dirty="0"/>
+              <a:rPr lang="en-US" dirty="0">
+                <a:solidFill>
+                  <a:schemeClr val="tx1"/>
+                </a:solidFill>
+              </a:rPr>
               <a:t>Algorithm X as a start</a:t>
             </a:r>
           </a:p>
           <a:p>
             <a:pPr lvl="1"/>
             <a:r>
-              <a:rPr lang="en-US" dirty="0"/>
+              <a:rPr lang="en-US" dirty="0">
+                <a:solidFill>
+                  <a:schemeClr val="tx1"/>
+                </a:solidFill>
+              </a:rPr>
               <a:t>Play the game with the given orders</a:t>
             </a:r>
           </a:p>
           <a:p>
             <a:r>
-              <a:rPr lang="en-US" dirty="0"/>
+              <a:rPr lang="en-US" dirty="0">
+                <a:solidFill>
+                  <a:schemeClr val="tx1"/>
+                </a:solidFill>
+              </a:rPr>
               <a:t>Results</a:t>
             </a:r>
           </a:p>
@@ -12826,7 +12874,11 @@
           <a:lstStyle/>
           <a:p>
             <a:r>
-              <a:rPr lang="en-US" sz="3200"/>
+              <a:rPr lang="en-US" sz="4800" dirty="0">
+                <a:solidFill>
+                  <a:schemeClr val="tx1"/>
+                </a:solidFill>
+              </a:rPr>
               <a:t>Bots</a:t>
             </a:r>
           </a:p>
@@ -12899,14 +12951,29 @@
           </a:bodyPr>
           <a:lstStyle/>
           <a:p>
+            <a:endParaRPr lang="en-US" sz="3200" dirty="0">
+              <a:solidFill>
+                <a:schemeClr val="tx1"/>
+              </a:solidFill>
+            </a:endParaRPr>
+          </a:p>
+          <a:p>
             <a:r>
-              <a:rPr lang="en-US" sz="1600"/>
+              <a:rPr lang="en-US" sz="3200" dirty="0">
+                <a:solidFill>
+                  <a:schemeClr val="tx1"/>
+                </a:solidFill>
+              </a:rPr>
               <a:t>Q-bot</a:t>
             </a:r>
           </a:p>
           <a:p>
             <a:r>
-              <a:rPr lang="en-US" sz="1600"/>
+              <a:rPr lang="en-US" sz="3200" dirty="0">
+                <a:solidFill>
+                  <a:schemeClr val="tx1"/>
+                </a:solidFill>
+              </a:rPr>
               <a:t>G-bot</a:t>
             </a:r>
           </a:p>
@@ -13396,7 +13463,7 @@
               </a:lnSpc>
             </a:pPr>
             <a:r>
-              <a:rPr lang="en-US" sz="6600" b="1" cap="all"/>
+              <a:rPr lang="en-US" sz="6600" b="1" cap="all" dirty="0"/>
               <a:t>Q-bot</a:t>
             </a:r>
           </a:p>
@@ -14117,7 +14184,11 @@
           <a:lstStyle/>
           <a:p>
             <a:r>
-              <a:rPr lang="en-US" sz="2800" dirty="0"/>
+              <a:rPr lang="en-US" sz="2800" dirty="0">
+                <a:solidFill>
+                  <a:schemeClr val="tx1"/>
+                </a:solidFill>
+              </a:rPr>
               <a:t>G-bot process</a:t>
             </a:r>
           </a:p>
@@ -15856,7 +15927,11 @@
           <a:lstStyle/>
           <a:p>
             <a:r>
-              <a:rPr lang="en-US" sz="2800" dirty="0"/>
+              <a:rPr lang="en-US" sz="2800" dirty="0">
+                <a:solidFill>
+                  <a:schemeClr val="tx1"/>
+                </a:solidFill>
+              </a:rPr>
               <a:t>Difference in field width: score</a:t>
             </a:r>
           </a:p>
@@ -15951,7 +16026,11 @@
           <a:lstStyle/>
           <a:p>
             <a:r>
-              <a:rPr lang="en-US" sz="2800" dirty="0"/>
+              <a:rPr lang="en-US" sz="2800" dirty="0">
+                <a:solidFill>
+                  <a:schemeClr val="tx1"/>
+                </a:solidFill>
+              </a:rPr>
               <a:t>Difference in field width: holes</a:t>
             </a:r>
           </a:p>

--- a/Pentetris bots.pptx
+++ b/Pentetris bots.pptx
@@ -129,7 +129,7 @@
 <file path=ppt/charts/chart1.xml><?xml version="1.0" encoding="utf-8"?>
 <c:chartSpace xmlns:c="http://schemas.openxmlformats.org/drawingml/2006/chart" xmlns:a="http://schemas.openxmlformats.org/drawingml/2006/main" xmlns:r="http://schemas.openxmlformats.org/officeDocument/2006/relationships" xmlns:c16r2="http://schemas.microsoft.com/office/drawing/2015/06/chart">
   <c:date1904 val="0"/>
-  <c:lang val="en-GB"/>
+  <c:lang val="en-US"/>
   <c:roundedCorners val="0"/>
   <mc:AlternateContent xmlns:mc="http://schemas.openxmlformats.org/markup-compatibility/2006">
     <mc:Choice xmlns:c14="http://schemas.microsoft.com/office/drawing/2007/8/2/chart" Requires="c14">
@@ -1096,7 +1096,7 @@
 <file path=ppt/charts/chart2.xml><?xml version="1.0" encoding="utf-8"?>
 <c:chartSpace xmlns:c="http://schemas.openxmlformats.org/drawingml/2006/chart" xmlns:a="http://schemas.openxmlformats.org/drawingml/2006/main" xmlns:r="http://schemas.openxmlformats.org/officeDocument/2006/relationships" xmlns:c16r2="http://schemas.microsoft.com/office/drawing/2015/06/chart">
   <c:date1904 val="0"/>
-  <c:lang val="en-GB"/>
+  <c:lang val="en-US"/>
   <c:roundedCorners val="0"/>
   <mc:AlternateContent xmlns:mc="http://schemas.openxmlformats.org/markup-compatibility/2006">
     <mc:Choice xmlns:c14="http://schemas.microsoft.com/office/drawing/2007/8/2/chart" Requires="c14">
@@ -2057,7 +2057,7 @@
 <file path=ppt/charts/chart3.xml><?xml version="1.0" encoding="utf-8"?>
 <c:chartSpace xmlns:c="http://schemas.openxmlformats.org/drawingml/2006/chart" xmlns:a="http://schemas.openxmlformats.org/drawingml/2006/main" xmlns:r="http://schemas.openxmlformats.org/officeDocument/2006/relationships" xmlns:c16r2="http://schemas.microsoft.com/office/drawing/2015/06/chart">
   <c:date1904 val="0"/>
-  <c:lang val="en-GB"/>
+  <c:lang val="en-US"/>
   <c:roundedCorners val="0"/>
   <mc:AlternateContent xmlns:mc="http://schemas.openxmlformats.org/markup-compatibility/2006">
     <mc:Choice xmlns:c14="http://schemas.microsoft.com/office/drawing/2007/8/2/chart" Requires="c14">
@@ -3019,7 +3019,7 @@
 <file path=ppt/charts/chart4.xml><?xml version="1.0" encoding="utf-8"?>
 <c:chartSpace xmlns:c="http://schemas.openxmlformats.org/drawingml/2006/chart" xmlns:a="http://schemas.openxmlformats.org/drawingml/2006/main" xmlns:r="http://schemas.openxmlformats.org/officeDocument/2006/relationships" xmlns:c16r2="http://schemas.microsoft.com/office/drawing/2015/06/chart">
   <c:date1904 val="0"/>
-  <c:lang val="en-GB"/>
+  <c:lang val="en-US"/>
   <c:roundedCorners val="0"/>
   <mc:AlternateContent xmlns:mc="http://schemas.openxmlformats.org/markup-compatibility/2006">
     <mc:Choice xmlns:c14="http://schemas.microsoft.com/office/drawing/2007/8/2/chart" Requires="c14">
@@ -3981,7 +3981,7 @@
 <file path=ppt/charts/chart5.xml><?xml version="1.0" encoding="utf-8"?>
 <c:chartSpace xmlns:c="http://schemas.openxmlformats.org/drawingml/2006/chart" xmlns:a="http://schemas.openxmlformats.org/drawingml/2006/main" xmlns:r="http://schemas.openxmlformats.org/officeDocument/2006/relationships" xmlns:c16r2="http://schemas.microsoft.com/office/drawing/2015/06/chart">
   <c:date1904 val="0"/>
-  <c:lang val="en-GB"/>
+  <c:lang val="en-US"/>
   <c:roundedCorners val="0"/>
   <mc:AlternateContent xmlns:mc="http://schemas.openxmlformats.org/markup-compatibility/2006">
     <mc:Choice xmlns:c14="http://schemas.microsoft.com/office/drawing/2007/8/2/chart" Requires="c14">
@@ -7912,7 +7912,7 @@
           <a:p>
             <a:fld id="{32FC8DA1-6707-49A3-ADA2-8E23F5184E6C}" type="datetimeFigureOut">
               <a:rPr lang="en-US" smtClean="0"/>
-              <a:t>12/8/19</a:t>
+              <a:t>12/9/2019</a:t>
             </a:fld>
             <a:endParaRPr lang="en-US"/>
           </a:p>
@@ -8133,7 +8133,7 @@
           <a:p>
             <a:fld id="{32FC8DA1-6707-49A3-ADA2-8E23F5184E6C}" type="datetimeFigureOut">
               <a:rPr lang="en-US" smtClean="0"/>
-              <a:t>12/8/19</a:t>
+              <a:t>12/9/2019</a:t>
             </a:fld>
             <a:endParaRPr lang="en-US"/>
           </a:p>
@@ -8313,7 +8313,7 @@
           <a:p>
             <a:fld id="{32FC8DA1-6707-49A3-ADA2-8E23F5184E6C}" type="datetimeFigureOut">
               <a:rPr lang="en-US" smtClean="0"/>
-              <a:t>12/8/19</a:t>
+              <a:t>12/9/2019</a:t>
             </a:fld>
             <a:endParaRPr lang="en-US"/>
           </a:p>
@@ -8483,7 +8483,7 @@
           <a:p>
             <a:fld id="{32FC8DA1-6707-49A3-ADA2-8E23F5184E6C}" type="datetimeFigureOut">
               <a:rPr lang="en-US" smtClean="0"/>
-              <a:t>12/8/19</a:t>
+              <a:t>12/9/2019</a:t>
             </a:fld>
             <a:endParaRPr lang="en-US"/>
           </a:p>
@@ -8734,7 +8734,7 @@
           <a:p>
             <a:fld id="{32FC8DA1-6707-49A3-ADA2-8E23F5184E6C}" type="datetimeFigureOut">
               <a:rPr lang="en-US" smtClean="0"/>
-              <a:t>12/8/19</a:t>
+              <a:t>12/9/2019</a:t>
             </a:fld>
             <a:endParaRPr lang="en-US"/>
           </a:p>
@@ -9057,7 +9057,7 @@
           <a:p>
             <a:fld id="{32FC8DA1-6707-49A3-ADA2-8E23F5184E6C}" type="datetimeFigureOut">
               <a:rPr lang="en-US" smtClean="0"/>
-              <a:t>12/8/19</a:t>
+              <a:t>12/9/2019</a:t>
             </a:fld>
             <a:endParaRPr lang="en-US"/>
           </a:p>
@@ -9481,7 +9481,7 @@
           <a:p>
             <a:fld id="{32FC8DA1-6707-49A3-ADA2-8E23F5184E6C}" type="datetimeFigureOut">
               <a:rPr lang="en-US" smtClean="0"/>
-              <a:t>12/8/19</a:t>
+              <a:t>12/9/2019</a:t>
             </a:fld>
             <a:endParaRPr lang="en-US"/>
           </a:p>
@@ -9599,7 +9599,7 @@
           <a:p>
             <a:fld id="{32FC8DA1-6707-49A3-ADA2-8E23F5184E6C}" type="datetimeFigureOut">
               <a:rPr lang="en-US" smtClean="0"/>
-              <a:t>12/8/19</a:t>
+              <a:t>12/9/2019</a:t>
             </a:fld>
             <a:endParaRPr lang="en-US"/>
           </a:p>
@@ -9694,7 +9694,7 @@
           <a:p>
             <a:fld id="{32FC8DA1-6707-49A3-ADA2-8E23F5184E6C}" type="datetimeFigureOut">
               <a:rPr lang="en-US" smtClean="0"/>
-              <a:t>12/8/19</a:t>
+              <a:t>12/9/2019</a:t>
             </a:fld>
             <a:endParaRPr lang="en-US"/>
           </a:p>
@@ -9984,7 +9984,7 @@
           <a:p>
             <a:fld id="{32FC8DA1-6707-49A3-ADA2-8E23F5184E6C}" type="datetimeFigureOut">
               <a:rPr lang="en-US" smtClean="0"/>
-              <a:t>12/8/19</a:t>
+              <a:t>12/9/2019</a:t>
             </a:fld>
             <a:endParaRPr lang="en-US"/>
           </a:p>
@@ -10256,7 +10256,7 @@
           <a:p>
             <a:fld id="{32FC8DA1-6707-49A3-ADA2-8E23F5184E6C}" type="datetimeFigureOut">
               <a:rPr lang="en-US" smtClean="0"/>
-              <a:t>12/8/19</a:t>
+              <a:t>12/9/2019</a:t>
             </a:fld>
             <a:endParaRPr lang="en-US"/>
           </a:p>
@@ -10510,7 +10510,7 @@
           <a:p>
             <a:fld id="{32FC8DA1-6707-49A3-ADA2-8E23F5184E6C}" type="datetimeFigureOut">
               <a:rPr lang="en-US" smtClean="0"/>
-              <a:t>12/8/19</a:t>
+              <a:t>12/9/2019</a:t>
             </a:fld>
             <a:endParaRPr lang="en-US"/>
           </a:p>
@@ -13100,10 +13100,10 @@
       </p:grpSpPr>
       <p:sp>
         <p:nvSpPr>
-          <p:cNvPr id="11" name="Rectangle 10">
+          <p:cNvPr id="28" name="Rectangle 27">
             <a:extLst>
               <a:ext uri="{FF2B5EF4-FFF2-40B4-BE49-F238E27FC236}">
-                <a16:creationId xmlns:a16="http://schemas.microsoft.com/office/drawing/2014/main" id="{79CBD3C9-4E66-426D-948E-7CF4778107E8}"/>
+                <a16:creationId xmlns:a16="http://schemas.microsoft.com/office/drawing/2014/main" id="{FB71362F-6305-42A2-8633-285CE3813B1A}"/>
               </a:ext>
               <a:ext uri="{C183D7F6-B498-43B3-948B-1728B52AA6E4}">
                 <adec:decorative xmlns:adec="http://schemas.microsoft.com/office/drawing/2017/decorative" val="1"/>
@@ -13155,10 +13155,10 @@
       </p:sp>
       <p:sp>
         <p:nvSpPr>
-          <p:cNvPr id="13" name="Rectangle 12">
+          <p:cNvPr id="30" name="Rectangle 29">
             <a:extLst>
               <a:ext uri="{FF2B5EF4-FFF2-40B4-BE49-F238E27FC236}">
-                <a16:creationId xmlns:a16="http://schemas.microsoft.com/office/drawing/2014/main" id="{DDB95FCF-AD96-482F-9FB8-CD95725E6EFF}"/>
+                <a16:creationId xmlns:a16="http://schemas.microsoft.com/office/drawing/2014/main" id="{611F50C1-F708-485D-B1A9-65873AB21768}"/>
               </a:ext>
               <a:ext uri="{C183D7F6-B498-43B3-948B-1728B52AA6E4}">
                 <adec:decorative xmlns:adec="http://schemas.microsoft.com/office/drawing/2017/decorative" val="1"/>
@@ -13212,10 +13212,10 @@
       </p:sp>
       <p:cxnSp>
         <p:nvCxnSpPr>
-          <p:cNvPr id="15" name="Straight Connector 14">
+          <p:cNvPr id="32" name="Straight Connector 31">
             <a:extLst>
               <a:ext uri="{FF2B5EF4-FFF2-40B4-BE49-F238E27FC236}">
-                <a16:creationId xmlns:a16="http://schemas.microsoft.com/office/drawing/2014/main" id="{64EEEC00-AD80-4734-BEE6-04CBDEC830C9}"/>
+                <a16:creationId xmlns:a16="http://schemas.microsoft.com/office/drawing/2014/main" id="{BAF7F52A-561E-4CE4-A251-1565CF80F23D}"/>
               </a:ext>
               <a:ext uri="{C183D7F6-B498-43B3-948B-1728B52AA6E4}">
                 <adec:decorative xmlns:adec="http://schemas.microsoft.com/office/drawing/2017/decorative" val="1"/>
@@ -13264,10 +13264,10 @@
       </p:cxnSp>
       <p:sp>
         <p:nvSpPr>
-          <p:cNvPr id="17" name="Rectangle 16">
+          <p:cNvPr id="34" name="Rectangle 33">
             <a:extLst>
               <a:ext uri="{FF2B5EF4-FFF2-40B4-BE49-F238E27FC236}">
-                <a16:creationId xmlns:a16="http://schemas.microsoft.com/office/drawing/2014/main" id="{24AF37F0-1E8F-443E-AA28-4BC6348204B4}"/>
+                <a16:creationId xmlns:a16="http://schemas.microsoft.com/office/drawing/2014/main" id="{7DDF717E-1596-4763-8083-7EDE48E716EE}"/>
               </a:ext>
               <a:ext uri="{C183D7F6-B498-43B3-948B-1728B52AA6E4}">
                 <adec:decorative xmlns:adec="http://schemas.microsoft.com/office/drawing/2017/decorative" val="1"/>
@@ -13287,68 +13287,8 @@
         </p:nvSpPr>
         <p:spPr>
           <a:xfrm>
-            <a:off x="0" y="0"/>
-            <a:ext cx="12192000" cy="6858000"/>
-          </a:xfrm>
-          <a:prstGeom prst="rect">
-            <a:avLst/>
-          </a:prstGeom>
-          <a:ln>
-            <a:noFill/>
-          </a:ln>
-        </p:spPr>
-        <p:style>
-          <a:lnRef idx="2">
-            <a:schemeClr val="accent1">
-              <a:shade val="50000"/>
-            </a:schemeClr>
-          </a:lnRef>
-          <a:fillRef idx="1">
-            <a:schemeClr val="accent1"/>
-          </a:fillRef>
-          <a:effectRef idx="0">
-            <a:schemeClr val="accent1"/>
-          </a:effectRef>
-          <a:fontRef idx="minor">
-            <a:schemeClr val="lt1"/>
-          </a:fontRef>
-        </p:style>
-        <p:txBody>
-          <a:bodyPr rtlCol="0" anchor="ctr"/>
-          <a:lstStyle/>
-          <a:p>
-            <a:pPr algn="ctr"/>
-            <a:endParaRPr lang="en-US"/>
-          </a:p>
-        </p:txBody>
-      </p:sp>
-      <p:sp>
-        <p:nvSpPr>
-          <p:cNvPr id="19" name="Rectangle 18">
-            <a:extLst>
-              <a:ext uri="{FF2B5EF4-FFF2-40B4-BE49-F238E27FC236}">
-                <a16:creationId xmlns:a16="http://schemas.microsoft.com/office/drawing/2014/main" id="{3DBE9D54-6250-40F2-A23A-F9CEBF5F9196}"/>
-              </a:ext>
-              <a:ext uri="{C183D7F6-B498-43B3-948B-1728B52AA6E4}">
-                <adec:decorative xmlns:adec="http://schemas.microsoft.com/office/drawing/2017/decorative" val="1"/>
-              </a:ext>
-            </a:extLst>
-          </p:cNvPr>
-          <p:cNvSpPr>
-            <a:spLocks noGrp="1" noRot="1" noChangeAspect="1" noMove="1" noResize="1" noEditPoints="1" noAdjustHandles="1" noChangeArrowheads="1" noChangeShapeType="1" noTextEdit="1"/>
-          </p:cNvSpPr>
-          <p:nvPr>
-            <p:extLst>
-              <p:ext uri="{386F3935-93C4-4BCD-93E2-E3B085C9AB24}">
-                <p16:designElem xmlns:p16="http://schemas.microsoft.com/office/powerpoint/2015/main" val="1"/>
-              </p:ext>
-            </p:extLst>
-          </p:nvPr>
-        </p:nvSpPr>
-        <p:spPr>
-          <a:xfrm>
-            <a:off x="243840" y="256540"/>
-            <a:ext cx="11704320" cy="6365239"/>
+            <a:off x="231140" y="243840"/>
+            <a:ext cx="11724640" cy="6377939"/>
           </a:xfrm>
           <a:prstGeom prst="rect">
             <a:avLst/>
@@ -13357,7 +13297,9 @@
             <a:schemeClr val="bg1"/>
           </a:solidFill>
           <a:ln w="12700">
-            <a:noFill/>
+            <a:solidFill>
+              <a:srgbClr val="FFFFFF"/>
+            </a:solidFill>
           </a:ln>
         </p:spPr>
         <p:style>
@@ -13379,10 +13321,10 @@
       </p:sp>
       <p:cxnSp>
         <p:nvCxnSpPr>
-          <p:cNvPr id="21" name="Straight Connector 20">
+          <p:cNvPr id="36" name="Straight Connector 35">
             <a:extLst>
               <a:ext uri="{FF2B5EF4-FFF2-40B4-BE49-F238E27FC236}">
-                <a16:creationId xmlns:a16="http://schemas.microsoft.com/office/drawing/2014/main" id="{E46E6328-0D82-4747-8B39-60373321BB39}"/>
+                <a16:creationId xmlns:a16="http://schemas.microsoft.com/office/drawing/2014/main" id="{E516E5FD-1641-417A-B344-1BB57281DCFF}"/>
               </a:ext>
               <a:ext uri="{C183D7F6-B498-43B3-948B-1728B52AA6E4}">
                 <adec:decorative xmlns:adec="http://schemas.microsoft.com/office/drawing/2017/decorative" val="1"/>
@@ -13402,7 +13344,7 @@
         </p:nvCxnSpPr>
         <p:spPr>
           <a:xfrm>
-            <a:off x="1978660" y="5458968"/>
+            <a:off x="1978660" y="5323114"/>
             <a:ext cx="8229601" cy="0"/>
           </a:xfrm>
           <a:prstGeom prst="line">
@@ -13447,8 +13389,8 @@
         </p:nvSpPr>
         <p:spPr>
           <a:xfrm>
-            <a:off x="1109980" y="4206240"/>
-            <a:ext cx="9966960" cy="1325880"/>
+            <a:off x="1109980" y="3895344"/>
+            <a:ext cx="9966960" cy="1490472"/>
           </a:xfrm>
         </p:spPr>
         <p:txBody>
@@ -13463,9 +13405,90 @@
               </a:lnSpc>
             </a:pPr>
             <a:r>
-              <a:rPr lang="en-US" sz="6600" b="1" cap="all" dirty="0"/>
+              <a:rPr lang="en-US" sz="6600" b="1" cap="all"/>
               <a:t>Q-bot</a:t>
             </a:r>
+            <a:endParaRPr lang="en-US" sz="6600" b="1" cap="all" dirty="0"/>
+          </a:p>
+        </p:txBody>
+      </p:sp>
+      <p:sp>
+        <p:nvSpPr>
+          <p:cNvPr id="25" name="Content Placeholder 24">
+            <a:extLst>
+              <a:ext uri="{FF2B5EF4-FFF2-40B4-BE49-F238E27FC236}">
+                <a16:creationId xmlns:a16="http://schemas.microsoft.com/office/drawing/2014/main" id="{7F554EA3-DD37-4F86-924B-ECCF3B82E2F9}"/>
+              </a:ext>
+            </a:extLst>
+          </p:cNvPr>
+          <p:cNvSpPr>
+            <a:spLocks noGrp="1"/>
+          </p:cNvSpPr>
+          <p:nvPr>
+            <p:ph idx="1"/>
+          </p:nvPr>
+        </p:nvSpPr>
+        <p:spPr>
+          <a:xfrm>
+            <a:off x="1709530" y="5458949"/>
+            <a:ext cx="8767860" cy="721416"/>
+          </a:xfrm>
+        </p:spPr>
+        <p:txBody>
+          <a:bodyPr vert="horz" lIns="91440" tIns="45720" rIns="91440" bIns="45720" rtlCol="0">
+            <a:normAutofit/>
+          </a:bodyPr>
+          <a:lstStyle/>
+          <a:p>
+            <a:pPr marL="0" indent="0" algn="ctr">
+              <a:buNone/>
+            </a:pPr>
+            <a:r>
+              <a:rPr lang="en-US" altLang="en-US" sz="2000" dirty="0" err="1"/>
+              <a:t>amountOfBlocksSurrounding</a:t>
+            </a:r>
+            <a:r>
+              <a:rPr lang="en-US" altLang="en-US" sz="2000" dirty="0"/>
+              <a:t> * (5 * (</a:t>
+            </a:r>
+            <a:r>
+              <a:rPr lang="en-US" altLang="en-US" sz="2000" dirty="0" err="1"/>
+              <a:t>i</a:t>
+            </a:r>
+            <a:r>
+              <a:rPr lang="en-US" altLang="en-US" sz="2000" dirty="0"/>
+              <a:t> + 1)) + 25 * (</a:t>
+            </a:r>
+            <a:r>
+              <a:rPr lang="en-US" altLang="en-US" sz="2000" dirty="0" err="1"/>
+              <a:t>i</a:t>
+            </a:r>
+            <a:r>
+              <a:rPr lang="en-US" altLang="en-US" sz="2000" dirty="0"/>
+              <a:t>) + </a:t>
+            </a:r>
+            <a:r>
+              <a:rPr lang="en-US" altLang="en-US" sz="2000" dirty="0" err="1"/>
+              <a:t>amountOfBlocksInRow</a:t>
+            </a:r>
+            <a:r>
+              <a:rPr lang="en-US" altLang="en-US" sz="2000" dirty="0"/>
+              <a:t> * (3 * (</a:t>
+            </a:r>
+            <a:r>
+              <a:rPr lang="en-US" altLang="en-US" sz="2000" dirty="0" err="1"/>
+              <a:t>i</a:t>
+            </a:r>
+            <a:r>
+              <a:rPr lang="en-US" altLang="en-US" sz="2000" dirty="0"/>
+              <a:t>) + 3) + 1;</a:t>
+            </a:r>
+          </a:p>
+          <a:p>
+            <a:pPr marL="0" indent="0" algn="ctr">
+              <a:buNone/>
+            </a:pPr>
+            <a:endParaRPr lang="en-US" sz="2000" dirty="0"/>
           </a:p>
         </p:txBody>
       </p:sp>
@@ -13479,11 +13502,9 @@
             </a:extLst>
           </p:cNvPr>
           <p:cNvPicPr>
-            <a:picLocks noGrp="1" noChangeAspect="1"/>
+            <a:picLocks noChangeAspect="1"/>
           </p:cNvPicPr>
-          <p:nvPr>
-            <p:ph idx="1"/>
-          </p:nvPr>
+          <p:nvPr/>
         </p:nvPicPr>
         <p:blipFill>
           <a:blip r:embed="rId2">
@@ -13502,8 +13523,8 @@
         </p:blipFill>
         <p:spPr>
           <a:xfrm>
-            <a:off x="2643743" y="741172"/>
-            <a:ext cx="6904513" cy="3279644"/>
+            <a:off x="2553016" y="609200"/>
+            <a:ext cx="6764236" cy="3213011"/>
           </a:xfrm>
           <a:prstGeom prst="rect">
             <a:avLst/>
@@ -13524,7 +13545,7 @@
         </p:nvSpPr>
         <p:spPr>
           <a:xfrm>
-            <a:off x="7180300" y="3820761"/>
+            <a:off x="2642618" y="3754452"/>
             <a:ext cx="2367956" cy="200055"/>
           </a:xfrm>
           <a:prstGeom prst="rect">
@@ -13546,7 +13567,7 @@
               </a:spcAft>
             </a:pPr>
             <a:r>
-              <a:rPr lang="en-US" sz="700">
+              <a:rPr lang="en-US" sz="700" dirty="0">
                 <a:solidFill>
                   <a:srgbClr val="FFFFFF"/>
                 </a:solidFill>
@@ -13561,7 +13582,7 @@
               <a:t>This Photo</a:t>
             </a:r>
             <a:r>
-              <a:rPr lang="en-US" sz="700">
+              <a:rPr lang="en-US" sz="700" dirty="0">
                 <a:solidFill>
                   <a:srgbClr val="FFFFFF"/>
                 </a:solidFill>
@@ -13569,7 +13590,7 @@
               <a:t> by Unknown Author is licensed under </a:t>
             </a:r>
             <a:r>
-              <a:rPr lang="en-US" sz="700">
+              <a:rPr lang="en-US" sz="700" dirty="0">
                 <a:solidFill>
                   <a:srgbClr val="FFFFFF"/>
                 </a:solidFill>
@@ -13583,7 +13604,7 @@
               </a:rPr>
               <a:t>CC BY-SA</a:t>
             </a:r>
-            <a:endParaRPr lang="en-US" sz="700">
+            <a:endParaRPr lang="en-US" sz="700" dirty="0">
               <a:solidFill>
                 <a:srgbClr val="FFFFFF"/>
               </a:solidFill>

--- a/Pentetris bots.pptx
+++ b/Pentetris bots.pptx
@@ -4,6 +4,9 @@
   <p:sldMasterIdLst>
     <p:sldMasterId id="2147483660" r:id="rId1"/>
   </p:sldMasterIdLst>
+  <p:notesMasterIdLst>
+    <p:notesMasterId r:id="rId17"/>
+  </p:notesMasterIdLst>
   <p:sldIdLst>
     <p:sldId id="256" r:id="rId2"/>
     <p:sldId id="257" r:id="rId3"/>
@@ -4671,7 +4674,7 @@
                   </a:defRPr>
                 </a:pPr>
                 <a:r>
-                  <a:rPr lang="en-GB" dirty="0"/>
+                  <a:rPr lang="en-GB"/>
                   <a:t>Training Percentage %</a:t>
                 </a:r>
               </a:p>
@@ -7716,6 +7719,1170 @@
 </cs:chartStyle>
 </file>
 
+<file path=ppt/notesMasters/notesMaster1.xml><?xml version="1.0" encoding="utf-8"?>
+<p:notesMaster xmlns:a="http://schemas.openxmlformats.org/drawingml/2006/main" xmlns:r="http://schemas.openxmlformats.org/officeDocument/2006/relationships" xmlns:p="http://schemas.openxmlformats.org/presentationml/2006/main">
+  <p:cSld>
+    <p:bg>
+      <p:bgRef idx="1001">
+        <a:schemeClr val="bg1"/>
+      </p:bgRef>
+    </p:bg>
+    <p:spTree>
+      <p:nvGrpSpPr>
+        <p:cNvPr id="1" name=""/>
+        <p:cNvGrpSpPr/>
+        <p:nvPr/>
+      </p:nvGrpSpPr>
+      <p:grpSpPr>
+        <a:xfrm>
+          <a:off x="0" y="0"/>
+          <a:ext cx="0" cy="0"/>
+          <a:chOff x="0" y="0"/>
+          <a:chExt cx="0" cy="0"/>
+        </a:xfrm>
+      </p:grpSpPr>
+      <p:sp>
+        <p:nvSpPr>
+          <p:cNvPr id="2" name="Header Placeholder 1"/>
+          <p:cNvSpPr>
+            <a:spLocks noGrp="1"/>
+          </p:cNvSpPr>
+          <p:nvPr>
+            <p:ph type="hdr" sz="quarter"/>
+          </p:nvPr>
+        </p:nvSpPr>
+        <p:spPr>
+          <a:xfrm>
+            <a:off x="0" y="0"/>
+            <a:ext cx="2971800" cy="458788"/>
+          </a:xfrm>
+          <a:prstGeom prst="rect">
+            <a:avLst/>
+          </a:prstGeom>
+        </p:spPr>
+        <p:txBody>
+          <a:bodyPr vert="horz" lIns="91440" tIns="45720" rIns="91440" bIns="45720" rtlCol="0"/>
+          <a:lstStyle>
+            <a:lvl1pPr algn="l">
+              <a:defRPr sz="1200"/>
+            </a:lvl1pPr>
+          </a:lstStyle>
+          <a:p>
+            <a:endParaRPr lang="en-US"/>
+          </a:p>
+        </p:txBody>
+      </p:sp>
+      <p:sp>
+        <p:nvSpPr>
+          <p:cNvPr id="3" name="Date Placeholder 2"/>
+          <p:cNvSpPr>
+            <a:spLocks noGrp="1"/>
+          </p:cNvSpPr>
+          <p:nvPr>
+            <p:ph type="dt" idx="1"/>
+          </p:nvPr>
+        </p:nvSpPr>
+        <p:spPr>
+          <a:xfrm>
+            <a:off x="3884613" y="0"/>
+            <a:ext cx="2971800" cy="458788"/>
+          </a:xfrm>
+          <a:prstGeom prst="rect">
+            <a:avLst/>
+          </a:prstGeom>
+        </p:spPr>
+        <p:txBody>
+          <a:bodyPr vert="horz" lIns="91440" tIns="45720" rIns="91440" bIns="45720" rtlCol="0"/>
+          <a:lstStyle>
+            <a:lvl1pPr algn="r">
+              <a:defRPr sz="1200"/>
+            </a:lvl1pPr>
+          </a:lstStyle>
+          <a:p>
+            <a:fld id="{22A718B8-5F9A-4008-86CD-16CAD8395C61}" type="datetimeFigureOut">
+              <a:rPr lang="en-US" smtClean="0"/>
+              <a:t>12/10/2019</a:t>
+            </a:fld>
+            <a:endParaRPr lang="en-US"/>
+          </a:p>
+        </p:txBody>
+      </p:sp>
+      <p:sp>
+        <p:nvSpPr>
+          <p:cNvPr id="4" name="Slide Image Placeholder 3"/>
+          <p:cNvSpPr>
+            <a:spLocks noGrp="1" noRot="1" noChangeAspect="1"/>
+          </p:cNvSpPr>
+          <p:nvPr>
+            <p:ph type="sldImg" idx="2"/>
+          </p:nvPr>
+        </p:nvSpPr>
+        <p:spPr>
+          <a:xfrm>
+            <a:off x="685800" y="1143000"/>
+            <a:ext cx="5486400" cy="3086100"/>
+          </a:xfrm>
+          <a:prstGeom prst="rect">
+            <a:avLst/>
+          </a:prstGeom>
+          <a:noFill/>
+          <a:ln w="12700">
+            <a:solidFill>
+              <a:prstClr val="black"/>
+            </a:solidFill>
+          </a:ln>
+        </p:spPr>
+        <p:txBody>
+          <a:bodyPr vert="horz" lIns="91440" tIns="45720" rIns="91440" bIns="45720" rtlCol="0" anchor="ctr"/>
+          <a:lstStyle/>
+          <a:p>
+            <a:endParaRPr lang="en-US"/>
+          </a:p>
+        </p:txBody>
+      </p:sp>
+      <p:sp>
+        <p:nvSpPr>
+          <p:cNvPr id="5" name="Notes Placeholder 4"/>
+          <p:cNvSpPr>
+            <a:spLocks noGrp="1"/>
+          </p:cNvSpPr>
+          <p:nvPr>
+            <p:ph type="body" sz="quarter" idx="3"/>
+          </p:nvPr>
+        </p:nvSpPr>
+        <p:spPr>
+          <a:xfrm>
+            <a:off x="685800" y="4400550"/>
+            <a:ext cx="5486400" cy="3600450"/>
+          </a:xfrm>
+          <a:prstGeom prst="rect">
+            <a:avLst/>
+          </a:prstGeom>
+        </p:spPr>
+        <p:txBody>
+          <a:bodyPr vert="horz" lIns="91440" tIns="45720" rIns="91440" bIns="45720" rtlCol="0"/>
+          <a:lstStyle/>
+          <a:p>
+            <a:pPr lvl="0"/>
+            <a:r>
+              <a:rPr lang="en-US"/>
+              <a:t>Click to edit Master text styles</a:t>
+            </a:r>
+          </a:p>
+          <a:p>
+            <a:pPr lvl="1"/>
+            <a:r>
+              <a:rPr lang="en-US"/>
+              <a:t>Second level</a:t>
+            </a:r>
+          </a:p>
+          <a:p>
+            <a:pPr lvl="2"/>
+            <a:r>
+              <a:rPr lang="en-US"/>
+              <a:t>Third level</a:t>
+            </a:r>
+          </a:p>
+          <a:p>
+            <a:pPr lvl="3"/>
+            <a:r>
+              <a:rPr lang="en-US"/>
+              <a:t>Fourth level</a:t>
+            </a:r>
+          </a:p>
+          <a:p>
+            <a:pPr lvl="4"/>
+            <a:r>
+              <a:rPr lang="en-US"/>
+              <a:t>Fifth level</a:t>
+            </a:r>
+          </a:p>
+        </p:txBody>
+      </p:sp>
+      <p:sp>
+        <p:nvSpPr>
+          <p:cNvPr id="6" name="Footer Placeholder 5"/>
+          <p:cNvSpPr>
+            <a:spLocks noGrp="1"/>
+          </p:cNvSpPr>
+          <p:nvPr>
+            <p:ph type="ftr" sz="quarter" idx="4"/>
+          </p:nvPr>
+        </p:nvSpPr>
+        <p:spPr>
+          <a:xfrm>
+            <a:off x="0" y="8685213"/>
+            <a:ext cx="2971800" cy="458787"/>
+          </a:xfrm>
+          <a:prstGeom prst="rect">
+            <a:avLst/>
+          </a:prstGeom>
+        </p:spPr>
+        <p:txBody>
+          <a:bodyPr vert="horz" lIns="91440" tIns="45720" rIns="91440" bIns="45720" rtlCol="0" anchor="b"/>
+          <a:lstStyle>
+            <a:lvl1pPr algn="l">
+              <a:defRPr sz="1200"/>
+            </a:lvl1pPr>
+          </a:lstStyle>
+          <a:p>
+            <a:endParaRPr lang="en-US"/>
+          </a:p>
+        </p:txBody>
+      </p:sp>
+      <p:sp>
+        <p:nvSpPr>
+          <p:cNvPr id="7" name="Slide Number Placeholder 6"/>
+          <p:cNvSpPr>
+            <a:spLocks noGrp="1"/>
+          </p:cNvSpPr>
+          <p:nvPr>
+            <p:ph type="sldNum" sz="quarter" idx="5"/>
+          </p:nvPr>
+        </p:nvSpPr>
+        <p:spPr>
+          <a:xfrm>
+            <a:off x="3884613" y="8685213"/>
+            <a:ext cx="2971800" cy="458787"/>
+          </a:xfrm>
+          <a:prstGeom prst="rect">
+            <a:avLst/>
+          </a:prstGeom>
+        </p:spPr>
+        <p:txBody>
+          <a:bodyPr vert="horz" lIns="91440" tIns="45720" rIns="91440" bIns="45720" rtlCol="0" anchor="b"/>
+          <a:lstStyle>
+            <a:lvl1pPr algn="r">
+              <a:defRPr sz="1200"/>
+            </a:lvl1pPr>
+          </a:lstStyle>
+          <a:p>
+            <a:fld id="{74F3012B-8549-4BD1-8E89-0997551CB614}" type="slidenum">
+              <a:rPr lang="en-US" smtClean="0"/>
+              <a:t>‹#›</a:t>
+            </a:fld>
+            <a:endParaRPr lang="en-US"/>
+          </a:p>
+        </p:txBody>
+      </p:sp>
+    </p:spTree>
+    <p:extLst>
+      <p:ext uri="{BB962C8B-B14F-4D97-AF65-F5344CB8AC3E}">
+        <p14:creationId xmlns:p14="http://schemas.microsoft.com/office/powerpoint/2010/main" val="1118900531"/>
+      </p:ext>
+    </p:extLst>
+  </p:cSld>
+  <p:clrMap bg1="lt1" tx1="dk1" bg2="lt2" tx2="dk2" accent1="accent1" accent2="accent2" accent3="accent3" accent4="accent4" accent5="accent5" accent6="accent6" hlink="hlink" folHlink="folHlink"/>
+  <p:notesStyle>
+    <a:lvl1pPr marL="0" algn="l" defTabSz="914400" rtl="0" eaLnBrk="1" latinLnBrk="0" hangingPunct="1">
+      <a:defRPr sz="1200" kern="1200">
+        <a:solidFill>
+          <a:schemeClr val="tx1"/>
+        </a:solidFill>
+        <a:latin typeface="+mn-lt"/>
+        <a:ea typeface="+mn-ea"/>
+        <a:cs typeface="+mn-cs"/>
+      </a:defRPr>
+    </a:lvl1pPr>
+    <a:lvl2pPr marL="457200" algn="l" defTabSz="914400" rtl="0" eaLnBrk="1" latinLnBrk="0" hangingPunct="1">
+      <a:defRPr sz="1200" kern="1200">
+        <a:solidFill>
+          <a:schemeClr val="tx1"/>
+        </a:solidFill>
+        <a:latin typeface="+mn-lt"/>
+        <a:ea typeface="+mn-ea"/>
+        <a:cs typeface="+mn-cs"/>
+      </a:defRPr>
+    </a:lvl2pPr>
+    <a:lvl3pPr marL="914400" algn="l" defTabSz="914400" rtl="0" eaLnBrk="1" latinLnBrk="0" hangingPunct="1">
+      <a:defRPr sz="1200" kern="1200">
+        <a:solidFill>
+          <a:schemeClr val="tx1"/>
+        </a:solidFill>
+        <a:latin typeface="+mn-lt"/>
+        <a:ea typeface="+mn-ea"/>
+        <a:cs typeface="+mn-cs"/>
+      </a:defRPr>
+    </a:lvl3pPr>
+    <a:lvl4pPr marL="1371600" algn="l" defTabSz="914400" rtl="0" eaLnBrk="1" latinLnBrk="0" hangingPunct="1">
+      <a:defRPr sz="1200" kern="1200">
+        <a:solidFill>
+          <a:schemeClr val="tx1"/>
+        </a:solidFill>
+        <a:latin typeface="+mn-lt"/>
+        <a:ea typeface="+mn-ea"/>
+        <a:cs typeface="+mn-cs"/>
+      </a:defRPr>
+    </a:lvl4pPr>
+    <a:lvl5pPr marL="1828800" algn="l" defTabSz="914400" rtl="0" eaLnBrk="1" latinLnBrk="0" hangingPunct="1">
+      <a:defRPr sz="1200" kern="1200">
+        <a:solidFill>
+          <a:schemeClr val="tx1"/>
+        </a:solidFill>
+        <a:latin typeface="+mn-lt"/>
+        <a:ea typeface="+mn-ea"/>
+        <a:cs typeface="+mn-cs"/>
+      </a:defRPr>
+    </a:lvl5pPr>
+    <a:lvl6pPr marL="2286000" algn="l" defTabSz="914400" rtl="0" eaLnBrk="1" latinLnBrk="0" hangingPunct="1">
+      <a:defRPr sz="1200" kern="1200">
+        <a:solidFill>
+          <a:schemeClr val="tx1"/>
+        </a:solidFill>
+        <a:latin typeface="+mn-lt"/>
+        <a:ea typeface="+mn-ea"/>
+        <a:cs typeface="+mn-cs"/>
+      </a:defRPr>
+    </a:lvl6pPr>
+    <a:lvl7pPr marL="2743200" algn="l" defTabSz="914400" rtl="0" eaLnBrk="1" latinLnBrk="0" hangingPunct="1">
+      <a:defRPr sz="1200" kern="1200">
+        <a:solidFill>
+          <a:schemeClr val="tx1"/>
+        </a:solidFill>
+        <a:latin typeface="+mn-lt"/>
+        <a:ea typeface="+mn-ea"/>
+        <a:cs typeface="+mn-cs"/>
+      </a:defRPr>
+    </a:lvl7pPr>
+    <a:lvl8pPr marL="3200400" algn="l" defTabSz="914400" rtl="0" eaLnBrk="1" latinLnBrk="0" hangingPunct="1">
+      <a:defRPr sz="1200" kern="1200">
+        <a:solidFill>
+          <a:schemeClr val="tx1"/>
+        </a:solidFill>
+        <a:latin typeface="+mn-lt"/>
+        <a:ea typeface="+mn-ea"/>
+        <a:cs typeface="+mn-cs"/>
+      </a:defRPr>
+    </a:lvl8pPr>
+    <a:lvl9pPr marL="3657600" algn="l" defTabSz="914400" rtl="0" eaLnBrk="1" latinLnBrk="0" hangingPunct="1">
+      <a:defRPr sz="1200" kern="1200">
+        <a:solidFill>
+          <a:schemeClr val="tx1"/>
+        </a:solidFill>
+        <a:latin typeface="+mn-lt"/>
+        <a:ea typeface="+mn-ea"/>
+        <a:cs typeface="+mn-cs"/>
+      </a:defRPr>
+    </a:lvl9pPr>
+  </p:notesStyle>
+</p:notesMaster>
+</file>
+
+<file path=ppt/notesSlides/notesSlide1.xml><?xml version="1.0" encoding="utf-8"?>
+<p:notes xmlns:a="http://schemas.openxmlformats.org/drawingml/2006/main" xmlns:r="http://schemas.openxmlformats.org/officeDocument/2006/relationships" xmlns:p="http://schemas.openxmlformats.org/presentationml/2006/main">
+  <p:cSld>
+    <p:spTree>
+      <p:nvGrpSpPr>
+        <p:cNvPr id="1" name=""/>
+        <p:cNvGrpSpPr/>
+        <p:nvPr/>
+      </p:nvGrpSpPr>
+      <p:grpSpPr>
+        <a:xfrm>
+          <a:off x="0" y="0"/>
+          <a:ext cx="0" cy="0"/>
+          <a:chOff x="0" y="0"/>
+          <a:chExt cx="0" cy="0"/>
+        </a:xfrm>
+      </p:grpSpPr>
+      <p:sp>
+        <p:nvSpPr>
+          <p:cNvPr id="2" name="Slide Image Placeholder 1"/>
+          <p:cNvSpPr>
+            <a:spLocks noGrp="1" noRot="1" noChangeAspect="1"/>
+          </p:cNvSpPr>
+          <p:nvPr>
+            <p:ph type="sldImg"/>
+          </p:nvPr>
+        </p:nvSpPr>
+        <p:spPr/>
+      </p:sp>
+      <p:sp>
+        <p:nvSpPr>
+          <p:cNvPr id="3" name="Notes Placeholder 2"/>
+          <p:cNvSpPr>
+            <a:spLocks noGrp="1"/>
+          </p:cNvSpPr>
+          <p:nvPr>
+            <p:ph type="body" idx="1"/>
+          </p:nvPr>
+        </p:nvSpPr>
+        <p:spPr/>
+        <p:txBody>
+          <a:bodyPr/>
+          <a:lstStyle/>
+          <a:p>
+            <a:r>
+              <a:rPr lang="en-US" dirty="0"/>
+              <a:t>Introduce group</a:t>
+            </a:r>
+          </a:p>
+        </p:txBody>
+      </p:sp>
+      <p:sp>
+        <p:nvSpPr>
+          <p:cNvPr id="4" name="Slide Number Placeholder 3"/>
+          <p:cNvSpPr>
+            <a:spLocks noGrp="1"/>
+          </p:cNvSpPr>
+          <p:nvPr>
+            <p:ph type="sldNum" sz="quarter" idx="5"/>
+          </p:nvPr>
+        </p:nvSpPr>
+        <p:spPr/>
+        <p:txBody>
+          <a:bodyPr/>
+          <a:lstStyle/>
+          <a:p>
+            <a:fld id="{74F3012B-8549-4BD1-8E89-0997551CB614}" type="slidenum">
+              <a:rPr lang="en-US" smtClean="0"/>
+              <a:t>1</a:t>
+            </a:fld>
+            <a:endParaRPr lang="en-US"/>
+          </a:p>
+        </p:txBody>
+      </p:sp>
+    </p:spTree>
+    <p:extLst>
+      <p:ext uri="{BB962C8B-B14F-4D97-AF65-F5344CB8AC3E}">
+        <p14:creationId xmlns:p14="http://schemas.microsoft.com/office/powerpoint/2010/main" val="3514882085"/>
+      </p:ext>
+    </p:extLst>
+  </p:cSld>
+  <p:clrMapOvr>
+    <a:masterClrMapping/>
+  </p:clrMapOvr>
+</p:notes>
+</file>
+
+<file path=ppt/notesSlides/notesSlide2.xml><?xml version="1.0" encoding="utf-8"?>
+<p:notes xmlns:a="http://schemas.openxmlformats.org/drawingml/2006/main" xmlns:r="http://schemas.openxmlformats.org/officeDocument/2006/relationships" xmlns:p="http://schemas.openxmlformats.org/presentationml/2006/main">
+  <p:cSld>
+    <p:spTree>
+      <p:nvGrpSpPr>
+        <p:cNvPr id="1" name=""/>
+        <p:cNvGrpSpPr/>
+        <p:nvPr/>
+      </p:nvGrpSpPr>
+      <p:grpSpPr>
+        <a:xfrm>
+          <a:off x="0" y="0"/>
+          <a:ext cx="0" cy="0"/>
+          <a:chOff x="0" y="0"/>
+          <a:chExt cx="0" cy="0"/>
+        </a:xfrm>
+      </p:grpSpPr>
+      <p:sp>
+        <p:nvSpPr>
+          <p:cNvPr id="2" name="Slide Image Placeholder 1"/>
+          <p:cNvSpPr>
+            <a:spLocks noGrp="1" noRot="1" noChangeAspect="1"/>
+          </p:cNvSpPr>
+          <p:nvPr>
+            <p:ph type="sldImg"/>
+          </p:nvPr>
+        </p:nvSpPr>
+        <p:spPr/>
+      </p:sp>
+      <p:sp>
+        <p:nvSpPr>
+          <p:cNvPr id="3" name="Notes Placeholder 2"/>
+          <p:cNvSpPr>
+            <a:spLocks noGrp="1"/>
+          </p:cNvSpPr>
+          <p:nvPr>
+            <p:ph type="body" idx="1"/>
+          </p:nvPr>
+        </p:nvSpPr>
+        <p:spPr/>
+        <p:txBody>
+          <a:bodyPr/>
+          <a:lstStyle/>
+          <a:p>
+            <a:r>
+              <a:rPr lang="en-US" dirty="0"/>
+              <a:t>Objective: get the highest score by clearing as many rows as possible and trying to clear as many rows at once as possible</a:t>
+            </a:r>
+          </a:p>
+          <a:p>
+            <a:endParaRPr lang="en-US" dirty="0"/>
+          </a:p>
+          <a:p>
+            <a:r>
+              <a:rPr lang="en-US" dirty="0"/>
+              <a:t>Scoring: each cleared row gives 100 points, but when you clear multiple rows at once you get +100*</a:t>
+            </a:r>
+            <a:r>
+              <a:rPr lang="en-US" dirty="0" err="1"/>
+              <a:t>rowNumber</a:t>
+            </a:r>
+            <a:endParaRPr lang="en-US" dirty="0"/>
+          </a:p>
+        </p:txBody>
+      </p:sp>
+      <p:sp>
+        <p:nvSpPr>
+          <p:cNvPr id="4" name="Slide Number Placeholder 3"/>
+          <p:cNvSpPr>
+            <a:spLocks noGrp="1"/>
+          </p:cNvSpPr>
+          <p:nvPr>
+            <p:ph type="sldNum" sz="quarter" idx="5"/>
+          </p:nvPr>
+        </p:nvSpPr>
+        <p:spPr/>
+        <p:txBody>
+          <a:bodyPr/>
+          <a:lstStyle/>
+          <a:p>
+            <a:fld id="{74F3012B-8549-4BD1-8E89-0997551CB614}" type="slidenum">
+              <a:rPr lang="en-US" smtClean="0"/>
+              <a:t>2</a:t>
+            </a:fld>
+            <a:endParaRPr lang="en-US"/>
+          </a:p>
+        </p:txBody>
+      </p:sp>
+    </p:spTree>
+    <p:extLst>
+      <p:ext uri="{BB962C8B-B14F-4D97-AF65-F5344CB8AC3E}">
+        <p14:creationId xmlns:p14="http://schemas.microsoft.com/office/powerpoint/2010/main" val="2425649321"/>
+      </p:ext>
+    </p:extLst>
+  </p:cSld>
+  <p:clrMapOvr>
+    <a:masterClrMapping/>
+  </p:clrMapOvr>
+</p:notes>
+</file>
+
+<file path=ppt/notesSlides/notesSlide3.xml><?xml version="1.0" encoding="utf-8"?>
+<p:notes xmlns:a="http://schemas.openxmlformats.org/drawingml/2006/main" xmlns:r="http://schemas.openxmlformats.org/officeDocument/2006/relationships" xmlns:p="http://schemas.openxmlformats.org/presentationml/2006/main">
+  <p:cSld>
+    <p:spTree>
+      <p:nvGrpSpPr>
+        <p:cNvPr id="1" name=""/>
+        <p:cNvGrpSpPr/>
+        <p:nvPr/>
+      </p:nvGrpSpPr>
+      <p:grpSpPr>
+        <a:xfrm>
+          <a:off x="0" y="0"/>
+          <a:ext cx="0" cy="0"/>
+          <a:chOff x="0" y="0"/>
+          <a:chExt cx="0" cy="0"/>
+        </a:xfrm>
+      </p:grpSpPr>
+      <p:sp>
+        <p:nvSpPr>
+          <p:cNvPr id="2" name="Slide Image Placeholder 1"/>
+          <p:cNvSpPr>
+            <a:spLocks noGrp="1" noRot="1" noChangeAspect="1"/>
+          </p:cNvSpPr>
+          <p:nvPr>
+            <p:ph type="sldImg"/>
+          </p:nvPr>
+        </p:nvSpPr>
+        <p:spPr/>
+      </p:sp>
+      <p:sp>
+        <p:nvSpPr>
+          <p:cNvPr id="3" name="Notes Placeholder 2"/>
+          <p:cNvSpPr>
+            <a:spLocks noGrp="1"/>
+          </p:cNvSpPr>
+          <p:nvPr>
+            <p:ph type="body" idx="1"/>
+          </p:nvPr>
+        </p:nvSpPr>
+        <p:spPr/>
+        <p:txBody>
+          <a:bodyPr/>
+          <a:lstStyle/>
+          <a:p>
+            <a:r>
+              <a:rPr lang="en-US" dirty="0"/>
+              <a:t>Use algorithm X to find ways to fill the desired space completely</a:t>
+            </a:r>
+          </a:p>
+          <a:p>
+            <a:endParaRPr lang="en-US" dirty="0"/>
+          </a:p>
+          <a:p>
+            <a:r>
+              <a:rPr lang="en-US" dirty="0"/>
+              <a:t>Try to use the pieces in an order to fill in that desired space</a:t>
+            </a:r>
+          </a:p>
+        </p:txBody>
+      </p:sp>
+      <p:sp>
+        <p:nvSpPr>
+          <p:cNvPr id="4" name="Slide Number Placeholder 3"/>
+          <p:cNvSpPr>
+            <a:spLocks noGrp="1"/>
+          </p:cNvSpPr>
+          <p:nvPr>
+            <p:ph type="sldNum" sz="quarter" idx="5"/>
+          </p:nvPr>
+        </p:nvSpPr>
+        <p:spPr/>
+        <p:txBody>
+          <a:bodyPr/>
+          <a:lstStyle/>
+          <a:p>
+            <a:fld id="{74F3012B-8549-4BD1-8E89-0997551CB614}" type="slidenum">
+              <a:rPr lang="en-US" smtClean="0"/>
+              <a:t>3</a:t>
+            </a:fld>
+            <a:endParaRPr lang="en-US"/>
+          </a:p>
+        </p:txBody>
+      </p:sp>
+    </p:spTree>
+    <p:extLst>
+      <p:ext uri="{BB962C8B-B14F-4D97-AF65-F5344CB8AC3E}">
+        <p14:creationId xmlns:p14="http://schemas.microsoft.com/office/powerpoint/2010/main" val="3749139728"/>
+      </p:ext>
+    </p:extLst>
+  </p:cSld>
+  <p:clrMapOvr>
+    <a:masterClrMapping/>
+  </p:clrMapOvr>
+</p:notes>
+</file>
+
+<file path=ppt/notesSlides/notesSlide4.xml><?xml version="1.0" encoding="utf-8"?>
+<p:notes xmlns:a="http://schemas.openxmlformats.org/drawingml/2006/main" xmlns:r="http://schemas.openxmlformats.org/officeDocument/2006/relationships" xmlns:p="http://schemas.openxmlformats.org/presentationml/2006/main">
+  <p:cSld>
+    <p:spTree>
+      <p:nvGrpSpPr>
+        <p:cNvPr id="1" name=""/>
+        <p:cNvGrpSpPr/>
+        <p:nvPr/>
+      </p:nvGrpSpPr>
+      <p:grpSpPr>
+        <a:xfrm>
+          <a:off x="0" y="0"/>
+          <a:ext cx="0" cy="0"/>
+          <a:chOff x="0" y="0"/>
+          <a:chExt cx="0" cy="0"/>
+        </a:xfrm>
+      </p:grpSpPr>
+      <p:sp>
+        <p:nvSpPr>
+          <p:cNvPr id="2" name="Slide Image Placeholder 1"/>
+          <p:cNvSpPr>
+            <a:spLocks noGrp="1" noRot="1" noChangeAspect="1"/>
+          </p:cNvSpPr>
+          <p:nvPr>
+            <p:ph type="sldImg"/>
+          </p:nvPr>
+        </p:nvSpPr>
+        <p:spPr/>
+      </p:sp>
+      <p:sp>
+        <p:nvSpPr>
+          <p:cNvPr id="3" name="Notes Placeholder 2"/>
+          <p:cNvSpPr>
+            <a:spLocks noGrp="1"/>
+          </p:cNvSpPr>
+          <p:nvPr>
+            <p:ph type="body" idx="1"/>
+          </p:nvPr>
+        </p:nvSpPr>
+        <p:spPr/>
+        <p:txBody>
+          <a:bodyPr/>
+          <a:lstStyle/>
+          <a:p>
+            <a:r>
+              <a:rPr lang="en-US" dirty="0"/>
+              <a:t>We split the group up into two sub-groups each working on their bot. This was done so that we could try a simpler and more complex approach and everyone could still work on something and learn.</a:t>
+            </a:r>
+          </a:p>
+        </p:txBody>
+      </p:sp>
+      <p:sp>
+        <p:nvSpPr>
+          <p:cNvPr id="4" name="Slide Number Placeholder 3"/>
+          <p:cNvSpPr>
+            <a:spLocks noGrp="1"/>
+          </p:cNvSpPr>
+          <p:nvPr>
+            <p:ph type="sldNum" sz="quarter" idx="5"/>
+          </p:nvPr>
+        </p:nvSpPr>
+        <p:spPr/>
+        <p:txBody>
+          <a:bodyPr/>
+          <a:lstStyle/>
+          <a:p>
+            <a:fld id="{74F3012B-8549-4BD1-8E89-0997551CB614}" type="slidenum">
+              <a:rPr lang="en-US" smtClean="0"/>
+              <a:t>4</a:t>
+            </a:fld>
+            <a:endParaRPr lang="en-US"/>
+          </a:p>
+        </p:txBody>
+      </p:sp>
+    </p:spTree>
+    <p:extLst>
+      <p:ext uri="{BB962C8B-B14F-4D97-AF65-F5344CB8AC3E}">
+        <p14:creationId xmlns:p14="http://schemas.microsoft.com/office/powerpoint/2010/main" val="1032010989"/>
+      </p:ext>
+    </p:extLst>
+  </p:cSld>
+  <p:clrMapOvr>
+    <a:masterClrMapping/>
+  </p:clrMapOvr>
+</p:notes>
+</file>
+
+<file path=ppt/notesSlides/notesSlide5.xml><?xml version="1.0" encoding="utf-8"?>
+<p:notes xmlns:a="http://schemas.openxmlformats.org/drawingml/2006/main" xmlns:r="http://schemas.openxmlformats.org/officeDocument/2006/relationships" xmlns:p="http://schemas.openxmlformats.org/presentationml/2006/main">
+  <p:cSld>
+    <p:spTree>
+      <p:nvGrpSpPr>
+        <p:cNvPr id="1" name=""/>
+        <p:cNvGrpSpPr/>
+        <p:nvPr/>
+      </p:nvGrpSpPr>
+      <p:grpSpPr>
+        <a:xfrm>
+          <a:off x="0" y="0"/>
+          <a:ext cx="0" cy="0"/>
+          <a:chOff x="0" y="0"/>
+          <a:chExt cx="0" cy="0"/>
+        </a:xfrm>
+      </p:grpSpPr>
+      <p:sp>
+        <p:nvSpPr>
+          <p:cNvPr id="2" name="Slide Image Placeholder 1"/>
+          <p:cNvSpPr>
+            <a:spLocks noGrp="1" noRot="1" noChangeAspect="1"/>
+          </p:cNvSpPr>
+          <p:nvPr>
+            <p:ph type="sldImg"/>
+          </p:nvPr>
+        </p:nvSpPr>
+        <p:spPr/>
+      </p:sp>
+      <p:sp>
+        <p:nvSpPr>
+          <p:cNvPr id="3" name="Notes Placeholder 2"/>
+          <p:cNvSpPr>
+            <a:spLocks noGrp="1"/>
+          </p:cNvSpPr>
+          <p:nvPr>
+            <p:ph type="body" idx="1"/>
+          </p:nvPr>
+        </p:nvSpPr>
+        <p:spPr/>
+        <p:txBody>
+          <a:bodyPr/>
+          <a:lstStyle/>
+          <a:p>
+            <a:r>
+              <a:rPr lang="en-US" dirty="0"/>
+              <a:t>The Q-bot works by giving every cell in the board a value that represents how useful it would be to fill that cell. It than tries to place a block in such a way that it gives the highest sum of these values.</a:t>
+            </a:r>
+          </a:p>
+          <a:p>
+            <a:endParaRPr lang="en-US" dirty="0"/>
+          </a:p>
+          <a:p>
+            <a:r>
+              <a:rPr lang="en-US" dirty="0"/>
+              <a:t>Explain the scoring system</a:t>
+            </a:r>
+          </a:p>
+        </p:txBody>
+      </p:sp>
+      <p:sp>
+        <p:nvSpPr>
+          <p:cNvPr id="4" name="Slide Number Placeholder 3"/>
+          <p:cNvSpPr>
+            <a:spLocks noGrp="1"/>
+          </p:cNvSpPr>
+          <p:nvPr>
+            <p:ph type="sldNum" sz="quarter" idx="5"/>
+          </p:nvPr>
+        </p:nvSpPr>
+        <p:spPr/>
+        <p:txBody>
+          <a:bodyPr/>
+          <a:lstStyle/>
+          <a:p>
+            <a:fld id="{74F3012B-8549-4BD1-8E89-0997551CB614}" type="slidenum">
+              <a:rPr lang="en-US" smtClean="0"/>
+              <a:t>5</a:t>
+            </a:fld>
+            <a:endParaRPr lang="en-US"/>
+          </a:p>
+        </p:txBody>
+      </p:sp>
+    </p:spTree>
+    <p:extLst>
+      <p:ext uri="{BB962C8B-B14F-4D97-AF65-F5344CB8AC3E}">
+        <p14:creationId xmlns:p14="http://schemas.microsoft.com/office/powerpoint/2010/main" val="2602597105"/>
+      </p:ext>
+    </p:extLst>
+  </p:cSld>
+  <p:clrMapOvr>
+    <a:masterClrMapping/>
+  </p:clrMapOvr>
+</p:notes>
+</file>
+
+<file path=ppt/notesSlides/notesSlide6.xml><?xml version="1.0" encoding="utf-8"?>
+<p:notes xmlns:a="http://schemas.openxmlformats.org/drawingml/2006/main" xmlns:r="http://schemas.openxmlformats.org/officeDocument/2006/relationships" xmlns:p="http://schemas.openxmlformats.org/presentationml/2006/main">
+  <p:cSld>
+    <p:spTree>
+      <p:nvGrpSpPr>
+        <p:cNvPr id="1" name=""/>
+        <p:cNvGrpSpPr/>
+        <p:nvPr/>
+      </p:nvGrpSpPr>
+      <p:grpSpPr>
+        <a:xfrm>
+          <a:off x="0" y="0"/>
+          <a:ext cx="0" cy="0"/>
+          <a:chOff x="0" y="0"/>
+          <a:chExt cx="0" cy="0"/>
+        </a:xfrm>
+      </p:grpSpPr>
+      <p:sp>
+        <p:nvSpPr>
+          <p:cNvPr id="2" name="Slide Image Placeholder 1"/>
+          <p:cNvSpPr>
+            <a:spLocks noGrp="1" noRot="1" noChangeAspect="1"/>
+          </p:cNvSpPr>
+          <p:nvPr>
+            <p:ph type="sldImg"/>
+          </p:nvPr>
+        </p:nvSpPr>
+        <p:spPr/>
+      </p:sp>
+      <p:sp>
+        <p:nvSpPr>
+          <p:cNvPr id="3" name="Notes Placeholder 2"/>
+          <p:cNvSpPr>
+            <a:spLocks noGrp="1"/>
+          </p:cNvSpPr>
+          <p:nvPr>
+            <p:ph type="body" idx="1"/>
+          </p:nvPr>
+        </p:nvSpPr>
+        <p:spPr/>
+        <p:txBody>
+          <a:bodyPr/>
+          <a:lstStyle/>
+          <a:p>
+            <a:r>
+              <a:rPr lang="en-US" dirty="0"/>
+              <a:t>Explain the basic way it learns</a:t>
+            </a:r>
+          </a:p>
+        </p:txBody>
+      </p:sp>
+      <p:sp>
+        <p:nvSpPr>
+          <p:cNvPr id="4" name="Slide Number Placeholder 3"/>
+          <p:cNvSpPr>
+            <a:spLocks noGrp="1"/>
+          </p:cNvSpPr>
+          <p:nvPr>
+            <p:ph type="sldNum" sz="quarter" idx="5"/>
+          </p:nvPr>
+        </p:nvSpPr>
+        <p:spPr/>
+        <p:txBody>
+          <a:bodyPr/>
+          <a:lstStyle/>
+          <a:p>
+            <a:fld id="{74F3012B-8549-4BD1-8E89-0997551CB614}" type="slidenum">
+              <a:rPr lang="en-US" smtClean="0"/>
+              <a:t>6</a:t>
+            </a:fld>
+            <a:endParaRPr lang="en-US"/>
+          </a:p>
+        </p:txBody>
+      </p:sp>
+    </p:spTree>
+    <p:extLst>
+      <p:ext uri="{BB962C8B-B14F-4D97-AF65-F5344CB8AC3E}">
+        <p14:creationId xmlns:p14="http://schemas.microsoft.com/office/powerpoint/2010/main" val="3067158061"/>
+      </p:ext>
+    </p:extLst>
+  </p:cSld>
+  <p:clrMapOvr>
+    <a:masterClrMapping/>
+  </p:clrMapOvr>
+</p:notes>
+</file>
+
+<file path=ppt/notesSlides/notesSlide7.xml><?xml version="1.0" encoding="utf-8"?>
+<p:notes xmlns:a="http://schemas.openxmlformats.org/drawingml/2006/main" xmlns:r="http://schemas.openxmlformats.org/officeDocument/2006/relationships" xmlns:p="http://schemas.openxmlformats.org/presentationml/2006/main">
+  <p:cSld>
+    <p:spTree>
+      <p:nvGrpSpPr>
+        <p:cNvPr id="1" name=""/>
+        <p:cNvGrpSpPr/>
+        <p:nvPr/>
+      </p:nvGrpSpPr>
+      <p:grpSpPr>
+        <a:xfrm>
+          <a:off x="0" y="0"/>
+          <a:ext cx="0" cy="0"/>
+          <a:chOff x="0" y="0"/>
+          <a:chExt cx="0" cy="0"/>
+        </a:xfrm>
+      </p:grpSpPr>
+      <p:sp>
+        <p:nvSpPr>
+          <p:cNvPr id="2" name="Slide Image Placeholder 1"/>
+          <p:cNvSpPr>
+            <a:spLocks noGrp="1" noRot="1" noChangeAspect="1"/>
+          </p:cNvSpPr>
+          <p:nvPr>
+            <p:ph type="sldImg"/>
+          </p:nvPr>
+        </p:nvSpPr>
+        <p:spPr/>
+      </p:sp>
+      <p:sp>
+        <p:nvSpPr>
+          <p:cNvPr id="3" name="Notes Placeholder 2"/>
+          <p:cNvSpPr>
+            <a:spLocks noGrp="1"/>
+          </p:cNvSpPr>
+          <p:nvPr>
+            <p:ph type="body" idx="1"/>
+          </p:nvPr>
+        </p:nvSpPr>
+        <p:spPr/>
+        <p:txBody>
+          <a:bodyPr/>
+          <a:lstStyle/>
+          <a:p>
+            <a:endParaRPr lang="en-US" dirty="0"/>
+          </a:p>
+        </p:txBody>
+      </p:sp>
+      <p:sp>
+        <p:nvSpPr>
+          <p:cNvPr id="4" name="Slide Number Placeholder 3"/>
+          <p:cNvSpPr>
+            <a:spLocks noGrp="1"/>
+          </p:cNvSpPr>
+          <p:nvPr>
+            <p:ph type="sldNum" sz="quarter" idx="5"/>
+          </p:nvPr>
+        </p:nvSpPr>
+        <p:spPr/>
+        <p:txBody>
+          <a:bodyPr/>
+          <a:lstStyle/>
+          <a:p>
+            <a:fld id="{74F3012B-8549-4BD1-8E89-0997551CB614}" type="slidenum">
+              <a:rPr lang="en-US" smtClean="0"/>
+              <a:t>7</a:t>
+            </a:fld>
+            <a:endParaRPr lang="en-US"/>
+          </a:p>
+        </p:txBody>
+      </p:sp>
+    </p:spTree>
+    <p:extLst>
+      <p:ext uri="{BB962C8B-B14F-4D97-AF65-F5344CB8AC3E}">
+        <p14:creationId xmlns:p14="http://schemas.microsoft.com/office/powerpoint/2010/main" val="3287637672"/>
+      </p:ext>
+    </p:extLst>
+  </p:cSld>
+  <p:clrMapOvr>
+    <a:masterClrMapping/>
+  </p:clrMapOvr>
+</p:notes>
+</file>
+
+<file path=ppt/notesSlides/notesSlide8.xml><?xml version="1.0" encoding="utf-8"?>
+<p:notes xmlns:a="http://schemas.openxmlformats.org/drawingml/2006/main" xmlns:r="http://schemas.openxmlformats.org/officeDocument/2006/relationships" xmlns:p="http://schemas.openxmlformats.org/presentationml/2006/main">
+  <p:cSld>
+    <p:spTree>
+      <p:nvGrpSpPr>
+        <p:cNvPr id="1" name=""/>
+        <p:cNvGrpSpPr/>
+        <p:nvPr/>
+      </p:nvGrpSpPr>
+      <p:grpSpPr>
+        <a:xfrm>
+          <a:off x="0" y="0"/>
+          <a:ext cx="0" cy="0"/>
+          <a:chOff x="0" y="0"/>
+          <a:chExt cx="0" cy="0"/>
+        </a:xfrm>
+      </p:grpSpPr>
+      <p:sp>
+        <p:nvSpPr>
+          <p:cNvPr id="2" name="Slide Image Placeholder 1"/>
+          <p:cNvSpPr>
+            <a:spLocks noGrp="1" noRot="1" noChangeAspect="1"/>
+          </p:cNvSpPr>
+          <p:nvPr>
+            <p:ph type="sldImg"/>
+          </p:nvPr>
+        </p:nvSpPr>
+        <p:spPr/>
+      </p:sp>
+      <p:sp>
+        <p:nvSpPr>
+          <p:cNvPr id="3" name="Notes Placeholder 2"/>
+          <p:cNvSpPr>
+            <a:spLocks noGrp="1"/>
+          </p:cNvSpPr>
+          <p:nvPr>
+            <p:ph type="body" idx="1"/>
+          </p:nvPr>
+        </p:nvSpPr>
+        <p:spPr/>
+        <p:txBody>
+          <a:bodyPr/>
+          <a:lstStyle/>
+          <a:p>
+            <a:endParaRPr lang="en-US" dirty="0"/>
+          </a:p>
+        </p:txBody>
+      </p:sp>
+      <p:sp>
+        <p:nvSpPr>
+          <p:cNvPr id="4" name="Slide Number Placeholder 3"/>
+          <p:cNvSpPr>
+            <a:spLocks noGrp="1"/>
+          </p:cNvSpPr>
+          <p:nvPr>
+            <p:ph type="sldNum" sz="quarter" idx="5"/>
+          </p:nvPr>
+        </p:nvSpPr>
+        <p:spPr/>
+        <p:txBody>
+          <a:bodyPr/>
+          <a:lstStyle/>
+          <a:p>
+            <a:fld id="{74F3012B-8549-4BD1-8E89-0997551CB614}" type="slidenum">
+              <a:rPr lang="en-US" smtClean="0"/>
+              <a:t>13</a:t>
+            </a:fld>
+            <a:endParaRPr lang="en-US"/>
+          </a:p>
+        </p:txBody>
+      </p:sp>
+    </p:spTree>
+    <p:extLst>
+      <p:ext uri="{BB962C8B-B14F-4D97-AF65-F5344CB8AC3E}">
+        <p14:creationId xmlns:p14="http://schemas.microsoft.com/office/powerpoint/2010/main" val="1444772963"/>
+      </p:ext>
+    </p:extLst>
+  </p:cSld>
+  <p:clrMapOvr>
+    <a:masterClrMapping/>
+  </p:clrMapOvr>
+</p:notes>
+</file>
+
+<file path=ppt/notesSlides/notesSlide9.xml><?xml version="1.0" encoding="utf-8"?>
+<p:notes xmlns:a="http://schemas.openxmlformats.org/drawingml/2006/main" xmlns:r="http://schemas.openxmlformats.org/officeDocument/2006/relationships" xmlns:p="http://schemas.openxmlformats.org/presentationml/2006/main">
+  <p:cSld>
+    <p:spTree>
+      <p:nvGrpSpPr>
+        <p:cNvPr id="1" name=""/>
+        <p:cNvGrpSpPr/>
+        <p:nvPr/>
+      </p:nvGrpSpPr>
+      <p:grpSpPr>
+        <a:xfrm>
+          <a:off x="0" y="0"/>
+          <a:ext cx="0" cy="0"/>
+          <a:chOff x="0" y="0"/>
+          <a:chExt cx="0" cy="0"/>
+        </a:xfrm>
+      </p:grpSpPr>
+      <p:sp>
+        <p:nvSpPr>
+          <p:cNvPr id="2" name="Slide Image Placeholder 1"/>
+          <p:cNvSpPr>
+            <a:spLocks noGrp="1" noRot="1" noChangeAspect="1"/>
+          </p:cNvSpPr>
+          <p:nvPr>
+            <p:ph type="sldImg"/>
+          </p:nvPr>
+        </p:nvSpPr>
+        <p:spPr/>
+      </p:sp>
+      <p:sp>
+        <p:nvSpPr>
+          <p:cNvPr id="3" name="Notes Placeholder 2"/>
+          <p:cNvSpPr>
+            <a:spLocks noGrp="1"/>
+          </p:cNvSpPr>
+          <p:nvPr>
+            <p:ph type="body" idx="1"/>
+          </p:nvPr>
+        </p:nvSpPr>
+        <p:spPr/>
+        <p:txBody>
+          <a:bodyPr/>
+          <a:lstStyle/>
+          <a:p>
+            <a:r>
+              <a:rPr lang="en-US" dirty="0"/>
+              <a:t>The communication between sub-groups wasn’t always optimal and we will pay extra attention to this in the next phase.</a:t>
+            </a:r>
+          </a:p>
+          <a:p>
+            <a:endParaRPr lang="en-US" dirty="0"/>
+          </a:p>
+          <a:p>
+            <a:endParaRPr lang="en-US" dirty="0"/>
+          </a:p>
+        </p:txBody>
+      </p:sp>
+      <p:sp>
+        <p:nvSpPr>
+          <p:cNvPr id="4" name="Slide Number Placeholder 3"/>
+          <p:cNvSpPr>
+            <a:spLocks noGrp="1"/>
+          </p:cNvSpPr>
+          <p:nvPr>
+            <p:ph type="sldNum" sz="quarter" idx="5"/>
+          </p:nvPr>
+        </p:nvSpPr>
+        <p:spPr/>
+        <p:txBody>
+          <a:bodyPr/>
+          <a:lstStyle/>
+          <a:p>
+            <a:fld id="{74F3012B-8549-4BD1-8E89-0997551CB614}" type="slidenum">
+              <a:rPr lang="en-US" smtClean="0"/>
+              <a:t>14</a:t>
+            </a:fld>
+            <a:endParaRPr lang="en-US"/>
+          </a:p>
+        </p:txBody>
+      </p:sp>
+    </p:spTree>
+    <p:extLst>
+      <p:ext uri="{BB962C8B-B14F-4D97-AF65-F5344CB8AC3E}">
+        <p14:creationId xmlns:p14="http://schemas.microsoft.com/office/powerpoint/2010/main" val="3069302506"/>
+      </p:ext>
+    </p:extLst>
+  </p:cSld>
+  <p:clrMapOvr>
+    <a:masterClrMapping/>
+  </p:clrMapOvr>
+</p:notes>
+</file>
+
 <file path=ppt/slideLayouts/slideLayout1.xml><?xml version="1.0" encoding="utf-8"?>
 <p:sldLayout xmlns:a="http://schemas.openxmlformats.org/drawingml/2006/main" xmlns:r="http://schemas.openxmlformats.org/officeDocument/2006/relationships" xmlns:p="http://schemas.openxmlformats.org/presentationml/2006/main" type="title" preserve="1">
   <p:cSld name="Title Slide">
@@ -7912,7 +9079,7 @@
           <a:p>
             <a:fld id="{32FC8DA1-6707-49A3-ADA2-8E23F5184E6C}" type="datetimeFigureOut">
               <a:rPr lang="en-US" smtClean="0"/>
-              <a:t>12/9/2019</a:t>
+              <a:t>12/10/2019</a:t>
             </a:fld>
             <a:endParaRPr lang="en-US"/>
           </a:p>
@@ -8133,7 +9300,7 @@
           <a:p>
             <a:fld id="{32FC8DA1-6707-49A3-ADA2-8E23F5184E6C}" type="datetimeFigureOut">
               <a:rPr lang="en-US" smtClean="0"/>
-              <a:t>12/9/2019</a:t>
+              <a:t>12/10/2019</a:t>
             </a:fld>
             <a:endParaRPr lang="en-US"/>
           </a:p>
@@ -8313,7 +9480,7 @@
           <a:p>
             <a:fld id="{32FC8DA1-6707-49A3-ADA2-8E23F5184E6C}" type="datetimeFigureOut">
               <a:rPr lang="en-US" smtClean="0"/>
-              <a:t>12/9/2019</a:t>
+              <a:t>12/10/2019</a:t>
             </a:fld>
             <a:endParaRPr lang="en-US"/>
           </a:p>
@@ -8483,7 +9650,7 @@
           <a:p>
             <a:fld id="{32FC8DA1-6707-49A3-ADA2-8E23F5184E6C}" type="datetimeFigureOut">
               <a:rPr lang="en-US" smtClean="0"/>
-              <a:t>12/9/2019</a:t>
+              <a:t>12/10/2019</a:t>
             </a:fld>
             <a:endParaRPr lang="en-US"/>
           </a:p>
@@ -8734,7 +9901,7 @@
           <a:p>
             <a:fld id="{32FC8DA1-6707-49A3-ADA2-8E23F5184E6C}" type="datetimeFigureOut">
               <a:rPr lang="en-US" smtClean="0"/>
-              <a:t>12/9/2019</a:t>
+              <a:t>12/10/2019</a:t>
             </a:fld>
             <a:endParaRPr lang="en-US"/>
           </a:p>
@@ -9057,7 +10224,7 @@
           <a:p>
             <a:fld id="{32FC8DA1-6707-49A3-ADA2-8E23F5184E6C}" type="datetimeFigureOut">
               <a:rPr lang="en-US" smtClean="0"/>
-              <a:t>12/9/2019</a:t>
+              <a:t>12/10/2019</a:t>
             </a:fld>
             <a:endParaRPr lang="en-US"/>
           </a:p>
@@ -9481,7 +10648,7 @@
           <a:p>
             <a:fld id="{32FC8DA1-6707-49A3-ADA2-8E23F5184E6C}" type="datetimeFigureOut">
               <a:rPr lang="en-US" smtClean="0"/>
-              <a:t>12/9/2019</a:t>
+              <a:t>12/10/2019</a:t>
             </a:fld>
             <a:endParaRPr lang="en-US"/>
           </a:p>
@@ -9599,7 +10766,7 @@
           <a:p>
             <a:fld id="{32FC8DA1-6707-49A3-ADA2-8E23F5184E6C}" type="datetimeFigureOut">
               <a:rPr lang="en-US" smtClean="0"/>
-              <a:t>12/9/2019</a:t>
+              <a:t>12/10/2019</a:t>
             </a:fld>
             <a:endParaRPr lang="en-US"/>
           </a:p>
@@ -9694,7 +10861,7 @@
           <a:p>
             <a:fld id="{32FC8DA1-6707-49A3-ADA2-8E23F5184E6C}" type="datetimeFigureOut">
               <a:rPr lang="en-US" smtClean="0"/>
-              <a:t>12/9/2019</a:t>
+              <a:t>12/10/2019</a:t>
             </a:fld>
             <a:endParaRPr lang="en-US"/>
           </a:p>
@@ -9984,7 +11151,7 @@
           <a:p>
             <a:fld id="{32FC8DA1-6707-49A3-ADA2-8E23F5184E6C}" type="datetimeFigureOut">
               <a:rPr lang="en-US" smtClean="0"/>
-              <a:t>12/9/2019</a:t>
+              <a:t>12/10/2019</a:t>
             </a:fld>
             <a:endParaRPr lang="en-US"/>
           </a:p>
@@ -10256,7 +11423,7 @@
           <a:p>
             <a:fld id="{32FC8DA1-6707-49A3-ADA2-8E23F5184E6C}" type="datetimeFigureOut">
               <a:rPr lang="en-US" smtClean="0"/>
-              <a:t>12/9/2019</a:t>
+              <a:t>12/10/2019</a:t>
             </a:fld>
             <a:endParaRPr lang="en-US"/>
           </a:p>
@@ -10510,7 +11677,7 @@
           <a:p>
             <a:fld id="{32FC8DA1-6707-49A3-ADA2-8E23F5184E6C}" type="datetimeFigureOut">
               <a:rPr lang="en-US" smtClean="0"/>
-              <a:t>12/9/2019</a:t>
+              <a:t>12/10/2019</a:t>
             </a:fld>
             <a:endParaRPr lang="en-US"/>
           </a:p>
@@ -11054,7 +12221,7 @@
           <p:nvPr/>
         </p:nvPicPr>
         <p:blipFill rotWithShape="1">
-          <a:blip r:embed="rId2">
+          <a:blip r:embed="rId3">
             <a:alphaModFix amt="25000"/>
           </a:blip>
           <a:srcRect/>
@@ -11212,6 +12379,14 @@
 <file path=ppt/slides/slide10.xml><?xml version="1.0" encoding="utf-8"?>
 <p:sld xmlns:a="http://schemas.openxmlformats.org/drawingml/2006/main" xmlns:r="http://schemas.openxmlformats.org/officeDocument/2006/relationships" xmlns:p="http://schemas.openxmlformats.org/presentationml/2006/main">
   <p:cSld>
+    <p:bg>
+      <p:bgPr>
+        <a:solidFill>
+          <a:schemeClr val="accent1"/>
+        </a:solidFill>
+        <a:effectLst/>
+      </p:bgPr>
+    </p:bg>
     <p:spTree>
       <p:nvGrpSpPr>
         <p:cNvPr id="1" name=""/>
@@ -11228,6 +12403,398 @@
       </p:grpSpPr>
       <p:sp>
         <p:nvSpPr>
+          <p:cNvPr id="12" name="Rectangle 11">
+            <a:extLst>
+              <a:ext uri="{FF2B5EF4-FFF2-40B4-BE49-F238E27FC236}">
+                <a16:creationId xmlns:a16="http://schemas.microsoft.com/office/drawing/2014/main" id="{79CBD3C9-4E66-426D-948E-7CF4778107E8}"/>
+              </a:ext>
+              <a:ext uri="{C183D7F6-B498-43B3-948B-1728B52AA6E4}">
+                <adec:decorative xmlns:adec="http://schemas.microsoft.com/office/drawing/2017/decorative" val="1"/>
+              </a:ext>
+            </a:extLst>
+          </p:cNvPr>
+          <p:cNvSpPr>
+            <a:spLocks noGrp="1" noRot="1" noChangeAspect="1" noMove="1" noResize="1" noEditPoints="1" noAdjustHandles="1" noChangeArrowheads="1" noChangeShapeType="1" noTextEdit="1"/>
+          </p:cNvSpPr>
+          <p:nvPr>
+            <p:extLst>
+              <p:ext uri="{386F3935-93C4-4BCD-93E2-E3B085C9AB24}">
+                <p16:designElem xmlns:p16="http://schemas.microsoft.com/office/powerpoint/2015/main" val="1"/>
+              </p:ext>
+            </p:extLst>
+          </p:nvPr>
+        </p:nvSpPr>
+        <p:spPr>
+          <a:xfrm>
+            <a:off x="231140" y="243840"/>
+            <a:ext cx="11724640" cy="6377939"/>
+          </a:xfrm>
+          <a:prstGeom prst="rect">
+            <a:avLst/>
+          </a:prstGeom>
+          <a:solidFill>
+            <a:schemeClr val="bg1"/>
+          </a:solidFill>
+          <a:ln w="12700">
+            <a:noFill/>
+          </a:ln>
+        </p:spPr>
+        <p:style>
+          <a:lnRef idx="2">
+            <a:schemeClr val="accent1">
+              <a:shade val="50000"/>
+            </a:schemeClr>
+          </a:lnRef>
+          <a:fillRef idx="1">
+            <a:schemeClr val="accent1"/>
+          </a:fillRef>
+          <a:effectRef idx="0">
+            <a:schemeClr val="accent1"/>
+          </a:effectRef>
+          <a:fontRef idx="minor">
+            <a:schemeClr val="lt1"/>
+          </a:fontRef>
+        </p:style>
+      </p:sp>
+      <p:sp>
+        <p:nvSpPr>
+          <p:cNvPr id="14" name="Rectangle 13">
+            <a:extLst>
+              <a:ext uri="{FF2B5EF4-FFF2-40B4-BE49-F238E27FC236}">
+                <a16:creationId xmlns:a16="http://schemas.microsoft.com/office/drawing/2014/main" id="{DDB95FCF-AD96-482F-9FB8-CD95725E6EFF}"/>
+              </a:ext>
+              <a:ext uri="{C183D7F6-B498-43B3-948B-1728B52AA6E4}">
+                <adec:decorative xmlns:adec="http://schemas.microsoft.com/office/drawing/2017/decorative" val="1"/>
+              </a:ext>
+            </a:extLst>
+          </p:cNvPr>
+          <p:cNvSpPr>
+            <a:spLocks noGrp="1" noRot="1" noChangeAspect="1" noMove="1" noResize="1" noEditPoints="1" noAdjustHandles="1" noChangeArrowheads="1" noChangeShapeType="1" noTextEdit="1"/>
+          </p:cNvSpPr>
+          <p:nvPr>
+            <p:extLst>
+              <p:ext uri="{386F3935-93C4-4BCD-93E2-E3B085C9AB24}">
+                <p16:designElem xmlns:p16="http://schemas.microsoft.com/office/powerpoint/2015/main" val="1"/>
+              </p:ext>
+            </p:extLst>
+          </p:nvPr>
+        </p:nvSpPr>
+        <p:spPr>
+          <a:xfrm>
+            <a:off x="231140" y="243840"/>
+            <a:ext cx="11724640" cy="6377939"/>
+          </a:xfrm>
+          <a:prstGeom prst="rect">
+            <a:avLst/>
+          </a:prstGeom>
+          <a:solidFill>
+            <a:schemeClr val="accent1"/>
+          </a:solidFill>
+          <a:ln w="12700">
+            <a:solidFill>
+              <a:srgbClr val="FFFFFF"/>
+            </a:solidFill>
+          </a:ln>
+        </p:spPr>
+        <p:style>
+          <a:lnRef idx="2">
+            <a:schemeClr val="accent1">
+              <a:shade val="50000"/>
+            </a:schemeClr>
+          </a:lnRef>
+          <a:fillRef idx="1">
+            <a:schemeClr val="accent1"/>
+          </a:fillRef>
+          <a:effectRef idx="0">
+            <a:schemeClr val="accent1"/>
+          </a:effectRef>
+          <a:fontRef idx="minor">
+            <a:schemeClr val="lt1"/>
+          </a:fontRef>
+        </p:style>
+      </p:sp>
+      <p:cxnSp>
+        <p:nvCxnSpPr>
+          <p:cNvPr id="16" name="Straight Connector 15">
+            <a:extLst>
+              <a:ext uri="{FF2B5EF4-FFF2-40B4-BE49-F238E27FC236}">
+                <a16:creationId xmlns:a16="http://schemas.microsoft.com/office/drawing/2014/main" id="{64EEEC00-AD80-4734-BEE6-04CBDEC830C9}"/>
+              </a:ext>
+              <a:ext uri="{C183D7F6-B498-43B3-948B-1728B52AA6E4}">
+                <adec:decorative xmlns:adec="http://schemas.microsoft.com/office/drawing/2017/decorative" val="1"/>
+              </a:ext>
+            </a:extLst>
+          </p:cNvPr>
+          <p:cNvCxnSpPr>
+            <a:cxnSpLocks noGrp="1" noRot="1" noChangeAspect="1" noMove="1" noResize="1" noEditPoints="1" noAdjustHandles="1" noChangeArrowheads="1" noChangeShapeType="1"/>
+          </p:cNvCxnSpPr>
+          <p:nvPr>
+            <p:extLst>
+              <p:ext uri="{386F3935-93C4-4BCD-93E2-E3B085C9AB24}">
+                <p16:designElem xmlns:p16="http://schemas.microsoft.com/office/powerpoint/2015/main" val="1"/>
+              </p:ext>
+            </p:extLst>
+          </p:nvPr>
+        </p:nvCxnSpPr>
+        <p:spPr>
+          <a:xfrm>
+            <a:off x="1978660" y="3733800"/>
+            <a:ext cx="8229601" cy="0"/>
+          </a:xfrm>
+          <a:prstGeom prst="line">
+            <a:avLst/>
+          </a:prstGeom>
+          <a:ln>
+            <a:solidFill>
+              <a:srgbClr val="FFFFFF"/>
+            </a:solidFill>
+          </a:ln>
+        </p:spPr>
+        <p:style>
+          <a:lnRef idx="1">
+            <a:schemeClr val="accent1"/>
+          </a:lnRef>
+          <a:fillRef idx="0">
+            <a:schemeClr val="accent1"/>
+          </a:fillRef>
+          <a:effectRef idx="0">
+            <a:schemeClr val="accent1"/>
+          </a:effectRef>
+          <a:fontRef idx="minor">
+            <a:schemeClr val="tx1"/>
+          </a:fontRef>
+        </p:style>
+      </p:cxnSp>
+      <p:sp>
+        <p:nvSpPr>
+          <p:cNvPr id="18" name="Rectangle 17">
+            <a:extLst>
+              <a:ext uri="{FF2B5EF4-FFF2-40B4-BE49-F238E27FC236}">
+                <a16:creationId xmlns:a16="http://schemas.microsoft.com/office/drawing/2014/main" id="{2ED84DD6-8A68-4994-8094-8DDBE89BF353}"/>
+              </a:ext>
+              <a:ext uri="{C183D7F6-B498-43B3-948B-1728B52AA6E4}">
+                <adec:decorative xmlns:adec="http://schemas.microsoft.com/office/drawing/2017/decorative" val="1"/>
+              </a:ext>
+            </a:extLst>
+          </p:cNvPr>
+          <p:cNvSpPr>
+            <a:spLocks noGrp="1" noRot="1" noChangeAspect="1" noMove="1" noResize="1" noEditPoints="1" noAdjustHandles="1" noChangeArrowheads="1" noChangeShapeType="1" noTextEdit="1"/>
+          </p:cNvSpPr>
+          <p:nvPr>
+            <p:extLst>
+              <p:ext uri="{386F3935-93C4-4BCD-93E2-E3B085C9AB24}">
+                <p16:designElem xmlns:p16="http://schemas.microsoft.com/office/powerpoint/2015/main" val="1"/>
+              </p:ext>
+            </p:extLst>
+          </p:nvPr>
+        </p:nvSpPr>
+        <p:spPr>
+          <a:xfrm>
+            <a:off x="231140" y="243840"/>
+            <a:ext cx="11722100" cy="6377939"/>
+          </a:xfrm>
+          <a:prstGeom prst="rect">
+            <a:avLst/>
+          </a:prstGeom>
+          <a:solidFill>
+            <a:schemeClr val="bg1"/>
+          </a:solidFill>
+          <a:ln w="12700">
+            <a:solidFill>
+              <a:srgbClr val="FFFFFF"/>
+            </a:solidFill>
+          </a:ln>
+        </p:spPr>
+        <p:style>
+          <a:lnRef idx="2">
+            <a:schemeClr val="accent1">
+              <a:shade val="50000"/>
+            </a:schemeClr>
+          </a:lnRef>
+          <a:fillRef idx="1">
+            <a:schemeClr val="accent1"/>
+          </a:fillRef>
+          <a:effectRef idx="0">
+            <a:schemeClr val="accent1"/>
+          </a:effectRef>
+          <a:fontRef idx="minor">
+            <a:schemeClr val="lt1"/>
+          </a:fontRef>
+        </p:style>
+      </p:sp>
+      <p:sp>
+        <p:nvSpPr>
+          <p:cNvPr id="20" name="Rectangle 19">
+            <a:extLst>
+              <a:ext uri="{FF2B5EF4-FFF2-40B4-BE49-F238E27FC236}">
+                <a16:creationId xmlns:a16="http://schemas.microsoft.com/office/drawing/2014/main" id="{176049D7-366E-4AC9-B689-460CC28F8E70}"/>
+              </a:ext>
+              <a:ext uri="{C183D7F6-B498-43B3-948B-1728B52AA6E4}">
+                <adec:decorative xmlns:adec="http://schemas.microsoft.com/office/drawing/2017/decorative" val="1"/>
+              </a:ext>
+            </a:extLst>
+          </p:cNvPr>
+          <p:cNvSpPr>
+            <a:spLocks noGrp="1" noRot="1" noChangeAspect="1" noMove="1" noResize="1" noEditPoints="1" noAdjustHandles="1" noChangeArrowheads="1" noChangeShapeType="1" noTextEdit="1"/>
+          </p:cNvSpPr>
+          <p:nvPr>
+            <p:extLst>
+              <p:ext uri="{386F3935-93C4-4BCD-93E2-E3B085C9AB24}">
+                <p16:designElem xmlns:p16="http://schemas.microsoft.com/office/powerpoint/2015/main" val="1"/>
+              </p:ext>
+            </p:extLst>
+          </p:nvPr>
+        </p:nvSpPr>
+        <p:spPr>
+          <a:xfrm>
+            <a:off x="7552944" y="246887"/>
+            <a:ext cx="4397755" cy="6377939"/>
+          </a:xfrm>
+          <a:prstGeom prst="rect">
+            <a:avLst/>
+          </a:prstGeom>
+          <a:solidFill>
+            <a:srgbClr val="A6B727"/>
+          </a:solidFill>
+          <a:ln w="12700">
+            <a:solidFill>
+              <a:srgbClr val="FFFFFF"/>
+            </a:solidFill>
+          </a:ln>
+        </p:spPr>
+        <p:style>
+          <a:lnRef idx="2">
+            <a:schemeClr val="accent1">
+              <a:shade val="50000"/>
+            </a:schemeClr>
+          </a:lnRef>
+          <a:fillRef idx="1">
+            <a:schemeClr val="accent1"/>
+          </a:fillRef>
+          <a:effectRef idx="0">
+            <a:schemeClr val="accent1"/>
+          </a:effectRef>
+          <a:fontRef idx="minor">
+            <a:schemeClr val="lt1"/>
+          </a:fontRef>
+        </p:style>
+      </p:sp>
+      <p:cxnSp>
+        <p:nvCxnSpPr>
+          <p:cNvPr id="22" name="Straight Connector 21">
+            <a:extLst>
+              <a:ext uri="{FF2B5EF4-FFF2-40B4-BE49-F238E27FC236}">
+                <a16:creationId xmlns:a16="http://schemas.microsoft.com/office/drawing/2014/main" id="{BC9E91F8-C4AE-4EB0-8B76-FF3F3FC7183D}"/>
+              </a:ext>
+              <a:ext uri="{C183D7F6-B498-43B3-948B-1728B52AA6E4}">
+                <adec:decorative xmlns:adec="http://schemas.microsoft.com/office/drawing/2017/decorative" val="1"/>
+              </a:ext>
+            </a:extLst>
+          </p:cNvPr>
+          <p:cNvCxnSpPr>
+            <a:cxnSpLocks noGrp="1" noRot="1" noChangeAspect="1" noMove="1" noResize="1" noEditPoints="1" noAdjustHandles="1" noChangeArrowheads="1" noChangeShapeType="1"/>
+          </p:cNvCxnSpPr>
+          <p:nvPr>
+            <p:extLst>
+              <p:ext uri="{386F3935-93C4-4BCD-93E2-E3B085C9AB24}">
+                <p16:designElem xmlns:p16="http://schemas.microsoft.com/office/powerpoint/2015/main" val="1"/>
+              </p:ext>
+            </p:extLst>
+          </p:nvPr>
+        </p:nvCxnSpPr>
+        <p:spPr>
+          <a:xfrm>
+            <a:off x="8370284" y="4405863"/>
+            <a:ext cx="2763075" cy="0"/>
+          </a:xfrm>
+          <a:prstGeom prst="line">
+            <a:avLst/>
+          </a:prstGeom>
+          <a:ln>
+            <a:solidFill>
+              <a:srgbClr val="FFFFFF"/>
+            </a:solidFill>
+          </a:ln>
+        </p:spPr>
+        <p:style>
+          <a:lnRef idx="1">
+            <a:schemeClr val="accent1"/>
+          </a:lnRef>
+          <a:fillRef idx="0">
+            <a:schemeClr val="accent1"/>
+          </a:fillRef>
+          <a:effectRef idx="0">
+            <a:schemeClr val="accent1"/>
+          </a:effectRef>
+          <a:fontRef idx="minor">
+            <a:schemeClr val="tx1"/>
+          </a:fontRef>
+        </p:style>
+      </p:cxnSp>
+      <p:sp>
+        <p:nvSpPr>
+          <p:cNvPr id="24" name="Rectangle 23">
+            <a:extLst>
+              <a:ext uri="{FF2B5EF4-FFF2-40B4-BE49-F238E27FC236}">
+                <a16:creationId xmlns:a16="http://schemas.microsoft.com/office/drawing/2014/main" id="{4AD45A04-4150-4943-BB06-EEEDDD73BFCE}"/>
+              </a:ext>
+              <a:ext uri="{C183D7F6-B498-43B3-948B-1728B52AA6E4}">
+                <adec:decorative xmlns:adec="http://schemas.microsoft.com/office/drawing/2017/decorative" val="1"/>
+              </a:ext>
+            </a:extLst>
+          </p:cNvPr>
+          <p:cNvSpPr>
+            <a:spLocks noGrp="1" noRot="1" noChangeAspect="1" noMove="1" noResize="1" noEditPoints="1" noAdjustHandles="1" noChangeArrowheads="1" noChangeShapeType="1" noTextEdit="1"/>
+          </p:cNvSpPr>
+          <p:nvPr>
+            <p:extLst>
+              <p:ext uri="{386F3935-93C4-4BCD-93E2-E3B085C9AB24}">
+                <p16:designElem xmlns:p16="http://schemas.microsoft.com/office/powerpoint/2015/main" val="1"/>
+              </p:ext>
+            </p:extLst>
+          </p:nvPr>
+        </p:nvSpPr>
+        <p:spPr>
+          <a:xfrm>
+            <a:off x="228600" y="246888"/>
+            <a:ext cx="11724640" cy="6377939"/>
+          </a:xfrm>
+          <a:prstGeom prst="rect">
+            <a:avLst/>
+          </a:prstGeom>
+          <a:noFill/>
+          <a:ln w="12700">
+            <a:solidFill>
+              <a:srgbClr val="FFFFFF"/>
+            </a:solidFill>
+          </a:ln>
+        </p:spPr>
+        <p:style>
+          <a:lnRef idx="2">
+            <a:schemeClr val="accent1">
+              <a:shade val="50000"/>
+            </a:schemeClr>
+          </a:lnRef>
+          <a:fillRef idx="1">
+            <a:schemeClr val="accent1"/>
+          </a:fillRef>
+          <a:effectRef idx="0">
+            <a:schemeClr val="accent1"/>
+          </a:effectRef>
+          <a:fontRef idx="minor">
+            <a:schemeClr val="lt1"/>
+          </a:fontRef>
+        </p:style>
+        <p:txBody>
+          <a:bodyPr/>
+          <a:lstStyle/>
+          <a:p>
+            <a:endParaRPr lang="en-US" dirty="0"/>
+          </a:p>
+        </p:txBody>
+      </p:sp>
+      <p:sp>
+        <p:nvSpPr>
           <p:cNvPr id="2" name="Title 1">
             <a:extLst>
               <a:ext uri="{FF2B5EF4-FFF2-40B4-BE49-F238E27FC236}">
@@ -11244,20 +12811,25 @@
         </p:nvSpPr>
         <p:spPr>
           <a:xfrm>
-            <a:off x="541638" y="399534"/>
-            <a:ext cx="5974492" cy="650789"/>
+            <a:off x="8195138" y="857675"/>
+            <a:ext cx="3113366" cy="3622844"/>
           </a:xfrm>
         </p:spPr>
         <p:txBody>
-          <a:bodyPr>
+          <a:bodyPr vert="horz" lIns="91440" tIns="45720" rIns="91440" bIns="45720" rtlCol="0" anchor="b">
             <a:normAutofit/>
           </a:bodyPr>
           <a:lstStyle/>
           <a:p>
+            <a:pPr algn="ctr">
+              <a:lnSpc>
+                <a:spcPct val="85000"/>
+              </a:lnSpc>
+            </a:pPr>
             <a:r>
-              <a:rPr lang="en-US" sz="2800" dirty="0">
+              <a:rPr lang="en-US" sz="3800" b="1" cap="all">
                 <a:solidFill>
-                  <a:schemeClr val="tx1"/>
+                  <a:srgbClr val="FFFFFF"/>
                 </a:solidFill>
               </a:rPr>
               <a:t>Difference in field width: roughness</a:t>
@@ -11280,14 +12852,14 @@
           <p:nvPr>
             <p:extLst>
               <p:ext uri="{D42A27DB-BD31-4B8C-83A1-F6EECF244321}">
-                <p14:modId xmlns:p14="http://schemas.microsoft.com/office/powerpoint/2010/main" val="746472870"/>
+                <p14:modId xmlns:p14="http://schemas.microsoft.com/office/powerpoint/2010/main" val="1586016930"/>
               </p:ext>
             </p:extLst>
           </p:nvPr>
         </p:nvGraphicFramePr>
         <p:xfrm>
-          <a:off x="2477310" y="1240276"/>
-          <a:ext cx="7237379" cy="4377447"/>
+          <a:off x="872064" y="857675"/>
+          <a:ext cx="6045576" cy="5140669"/>
         </p:xfrm>
         <a:graphic>
           <a:graphicData uri="http://schemas.openxmlformats.org/drawingml/2006/chart">
@@ -11311,6 +12883,14 @@
 <file path=ppt/slides/slide11.xml><?xml version="1.0" encoding="utf-8"?>
 <p:sld xmlns:a="http://schemas.openxmlformats.org/drawingml/2006/main" xmlns:r="http://schemas.openxmlformats.org/officeDocument/2006/relationships" xmlns:p="http://schemas.openxmlformats.org/presentationml/2006/main">
   <p:cSld>
+    <p:bg>
+      <p:bgPr>
+        <a:solidFill>
+          <a:schemeClr val="accent1"/>
+        </a:solidFill>
+        <a:effectLst/>
+      </p:bgPr>
+    </p:bg>
     <p:spTree>
       <p:nvGrpSpPr>
         <p:cNvPr id="1" name=""/>
@@ -11327,6 +12907,398 @@
       </p:grpSpPr>
       <p:sp>
         <p:nvSpPr>
+          <p:cNvPr id="13" name="Rectangle 12">
+            <a:extLst>
+              <a:ext uri="{FF2B5EF4-FFF2-40B4-BE49-F238E27FC236}">
+                <a16:creationId xmlns:a16="http://schemas.microsoft.com/office/drawing/2014/main" id="{79CBD3C9-4E66-426D-948E-7CF4778107E8}"/>
+              </a:ext>
+              <a:ext uri="{C183D7F6-B498-43B3-948B-1728B52AA6E4}">
+                <adec:decorative xmlns:adec="http://schemas.microsoft.com/office/drawing/2017/decorative" val="1"/>
+              </a:ext>
+            </a:extLst>
+          </p:cNvPr>
+          <p:cNvSpPr>
+            <a:spLocks noGrp="1" noRot="1" noChangeAspect="1" noMove="1" noResize="1" noEditPoints="1" noAdjustHandles="1" noChangeArrowheads="1" noChangeShapeType="1" noTextEdit="1"/>
+          </p:cNvSpPr>
+          <p:nvPr>
+            <p:extLst>
+              <p:ext uri="{386F3935-93C4-4BCD-93E2-E3B085C9AB24}">
+                <p16:designElem xmlns:p16="http://schemas.microsoft.com/office/powerpoint/2015/main" val="1"/>
+              </p:ext>
+            </p:extLst>
+          </p:nvPr>
+        </p:nvSpPr>
+        <p:spPr>
+          <a:xfrm>
+            <a:off x="231140" y="243840"/>
+            <a:ext cx="11724640" cy="6377939"/>
+          </a:xfrm>
+          <a:prstGeom prst="rect">
+            <a:avLst/>
+          </a:prstGeom>
+          <a:solidFill>
+            <a:schemeClr val="bg1"/>
+          </a:solidFill>
+          <a:ln w="12700">
+            <a:noFill/>
+          </a:ln>
+        </p:spPr>
+        <p:style>
+          <a:lnRef idx="2">
+            <a:schemeClr val="accent1">
+              <a:shade val="50000"/>
+            </a:schemeClr>
+          </a:lnRef>
+          <a:fillRef idx="1">
+            <a:schemeClr val="accent1"/>
+          </a:fillRef>
+          <a:effectRef idx="0">
+            <a:schemeClr val="accent1"/>
+          </a:effectRef>
+          <a:fontRef idx="minor">
+            <a:schemeClr val="lt1"/>
+          </a:fontRef>
+        </p:style>
+      </p:sp>
+      <p:sp>
+        <p:nvSpPr>
+          <p:cNvPr id="15" name="Rectangle 14">
+            <a:extLst>
+              <a:ext uri="{FF2B5EF4-FFF2-40B4-BE49-F238E27FC236}">
+                <a16:creationId xmlns:a16="http://schemas.microsoft.com/office/drawing/2014/main" id="{DDB95FCF-AD96-482F-9FB8-CD95725E6EFF}"/>
+              </a:ext>
+              <a:ext uri="{C183D7F6-B498-43B3-948B-1728B52AA6E4}">
+                <adec:decorative xmlns:adec="http://schemas.microsoft.com/office/drawing/2017/decorative" val="1"/>
+              </a:ext>
+            </a:extLst>
+          </p:cNvPr>
+          <p:cNvSpPr>
+            <a:spLocks noGrp="1" noRot="1" noChangeAspect="1" noMove="1" noResize="1" noEditPoints="1" noAdjustHandles="1" noChangeArrowheads="1" noChangeShapeType="1" noTextEdit="1"/>
+          </p:cNvSpPr>
+          <p:nvPr>
+            <p:extLst>
+              <p:ext uri="{386F3935-93C4-4BCD-93E2-E3B085C9AB24}">
+                <p16:designElem xmlns:p16="http://schemas.microsoft.com/office/powerpoint/2015/main" val="1"/>
+              </p:ext>
+            </p:extLst>
+          </p:nvPr>
+        </p:nvSpPr>
+        <p:spPr>
+          <a:xfrm>
+            <a:off x="231140" y="243840"/>
+            <a:ext cx="11724640" cy="6377939"/>
+          </a:xfrm>
+          <a:prstGeom prst="rect">
+            <a:avLst/>
+          </a:prstGeom>
+          <a:solidFill>
+            <a:schemeClr val="accent1"/>
+          </a:solidFill>
+          <a:ln w="12700">
+            <a:solidFill>
+              <a:srgbClr val="FFFFFF"/>
+            </a:solidFill>
+          </a:ln>
+        </p:spPr>
+        <p:style>
+          <a:lnRef idx="2">
+            <a:schemeClr val="accent1">
+              <a:shade val="50000"/>
+            </a:schemeClr>
+          </a:lnRef>
+          <a:fillRef idx="1">
+            <a:schemeClr val="accent1"/>
+          </a:fillRef>
+          <a:effectRef idx="0">
+            <a:schemeClr val="accent1"/>
+          </a:effectRef>
+          <a:fontRef idx="minor">
+            <a:schemeClr val="lt1"/>
+          </a:fontRef>
+        </p:style>
+      </p:sp>
+      <p:cxnSp>
+        <p:nvCxnSpPr>
+          <p:cNvPr id="17" name="Straight Connector 16">
+            <a:extLst>
+              <a:ext uri="{FF2B5EF4-FFF2-40B4-BE49-F238E27FC236}">
+                <a16:creationId xmlns:a16="http://schemas.microsoft.com/office/drawing/2014/main" id="{64EEEC00-AD80-4734-BEE6-04CBDEC830C9}"/>
+              </a:ext>
+              <a:ext uri="{C183D7F6-B498-43B3-948B-1728B52AA6E4}">
+                <adec:decorative xmlns:adec="http://schemas.microsoft.com/office/drawing/2017/decorative" val="1"/>
+              </a:ext>
+            </a:extLst>
+          </p:cNvPr>
+          <p:cNvCxnSpPr>
+            <a:cxnSpLocks noGrp="1" noRot="1" noChangeAspect="1" noMove="1" noResize="1" noEditPoints="1" noAdjustHandles="1" noChangeArrowheads="1" noChangeShapeType="1"/>
+          </p:cNvCxnSpPr>
+          <p:nvPr>
+            <p:extLst>
+              <p:ext uri="{386F3935-93C4-4BCD-93E2-E3B085C9AB24}">
+                <p16:designElem xmlns:p16="http://schemas.microsoft.com/office/powerpoint/2015/main" val="1"/>
+              </p:ext>
+            </p:extLst>
+          </p:nvPr>
+        </p:nvCxnSpPr>
+        <p:spPr>
+          <a:xfrm>
+            <a:off x="1978660" y="3733800"/>
+            <a:ext cx="8229601" cy="0"/>
+          </a:xfrm>
+          <a:prstGeom prst="line">
+            <a:avLst/>
+          </a:prstGeom>
+          <a:ln>
+            <a:solidFill>
+              <a:srgbClr val="FFFFFF"/>
+            </a:solidFill>
+          </a:ln>
+        </p:spPr>
+        <p:style>
+          <a:lnRef idx="1">
+            <a:schemeClr val="accent1"/>
+          </a:lnRef>
+          <a:fillRef idx="0">
+            <a:schemeClr val="accent1"/>
+          </a:fillRef>
+          <a:effectRef idx="0">
+            <a:schemeClr val="accent1"/>
+          </a:effectRef>
+          <a:fontRef idx="minor">
+            <a:schemeClr val="tx1"/>
+          </a:fontRef>
+        </p:style>
+      </p:cxnSp>
+      <p:sp>
+        <p:nvSpPr>
+          <p:cNvPr id="19" name="Rectangle 18">
+            <a:extLst>
+              <a:ext uri="{FF2B5EF4-FFF2-40B4-BE49-F238E27FC236}">
+                <a16:creationId xmlns:a16="http://schemas.microsoft.com/office/drawing/2014/main" id="{2ED84DD6-8A68-4994-8094-8DDBE89BF353}"/>
+              </a:ext>
+              <a:ext uri="{C183D7F6-B498-43B3-948B-1728B52AA6E4}">
+                <adec:decorative xmlns:adec="http://schemas.microsoft.com/office/drawing/2017/decorative" val="1"/>
+              </a:ext>
+            </a:extLst>
+          </p:cNvPr>
+          <p:cNvSpPr>
+            <a:spLocks noGrp="1" noRot="1" noChangeAspect="1" noMove="1" noResize="1" noEditPoints="1" noAdjustHandles="1" noChangeArrowheads="1" noChangeShapeType="1" noTextEdit="1"/>
+          </p:cNvSpPr>
+          <p:nvPr>
+            <p:extLst>
+              <p:ext uri="{386F3935-93C4-4BCD-93E2-E3B085C9AB24}">
+                <p16:designElem xmlns:p16="http://schemas.microsoft.com/office/powerpoint/2015/main" val="1"/>
+              </p:ext>
+            </p:extLst>
+          </p:nvPr>
+        </p:nvSpPr>
+        <p:spPr>
+          <a:xfrm>
+            <a:off x="231140" y="243840"/>
+            <a:ext cx="11722100" cy="6377939"/>
+          </a:xfrm>
+          <a:prstGeom prst="rect">
+            <a:avLst/>
+          </a:prstGeom>
+          <a:solidFill>
+            <a:schemeClr val="bg1"/>
+          </a:solidFill>
+          <a:ln w="12700">
+            <a:solidFill>
+              <a:srgbClr val="FFFFFF"/>
+            </a:solidFill>
+          </a:ln>
+        </p:spPr>
+        <p:style>
+          <a:lnRef idx="2">
+            <a:schemeClr val="accent1">
+              <a:shade val="50000"/>
+            </a:schemeClr>
+          </a:lnRef>
+          <a:fillRef idx="1">
+            <a:schemeClr val="accent1"/>
+          </a:fillRef>
+          <a:effectRef idx="0">
+            <a:schemeClr val="accent1"/>
+          </a:effectRef>
+          <a:fontRef idx="minor">
+            <a:schemeClr val="lt1"/>
+          </a:fontRef>
+        </p:style>
+      </p:sp>
+      <p:sp>
+        <p:nvSpPr>
+          <p:cNvPr id="21" name="Rectangle 20">
+            <a:extLst>
+              <a:ext uri="{FF2B5EF4-FFF2-40B4-BE49-F238E27FC236}">
+                <a16:creationId xmlns:a16="http://schemas.microsoft.com/office/drawing/2014/main" id="{176049D7-366E-4AC9-B689-460CC28F8E70}"/>
+              </a:ext>
+              <a:ext uri="{C183D7F6-B498-43B3-948B-1728B52AA6E4}">
+                <adec:decorative xmlns:adec="http://schemas.microsoft.com/office/drawing/2017/decorative" val="1"/>
+              </a:ext>
+            </a:extLst>
+          </p:cNvPr>
+          <p:cNvSpPr>
+            <a:spLocks noGrp="1" noRot="1" noChangeAspect="1" noMove="1" noResize="1" noEditPoints="1" noAdjustHandles="1" noChangeArrowheads="1" noChangeShapeType="1" noTextEdit="1"/>
+          </p:cNvSpPr>
+          <p:nvPr>
+            <p:extLst>
+              <p:ext uri="{386F3935-93C4-4BCD-93E2-E3B085C9AB24}">
+                <p16:designElem xmlns:p16="http://schemas.microsoft.com/office/powerpoint/2015/main" val="1"/>
+              </p:ext>
+            </p:extLst>
+          </p:nvPr>
+        </p:nvSpPr>
+        <p:spPr>
+          <a:xfrm>
+            <a:off x="7552944" y="246887"/>
+            <a:ext cx="4397755" cy="6377939"/>
+          </a:xfrm>
+          <a:prstGeom prst="rect">
+            <a:avLst/>
+          </a:prstGeom>
+          <a:solidFill>
+            <a:srgbClr val="A6B727"/>
+          </a:solidFill>
+          <a:ln w="12700">
+            <a:solidFill>
+              <a:srgbClr val="FFFFFF"/>
+            </a:solidFill>
+          </a:ln>
+        </p:spPr>
+        <p:style>
+          <a:lnRef idx="2">
+            <a:schemeClr val="accent1">
+              <a:shade val="50000"/>
+            </a:schemeClr>
+          </a:lnRef>
+          <a:fillRef idx="1">
+            <a:schemeClr val="accent1"/>
+          </a:fillRef>
+          <a:effectRef idx="0">
+            <a:schemeClr val="accent1"/>
+          </a:effectRef>
+          <a:fontRef idx="minor">
+            <a:schemeClr val="lt1"/>
+          </a:fontRef>
+        </p:style>
+      </p:sp>
+      <p:cxnSp>
+        <p:nvCxnSpPr>
+          <p:cNvPr id="23" name="Straight Connector 22">
+            <a:extLst>
+              <a:ext uri="{FF2B5EF4-FFF2-40B4-BE49-F238E27FC236}">
+                <a16:creationId xmlns:a16="http://schemas.microsoft.com/office/drawing/2014/main" id="{BC9E91F8-C4AE-4EB0-8B76-FF3F3FC7183D}"/>
+              </a:ext>
+              <a:ext uri="{C183D7F6-B498-43B3-948B-1728B52AA6E4}">
+                <adec:decorative xmlns:adec="http://schemas.microsoft.com/office/drawing/2017/decorative" val="1"/>
+              </a:ext>
+            </a:extLst>
+          </p:cNvPr>
+          <p:cNvCxnSpPr>
+            <a:cxnSpLocks noGrp="1" noRot="1" noChangeAspect="1" noMove="1" noResize="1" noEditPoints="1" noAdjustHandles="1" noChangeArrowheads="1" noChangeShapeType="1"/>
+          </p:cNvCxnSpPr>
+          <p:nvPr>
+            <p:extLst>
+              <p:ext uri="{386F3935-93C4-4BCD-93E2-E3B085C9AB24}">
+                <p16:designElem xmlns:p16="http://schemas.microsoft.com/office/powerpoint/2015/main" val="1"/>
+              </p:ext>
+            </p:extLst>
+          </p:nvPr>
+        </p:nvCxnSpPr>
+        <p:spPr>
+          <a:xfrm>
+            <a:off x="8370284" y="4405863"/>
+            <a:ext cx="2763075" cy="0"/>
+          </a:xfrm>
+          <a:prstGeom prst="line">
+            <a:avLst/>
+          </a:prstGeom>
+          <a:ln>
+            <a:solidFill>
+              <a:srgbClr val="FFFFFF"/>
+            </a:solidFill>
+          </a:ln>
+        </p:spPr>
+        <p:style>
+          <a:lnRef idx="1">
+            <a:schemeClr val="accent1"/>
+          </a:lnRef>
+          <a:fillRef idx="0">
+            <a:schemeClr val="accent1"/>
+          </a:fillRef>
+          <a:effectRef idx="0">
+            <a:schemeClr val="accent1"/>
+          </a:effectRef>
+          <a:fontRef idx="minor">
+            <a:schemeClr val="tx1"/>
+          </a:fontRef>
+        </p:style>
+      </p:cxnSp>
+      <p:sp>
+        <p:nvSpPr>
+          <p:cNvPr id="25" name="Rectangle 24">
+            <a:extLst>
+              <a:ext uri="{FF2B5EF4-FFF2-40B4-BE49-F238E27FC236}">
+                <a16:creationId xmlns:a16="http://schemas.microsoft.com/office/drawing/2014/main" id="{4AD45A04-4150-4943-BB06-EEEDDD73BFCE}"/>
+              </a:ext>
+              <a:ext uri="{C183D7F6-B498-43B3-948B-1728B52AA6E4}">
+                <adec:decorative xmlns:adec="http://schemas.microsoft.com/office/drawing/2017/decorative" val="1"/>
+              </a:ext>
+            </a:extLst>
+          </p:cNvPr>
+          <p:cNvSpPr>
+            <a:spLocks noGrp="1" noRot="1" noChangeAspect="1" noMove="1" noResize="1" noEditPoints="1" noAdjustHandles="1" noChangeArrowheads="1" noChangeShapeType="1" noTextEdit="1"/>
+          </p:cNvSpPr>
+          <p:nvPr>
+            <p:extLst>
+              <p:ext uri="{386F3935-93C4-4BCD-93E2-E3B085C9AB24}">
+                <p16:designElem xmlns:p16="http://schemas.microsoft.com/office/powerpoint/2015/main" val="1"/>
+              </p:ext>
+            </p:extLst>
+          </p:nvPr>
+        </p:nvSpPr>
+        <p:spPr>
+          <a:xfrm>
+            <a:off x="228600" y="246888"/>
+            <a:ext cx="11724640" cy="6377939"/>
+          </a:xfrm>
+          <a:prstGeom prst="rect">
+            <a:avLst/>
+          </a:prstGeom>
+          <a:noFill/>
+          <a:ln w="12700">
+            <a:solidFill>
+              <a:srgbClr val="FFFFFF"/>
+            </a:solidFill>
+          </a:ln>
+        </p:spPr>
+        <p:style>
+          <a:lnRef idx="2">
+            <a:schemeClr val="accent1">
+              <a:shade val="50000"/>
+            </a:schemeClr>
+          </a:lnRef>
+          <a:fillRef idx="1">
+            <a:schemeClr val="accent1"/>
+          </a:fillRef>
+          <a:effectRef idx="0">
+            <a:schemeClr val="accent1"/>
+          </a:effectRef>
+          <a:fontRef idx="minor">
+            <a:schemeClr val="lt1"/>
+          </a:fontRef>
+        </p:style>
+        <p:txBody>
+          <a:bodyPr/>
+          <a:lstStyle/>
+          <a:p>
+            <a:endParaRPr lang="en-US" dirty="0"/>
+          </a:p>
+        </p:txBody>
+      </p:sp>
+      <p:sp>
+        <p:nvSpPr>
           <p:cNvPr id="2" name="Title 1">
             <a:extLst>
               <a:ext uri="{FF2B5EF4-FFF2-40B4-BE49-F238E27FC236}">
@@ -11343,20 +13315,25 @@
         </p:nvSpPr>
         <p:spPr>
           <a:xfrm>
-            <a:off x="541638" y="399534"/>
-            <a:ext cx="5974492" cy="650789"/>
+            <a:off x="8195138" y="857675"/>
+            <a:ext cx="3113366" cy="3622844"/>
           </a:xfrm>
         </p:spPr>
         <p:txBody>
-          <a:bodyPr>
-            <a:normAutofit fontScale="90000"/>
+          <a:bodyPr vert="horz" lIns="91440" tIns="45720" rIns="91440" bIns="45720" rtlCol="0" anchor="b">
+            <a:normAutofit/>
           </a:bodyPr>
           <a:lstStyle/>
           <a:p>
+            <a:pPr algn="ctr">
+              <a:lnSpc>
+                <a:spcPct val="85000"/>
+              </a:lnSpc>
+            </a:pPr>
             <a:r>
-              <a:rPr lang="en-US" sz="2800" dirty="0">
+              <a:rPr lang="en-US" sz="3800" b="1" cap="all">
                 <a:solidFill>
-                  <a:schemeClr val="tx1"/>
+                  <a:srgbClr val="FFFFFF"/>
                 </a:solidFill>
               </a:rPr>
               <a:t>Difference in field width: move influence</a:t>
@@ -11379,14 +13356,14 @@
           <p:nvPr>
             <p:extLst>
               <p:ext uri="{D42A27DB-BD31-4B8C-83A1-F6EECF244321}">
-                <p14:modId xmlns:p14="http://schemas.microsoft.com/office/powerpoint/2010/main" val="840140340"/>
+                <p14:modId xmlns:p14="http://schemas.microsoft.com/office/powerpoint/2010/main" val="2564064350"/>
               </p:ext>
             </p:extLst>
           </p:nvPr>
         </p:nvGraphicFramePr>
         <p:xfrm>
-          <a:off x="2710139" y="933855"/>
-          <a:ext cx="7611981" cy="4990289"/>
+          <a:off x="872064" y="857675"/>
+          <a:ext cx="6045576" cy="5140669"/>
         </p:xfrm>
         <a:graphic>
           <a:graphicData uri="http://schemas.openxmlformats.org/drawingml/2006/chart">
@@ -11410,6 +13387,14 @@
 <file path=ppt/slides/slide12.xml><?xml version="1.0" encoding="utf-8"?>
 <p:sld xmlns:a="http://schemas.openxmlformats.org/drawingml/2006/main" xmlns:r="http://schemas.openxmlformats.org/officeDocument/2006/relationships" xmlns:p="http://schemas.openxmlformats.org/presentationml/2006/main">
   <p:cSld>
+    <p:bg>
+      <p:bgPr>
+        <a:solidFill>
+          <a:schemeClr val="accent1"/>
+        </a:solidFill>
+        <a:effectLst/>
+      </p:bgPr>
+    </p:bg>
     <p:spTree>
       <p:nvGrpSpPr>
         <p:cNvPr id="1" name=""/>
@@ -11426,6 +13411,398 @@
       </p:grpSpPr>
       <p:sp>
         <p:nvSpPr>
+          <p:cNvPr id="12" name="Rectangle 11">
+            <a:extLst>
+              <a:ext uri="{FF2B5EF4-FFF2-40B4-BE49-F238E27FC236}">
+                <a16:creationId xmlns:a16="http://schemas.microsoft.com/office/drawing/2014/main" id="{79CBD3C9-4E66-426D-948E-7CF4778107E8}"/>
+              </a:ext>
+              <a:ext uri="{C183D7F6-B498-43B3-948B-1728B52AA6E4}">
+                <adec:decorative xmlns:adec="http://schemas.microsoft.com/office/drawing/2017/decorative" val="1"/>
+              </a:ext>
+            </a:extLst>
+          </p:cNvPr>
+          <p:cNvSpPr>
+            <a:spLocks noGrp="1" noRot="1" noChangeAspect="1" noMove="1" noResize="1" noEditPoints="1" noAdjustHandles="1" noChangeArrowheads="1" noChangeShapeType="1" noTextEdit="1"/>
+          </p:cNvSpPr>
+          <p:nvPr>
+            <p:extLst>
+              <p:ext uri="{386F3935-93C4-4BCD-93E2-E3B085C9AB24}">
+                <p16:designElem xmlns:p16="http://schemas.microsoft.com/office/powerpoint/2015/main" val="1"/>
+              </p:ext>
+            </p:extLst>
+          </p:nvPr>
+        </p:nvSpPr>
+        <p:spPr>
+          <a:xfrm>
+            <a:off x="231140" y="243840"/>
+            <a:ext cx="11724640" cy="6377939"/>
+          </a:xfrm>
+          <a:prstGeom prst="rect">
+            <a:avLst/>
+          </a:prstGeom>
+          <a:solidFill>
+            <a:schemeClr val="bg1"/>
+          </a:solidFill>
+          <a:ln w="12700">
+            <a:noFill/>
+          </a:ln>
+        </p:spPr>
+        <p:style>
+          <a:lnRef idx="2">
+            <a:schemeClr val="accent1">
+              <a:shade val="50000"/>
+            </a:schemeClr>
+          </a:lnRef>
+          <a:fillRef idx="1">
+            <a:schemeClr val="accent1"/>
+          </a:fillRef>
+          <a:effectRef idx="0">
+            <a:schemeClr val="accent1"/>
+          </a:effectRef>
+          <a:fontRef idx="minor">
+            <a:schemeClr val="lt1"/>
+          </a:fontRef>
+        </p:style>
+      </p:sp>
+      <p:sp>
+        <p:nvSpPr>
+          <p:cNvPr id="14" name="Rectangle 13">
+            <a:extLst>
+              <a:ext uri="{FF2B5EF4-FFF2-40B4-BE49-F238E27FC236}">
+                <a16:creationId xmlns:a16="http://schemas.microsoft.com/office/drawing/2014/main" id="{DDB95FCF-AD96-482F-9FB8-CD95725E6EFF}"/>
+              </a:ext>
+              <a:ext uri="{C183D7F6-B498-43B3-948B-1728B52AA6E4}">
+                <adec:decorative xmlns:adec="http://schemas.microsoft.com/office/drawing/2017/decorative" val="1"/>
+              </a:ext>
+            </a:extLst>
+          </p:cNvPr>
+          <p:cNvSpPr>
+            <a:spLocks noGrp="1" noRot="1" noChangeAspect="1" noMove="1" noResize="1" noEditPoints="1" noAdjustHandles="1" noChangeArrowheads="1" noChangeShapeType="1" noTextEdit="1"/>
+          </p:cNvSpPr>
+          <p:nvPr>
+            <p:extLst>
+              <p:ext uri="{386F3935-93C4-4BCD-93E2-E3B085C9AB24}">
+                <p16:designElem xmlns:p16="http://schemas.microsoft.com/office/powerpoint/2015/main" val="1"/>
+              </p:ext>
+            </p:extLst>
+          </p:nvPr>
+        </p:nvSpPr>
+        <p:spPr>
+          <a:xfrm>
+            <a:off x="231140" y="243840"/>
+            <a:ext cx="11724640" cy="6377939"/>
+          </a:xfrm>
+          <a:prstGeom prst="rect">
+            <a:avLst/>
+          </a:prstGeom>
+          <a:solidFill>
+            <a:schemeClr val="accent1"/>
+          </a:solidFill>
+          <a:ln w="12700">
+            <a:solidFill>
+              <a:srgbClr val="FFFFFF"/>
+            </a:solidFill>
+          </a:ln>
+        </p:spPr>
+        <p:style>
+          <a:lnRef idx="2">
+            <a:schemeClr val="accent1">
+              <a:shade val="50000"/>
+            </a:schemeClr>
+          </a:lnRef>
+          <a:fillRef idx="1">
+            <a:schemeClr val="accent1"/>
+          </a:fillRef>
+          <a:effectRef idx="0">
+            <a:schemeClr val="accent1"/>
+          </a:effectRef>
+          <a:fontRef idx="minor">
+            <a:schemeClr val="lt1"/>
+          </a:fontRef>
+        </p:style>
+      </p:sp>
+      <p:cxnSp>
+        <p:nvCxnSpPr>
+          <p:cNvPr id="16" name="Straight Connector 15">
+            <a:extLst>
+              <a:ext uri="{FF2B5EF4-FFF2-40B4-BE49-F238E27FC236}">
+                <a16:creationId xmlns:a16="http://schemas.microsoft.com/office/drawing/2014/main" id="{64EEEC00-AD80-4734-BEE6-04CBDEC830C9}"/>
+              </a:ext>
+              <a:ext uri="{C183D7F6-B498-43B3-948B-1728B52AA6E4}">
+                <adec:decorative xmlns:adec="http://schemas.microsoft.com/office/drawing/2017/decorative" val="1"/>
+              </a:ext>
+            </a:extLst>
+          </p:cNvPr>
+          <p:cNvCxnSpPr>
+            <a:cxnSpLocks noGrp="1" noRot="1" noChangeAspect="1" noMove="1" noResize="1" noEditPoints="1" noAdjustHandles="1" noChangeArrowheads="1" noChangeShapeType="1"/>
+          </p:cNvCxnSpPr>
+          <p:nvPr>
+            <p:extLst>
+              <p:ext uri="{386F3935-93C4-4BCD-93E2-E3B085C9AB24}">
+                <p16:designElem xmlns:p16="http://schemas.microsoft.com/office/powerpoint/2015/main" val="1"/>
+              </p:ext>
+            </p:extLst>
+          </p:nvPr>
+        </p:nvCxnSpPr>
+        <p:spPr>
+          <a:xfrm>
+            <a:off x="1978660" y="3733800"/>
+            <a:ext cx="8229601" cy="0"/>
+          </a:xfrm>
+          <a:prstGeom prst="line">
+            <a:avLst/>
+          </a:prstGeom>
+          <a:ln>
+            <a:solidFill>
+              <a:srgbClr val="FFFFFF"/>
+            </a:solidFill>
+          </a:ln>
+        </p:spPr>
+        <p:style>
+          <a:lnRef idx="1">
+            <a:schemeClr val="accent1"/>
+          </a:lnRef>
+          <a:fillRef idx="0">
+            <a:schemeClr val="accent1"/>
+          </a:fillRef>
+          <a:effectRef idx="0">
+            <a:schemeClr val="accent1"/>
+          </a:effectRef>
+          <a:fontRef idx="minor">
+            <a:schemeClr val="tx1"/>
+          </a:fontRef>
+        </p:style>
+      </p:cxnSp>
+      <p:sp>
+        <p:nvSpPr>
+          <p:cNvPr id="18" name="Rectangle 17">
+            <a:extLst>
+              <a:ext uri="{FF2B5EF4-FFF2-40B4-BE49-F238E27FC236}">
+                <a16:creationId xmlns:a16="http://schemas.microsoft.com/office/drawing/2014/main" id="{2ED84DD6-8A68-4994-8094-8DDBE89BF353}"/>
+              </a:ext>
+              <a:ext uri="{C183D7F6-B498-43B3-948B-1728B52AA6E4}">
+                <adec:decorative xmlns:adec="http://schemas.microsoft.com/office/drawing/2017/decorative" val="1"/>
+              </a:ext>
+            </a:extLst>
+          </p:cNvPr>
+          <p:cNvSpPr>
+            <a:spLocks noGrp="1" noRot="1" noChangeAspect="1" noMove="1" noResize="1" noEditPoints="1" noAdjustHandles="1" noChangeArrowheads="1" noChangeShapeType="1" noTextEdit="1"/>
+          </p:cNvSpPr>
+          <p:nvPr>
+            <p:extLst>
+              <p:ext uri="{386F3935-93C4-4BCD-93E2-E3B085C9AB24}">
+                <p16:designElem xmlns:p16="http://schemas.microsoft.com/office/powerpoint/2015/main" val="1"/>
+              </p:ext>
+            </p:extLst>
+          </p:nvPr>
+        </p:nvSpPr>
+        <p:spPr>
+          <a:xfrm>
+            <a:off x="231140" y="243840"/>
+            <a:ext cx="11722100" cy="6377939"/>
+          </a:xfrm>
+          <a:prstGeom prst="rect">
+            <a:avLst/>
+          </a:prstGeom>
+          <a:solidFill>
+            <a:schemeClr val="bg1"/>
+          </a:solidFill>
+          <a:ln w="12700">
+            <a:solidFill>
+              <a:srgbClr val="FFFFFF"/>
+            </a:solidFill>
+          </a:ln>
+        </p:spPr>
+        <p:style>
+          <a:lnRef idx="2">
+            <a:schemeClr val="accent1">
+              <a:shade val="50000"/>
+            </a:schemeClr>
+          </a:lnRef>
+          <a:fillRef idx="1">
+            <a:schemeClr val="accent1"/>
+          </a:fillRef>
+          <a:effectRef idx="0">
+            <a:schemeClr val="accent1"/>
+          </a:effectRef>
+          <a:fontRef idx="minor">
+            <a:schemeClr val="lt1"/>
+          </a:fontRef>
+        </p:style>
+      </p:sp>
+      <p:sp>
+        <p:nvSpPr>
+          <p:cNvPr id="20" name="Rectangle 19">
+            <a:extLst>
+              <a:ext uri="{FF2B5EF4-FFF2-40B4-BE49-F238E27FC236}">
+                <a16:creationId xmlns:a16="http://schemas.microsoft.com/office/drawing/2014/main" id="{176049D7-366E-4AC9-B689-460CC28F8E70}"/>
+              </a:ext>
+              <a:ext uri="{C183D7F6-B498-43B3-948B-1728B52AA6E4}">
+                <adec:decorative xmlns:adec="http://schemas.microsoft.com/office/drawing/2017/decorative" val="1"/>
+              </a:ext>
+            </a:extLst>
+          </p:cNvPr>
+          <p:cNvSpPr>
+            <a:spLocks noGrp="1" noRot="1" noChangeAspect="1" noMove="1" noResize="1" noEditPoints="1" noAdjustHandles="1" noChangeArrowheads="1" noChangeShapeType="1" noTextEdit="1"/>
+          </p:cNvSpPr>
+          <p:nvPr>
+            <p:extLst>
+              <p:ext uri="{386F3935-93C4-4BCD-93E2-E3B085C9AB24}">
+                <p16:designElem xmlns:p16="http://schemas.microsoft.com/office/powerpoint/2015/main" val="1"/>
+              </p:ext>
+            </p:extLst>
+          </p:nvPr>
+        </p:nvSpPr>
+        <p:spPr>
+          <a:xfrm>
+            <a:off x="7552944" y="246887"/>
+            <a:ext cx="4397755" cy="6377939"/>
+          </a:xfrm>
+          <a:prstGeom prst="rect">
+            <a:avLst/>
+          </a:prstGeom>
+          <a:solidFill>
+            <a:srgbClr val="A6B727"/>
+          </a:solidFill>
+          <a:ln w="12700">
+            <a:solidFill>
+              <a:srgbClr val="FFFFFF"/>
+            </a:solidFill>
+          </a:ln>
+        </p:spPr>
+        <p:style>
+          <a:lnRef idx="2">
+            <a:schemeClr val="accent1">
+              <a:shade val="50000"/>
+            </a:schemeClr>
+          </a:lnRef>
+          <a:fillRef idx="1">
+            <a:schemeClr val="accent1"/>
+          </a:fillRef>
+          <a:effectRef idx="0">
+            <a:schemeClr val="accent1"/>
+          </a:effectRef>
+          <a:fontRef idx="minor">
+            <a:schemeClr val="lt1"/>
+          </a:fontRef>
+        </p:style>
+      </p:sp>
+      <p:cxnSp>
+        <p:nvCxnSpPr>
+          <p:cNvPr id="22" name="Straight Connector 21">
+            <a:extLst>
+              <a:ext uri="{FF2B5EF4-FFF2-40B4-BE49-F238E27FC236}">
+                <a16:creationId xmlns:a16="http://schemas.microsoft.com/office/drawing/2014/main" id="{BC9E91F8-C4AE-4EB0-8B76-FF3F3FC7183D}"/>
+              </a:ext>
+              <a:ext uri="{C183D7F6-B498-43B3-948B-1728B52AA6E4}">
+                <adec:decorative xmlns:adec="http://schemas.microsoft.com/office/drawing/2017/decorative" val="1"/>
+              </a:ext>
+            </a:extLst>
+          </p:cNvPr>
+          <p:cNvCxnSpPr>
+            <a:cxnSpLocks noGrp="1" noRot="1" noChangeAspect="1" noMove="1" noResize="1" noEditPoints="1" noAdjustHandles="1" noChangeArrowheads="1" noChangeShapeType="1"/>
+          </p:cNvCxnSpPr>
+          <p:nvPr>
+            <p:extLst>
+              <p:ext uri="{386F3935-93C4-4BCD-93E2-E3B085C9AB24}">
+                <p16:designElem xmlns:p16="http://schemas.microsoft.com/office/powerpoint/2015/main" val="1"/>
+              </p:ext>
+            </p:extLst>
+          </p:nvPr>
+        </p:nvCxnSpPr>
+        <p:spPr>
+          <a:xfrm>
+            <a:off x="8370284" y="4405863"/>
+            <a:ext cx="2763075" cy="0"/>
+          </a:xfrm>
+          <a:prstGeom prst="line">
+            <a:avLst/>
+          </a:prstGeom>
+          <a:ln>
+            <a:solidFill>
+              <a:srgbClr val="FFFFFF"/>
+            </a:solidFill>
+          </a:ln>
+        </p:spPr>
+        <p:style>
+          <a:lnRef idx="1">
+            <a:schemeClr val="accent1"/>
+          </a:lnRef>
+          <a:fillRef idx="0">
+            <a:schemeClr val="accent1"/>
+          </a:fillRef>
+          <a:effectRef idx="0">
+            <a:schemeClr val="accent1"/>
+          </a:effectRef>
+          <a:fontRef idx="minor">
+            <a:schemeClr val="tx1"/>
+          </a:fontRef>
+        </p:style>
+      </p:cxnSp>
+      <p:sp>
+        <p:nvSpPr>
+          <p:cNvPr id="24" name="Rectangle 23">
+            <a:extLst>
+              <a:ext uri="{FF2B5EF4-FFF2-40B4-BE49-F238E27FC236}">
+                <a16:creationId xmlns:a16="http://schemas.microsoft.com/office/drawing/2014/main" id="{4AD45A04-4150-4943-BB06-EEEDDD73BFCE}"/>
+              </a:ext>
+              <a:ext uri="{C183D7F6-B498-43B3-948B-1728B52AA6E4}">
+                <adec:decorative xmlns:adec="http://schemas.microsoft.com/office/drawing/2017/decorative" val="1"/>
+              </a:ext>
+            </a:extLst>
+          </p:cNvPr>
+          <p:cNvSpPr>
+            <a:spLocks noGrp="1" noRot="1" noChangeAspect="1" noMove="1" noResize="1" noEditPoints="1" noAdjustHandles="1" noChangeArrowheads="1" noChangeShapeType="1" noTextEdit="1"/>
+          </p:cNvSpPr>
+          <p:nvPr>
+            <p:extLst>
+              <p:ext uri="{386F3935-93C4-4BCD-93E2-E3B085C9AB24}">
+                <p16:designElem xmlns:p16="http://schemas.microsoft.com/office/powerpoint/2015/main" val="1"/>
+              </p:ext>
+            </p:extLst>
+          </p:nvPr>
+        </p:nvSpPr>
+        <p:spPr>
+          <a:xfrm>
+            <a:off x="228600" y="246888"/>
+            <a:ext cx="11724640" cy="6377939"/>
+          </a:xfrm>
+          <a:prstGeom prst="rect">
+            <a:avLst/>
+          </a:prstGeom>
+          <a:noFill/>
+          <a:ln w="12700">
+            <a:solidFill>
+              <a:srgbClr val="FFFFFF"/>
+            </a:solidFill>
+          </a:ln>
+        </p:spPr>
+        <p:style>
+          <a:lnRef idx="2">
+            <a:schemeClr val="accent1">
+              <a:shade val="50000"/>
+            </a:schemeClr>
+          </a:lnRef>
+          <a:fillRef idx="1">
+            <a:schemeClr val="accent1"/>
+          </a:fillRef>
+          <a:effectRef idx="0">
+            <a:schemeClr val="accent1"/>
+          </a:effectRef>
+          <a:fontRef idx="minor">
+            <a:schemeClr val="lt1"/>
+          </a:fontRef>
+        </p:style>
+        <p:txBody>
+          <a:bodyPr/>
+          <a:lstStyle/>
+          <a:p>
+            <a:endParaRPr lang="en-US" dirty="0"/>
+          </a:p>
+        </p:txBody>
+      </p:sp>
+      <p:sp>
+        <p:nvSpPr>
           <p:cNvPr id="2" name="Title 1">
             <a:extLst>
               <a:ext uri="{FF2B5EF4-FFF2-40B4-BE49-F238E27FC236}">
@@ -11442,20 +13819,25 @@
         </p:nvSpPr>
         <p:spPr>
           <a:xfrm>
-            <a:off x="541638" y="399534"/>
-            <a:ext cx="5974492" cy="650789"/>
+            <a:off x="8195138" y="857675"/>
+            <a:ext cx="3113366" cy="3622844"/>
           </a:xfrm>
         </p:spPr>
         <p:txBody>
-          <a:bodyPr>
+          <a:bodyPr vert="horz" lIns="91440" tIns="45720" rIns="91440" bIns="45720" rtlCol="0" anchor="b">
             <a:normAutofit/>
           </a:bodyPr>
           <a:lstStyle/>
           <a:p>
+            <a:pPr algn="ctr">
+              <a:lnSpc>
+                <a:spcPct val="85000"/>
+              </a:lnSpc>
+            </a:pPr>
             <a:r>
-              <a:rPr lang="en-US" sz="2800" dirty="0">
+              <a:rPr lang="en-US" sz="3800" b="1" cap="all">
                 <a:solidFill>
-                  <a:schemeClr val="tx1"/>
+                  <a:srgbClr val="FFFFFF"/>
                 </a:solidFill>
               </a:rPr>
               <a:t>Difference in field width: rows cleared</a:t>
@@ -11478,14 +13860,14 @@
           <p:nvPr>
             <p:extLst>
               <p:ext uri="{D42A27DB-BD31-4B8C-83A1-F6EECF244321}">
-                <p14:modId xmlns:p14="http://schemas.microsoft.com/office/powerpoint/2010/main" val="3705717910"/>
+                <p14:modId xmlns:p14="http://schemas.microsoft.com/office/powerpoint/2010/main" val="2651777995"/>
               </p:ext>
             </p:extLst>
           </p:nvPr>
         </p:nvGraphicFramePr>
         <p:xfrm>
-          <a:off x="2100320" y="919264"/>
-          <a:ext cx="7991359" cy="5019472"/>
+          <a:off x="872064" y="857675"/>
+          <a:ext cx="6045576" cy="5140669"/>
         </p:xfrm>
         <a:graphic>
           <a:graphicData uri="http://schemas.openxmlformats.org/drawingml/2006/chart">
@@ -11509,6 +13891,14 @@
 <file path=ppt/slides/slide13.xml><?xml version="1.0" encoding="utf-8"?>
 <p:sld xmlns:a="http://schemas.openxmlformats.org/drawingml/2006/main" xmlns:r="http://schemas.openxmlformats.org/officeDocument/2006/relationships" xmlns:p="http://schemas.openxmlformats.org/presentationml/2006/main">
   <p:cSld>
+    <p:bg>
+      <p:bgPr>
+        <a:solidFill>
+          <a:schemeClr val="accent1"/>
+        </a:solidFill>
+        <a:effectLst/>
+      </p:bgPr>
+    </p:bg>
     <p:spTree>
       <p:nvGrpSpPr>
         <p:cNvPr id="1" name=""/>
@@ -11525,6 +13915,337 @@
       </p:grpSpPr>
       <p:sp>
         <p:nvSpPr>
+          <p:cNvPr id="9" name="Rectangle 8">
+            <a:extLst>
+              <a:ext uri="{FF2B5EF4-FFF2-40B4-BE49-F238E27FC236}">
+                <a16:creationId xmlns:a16="http://schemas.microsoft.com/office/drawing/2014/main" id="{79CBD3C9-4E66-426D-948E-7CF4778107E8}"/>
+              </a:ext>
+              <a:ext uri="{C183D7F6-B498-43B3-948B-1728B52AA6E4}">
+                <adec:decorative xmlns:adec="http://schemas.microsoft.com/office/drawing/2017/decorative" val="1"/>
+              </a:ext>
+            </a:extLst>
+          </p:cNvPr>
+          <p:cNvSpPr>
+            <a:spLocks noGrp="1" noRot="1" noChangeAspect="1" noMove="1" noResize="1" noEditPoints="1" noAdjustHandles="1" noChangeArrowheads="1" noChangeShapeType="1" noTextEdit="1"/>
+          </p:cNvSpPr>
+          <p:nvPr>
+            <p:extLst>
+              <p:ext uri="{386F3935-93C4-4BCD-93E2-E3B085C9AB24}">
+                <p16:designElem xmlns:p16="http://schemas.microsoft.com/office/powerpoint/2015/main" val="1"/>
+              </p:ext>
+            </p:extLst>
+          </p:nvPr>
+        </p:nvSpPr>
+        <p:spPr>
+          <a:xfrm>
+            <a:off x="231140" y="243840"/>
+            <a:ext cx="11724640" cy="6377939"/>
+          </a:xfrm>
+          <a:prstGeom prst="rect">
+            <a:avLst/>
+          </a:prstGeom>
+          <a:solidFill>
+            <a:schemeClr val="bg1"/>
+          </a:solidFill>
+          <a:ln w="12700">
+            <a:noFill/>
+          </a:ln>
+        </p:spPr>
+        <p:style>
+          <a:lnRef idx="2">
+            <a:schemeClr val="accent1">
+              <a:shade val="50000"/>
+            </a:schemeClr>
+          </a:lnRef>
+          <a:fillRef idx="1">
+            <a:schemeClr val="accent1"/>
+          </a:fillRef>
+          <a:effectRef idx="0">
+            <a:schemeClr val="accent1"/>
+          </a:effectRef>
+          <a:fontRef idx="minor">
+            <a:schemeClr val="lt1"/>
+          </a:fontRef>
+        </p:style>
+      </p:sp>
+      <p:sp>
+        <p:nvSpPr>
+          <p:cNvPr id="11" name="Rectangle 10">
+            <a:extLst>
+              <a:ext uri="{FF2B5EF4-FFF2-40B4-BE49-F238E27FC236}">
+                <a16:creationId xmlns:a16="http://schemas.microsoft.com/office/drawing/2014/main" id="{DDB95FCF-AD96-482F-9FB8-CD95725E6EFF}"/>
+              </a:ext>
+              <a:ext uri="{C183D7F6-B498-43B3-948B-1728B52AA6E4}">
+                <adec:decorative xmlns:adec="http://schemas.microsoft.com/office/drawing/2017/decorative" val="1"/>
+              </a:ext>
+            </a:extLst>
+          </p:cNvPr>
+          <p:cNvSpPr>
+            <a:spLocks noGrp="1" noRot="1" noChangeAspect="1" noMove="1" noResize="1" noEditPoints="1" noAdjustHandles="1" noChangeArrowheads="1" noChangeShapeType="1" noTextEdit="1"/>
+          </p:cNvSpPr>
+          <p:nvPr>
+            <p:extLst>
+              <p:ext uri="{386F3935-93C4-4BCD-93E2-E3B085C9AB24}">
+                <p16:designElem xmlns:p16="http://schemas.microsoft.com/office/powerpoint/2015/main" val="1"/>
+              </p:ext>
+            </p:extLst>
+          </p:nvPr>
+        </p:nvSpPr>
+        <p:spPr>
+          <a:xfrm>
+            <a:off x="231140" y="243840"/>
+            <a:ext cx="11724640" cy="6377939"/>
+          </a:xfrm>
+          <a:prstGeom prst="rect">
+            <a:avLst/>
+          </a:prstGeom>
+          <a:solidFill>
+            <a:schemeClr val="accent1"/>
+          </a:solidFill>
+          <a:ln w="12700">
+            <a:solidFill>
+              <a:srgbClr val="FFFFFF"/>
+            </a:solidFill>
+          </a:ln>
+        </p:spPr>
+        <p:style>
+          <a:lnRef idx="2">
+            <a:schemeClr val="accent1">
+              <a:shade val="50000"/>
+            </a:schemeClr>
+          </a:lnRef>
+          <a:fillRef idx="1">
+            <a:schemeClr val="accent1"/>
+          </a:fillRef>
+          <a:effectRef idx="0">
+            <a:schemeClr val="accent1"/>
+          </a:effectRef>
+          <a:fontRef idx="minor">
+            <a:schemeClr val="lt1"/>
+          </a:fontRef>
+        </p:style>
+      </p:sp>
+      <p:cxnSp>
+        <p:nvCxnSpPr>
+          <p:cNvPr id="13" name="Straight Connector 12">
+            <a:extLst>
+              <a:ext uri="{FF2B5EF4-FFF2-40B4-BE49-F238E27FC236}">
+                <a16:creationId xmlns:a16="http://schemas.microsoft.com/office/drawing/2014/main" id="{64EEEC00-AD80-4734-BEE6-04CBDEC830C9}"/>
+              </a:ext>
+              <a:ext uri="{C183D7F6-B498-43B3-948B-1728B52AA6E4}">
+                <adec:decorative xmlns:adec="http://schemas.microsoft.com/office/drawing/2017/decorative" val="1"/>
+              </a:ext>
+            </a:extLst>
+          </p:cNvPr>
+          <p:cNvCxnSpPr>
+            <a:cxnSpLocks noGrp="1" noRot="1" noChangeAspect="1" noMove="1" noResize="1" noEditPoints="1" noAdjustHandles="1" noChangeArrowheads="1" noChangeShapeType="1"/>
+          </p:cNvCxnSpPr>
+          <p:nvPr>
+            <p:extLst>
+              <p:ext uri="{386F3935-93C4-4BCD-93E2-E3B085C9AB24}">
+                <p16:designElem xmlns:p16="http://schemas.microsoft.com/office/powerpoint/2015/main" val="1"/>
+              </p:ext>
+            </p:extLst>
+          </p:nvPr>
+        </p:nvCxnSpPr>
+        <p:spPr>
+          <a:xfrm>
+            <a:off x="1978660" y="3733800"/>
+            <a:ext cx="8229601" cy="0"/>
+          </a:xfrm>
+          <a:prstGeom prst="line">
+            <a:avLst/>
+          </a:prstGeom>
+          <a:ln>
+            <a:solidFill>
+              <a:srgbClr val="FFFFFF"/>
+            </a:solidFill>
+          </a:ln>
+        </p:spPr>
+        <p:style>
+          <a:lnRef idx="1">
+            <a:schemeClr val="accent1"/>
+          </a:lnRef>
+          <a:fillRef idx="0">
+            <a:schemeClr val="accent1"/>
+          </a:fillRef>
+          <a:effectRef idx="0">
+            <a:schemeClr val="accent1"/>
+          </a:effectRef>
+          <a:fontRef idx="minor">
+            <a:schemeClr val="tx1"/>
+          </a:fontRef>
+        </p:style>
+      </p:cxnSp>
+      <p:sp>
+        <p:nvSpPr>
+          <p:cNvPr id="15" name="Rectangle 14">
+            <a:extLst>
+              <a:ext uri="{FF2B5EF4-FFF2-40B4-BE49-F238E27FC236}">
+                <a16:creationId xmlns:a16="http://schemas.microsoft.com/office/drawing/2014/main" id="{24AF37F0-1E8F-443E-AA28-4BC6348204B4}"/>
+              </a:ext>
+              <a:ext uri="{C183D7F6-B498-43B3-948B-1728B52AA6E4}">
+                <adec:decorative xmlns:adec="http://schemas.microsoft.com/office/drawing/2017/decorative" val="1"/>
+              </a:ext>
+            </a:extLst>
+          </p:cNvPr>
+          <p:cNvSpPr>
+            <a:spLocks noGrp="1" noRot="1" noChangeAspect="1" noMove="1" noResize="1" noEditPoints="1" noAdjustHandles="1" noChangeArrowheads="1" noChangeShapeType="1" noTextEdit="1"/>
+          </p:cNvSpPr>
+          <p:nvPr>
+            <p:extLst>
+              <p:ext uri="{386F3935-93C4-4BCD-93E2-E3B085C9AB24}">
+                <p16:designElem xmlns:p16="http://schemas.microsoft.com/office/powerpoint/2015/main" val="1"/>
+              </p:ext>
+            </p:extLst>
+          </p:nvPr>
+        </p:nvSpPr>
+        <p:spPr>
+          <a:xfrm>
+            <a:off x="0" y="0"/>
+            <a:ext cx="12192000" cy="6858000"/>
+          </a:xfrm>
+          <a:prstGeom prst="rect">
+            <a:avLst/>
+          </a:prstGeom>
+          <a:ln>
+            <a:noFill/>
+          </a:ln>
+        </p:spPr>
+        <p:style>
+          <a:lnRef idx="2">
+            <a:schemeClr val="accent1">
+              <a:shade val="50000"/>
+            </a:schemeClr>
+          </a:lnRef>
+          <a:fillRef idx="1">
+            <a:schemeClr val="accent1"/>
+          </a:fillRef>
+          <a:effectRef idx="0">
+            <a:schemeClr val="accent1"/>
+          </a:effectRef>
+          <a:fontRef idx="minor">
+            <a:schemeClr val="lt1"/>
+          </a:fontRef>
+        </p:style>
+        <p:txBody>
+          <a:bodyPr rtlCol="0" anchor="ctr"/>
+          <a:lstStyle/>
+          <a:p>
+            <a:pPr algn="ctr"/>
+            <a:endParaRPr lang="en-US"/>
+          </a:p>
+        </p:txBody>
+      </p:sp>
+      <p:sp>
+        <p:nvSpPr>
+          <p:cNvPr id="17" name="Rectangle 16">
+            <a:extLst>
+              <a:ext uri="{FF2B5EF4-FFF2-40B4-BE49-F238E27FC236}">
+                <a16:creationId xmlns:a16="http://schemas.microsoft.com/office/drawing/2014/main" id="{3DBE9D54-6250-40F2-A23A-F9CEBF5F9196}"/>
+              </a:ext>
+              <a:ext uri="{C183D7F6-B498-43B3-948B-1728B52AA6E4}">
+                <adec:decorative xmlns:adec="http://schemas.microsoft.com/office/drawing/2017/decorative" val="1"/>
+              </a:ext>
+            </a:extLst>
+          </p:cNvPr>
+          <p:cNvSpPr>
+            <a:spLocks noGrp="1" noRot="1" noChangeAspect="1" noMove="1" noResize="1" noEditPoints="1" noAdjustHandles="1" noChangeArrowheads="1" noChangeShapeType="1" noTextEdit="1"/>
+          </p:cNvSpPr>
+          <p:nvPr>
+            <p:extLst>
+              <p:ext uri="{386F3935-93C4-4BCD-93E2-E3B085C9AB24}">
+                <p16:designElem xmlns:p16="http://schemas.microsoft.com/office/powerpoint/2015/main" val="1"/>
+              </p:ext>
+            </p:extLst>
+          </p:nvPr>
+        </p:nvSpPr>
+        <p:spPr>
+          <a:xfrm>
+            <a:off x="243840" y="256540"/>
+            <a:ext cx="11704320" cy="6365239"/>
+          </a:xfrm>
+          <a:prstGeom prst="rect">
+            <a:avLst/>
+          </a:prstGeom>
+          <a:solidFill>
+            <a:schemeClr val="bg1"/>
+          </a:solidFill>
+          <a:ln w="12700">
+            <a:noFill/>
+          </a:ln>
+        </p:spPr>
+        <p:style>
+          <a:lnRef idx="2">
+            <a:schemeClr val="accent1">
+              <a:shade val="50000"/>
+            </a:schemeClr>
+          </a:lnRef>
+          <a:fillRef idx="1">
+            <a:schemeClr val="accent1"/>
+          </a:fillRef>
+          <a:effectRef idx="0">
+            <a:schemeClr val="accent1"/>
+          </a:effectRef>
+          <a:fontRef idx="minor">
+            <a:schemeClr val="lt1"/>
+          </a:fontRef>
+        </p:style>
+      </p:sp>
+      <p:cxnSp>
+        <p:nvCxnSpPr>
+          <p:cNvPr id="19" name="Straight Connector 18">
+            <a:extLst>
+              <a:ext uri="{FF2B5EF4-FFF2-40B4-BE49-F238E27FC236}">
+                <a16:creationId xmlns:a16="http://schemas.microsoft.com/office/drawing/2014/main" id="{E46E6328-0D82-4747-8B39-60373321BB39}"/>
+              </a:ext>
+              <a:ext uri="{C183D7F6-B498-43B3-948B-1728B52AA6E4}">
+                <adec:decorative xmlns:adec="http://schemas.microsoft.com/office/drawing/2017/decorative" val="1"/>
+              </a:ext>
+            </a:extLst>
+          </p:cNvPr>
+          <p:cNvCxnSpPr>
+            <a:cxnSpLocks noGrp="1" noRot="1" noChangeAspect="1" noMove="1" noResize="1" noEditPoints="1" noAdjustHandles="1" noChangeArrowheads="1" noChangeShapeType="1"/>
+          </p:cNvCxnSpPr>
+          <p:nvPr>
+            <p:extLst>
+              <p:ext uri="{386F3935-93C4-4BCD-93E2-E3B085C9AB24}">
+                <p16:designElem xmlns:p16="http://schemas.microsoft.com/office/powerpoint/2015/main" val="1"/>
+              </p:ext>
+            </p:extLst>
+          </p:nvPr>
+        </p:nvCxnSpPr>
+        <p:spPr>
+          <a:xfrm>
+            <a:off x="1978660" y="5458968"/>
+            <a:ext cx="8229601" cy="0"/>
+          </a:xfrm>
+          <a:prstGeom prst="line">
+            <a:avLst/>
+          </a:prstGeom>
+          <a:ln>
+            <a:solidFill>
+              <a:schemeClr val="accent1"/>
+            </a:solidFill>
+          </a:ln>
+        </p:spPr>
+        <p:style>
+          <a:lnRef idx="1">
+            <a:schemeClr val="accent1"/>
+          </a:lnRef>
+          <a:fillRef idx="0">
+            <a:schemeClr val="accent1"/>
+          </a:fillRef>
+          <a:effectRef idx="0">
+            <a:schemeClr val="accent1"/>
+          </a:effectRef>
+          <a:fontRef idx="minor">
+            <a:schemeClr val="tx1"/>
+          </a:fontRef>
+        </p:style>
+      </p:cxnSp>
+      <p:sp>
+        <p:nvSpPr>
           <p:cNvPr id="2" name="Title 1">
             <a:extLst>
               <a:ext uri="{FF2B5EF4-FFF2-40B4-BE49-F238E27FC236}">
@@ -11539,17 +14260,25 @@
             <p:ph type="title"/>
           </p:nvPr>
         </p:nvSpPr>
-        <p:spPr/>
+        <p:spPr>
+          <a:xfrm>
+            <a:off x="1109980" y="4206240"/>
+            <a:ext cx="9966960" cy="1325880"/>
+          </a:xfrm>
+        </p:spPr>
         <p:txBody>
-          <a:bodyPr/>
+          <a:bodyPr vert="horz" lIns="91440" tIns="45720" rIns="91440" bIns="45720" rtlCol="0" anchor="b">
+            <a:normAutofit/>
+          </a:bodyPr>
           <a:lstStyle/>
           <a:p>
+            <a:pPr algn="ctr">
+              <a:lnSpc>
+                <a:spcPct val="85000"/>
+              </a:lnSpc>
+            </a:pPr>
             <a:r>
-              <a:rPr lang="en-US" b="1" dirty="0">
-                <a:solidFill>
-                  <a:schemeClr val="tx1"/>
-                </a:solidFill>
-              </a:rPr>
+              <a:rPr lang="en-US" sz="6600" b="1" cap="all"/>
               <a:t>Bot comparison</a:t>
             </a:r>
           </a:p>
@@ -11570,14 +14299,14 @@
           <p:nvPr>
             <p:extLst>
               <p:ext uri="{D42A27DB-BD31-4B8C-83A1-F6EECF244321}">
-                <p14:modId xmlns:p14="http://schemas.microsoft.com/office/powerpoint/2010/main" val="1188170708"/>
+                <p14:modId xmlns:p14="http://schemas.microsoft.com/office/powerpoint/2010/main" val="2931137269"/>
               </p:ext>
             </p:extLst>
           </p:nvPr>
         </p:nvGraphicFramePr>
         <p:xfrm>
-          <a:off x="1341355" y="2124261"/>
-          <a:ext cx="9509290" cy="2312883"/>
+          <a:off x="1284158" y="741172"/>
+          <a:ext cx="9623686" cy="3279648"/>
         </p:xfrm>
         <a:graphic>
           <a:graphicData uri="http://schemas.openxmlformats.org/drawingml/2006/table">
@@ -11586,21 +14315,21 @@
                 <a:tableStyleId>{5C22544A-7EE6-4342-B048-85BDC9FD1C3A}</a:tableStyleId>
               </a:tblPr>
               <a:tblGrid>
-                <a:gridCol w="3327945">
+                <a:gridCol w="4521294">
                   <a:extLst>
                     <a:ext uri="{9D8B030D-6E8A-4147-A177-3AD203B41FA5}">
                       <a16:colId xmlns:a16="http://schemas.microsoft.com/office/drawing/2014/main" val="4241638655"/>
                     </a:ext>
                   </a:extLst>
                 </a:gridCol>
-                <a:gridCol w="3277889">
+                <a:gridCol w="2660491">
                   <a:extLst>
                     <a:ext uri="{9D8B030D-6E8A-4147-A177-3AD203B41FA5}">
                       <a16:colId xmlns:a16="http://schemas.microsoft.com/office/drawing/2014/main" val="1402366547"/>
                     </a:ext>
                   </a:extLst>
                 </a:gridCol>
-                <a:gridCol w="2903456">
+                <a:gridCol w="2441901">
                   <a:extLst>
                     <a:ext uri="{9D8B030D-6E8A-4147-A177-3AD203B41FA5}">
                       <a16:colId xmlns:a16="http://schemas.microsoft.com/office/drawing/2014/main" val="2024930597"/>
@@ -11608,16 +14337,16 @@
                   </a:extLst>
                 </a:gridCol>
               </a:tblGrid>
-              <a:tr h="458683">
+              <a:tr h="546608">
                 <a:tc>
                   <a:txBody>
                     <a:bodyPr/>
                     <a:lstStyle/>
                     <a:p>
-                      <a:endParaRPr lang="en-US" dirty="0"/>
+                      <a:endParaRPr lang="en-US" sz="2400"/>
                     </a:p>
                   </a:txBody>
-                  <a:tcPr/>
+                  <a:tcPr marL="124229" marR="124229" marT="62114" marB="62114"/>
                 </a:tc>
                 <a:tc>
                   <a:txBody>
@@ -11625,12 +14354,12 @@
                     <a:lstStyle/>
                     <a:p>
                       <a:r>
-                        <a:rPr lang="en-US" dirty="0"/>
+                        <a:rPr lang="en-US" sz="2400"/>
                         <a:t>Q-bot</a:t>
                       </a:r>
                     </a:p>
                   </a:txBody>
-                  <a:tcPr/>
+                  <a:tcPr marL="124229" marR="124229" marT="62114" marB="62114"/>
                 </a:tc>
                 <a:tc>
                   <a:txBody>
@@ -11638,12 +14367,12 @@
                     <a:lstStyle/>
                     <a:p>
                       <a:r>
-                        <a:rPr lang="en-US" dirty="0"/>
+                        <a:rPr lang="en-US" sz="2400"/>
                         <a:t>G-bot</a:t>
                       </a:r>
                     </a:p>
                   </a:txBody>
-                  <a:tcPr/>
+                  <a:tcPr marL="124229" marR="124229" marT="62114" marB="62114"/>
                 </a:tc>
                 <a:extLst>
                   <a:ext uri="{0D108BD9-81ED-4DB2-BD59-A6C34878D82A}">
@@ -11651,19 +14380,19 @@
                   </a:ext>
                 </a:extLst>
               </a:tr>
-              <a:tr h="370840">
+              <a:tr h="546608">
                 <a:tc>
                   <a:txBody>
                     <a:bodyPr/>
                     <a:lstStyle/>
                     <a:p>
                       <a:r>
-                        <a:rPr lang="en-US" dirty="0"/>
+                        <a:rPr lang="en-US" sz="2400"/>
                         <a:t>Score</a:t>
                       </a:r>
                     </a:p>
                   </a:txBody>
-                  <a:tcPr/>
+                  <a:tcPr marL="124229" marR="124229" marT="62114" marB="62114"/>
                 </a:tc>
                 <a:tc>
                   <a:txBody>
@@ -11671,12 +14400,12 @@
                     <a:lstStyle/>
                     <a:p>
                       <a:r>
-                        <a:rPr lang="en-US" dirty="0"/>
+                        <a:rPr lang="en-US" sz="2400"/>
                         <a:t>Unknown</a:t>
                       </a:r>
                     </a:p>
                   </a:txBody>
-                  <a:tcPr/>
+                  <a:tcPr marL="124229" marR="124229" marT="62114" marB="62114"/>
                 </a:tc>
                 <a:tc>
                   <a:txBody>
@@ -11684,12 +14413,12 @@
                     <a:lstStyle/>
                     <a:p>
                       <a:r>
-                        <a:rPr lang="en-US" dirty="0"/>
+                        <a:rPr lang="en-US" sz="2400"/>
                         <a:t>4500</a:t>
                       </a:r>
                     </a:p>
                   </a:txBody>
-                  <a:tcPr/>
+                  <a:tcPr marL="124229" marR="124229" marT="62114" marB="62114"/>
                 </a:tc>
                 <a:extLst>
                   <a:ext uri="{0D108BD9-81ED-4DB2-BD59-A6C34878D82A}">
@@ -11697,19 +14426,19 @@
                   </a:ext>
                 </a:extLst>
               </a:tr>
-              <a:tr h="370840">
+              <a:tr h="546608">
                 <a:tc>
                   <a:txBody>
                     <a:bodyPr/>
                     <a:lstStyle/>
                     <a:p>
                       <a:r>
-                        <a:rPr lang="en-US" dirty="0"/>
+                        <a:rPr lang="en-US" sz="2400"/>
                         <a:t>Rows cleared</a:t>
                       </a:r>
                     </a:p>
                   </a:txBody>
-                  <a:tcPr/>
+                  <a:tcPr marL="124229" marR="124229" marT="62114" marB="62114"/>
                 </a:tc>
                 <a:tc>
                   <a:txBody>
@@ -11717,12 +14446,12 @@
                     <a:lstStyle/>
                     <a:p>
                       <a:r>
-                        <a:rPr lang="en-US" dirty="0"/>
+                        <a:rPr lang="en-US" sz="2400"/>
                         <a:t>Unknown</a:t>
                       </a:r>
                     </a:p>
                   </a:txBody>
-                  <a:tcPr/>
+                  <a:tcPr marL="124229" marR="124229" marT="62114" marB="62114"/>
                 </a:tc>
                 <a:tc>
                   <a:txBody>
@@ -11730,12 +14459,12 @@
                     <a:lstStyle/>
                     <a:p>
                       <a:r>
-                        <a:rPr lang="en-US" dirty="0"/>
+                        <a:rPr lang="en-US" sz="2400"/>
                         <a:t>15</a:t>
                       </a:r>
                     </a:p>
                   </a:txBody>
-                  <a:tcPr/>
+                  <a:tcPr marL="124229" marR="124229" marT="62114" marB="62114"/>
                 </a:tc>
                 <a:extLst>
                   <a:ext uri="{0D108BD9-81ED-4DB2-BD59-A6C34878D82A}">
@@ -11743,19 +14472,19 @@
                   </a:ext>
                 </a:extLst>
               </a:tr>
-              <a:tr h="370840">
+              <a:tr h="546608">
                 <a:tc>
                   <a:txBody>
                     <a:bodyPr/>
                     <a:lstStyle/>
                     <a:p>
                       <a:r>
-                        <a:rPr lang="en-US" dirty="0"/>
+                        <a:rPr lang="en-US" sz="2400"/>
                         <a:t>Time to train </a:t>
                       </a:r>
                     </a:p>
                   </a:txBody>
-                  <a:tcPr/>
+                  <a:tcPr marL="124229" marR="124229" marT="62114" marB="62114"/>
                 </a:tc>
                 <a:tc>
                   <a:txBody>
@@ -11763,12 +14492,12 @@
                     <a:lstStyle/>
                     <a:p>
                       <a:r>
-                        <a:rPr lang="en-US" dirty="0"/>
+                        <a:rPr lang="en-US" sz="2400"/>
                         <a:t>None</a:t>
                       </a:r>
                     </a:p>
                   </a:txBody>
-                  <a:tcPr/>
+                  <a:tcPr marL="124229" marR="124229" marT="62114" marB="62114"/>
                 </a:tc>
                 <a:tc>
                   <a:txBody>
@@ -11776,12 +14505,12 @@
                     <a:lstStyle/>
                     <a:p>
                       <a:r>
-                        <a:rPr lang="en-US" dirty="0"/>
+                        <a:rPr lang="en-US" sz="2400"/>
                         <a:t>High</a:t>
                       </a:r>
                     </a:p>
                   </a:txBody>
-                  <a:tcPr/>
+                  <a:tcPr marL="124229" marR="124229" marT="62114" marB="62114"/>
                 </a:tc>
                 <a:extLst>
                   <a:ext uri="{0D108BD9-81ED-4DB2-BD59-A6C34878D82A}">
@@ -11789,19 +14518,19 @@
                   </a:ext>
                 </a:extLst>
               </a:tr>
-              <a:tr h="370840">
+              <a:tr h="546608">
                 <a:tc>
                   <a:txBody>
                     <a:bodyPr/>
                     <a:lstStyle/>
                     <a:p>
                       <a:r>
-                        <a:rPr lang="en-US" dirty="0"/>
+                        <a:rPr lang="en-US" sz="2400"/>
                         <a:t>Required processing power</a:t>
                       </a:r>
                     </a:p>
                   </a:txBody>
-                  <a:tcPr/>
+                  <a:tcPr marL="124229" marR="124229" marT="62114" marB="62114"/>
                 </a:tc>
                 <a:tc>
                   <a:txBody>
@@ -11809,12 +14538,12 @@
                     <a:lstStyle/>
                     <a:p>
                       <a:r>
-                        <a:rPr lang="en-US" dirty="0"/>
+                        <a:rPr lang="en-US" sz="2400"/>
                         <a:t>High</a:t>
                       </a:r>
                     </a:p>
                   </a:txBody>
-                  <a:tcPr/>
+                  <a:tcPr marL="124229" marR="124229" marT="62114" marB="62114"/>
                 </a:tc>
                 <a:tc>
                   <a:txBody>
@@ -11822,12 +14551,12 @@
                     <a:lstStyle/>
                     <a:p>
                       <a:r>
-                        <a:rPr lang="en-US" dirty="0"/>
+                        <a:rPr lang="en-US" sz="2400"/>
                         <a:t>Very low</a:t>
                       </a:r>
                     </a:p>
                   </a:txBody>
-                  <a:tcPr/>
+                  <a:tcPr marL="124229" marR="124229" marT="62114" marB="62114"/>
                 </a:tc>
                 <a:extLst>
                   <a:ext uri="{0D108BD9-81ED-4DB2-BD59-A6C34878D82A}">
@@ -11835,19 +14564,19 @@
                   </a:ext>
                 </a:extLst>
               </a:tr>
-              <a:tr h="370840">
+              <a:tr h="546608">
                 <a:tc>
                   <a:txBody>
                     <a:bodyPr/>
                     <a:lstStyle/>
                     <a:p>
                       <a:r>
-                        <a:rPr lang="en-US" dirty="0"/>
+                        <a:rPr lang="en-US" sz="2400"/>
                         <a:t>‘Cleverness’</a:t>
                       </a:r>
                     </a:p>
                   </a:txBody>
-                  <a:tcPr/>
+                  <a:tcPr marL="124229" marR="124229" marT="62114" marB="62114"/>
                 </a:tc>
                 <a:tc>
                   <a:txBody>
@@ -11855,12 +14584,12 @@
                     <a:lstStyle/>
                     <a:p>
                       <a:r>
-                        <a:rPr lang="en-US" dirty="0"/>
+                        <a:rPr lang="en-US" sz="2400" dirty="0"/>
                         <a:t>Medium</a:t>
                       </a:r>
                     </a:p>
                   </a:txBody>
-                  <a:tcPr/>
+                  <a:tcPr marL="124229" marR="124229" marT="62114" marB="62114"/>
                 </a:tc>
                 <a:tc>
                   <a:txBody>
@@ -11868,12 +14597,12 @@
                     <a:lstStyle/>
                     <a:p>
                       <a:r>
-                        <a:rPr lang="en-US" dirty="0"/>
+                        <a:rPr lang="en-US" sz="2400" dirty="0"/>
                         <a:t>High</a:t>
                       </a:r>
                     </a:p>
                   </a:txBody>
-                  <a:tcPr/>
+                  <a:tcPr marL="124229" marR="124229" marT="62114" marB="62114"/>
                 </a:tc>
                 <a:extLst>
                   <a:ext uri="{0D108BD9-81ED-4DB2-BD59-A6C34878D82A}">
@@ -11901,6 +14630,14 @@
 <file path=ppt/slides/slide14.xml><?xml version="1.0" encoding="utf-8"?>
 <p:sld xmlns:a="http://schemas.openxmlformats.org/drawingml/2006/main" xmlns:r="http://schemas.openxmlformats.org/officeDocument/2006/relationships" xmlns:p="http://schemas.openxmlformats.org/presentationml/2006/main">
   <p:cSld>
+    <p:bg>
+      <p:bgPr>
+        <a:solidFill>
+          <a:schemeClr val="accent1"/>
+        </a:solidFill>
+        <a:effectLst/>
+      </p:bgPr>
+    </p:bg>
     <p:spTree>
       <p:nvGrpSpPr>
         <p:cNvPr id="1" name=""/>
@@ -11917,6 +14654,100 @@
       </p:grpSpPr>
       <p:sp>
         <p:nvSpPr>
+          <p:cNvPr id="11" name="Rectangle 10">
+            <a:extLst>
+              <a:ext uri="{FF2B5EF4-FFF2-40B4-BE49-F238E27FC236}">
+                <a16:creationId xmlns:a16="http://schemas.microsoft.com/office/drawing/2014/main" id="{2EF7C252-67AA-4C4E-B73A-6C367865C153}"/>
+              </a:ext>
+              <a:ext uri="{C183D7F6-B498-43B3-948B-1728B52AA6E4}">
+                <adec:decorative xmlns:adec="http://schemas.microsoft.com/office/drawing/2017/decorative" val="1"/>
+              </a:ext>
+            </a:extLst>
+          </p:cNvPr>
+          <p:cNvSpPr>
+            <a:spLocks noGrp="1" noRot="1" noChangeAspect="1" noMove="1" noResize="1" noEditPoints="1" noAdjustHandles="1" noChangeArrowheads="1" noChangeShapeType="1" noTextEdit="1"/>
+          </p:cNvSpPr>
+          <p:nvPr>
+            <p:extLst>
+              <p:ext uri="{386F3935-93C4-4BCD-93E2-E3B085C9AB24}">
+                <p16:designElem xmlns:p16="http://schemas.microsoft.com/office/powerpoint/2015/main" val="1"/>
+              </p:ext>
+            </p:extLst>
+          </p:nvPr>
+        </p:nvSpPr>
+        <p:spPr>
+          <a:xfrm>
+            <a:off x="231140" y="243840"/>
+            <a:ext cx="11724640" cy="6377939"/>
+          </a:xfrm>
+          <a:prstGeom prst="rect">
+            <a:avLst/>
+          </a:prstGeom>
+          <a:solidFill>
+            <a:schemeClr val="tx1"/>
+          </a:solidFill>
+          <a:ln w="12700">
+            <a:noFill/>
+          </a:ln>
+        </p:spPr>
+        <p:style>
+          <a:lnRef idx="2">
+            <a:schemeClr val="accent1">
+              <a:shade val="50000"/>
+            </a:schemeClr>
+          </a:lnRef>
+          <a:fillRef idx="1">
+            <a:schemeClr val="accent1"/>
+          </a:fillRef>
+          <a:effectRef idx="0">
+            <a:schemeClr val="accent1"/>
+          </a:effectRef>
+          <a:fontRef idx="minor">
+            <a:schemeClr val="lt1"/>
+          </a:fontRef>
+        </p:style>
+      </p:sp>
+      <p:pic>
+        <p:nvPicPr>
+          <p:cNvPr id="5" name="Picture 4" descr="A picture containing indoor, sitting, floor, table&#10;&#10;Description automatically generated">
+            <a:extLst>
+              <a:ext uri="{FF2B5EF4-FFF2-40B4-BE49-F238E27FC236}">
+                <a16:creationId xmlns:a16="http://schemas.microsoft.com/office/drawing/2014/main" id="{8CC458FB-247D-4B43-BCE0-6205ECD37392}"/>
+              </a:ext>
+            </a:extLst>
+          </p:cNvPr>
+          <p:cNvPicPr>
+            <a:picLocks noChangeAspect="1"/>
+          </p:cNvPicPr>
+          <p:nvPr/>
+        </p:nvPicPr>
+        <p:blipFill rotWithShape="1">
+          <a:blip r:embed="rId3">
+            <a:alphaModFix amt="25000"/>
+            <a:extLst>
+              <a:ext uri="{28A0092B-C50C-407E-A947-70E740481C1C}">
+                <a14:useLocalDpi xmlns:a14="http://schemas.microsoft.com/office/drawing/2010/main" val="0"/>
+              </a:ext>
+              <a:ext uri="{837473B0-CC2E-450A-ABE3-18F120FF3D39}">
+                <a1611:picAttrSrcUrl xmlns:a1611="http://schemas.microsoft.com/office/drawing/2016/11/main" r:id="rId4"/>
+              </a:ext>
+            </a:extLst>
+          </a:blip>
+          <a:srcRect t="15598" r="1" b="2903"/>
+          <a:stretch/>
+        </p:blipFill>
+        <p:spPr>
+          <a:xfrm>
+            <a:off x="231140" y="246888"/>
+            <a:ext cx="11732261" cy="6382512"/>
+          </a:xfrm>
+          <a:prstGeom prst="rect">
+            <a:avLst/>
+          </a:prstGeom>
+        </p:spPr>
+      </p:pic>
+      <p:sp>
+        <p:nvSpPr>
           <p:cNvPr id="2" name="Title 1">
             <a:extLst>
               <a:ext uri="{FF2B5EF4-FFF2-40B4-BE49-F238E27FC236}">
@@ -11931,15 +14762,22 @@
             <p:ph type="title"/>
           </p:nvPr>
         </p:nvSpPr>
-        <p:spPr/>
+        <p:spPr>
+          <a:xfrm>
+            <a:off x="1143000" y="609600"/>
+            <a:ext cx="9875520" cy="1356360"/>
+          </a:xfrm>
+        </p:spPr>
         <p:txBody>
-          <a:bodyPr/>
+          <a:bodyPr>
+            <a:normAutofit/>
+          </a:bodyPr>
           <a:lstStyle/>
           <a:p>
             <a:r>
-              <a:rPr lang="en-US" dirty="0">
+              <a:rPr lang="en-US">
                 <a:solidFill>
-                  <a:schemeClr val="tx1"/>
+                  <a:schemeClr val="bg1"/>
                 </a:solidFill>
               </a:rPr>
               <a:t>What we learned</a:t>
@@ -11963,15 +14801,22 @@
             <p:ph idx="1"/>
           </p:nvPr>
         </p:nvSpPr>
-        <p:spPr/>
+        <p:spPr>
+          <a:xfrm>
+            <a:off x="1143000" y="2057400"/>
+            <a:ext cx="9872871" cy="4038600"/>
+          </a:xfrm>
+        </p:spPr>
         <p:txBody>
-          <a:bodyPr/>
+          <a:bodyPr>
+            <a:normAutofit/>
+          </a:bodyPr>
           <a:lstStyle/>
           <a:p>
             <a:r>
-              <a:rPr lang="en-US" dirty="0">
+              <a:rPr lang="en-US">
                 <a:solidFill>
-                  <a:schemeClr val="tx1"/>
+                  <a:schemeClr val="bg1"/>
                 </a:solidFill>
               </a:rPr>
               <a:t>Communication</a:t>
@@ -11979,13 +14824,94 @@
           </a:p>
           <a:p>
             <a:r>
-              <a:rPr lang="en-US" dirty="0">
+              <a:rPr lang="en-US">
                 <a:solidFill>
-                  <a:schemeClr val="tx1"/>
+                  <a:schemeClr val="bg1"/>
                 </a:solidFill>
               </a:rPr>
               <a:t>Division of work</a:t>
             </a:r>
+          </a:p>
+        </p:txBody>
+      </p:sp>
+      <p:sp>
+        <p:nvSpPr>
+          <p:cNvPr id="6" name="TextBox 5">
+            <a:extLst>
+              <a:ext uri="{FF2B5EF4-FFF2-40B4-BE49-F238E27FC236}">
+                <a16:creationId xmlns:a16="http://schemas.microsoft.com/office/drawing/2014/main" id="{D64B94ED-AB26-49CE-AA41-C4193089B8E5}"/>
+              </a:ext>
+            </a:extLst>
+          </p:cNvPr>
+          <p:cNvSpPr txBox="1"/>
+          <p:nvPr/>
+        </p:nvSpPr>
+        <p:spPr>
+          <a:xfrm>
+            <a:off x="9733303" y="6429345"/>
+            <a:ext cx="2230098" cy="200055"/>
+          </a:xfrm>
+          <a:prstGeom prst="rect">
+            <a:avLst/>
+          </a:prstGeom>
+          <a:solidFill>
+            <a:srgbClr val="000000"/>
+          </a:solidFill>
+        </p:spPr>
+        <p:txBody>
+          <a:bodyPr wrap="none" rtlCol="0">
+            <a:spAutoFit/>
+          </a:bodyPr>
+          <a:lstStyle/>
+          <a:p>
+            <a:pPr algn="r">
+              <a:spcAft>
+                <a:spcPts val="600"/>
+              </a:spcAft>
+            </a:pPr>
+            <a:r>
+              <a:rPr lang="en-US" sz="700">
+                <a:solidFill>
+                  <a:srgbClr val="FFFFFF"/>
+                </a:solidFill>
+                <a:hlinkClick r:id="rId4" tooltip="http://www.salvarojeducacion.com/2017/03/aprender-durante-toda-la-vida-no-es-una.html">
+                  <a:extLst>
+                    <a:ext uri="{A12FA001-AC4F-418D-AE19-62706E023703}">
+                      <ahyp:hlinkClr xmlns:ahyp="http://schemas.microsoft.com/office/drawing/2018/hyperlinkcolor" val="tx"/>
+                    </a:ext>
+                  </a:extLst>
+                </a:hlinkClick>
+              </a:rPr>
+              <a:t>This Photo</a:t>
+            </a:r>
+            <a:r>
+              <a:rPr lang="en-US" sz="700">
+                <a:solidFill>
+                  <a:srgbClr val="FFFFFF"/>
+                </a:solidFill>
+              </a:rPr>
+              <a:t> by Unknown Author is licensed under </a:t>
+            </a:r>
+            <a:r>
+              <a:rPr lang="en-US" sz="700">
+                <a:solidFill>
+                  <a:srgbClr val="FFFFFF"/>
+                </a:solidFill>
+                <a:hlinkClick r:id="rId5" tooltip="https://creativecommons.org/licenses/by/3.0/">
+                  <a:extLst>
+                    <a:ext uri="{A12FA001-AC4F-418D-AE19-62706E023703}">
+                      <ahyp:hlinkClr xmlns:ahyp="http://schemas.microsoft.com/office/drawing/2018/hyperlinkcolor" val="tx"/>
+                    </a:ext>
+                  </a:extLst>
+                </a:hlinkClick>
+              </a:rPr>
+              <a:t>CC BY</a:t>
+            </a:r>
+            <a:endParaRPr lang="en-US" sz="700">
+              <a:solidFill>
+                <a:srgbClr val="FFFFFF"/>
+              </a:solidFill>
+            </a:endParaRPr>
           </a:p>
         </p:txBody>
       </p:sp>
@@ -12392,13 +15318,18 @@
           <a:lstStyle/>
           <a:p>
             <a:r>
-              <a:rPr lang="en-US" dirty="0">
+              <a:rPr lang="en-US">
                 <a:solidFill>
                   <a:schemeClr val="tx1"/>
                 </a:solidFill>
               </a:rPr>
               <a:t>Game</a:t>
             </a:r>
+            <a:endParaRPr lang="en-US" dirty="0">
+              <a:solidFill>
+                <a:schemeClr val="tx1"/>
+              </a:solidFill>
+            </a:endParaRPr>
           </a:p>
         </p:txBody>
       </p:sp>
@@ -12446,16 +15377,6 @@
                   <a:schemeClr val="tx1"/>
                 </a:solidFill>
               </a:rPr>
-              <a:t>Limitations</a:t>
-            </a:r>
-          </a:p>
-          <a:p>
-            <a:r>
-              <a:rPr lang="en-US" dirty="0">
-                <a:solidFill>
-                  <a:schemeClr val="tx1"/>
-                </a:solidFill>
-              </a:rPr>
               <a:t>Scoring</a:t>
             </a:r>
           </a:p>
@@ -12476,13 +15397,13 @@
           <p:nvPr/>
         </p:nvPicPr>
         <p:blipFill rotWithShape="1">
-          <a:blip r:embed="rId2">
+          <a:blip r:embed="rId3">
             <a:extLst>
               <a:ext uri="{28A0092B-C50C-407E-A947-70E740481C1C}">
                 <a14:useLocalDpi xmlns:a14="http://schemas.microsoft.com/office/drawing/2010/main" val="0"/>
               </a:ext>
               <a:ext uri="{837473B0-CC2E-450A-ABE3-18F120FF3D39}">
-                <a1611:picAttrSrcUrl xmlns:a1611="http://schemas.microsoft.com/office/drawing/2016/11/main" r:id="rId3"/>
+                <a1611:picAttrSrcUrl xmlns:a1611="http://schemas.microsoft.com/office/drawing/2016/11/main" r:id="rId4"/>
               </a:ext>
             </a:extLst>
           </a:blip>
@@ -12536,7 +15457,7 @@
             </a:pPr>
             <a:r>
               <a:rPr lang="en-US" sz="700">
-                <a:hlinkClick r:id="rId3" tooltip="https://gadgetsin.com/tetris-desk-light.htm">
+                <a:hlinkClick r:id="rId4" tooltip="https://gadgetsin.com/tetris-desk-light.htm">
                   <a:extLst>
                     <a:ext uri="{A12FA001-AC4F-418D-AE19-62706E023703}">
                       <ahyp:hlinkClr xmlns:ahyp="http://schemas.microsoft.com/office/drawing/2018/hyperlinkcolor" val="tx"/>
@@ -12552,7 +15473,7 @@
             </a:r>
             <a:r>
               <a:rPr lang="en-US" sz="700">
-                <a:hlinkClick r:id="rId4" tooltip="https://creativecommons.org/licenses/by-nc-sa/3.0/">
+                <a:hlinkClick r:id="rId5" tooltip="https://creativecommons.org/licenses/by-nc-sa/3.0/">
                   <a:extLst>
                     <a:ext uri="{A12FA001-AC4F-418D-AE19-62706E023703}">
                       <ahyp:hlinkClr xmlns:ahyp="http://schemas.microsoft.com/office/drawing/2018/hyperlinkcolor" val="tx"/>
@@ -12633,11 +15554,7 @@
           <a:lstStyle/>
           <a:p>
             <a:r>
-              <a:rPr lang="en-US" dirty="0">
-                <a:solidFill>
-                  <a:schemeClr val="tx1"/>
-                </a:solidFill>
-              </a:rPr>
+              <a:rPr lang="en-US"/>
               <a:t>Optimal order</a:t>
             </a:r>
           </a:p>
@@ -12672,43 +15589,27 @@
           <a:lstStyle/>
           <a:p>
             <a:r>
-              <a:rPr lang="en-US" dirty="0">
-                <a:solidFill>
-                  <a:schemeClr val="tx1"/>
-                </a:solidFill>
-              </a:rPr>
+              <a:rPr lang="en-US"/>
               <a:t>Approach</a:t>
             </a:r>
           </a:p>
           <a:p>
             <a:pPr lvl="1"/>
             <a:r>
-              <a:rPr lang="en-US" dirty="0">
-                <a:solidFill>
-                  <a:schemeClr val="tx1"/>
-                </a:solidFill>
-              </a:rPr>
+              <a:rPr lang="en-US"/>
               <a:t>Algorithm X as a start</a:t>
             </a:r>
           </a:p>
           <a:p>
             <a:pPr lvl="1"/>
             <a:r>
-              <a:rPr lang="en-US" dirty="0">
-                <a:solidFill>
-                  <a:schemeClr val="tx1"/>
-                </a:solidFill>
-              </a:rPr>
+              <a:rPr lang="en-US"/>
               <a:t>Play the game with the given orders</a:t>
             </a:r>
           </a:p>
           <a:p>
             <a:r>
-              <a:rPr lang="en-US" dirty="0">
-                <a:solidFill>
-                  <a:schemeClr val="tx1"/>
-                </a:solidFill>
-              </a:rPr>
+              <a:rPr lang="en-US"/>
               <a:t>Results</a:t>
             </a:r>
           </a:p>
@@ -12729,13 +15630,13 @@
           <p:nvPr/>
         </p:nvPicPr>
         <p:blipFill rotWithShape="1">
-          <a:blip r:embed="rId2">
+          <a:blip r:embed="rId3">
             <a:extLst>
               <a:ext uri="{28A0092B-C50C-407E-A947-70E740481C1C}">
                 <a14:useLocalDpi xmlns:a14="http://schemas.microsoft.com/office/drawing/2010/main" val="0"/>
               </a:ext>
               <a:ext uri="{837473B0-CC2E-450A-ABE3-18F120FF3D39}">
-                <a1611:picAttrSrcUrl xmlns:a1611="http://schemas.microsoft.com/office/drawing/2016/11/main" r:id="rId3"/>
+                <a1611:picAttrSrcUrl xmlns:a1611="http://schemas.microsoft.com/office/drawing/2016/11/main" r:id="rId4"/>
               </a:ext>
             </a:extLst>
           </a:blip>
@@ -12899,13 +15800,13 @@
           <p:nvPr/>
         </p:nvPicPr>
         <p:blipFill>
-          <a:blip r:embed="rId2">
+          <a:blip r:embed="rId3">
             <a:extLst>
               <a:ext uri="{28A0092B-C50C-407E-A947-70E740481C1C}">
                 <a14:useLocalDpi xmlns:a14="http://schemas.microsoft.com/office/drawing/2010/main" val="0"/>
               </a:ext>
               <a:ext uri="{837473B0-CC2E-450A-ABE3-18F120FF3D39}">
-                <a1611:picAttrSrcUrl xmlns:a1611="http://schemas.microsoft.com/office/drawing/2016/11/main" r:id="rId3"/>
+                <a1611:picAttrSrcUrl xmlns:a1611="http://schemas.microsoft.com/office/drawing/2016/11/main" r:id="rId4"/>
               </a:ext>
             </a:extLst>
           </a:blip>
@@ -13019,7 +15920,7 @@
                 <a:solidFill>
                   <a:srgbClr val="FFFFFF"/>
                 </a:solidFill>
-                <a:hlinkClick r:id="rId3" tooltip="http://commons.wikimedia.org/wiki/File:Logo_wikibot.svg">
+                <a:hlinkClick r:id="rId4" tooltip="http://commons.wikimedia.org/wiki/File:Logo_wikibot.svg">
                   <a:extLst>
                     <a:ext uri="{A12FA001-AC4F-418D-AE19-62706E023703}">
                       <ahyp:hlinkClr xmlns:ahyp="http://schemas.microsoft.com/office/drawing/2018/hyperlinkcolor" val="tx"/>
@@ -13042,7 +15943,7 @@
                 <a:solidFill>
                   <a:srgbClr val="FFFFFF"/>
                 </a:solidFill>
-                <a:hlinkClick r:id="rId4" tooltip="https://creativecommons.org/licenses/by-sa/3.0/">
+                <a:hlinkClick r:id="rId5" tooltip="https://creativecommons.org/licenses/by-sa/3.0/">
                   <a:extLst>
                     <a:ext uri="{A12FA001-AC4F-418D-AE19-62706E023703}">
                       <ahyp:hlinkClr xmlns:ahyp="http://schemas.microsoft.com/office/drawing/2018/hyperlinkcolor" val="tx"/>
@@ -13507,13 +16408,13 @@
           <p:nvPr/>
         </p:nvPicPr>
         <p:blipFill>
-          <a:blip r:embed="rId2">
+          <a:blip r:embed="rId3">
             <a:extLst>
               <a:ext uri="{28A0092B-C50C-407E-A947-70E740481C1C}">
                 <a14:useLocalDpi xmlns:a14="http://schemas.microsoft.com/office/drawing/2010/main" val="0"/>
               </a:ext>
               <a:ext uri="{837473B0-CC2E-450A-ABE3-18F120FF3D39}">
-                <a1611:picAttrSrcUrl xmlns:a1611="http://schemas.microsoft.com/office/drawing/2016/11/main" r:id="rId3"/>
+                <a1611:picAttrSrcUrl xmlns:a1611="http://schemas.microsoft.com/office/drawing/2016/11/main" r:id="rId4"/>
               </a:ext>
             </a:extLst>
           </a:blip>
@@ -13571,7 +16472,7 @@
                 <a:solidFill>
                   <a:srgbClr val="FFFFFF"/>
                 </a:solidFill>
-                <a:hlinkClick r:id="rId3" tooltip="https://stackoverflow.com/questions/34200673/utilities-of-states-in-reinforcement-learning">
+                <a:hlinkClick r:id="rId4" tooltip="https://stackoverflow.com/questions/34200673/utilities-of-states-in-reinforcement-learning">
                   <a:extLst>
                     <a:ext uri="{A12FA001-AC4F-418D-AE19-62706E023703}">
                       <ahyp:hlinkClr xmlns:ahyp="http://schemas.microsoft.com/office/drawing/2018/hyperlinkcolor" val="tx"/>
@@ -13594,7 +16495,7 @@
                 <a:solidFill>
                   <a:srgbClr val="FFFFFF"/>
                 </a:solidFill>
-                <a:hlinkClick r:id="rId4" tooltip="https://creativecommons.org/licenses/by-sa/3.0/">
+                <a:hlinkClick r:id="rId5" tooltip="https://creativecommons.org/licenses/by-sa/3.0/">
                   <a:extLst>
                     <a:ext uri="{A12FA001-AC4F-418D-AE19-62706E023703}">
                       <ahyp:hlinkClr xmlns:ahyp="http://schemas.microsoft.com/office/drawing/2018/hyperlinkcolor" val="tx"/>
@@ -14038,16 +16939,16 @@
           </p:nvPr>
         </p:nvPicPr>
         <p:blipFill>
-          <a:blip r:embed="rId2">
+          <a:blip r:embed="rId3">
             <a:extLst>
               <a:ext uri="{28A0092B-C50C-407E-A947-70E740481C1C}">
                 <a14:useLocalDpi xmlns:a14="http://schemas.microsoft.com/office/drawing/2010/main" val="0"/>
               </a:ext>
               <a:ext uri="{96DAC541-7B7A-43D3-8B79-37D633B846F1}">
-                <asvg:svgBlip xmlns:asvg="http://schemas.microsoft.com/office/drawing/2016/SVG/main" r:embed="rId3"/>
+                <asvg:svgBlip xmlns:asvg="http://schemas.microsoft.com/office/drawing/2016/SVG/main" r:embed="rId4"/>
               </a:ext>
               <a:ext uri="{837473B0-CC2E-450A-ABE3-18F120FF3D39}">
-                <a1611:picAttrSrcUrl xmlns:a1611="http://schemas.microsoft.com/office/drawing/2016/11/main" r:id="rId4"/>
+                <a1611:picAttrSrcUrl xmlns:a1611="http://schemas.microsoft.com/office/drawing/2016/11/main" r:id="rId5"/>
               </a:ext>
             </a:extLst>
           </a:blip>
@@ -14105,7 +17006,7 @@
                 <a:solidFill>
                   <a:srgbClr val="FFFFFF"/>
                 </a:solidFill>
-                <a:hlinkClick r:id="rId4" tooltip="https://leblancfg.com/higher-level-functions-python-reduce.html">
+                <a:hlinkClick r:id="rId5" tooltip="https://leblancfg.com/higher-level-functions-python-reduce.html">
                   <a:extLst>
                     <a:ext uri="{A12FA001-AC4F-418D-AE19-62706E023703}">
                       <ahyp:hlinkClr xmlns:ahyp="http://schemas.microsoft.com/office/drawing/2018/hyperlinkcolor" val="tx"/>
@@ -14128,7 +17029,7 @@
                 <a:solidFill>
                   <a:srgbClr val="FFFFFF"/>
                 </a:solidFill>
-                <a:hlinkClick r:id="rId5" tooltip="https://creativecommons.org/licenses/by-sa/3.0/">
+                <a:hlinkClick r:id="rId6" tooltip="https://creativecommons.org/licenses/by-sa/3.0/">
                   <a:extLst>
                     <a:ext uri="{A12FA001-AC4F-418D-AE19-62706E023703}">
                       <ahyp:hlinkClr xmlns:ahyp="http://schemas.microsoft.com/office/drawing/2018/hyperlinkcolor" val="tx"/>
@@ -15905,6 +18806,14 @@
 <file path=ppt/slides/slide8.xml><?xml version="1.0" encoding="utf-8"?>
 <p:sld xmlns:a="http://schemas.openxmlformats.org/drawingml/2006/main" xmlns:r="http://schemas.openxmlformats.org/officeDocument/2006/relationships" xmlns:p="http://schemas.openxmlformats.org/presentationml/2006/main">
   <p:cSld>
+    <p:bg>
+      <p:bgPr>
+        <a:solidFill>
+          <a:schemeClr val="accent1"/>
+        </a:solidFill>
+        <a:effectLst/>
+      </p:bgPr>
+    </p:bg>
     <p:spTree>
       <p:nvGrpSpPr>
         <p:cNvPr id="1" name=""/>
@@ -15921,6 +18830,398 @@
       </p:grpSpPr>
       <p:sp>
         <p:nvSpPr>
+          <p:cNvPr id="63" name="Rectangle 49">
+            <a:extLst>
+              <a:ext uri="{FF2B5EF4-FFF2-40B4-BE49-F238E27FC236}">
+                <a16:creationId xmlns:a16="http://schemas.microsoft.com/office/drawing/2014/main" id="{79CBD3C9-4E66-426D-948E-7CF4778107E8}"/>
+              </a:ext>
+              <a:ext uri="{C183D7F6-B498-43B3-948B-1728B52AA6E4}">
+                <adec:decorative xmlns:adec="http://schemas.microsoft.com/office/drawing/2017/decorative" val="1"/>
+              </a:ext>
+            </a:extLst>
+          </p:cNvPr>
+          <p:cNvSpPr>
+            <a:spLocks noGrp="1" noRot="1" noChangeAspect="1" noMove="1" noResize="1" noEditPoints="1" noAdjustHandles="1" noChangeArrowheads="1" noChangeShapeType="1" noTextEdit="1"/>
+          </p:cNvSpPr>
+          <p:nvPr>
+            <p:extLst>
+              <p:ext uri="{386F3935-93C4-4BCD-93E2-E3B085C9AB24}">
+                <p16:designElem xmlns:p16="http://schemas.microsoft.com/office/powerpoint/2015/main" val="1"/>
+              </p:ext>
+            </p:extLst>
+          </p:nvPr>
+        </p:nvSpPr>
+        <p:spPr>
+          <a:xfrm>
+            <a:off x="231140" y="243840"/>
+            <a:ext cx="11724640" cy="6377939"/>
+          </a:xfrm>
+          <a:prstGeom prst="rect">
+            <a:avLst/>
+          </a:prstGeom>
+          <a:solidFill>
+            <a:schemeClr val="bg1"/>
+          </a:solidFill>
+          <a:ln w="12700">
+            <a:noFill/>
+          </a:ln>
+        </p:spPr>
+        <p:style>
+          <a:lnRef idx="2">
+            <a:schemeClr val="accent1">
+              <a:shade val="50000"/>
+            </a:schemeClr>
+          </a:lnRef>
+          <a:fillRef idx="1">
+            <a:schemeClr val="accent1"/>
+          </a:fillRef>
+          <a:effectRef idx="0">
+            <a:schemeClr val="accent1"/>
+          </a:effectRef>
+          <a:fontRef idx="minor">
+            <a:schemeClr val="lt1"/>
+          </a:fontRef>
+        </p:style>
+      </p:sp>
+      <p:sp>
+        <p:nvSpPr>
+          <p:cNvPr id="64" name="Rectangle 51">
+            <a:extLst>
+              <a:ext uri="{FF2B5EF4-FFF2-40B4-BE49-F238E27FC236}">
+                <a16:creationId xmlns:a16="http://schemas.microsoft.com/office/drawing/2014/main" id="{DDB95FCF-AD96-482F-9FB8-CD95725E6EFF}"/>
+              </a:ext>
+              <a:ext uri="{C183D7F6-B498-43B3-948B-1728B52AA6E4}">
+                <adec:decorative xmlns:adec="http://schemas.microsoft.com/office/drawing/2017/decorative" val="1"/>
+              </a:ext>
+            </a:extLst>
+          </p:cNvPr>
+          <p:cNvSpPr>
+            <a:spLocks noGrp="1" noRot="1" noChangeAspect="1" noMove="1" noResize="1" noEditPoints="1" noAdjustHandles="1" noChangeArrowheads="1" noChangeShapeType="1" noTextEdit="1"/>
+          </p:cNvSpPr>
+          <p:nvPr>
+            <p:extLst>
+              <p:ext uri="{386F3935-93C4-4BCD-93E2-E3B085C9AB24}">
+                <p16:designElem xmlns:p16="http://schemas.microsoft.com/office/powerpoint/2015/main" val="1"/>
+              </p:ext>
+            </p:extLst>
+          </p:nvPr>
+        </p:nvSpPr>
+        <p:spPr>
+          <a:xfrm>
+            <a:off x="231140" y="243840"/>
+            <a:ext cx="11724640" cy="6377939"/>
+          </a:xfrm>
+          <a:prstGeom prst="rect">
+            <a:avLst/>
+          </a:prstGeom>
+          <a:solidFill>
+            <a:schemeClr val="accent1"/>
+          </a:solidFill>
+          <a:ln w="12700">
+            <a:solidFill>
+              <a:srgbClr val="FFFFFF"/>
+            </a:solidFill>
+          </a:ln>
+        </p:spPr>
+        <p:style>
+          <a:lnRef idx="2">
+            <a:schemeClr val="accent1">
+              <a:shade val="50000"/>
+            </a:schemeClr>
+          </a:lnRef>
+          <a:fillRef idx="1">
+            <a:schemeClr val="accent1"/>
+          </a:fillRef>
+          <a:effectRef idx="0">
+            <a:schemeClr val="accent1"/>
+          </a:effectRef>
+          <a:fontRef idx="minor">
+            <a:schemeClr val="lt1"/>
+          </a:fontRef>
+        </p:style>
+      </p:sp>
+      <p:cxnSp>
+        <p:nvCxnSpPr>
+          <p:cNvPr id="65" name="Straight Connector 53">
+            <a:extLst>
+              <a:ext uri="{FF2B5EF4-FFF2-40B4-BE49-F238E27FC236}">
+                <a16:creationId xmlns:a16="http://schemas.microsoft.com/office/drawing/2014/main" id="{64EEEC00-AD80-4734-BEE6-04CBDEC830C9}"/>
+              </a:ext>
+              <a:ext uri="{C183D7F6-B498-43B3-948B-1728B52AA6E4}">
+                <adec:decorative xmlns:adec="http://schemas.microsoft.com/office/drawing/2017/decorative" val="1"/>
+              </a:ext>
+            </a:extLst>
+          </p:cNvPr>
+          <p:cNvCxnSpPr>
+            <a:cxnSpLocks noGrp="1" noRot="1" noChangeAspect="1" noMove="1" noResize="1" noEditPoints="1" noAdjustHandles="1" noChangeArrowheads="1" noChangeShapeType="1"/>
+          </p:cNvCxnSpPr>
+          <p:nvPr>
+            <p:extLst>
+              <p:ext uri="{386F3935-93C4-4BCD-93E2-E3B085C9AB24}">
+                <p16:designElem xmlns:p16="http://schemas.microsoft.com/office/powerpoint/2015/main" val="1"/>
+              </p:ext>
+            </p:extLst>
+          </p:nvPr>
+        </p:nvCxnSpPr>
+        <p:spPr>
+          <a:xfrm>
+            <a:off x="1978660" y="3733800"/>
+            <a:ext cx="8229601" cy="0"/>
+          </a:xfrm>
+          <a:prstGeom prst="line">
+            <a:avLst/>
+          </a:prstGeom>
+          <a:ln>
+            <a:solidFill>
+              <a:srgbClr val="FFFFFF"/>
+            </a:solidFill>
+          </a:ln>
+        </p:spPr>
+        <p:style>
+          <a:lnRef idx="1">
+            <a:schemeClr val="accent1"/>
+          </a:lnRef>
+          <a:fillRef idx="0">
+            <a:schemeClr val="accent1"/>
+          </a:fillRef>
+          <a:effectRef idx="0">
+            <a:schemeClr val="accent1"/>
+          </a:effectRef>
+          <a:fontRef idx="minor">
+            <a:schemeClr val="tx1"/>
+          </a:fontRef>
+        </p:style>
+      </p:cxnSp>
+      <p:sp>
+        <p:nvSpPr>
+          <p:cNvPr id="66" name="Rectangle 55">
+            <a:extLst>
+              <a:ext uri="{FF2B5EF4-FFF2-40B4-BE49-F238E27FC236}">
+                <a16:creationId xmlns:a16="http://schemas.microsoft.com/office/drawing/2014/main" id="{2ED84DD6-8A68-4994-8094-8DDBE89BF353}"/>
+              </a:ext>
+              <a:ext uri="{C183D7F6-B498-43B3-948B-1728B52AA6E4}">
+                <adec:decorative xmlns:adec="http://schemas.microsoft.com/office/drawing/2017/decorative" val="1"/>
+              </a:ext>
+            </a:extLst>
+          </p:cNvPr>
+          <p:cNvSpPr>
+            <a:spLocks noGrp="1" noRot="1" noChangeAspect="1" noMove="1" noResize="1" noEditPoints="1" noAdjustHandles="1" noChangeArrowheads="1" noChangeShapeType="1" noTextEdit="1"/>
+          </p:cNvSpPr>
+          <p:nvPr>
+            <p:extLst>
+              <p:ext uri="{386F3935-93C4-4BCD-93E2-E3B085C9AB24}">
+                <p16:designElem xmlns:p16="http://schemas.microsoft.com/office/powerpoint/2015/main" val="1"/>
+              </p:ext>
+            </p:extLst>
+          </p:nvPr>
+        </p:nvSpPr>
+        <p:spPr>
+          <a:xfrm>
+            <a:off x="231140" y="243840"/>
+            <a:ext cx="11722100" cy="6377939"/>
+          </a:xfrm>
+          <a:prstGeom prst="rect">
+            <a:avLst/>
+          </a:prstGeom>
+          <a:solidFill>
+            <a:schemeClr val="bg1"/>
+          </a:solidFill>
+          <a:ln w="12700">
+            <a:solidFill>
+              <a:srgbClr val="FFFFFF"/>
+            </a:solidFill>
+          </a:ln>
+        </p:spPr>
+        <p:style>
+          <a:lnRef idx="2">
+            <a:schemeClr val="accent1">
+              <a:shade val="50000"/>
+            </a:schemeClr>
+          </a:lnRef>
+          <a:fillRef idx="1">
+            <a:schemeClr val="accent1"/>
+          </a:fillRef>
+          <a:effectRef idx="0">
+            <a:schemeClr val="accent1"/>
+          </a:effectRef>
+          <a:fontRef idx="minor">
+            <a:schemeClr val="lt1"/>
+          </a:fontRef>
+        </p:style>
+      </p:sp>
+      <p:sp>
+        <p:nvSpPr>
+          <p:cNvPr id="67" name="Rectangle 57">
+            <a:extLst>
+              <a:ext uri="{FF2B5EF4-FFF2-40B4-BE49-F238E27FC236}">
+                <a16:creationId xmlns:a16="http://schemas.microsoft.com/office/drawing/2014/main" id="{176049D7-366E-4AC9-B689-460CC28F8E70}"/>
+              </a:ext>
+              <a:ext uri="{C183D7F6-B498-43B3-948B-1728B52AA6E4}">
+                <adec:decorative xmlns:adec="http://schemas.microsoft.com/office/drawing/2017/decorative" val="1"/>
+              </a:ext>
+            </a:extLst>
+          </p:cNvPr>
+          <p:cNvSpPr>
+            <a:spLocks noGrp="1" noRot="1" noChangeAspect="1" noMove="1" noResize="1" noEditPoints="1" noAdjustHandles="1" noChangeArrowheads="1" noChangeShapeType="1" noTextEdit="1"/>
+          </p:cNvSpPr>
+          <p:nvPr>
+            <p:extLst>
+              <p:ext uri="{386F3935-93C4-4BCD-93E2-E3B085C9AB24}">
+                <p16:designElem xmlns:p16="http://schemas.microsoft.com/office/powerpoint/2015/main" val="1"/>
+              </p:ext>
+            </p:extLst>
+          </p:nvPr>
+        </p:nvSpPr>
+        <p:spPr>
+          <a:xfrm>
+            <a:off x="7552944" y="246887"/>
+            <a:ext cx="4397755" cy="6377939"/>
+          </a:xfrm>
+          <a:prstGeom prst="rect">
+            <a:avLst/>
+          </a:prstGeom>
+          <a:solidFill>
+            <a:srgbClr val="A6B727"/>
+          </a:solidFill>
+          <a:ln w="12700">
+            <a:solidFill>
+              <a:srgbClr val="FFFFFF"/>
+            </a:solidFill>
+          </a:ln>
+        </p:spPr>
+        <p:style>
+          <a:lnRef idx="2">
+            <a:schemeClr val="accent1">
+              <a:shade val="50000"/>
+            </a:schemeClr>
+          </a:lnRef>
+          <a:fillRef idx="1">
+            <a:schemeClr val="accent1"/>
+          </a:fillRef>
+          <a:effectRef idx="0">
+            <a:schemeClr val="accent1"/>
+          </a:effectRef>
+          <a:fontRef idx="minor">
+            <a:schemeClr val="lt1"/>
+          </a:fontRef>
+        </p:style>
+      </p:sp>
+      <p:cxnSp>
+        <p:nvCxnSpPr>
+          <p:cNvPr id="68" name="Straight Connector 59">
+            <a:extLst>
+              <a:ext uri="{FF2B5EF4-FFF2-40B4-BE49-F238E27FC236}">
+                <a16:creationId xmlns:a16="http://schemas.microsoft.com/office/drawing/2014/main" id="{BC9E91F8-C4AE-4EB0-8B76-FF3F3FC7183D}"/>
+              </a:ext>
+              <a:ext uri="{C183D7F6-B498-43B3-948B-1728B52AA6E4}">
+                <adec:decorative xmlns:adec="http://schemas.microsoft.com/office/drawing/2017/decorative" val="1"/>
+              </a:ext>
+            </a:extLst>
+          </p:cNvPr>
+          <p:cNvCxnSpPr>
+            <a:cxnSpLocks noGrp="1" noRot="1" noChangeAspect="1" noMove="1" noResize="1" noEditPoints="1" noAdjustHandles="1" noChangeArrowheads="1" noChangeShapeType="1"/>
+          </p:cNvCxnSpPr>
+          <p:nvPr>
+            <p:extLst>
+              <p:ext uri="{386F3935-93C4-4BCD-93E2-E3B085C9AB24}">
+                <p16:designElem xmlns:p16="http://schemas.microsoft.com/office/powerpoint/2015/main" val="1"/>
+              </p:ext>
+            </p:extLst>
+          </p:nvPr>
+        </p:nvCxnSpPr>
+        <p:spPr>
+          <a:xfrm>
+            <a:off x="8370284" y="4405863"/>
+            <a:ext cx="2763075" cy="0"/>
+          </a:xfrm>
+          <a:prstGeom prst="line">
+            <a:avLst/>
+          </a:prstGeom>
+          <a:ln>
+            <a:solidFill>
+              <a:srgbClr val="FFFFFF"/>
+            </a:solidFill>
+          </a:ln>
+        </p:spPr>
+        <p:style>
+          <a:lnRef idx="1">
+            <a:schemeClr val="accent1"/>
+          </a:lnRef>
+          <a:fillRef idx="0">
+            <a:schemeClr val="accent1"/>
+          </a:fillRef>
+          <a:effectRef idx="0">
+            <a:schemeClr val="accent1"/>
+          </a:effectRef>
+          <a:fontRef idx="minor">
+            <a:schemeClr val="tx1"/>
+          </a:fontRef>
+        </p:style>
+      </p:cxnSp>
+      <p:sp>
+        <p:nvSpPr>
+          <p:cNvPr id="62" name="Rectangle 61">
+            <a:extLst>
+              <a:ext uri="{FF2B5EF4-FFF2-40B4-BE49-F238E27FC236}">
+                <a16:creationId xmlns:a16="http://schemas.microsoft.com/office/drawing/2014/main" id="{4AD45A04-4150-4943-BB06-EEEDDD73BFCE}"/>
+              </a:ext>
+              <a:ext uri="{C183D7F6-B498-43B3-948B-1728B52AA6E4}">
+                <adec:decorative xmlns:adec="http://schemas.microsoft.com/office/drawing/2017/decorative" val="1"/>
+              </a:ext>
+            </a:extLst>
+          </p:cNvPr>
+          <p:cNvSpPr>
+            <a:spLocks noGrp="1" noRot="1" noChangeAspect="1" noMove="1" noResize="1" noEditPoints="1" noAdjustHandles="1" noChangeArrowheads="1" noChangeShapeType="1" noTextEdit="1"/>
+          </p:cNvSpPr>
+          <p:nvPr>
+            <p:extLst>
+              <p:ext uri="{386F3935-93C4-4BCD-93E2-E3B085C9AB24}">
+                <p16:designElem xmlns:p16="http://schemas.microsoft.com/office/powerpoint/2015/main" val="1"/>
+              </p:ext>
+            </p:extLst>
+          </p:nvPr>
+        </p:nvSpPr>
+        <p:spPr>
+          <a:xfrm>
+            <a:off x="228600" y="246888"/>
+            <a:ext cx="11724640" cy="6377939"/>
+          </a:xfrm>
+          <a:prstGeom prst="rect">
+            <a:avLst/>
+          </a:prstGeom>
+          <a:noFill/>
+          <a:ln w="12700">
+            <a:solidFill>
+              <a:srgbClr val="FFFFFF"/>
+            </a:solidFill>
+          </a:ln>
+        </p:spPr>
+        <p:style>
+          <a:lnRef idx="2">
+            <a:schemeClr val="accent1">
+              <a:shade val="50000"/>
+            </a:schemeClr>
+          </a:lnRef>
+          <a:fillRef idx="1">
+            <a:schemeClr val="accent1"/>
+          </a:fillRef>
+          <a:effectRef idx="0">
+            <a:schemeClr val="accent1"/>
+          </a:effectRef>
+          <a:fontRef idx="minor">
+            <a:schemeClr val="lt1"/>
+          </a:fontRef>
+        </p:style>
+        <p:txBody>
+          <a:bodyPr/>
+          <a:lstStyle/>
+          <a:p>
+            <a:endParaRPr lang="en-US" dirty="0"/>
+          </a:p>
+        </p:txBody>
+      </p:sp>
+      <p:sp>
+        <p:nvSpPr>
           <p:cNvPr id="2" name="Title 1">
             <a:extLst>
               <a:ext uri="{FF2B5EF4-FFF2-40B4-BE49-F238E27FC236}">
@@ -15937,20 +19238,25 @@
         </p:nvSpPr>
         <p:spPr>
           <a:xfrm>
-            <a:off x="541638" y="399534"/>
-            <a:ext cx="5974492" cy="650789"/>
+            <a:off x="8195138" y="857675"/>
+            <a:ext cx="3113366" cy="3622844"/>
           </a:xfrm>
         </p:spPr>
         <p:txBody>
-          <a:bodyPr>
+          <a:bodyPr vert="horz" lIns="91440" tIns="45720" rIns="91440" bIns="45720" rtlCol="0" anchor="b">
             <a:normAutofit/>
           </a:bodyPr>
           <a:lstStyle/>
           <a:p>
+            <a:pPr algn="ctr">
+              <a:lnSpc>
+                <a:spcPct val="85000"/>
+              </a:lnSpc>
+            </a:pPr>
             <a:r>
-              <a:rPr lang="en-US" sz="2800" dirty="0">
+              <a:rPr lang="en-US" sz="3800" b="1" cap="all">
                 <a:solidFill>
-                  <a:schemeClr val="tx1"/>
+                  <a:srgbClr val="FFFFFF"/>
                 </a:solidFill>
               </a:rPr>
               <a:t>Difference in field width: score</a:t>
@@ -15973,14 +19279,14 @@
           <p:nvPr>
             <p:extLst>
               <p:ext uri="{D42A27DB-BD31-4B8C-83A1-F6EECF244321}">
-                <p14:modId xmlns:p14="http://schemas.microsoft.com/office/powerpoint/2010/main" val="2400295860"/>
+                <p14:modId xmlns:p14="http://schemas.microsoft.com/office/powerpoint/2010/main" val="3655600760"/>
               </p:ext>
             </p:extLst>
           </p:nvPr>
         </p:nvGraphicFramePr>
         <p:xfrm>
-          <a:off x="1894944" y="822337"/>
-          <a:ext cx="8402112" cy="5213326"/>
+          <a:off x="872064" y="857675"/>
+          <a:ext cx="6045576" cy="5140669"/>
         </p:xfrm>
         <a:graphic>
           <a:graphicData uri="http://schemas.openxmlformats.org/drawingml/2006/chart">
@@ -16004,6 +19310,14 @@
 <file path=ppt/slides/slide9.xml><?xml version="1.0" encoding="utf-8"?>
 <p:sld xmlns:a="http://schemas.openxmlformats.org/drawingml/2006/main" xmlns:r="http://schemas.openxmlformats.org/officeDocument/2006/relationships" xmlns:p="http://schemas.openxmlformats.org/presentationml/2006/main">
   <p:cSld>
+    <p:bg>
+      <p:bgPr>
+        <a:solidFill>
+          <a:schemeClr val="accent1"/>
+        </a:solidFill>
+        <a:effectLst/>
+      </p:bgPr>
+    </p:bg>
     <p:spTree>
       <p:nvGrpSpPr>
         <p:cNvPr id="1" name=""/>
@@ -16020,6 +19334,398 @@
       </p:grpSpPr>
       <p:sp>
         <p:nvSpPr>
+          <p:cNvPr id="17" name="Rectangle 16">
+            <a:extLst>
+              <a:ext uri="{FF2B5EF4-FFF2-40B4-BE49-F238E27FC236}">
+                <a16:creationId xmlns:a16="http://schemas.microsoft.com/office/drawing/2014/main" id="{79CBD3C9-4E66-426D-948E-7CF4778107E8}"/>
+              </a:ext>
+              <a:ext uri="{C183D7F6-B498-43B3-948B-1728B52AA6E4}">
+                <adec:decorative xmlns:adec="http://schemas.microsoft.com/office/drawing/2017/decorative" val="1"/>
+              </a:ext>
+            </a:extLst>
+          </p:cNvPr>
+          <p:cNvSpPr>
+            <a:spLocks noGrp="1" noRot="1" noChangeAspect="1" noMove="1" noResize="1" noEditPoints="1" noAdjustHandles="1" noChangeArrowheads="1" noChangeShapeType="1" noTextEdit="1"/>
+          </p:cNvSpPr>
+          <p:nvPr>
+            <p:extLst>
+              <p:ext uri="{386F3935-93C4-4BCD-93E2-E3B085C9AB24}">
+                <p16:designElem xmlns:p16="http://schemas.microsoft.com/office/powerpoint/2015/main" val="1"/>
+              </p:ext>
+            </p:extLst>
+          </p:nvPr>
+        </p:nvSpPr>
+        <p:spPr>
+          <a:xfrm>
+            <a:off x="231140" y="243840"/>
+            <a:ext cx="11724640" cy="6377939"/>
+          </a:xfrm>
+          <a:prstGeom prst="rect">
+            <a:avLst/>
+          </a:prstGeom>
+          <a:solidFill>
+            <a:schemeClr val="bg1"/>
+          </a:solidFill>
+          <a:ln w="12700">
+            <a:noFill/>
+          </a:ln>
+        </p:spPr>
+        <p:style>
+          <a:lnRef idx="2">
+            <a:schemeClr val="accent1">
+              <a:shade val="50000"/>
+            </a:schemeClr>
+          </a:lnRef>
+          <a:fillRef idx="1">
+            <a:schemeClr val="accent1"/>
+          </a:fillRef>
+          <a:effectRef idx="0">
+            <a:schemeClr val="accent1"/>
+          </a:effectRef>
+          <a:fontRef idx="minor">
+            <a:schemeClr val="lt1"/>
+          </a:fontRef>
+        </p:style>
+      </p:sp>
+      <p:sp>
+        <p:nvSpPr>
+          <p:cNvPr id="19" name="Rectangle 18">
+            <a:extLst>
+              <a:ext uri="{FF2B5EF4-FFF2-40B4-BE49-F238E27FC236}">
+                <a16:creationId xmlns:a16="http://schemas.microsoft.com/office/drawing/2014/main" id="{DDB95FCF-AD96-482F-9FB8-CD95725E6EFF}"/>
+              </a:ext>
+              <a:ext uri="{C183D7F6-B498-43B3-948B-1728B52AA6E4}">
+                <adec:decorative xmlns:adec="http://schemas.microsoft.com/office/drawing/2017/decorative" val="1"/>
+              </a:ext>
+            </a:extLst>
+          </p:cNvPr>
+          <p:cNvSpPr>
+            <a:spLocks noGrp="1" noRot="1" noChangeAspect="1" noMove="1" noResize="1" noEditPoints="1" noAdjustHandles="1" noChangeArrowheads="1" noChangeShapeType="1" noTextEdit="1"/>
+          </p:cNvSpPr>
+          <p:nvPr>
+            <p:extLst>
+              <p:ext uri="{386F3935-93C4-4BCD-93E2-E3B085C9AB24}">
+                <p16:designElem xmlns:p16="http://schemas.microsoft.com/office/powerpoint/2015/main" val="1"/>
+              </p:ext>
+            </p:extLst>
+          </p:nvPr>
+        </p:nvSpPr>
+        <p:spPr>
+          <a:xfrm>
+            <a:off x="231140" y="243840"/>
+            <a:ext cx="11724640" cy="6377939"/>
+          </a:xfrm>
+          <a:prstGeom prst="rect">
+            <a:avLst/>
+          </a:prstGeom>
+          <a:solidFill>
+            <a:schemeClr val="accent1"/>
+          </a:solidFill>
+          <a:ln w="12700">
+            <a:solidFill>
+              <a:srgbClr val="FFFFFF"/>
+            </a:solidFill>
+          </a:ln>
+        </p:spPr>
+        <p:style>
+          <a:lnRef idx="2">
+            <a:schemeClr val="accent1">
+              <a:shade val="50000"/>
+            </a:schemeClr>
+          </a:lnRef>
+          <a:fillRef idx="1">
+            <a:schemeClr val="accent1"/>
+          </a:fillRef>
+          <a:effectRef idx="0">
+            <a:schemeClr val="accent1"/>
+          </a:effectRef>
+          <a:fontRef idx="minor">
+            <a:schemeClr val="lt1"/>
+          </a:fontRef>
+        </p:style>
+      </p:sp>
+      <p:cxnSp>
+        <p:nvCxnSpPr>
+          <p:cNvPr id="21" name="Straight Connector 20">
+            <a:extLst>
+              <a:ext uri="{FF2B5EF4-FFF2-40B4-BE49-F238E27FC236}">
+                <a16:creationId xmlns:a16="http://schemas.microsoft.com/office/drawing/2014/main" id="{64EEEC00-AD80-4734-BEE6-04CBDEC830C9}"/>
+              </a:ext>
+              <a:ext uri="{C183D7F6-B498-43B3-948B-1728B52AA6E4}">
+                <adec:decorative xmlns:adec="http://schemas.microsoft.com/office/drawing/2017/decorative" val="1"/>
+              </a:ext>
+            </a:extLst>
+          </p:cNvPr>
+          <p:cNvCxnSpPr>
+            <a:cxnSpLocks noGrp="1" noRot="1" noChangeAspect="1" noMove="1" noResize="1" noEditPoints="1" noAdjustHandles="1" noChangeArrowheads="1" noChangeShapeType="1"/>
+          </p:cNvCxnSpPr>
+          <p:nvPr>
+            <p:extLst>
+              <p:ext uri="{386F3935-93C4-4BCD-93E2-E3B085C9AB24}">
+                <p16:designElem xmlns:p16="http://schemas.microsoft.com/office/powerpoint/2015/main" val="1"/>
+              </p:ext>
+            </p:extLst>
+          </p:nvPr>
+        </p:nvCxnSpPr>
+        <p:spPr>
+          <a:xfrm>
+            <a:off x="1978660" y="3733800"/>
+            <a:ext cx="8229601" cy="0"/>
+          </a:xfrm>
+          <a:prstGeom prst="line">
+            <a:avLst/>
+          </a:prstGeom>
+          <a:ln>
+            <a:solidFill>
+              <a:srgbClr val="FFFFFF"/>
+            </a:solidFill>
+          </a:ln>
+        </p:spPr>
+        <p:style>
+          <a:lnRef idx="1">
+            <a:schemeClr val="accent1"/>
+          </a:lnRef>
+          <a:fillRef idx="0">
+            <a:schemeClr val="accent1"/>
+          </a:fillRef>
+          <a:effectRef idx="0">
+            <a:schemeClr val="accent1"/>
+          </a:effectRef>
+          <a:fontRef idx="minor">
+            <a:schemeClr val="tx1"/>
+          </a:fontRef>
+        </p:style>
+      </p:cxnSp>
+      <p:sp>
+        <p:nvSpPr>
+          <p:cNvPr id="23" name="Rectangle 22">
+            <a:extLst>
+              <a:ext uri="{FF2B5EF4-FFF2-40B4-BE49-F238E27FC236}">
+                <a16:creationId xmlns:a16="http://schemas.microsoft.com/office/drawing/2014/main" id="{2ED84DD6-8A68-4994-8094-8DDBE89BF353}"/>
+              </a:ext>
+              <a:ext uri="{C183D7F6-B498-43B3-948B-1728B52AA6E4}">
+                <adec:decorative xmlns:adec="http://schemas.microsoft.com/office/drawing/2017/decorative" val="1"/>
+              </a:ext>
+            </a:extLst>
+          </p:cNvPr>
+          <p:cNvSpPr>
+            <a:spLocks noGrp="1" noRot="1" noChangeAspect="1" noMove="1" noResize="1" noEditPoints="1" noAdjustHandles="1" noChangeArrowheads="1" noChangeShapeType="1" noTextEdit="1"/>
+          </p:cNvSpPr>
+          <p:nvPr>
+            <p:extLst>
+              <p:ext uri="{386F3935-93C4-4BCD-93E2-E3B085C9AB24}">
+                <p16:designElem xmlns:p16="http://schemas.microsoft.com/office/powerpoint/2015/main" val="1"/>
+              </p:ext>
+            </p:extLst>
+          </p:nvPr>
+        </p:nvSpPr>
+        <p:spPr>
+          <a:xfrm>
+            <a:off x="231140" y="243840"/>
+            <a:ext cx="11722100" cy="6377939"/>
+          </a:xfrm>
+          <a:prstGeom prst="rect">
+            <a:avLst/>
+          </a:prstGeom>
+          <a:solidFill>
+            <a:schemeClr val="bg1"/>
+          </a:solidFill>
+          <a:ln w="12700">
+            <a:solidFill>
+              <a:srgbClr val="FFFFFF"/>
+            </a:solidFill>
+          </a:ln>
+        </p:spPr>
+        <p:style>
+          <a:lnRef idx="2">
+            <a:schemeClr val="accent1">
+              <a:shade val="50000"/>
+            </a:schemeClr>
+          </a:lnRef>
+          <a:fillRef idx="1">
+            <a:schemeClr val="accent1"/>
+          </a:fillRef>
+          <a:effectRef idx="0">
+            <a:schemeClr val="accent1"/>
+          </a:effectRef>
+          <a:fontRef idx="minor">
+            <a:schemeClr val="lt1"/>
+          </a:fontRef>
+        </p:style>
+      </p:sp>
+      <p:sp>
+        <p:nvSpPr>
+          <p:cNvPr id="25" name="Rectangle 24">
+            <a:extLst>
+              <a:ext uri="{FF2B5EF4-FFF2-40B4-BE49-F238E27FC236}">
+                <a16:creationId xmlns:a16="http://schemas.microsoft.com/office/drawing/2014/main" id="{176049D7-366E-4AC9-B689-460CC28F8E70}"/>
+              </a:ext>
+              <a:ext uri="{C183D7F6-B498-43B3-948B-1728B52AA6E4}">
+                <adec:decorative xmlns:adec="http://schemas.microsoft.com/office/drawing/2017/decorative" val="1"/>
+              </a:ext>
+            </a:extLst>
+          </p:cNvPr>
+          <p:cNvSpPr>
+            <a:spLocks noGrp="1" noRot="1" noChangeAspect="1" noMove="1" noResize="1" noEditPoints="1" noAdjustHandles="1" noChangeArrowheads="1" noChangeShapeType="1" noTextEdit="1"/>
+          </p:cNvSpPr>
+          <p:nvPr>
+            <p:extLst>
+              <p:ext uri="{386F3935-93C4-4BCD-93E2-E3B085C9AB24}">
+                <p16:designElem xmlns:p16="http://schemas.microsoft.com/office/powerpoint/2015/main" val="1"/>
+              </p:ext>
+            </p:extLst>
+          </p:nvPr>
+        </p:nvSpPr>
+        <p:spPr>
+          <a:xfrm>
+            <a:off x="7552944" y="246887"/>
+            <a:ext cx="4397755" cy="6377939"/>
+          </a:xfrm>
+          <a:prstGeom prst="rect">
+            <a:avLst/>
+          </a:prstGeom>
+          <a:solidFill>
+            <a:srgbClr val="A6B727"/>
+          </a:solidFill>
+          <a:ln w="12700">
+            <a:solidFill>
+              <a:srgbClr val="FFFFFF"/>
+            </a:solidFill>
+          </a:ln>
+        </p:spPr>
+        <p:style>
+          <a:lnRef idx="2">
+            <a:schemeClr val="accent1">
+              <a:shade val="50000"/>
+            </a:schemeClr>
+          </a:lnRef>
+          <a:fillRef idx="1">
+            <a:schemeClr val="accent1"/>
+          </a:fillRef>
+          <a:effectRef idx="0">
+            <a:schemeClr val="accent1"/>
+          </a:effectRef>
+          <a:fontRef idx="minor">
+            <a:schemeClr val="lt1"/>
+          </a:fontRef>
+        </p:style>
+      </p:sp>
+      <p:cxnSp>
+        <p:nvCxnSpPr>
+          <p:cNvPr id="27" name="Straight Connector 26">
+            <a:extLst>
+              <a:ext uri="{FF2B5EF4-FFF2-40B4-BE49-F238E27FC236}">
+                <a16:creationId xmlns:a16="http://schemas.microsoft.com/office/drawing/2014/main" id="{BC9E91F8-C4AE-4EB0-8B76-FF3F3FC7183D}"/>
+              </a:ext>
+              <a:ext uri="{C183D7F6-B498-43B3-948B-1728B52AA6E4}">
+                <adec:decorative xmlns:adec="http://schemas.microsoft.com/office/drawing/2017/decorative" val="1"/>
+              </a:ext>
+            </a:extLst>
+          </p:cNvPr>
+          <p:cNvCxnSpPr>
+            <a:cxnSpLocks noGrp="1" noRot="1" noChangeAspect="1" noMove="1" noResize="1" noEditPoints="1" noAdjustHandles="1" noChangeArrowheads="1" noChangeShapeType="1"/>
+          </p:cNvCxnSpPr>
+          <p:nvPr>
+            <p:extLst>
+              <p:ext uri="{386F3935-93C4-4BCD-93E2-E3B085C9AB24}">
+                <p16:designElem xmlns:p16="http://schemas.microsoft.com/office/powerpoint/2015/main" val="1"/>
+              </p:ext>
+            </p:extLst>
+          </p:nvPr>
+        </p:nvCxnSpPr>
+        <p:spPr>
+          <a:xfrm>
+            <a:off x="8370284" y="4405863"/>
+            <a:ext cx="2763075" cy="0"/>
+          </a:xfrm>
+          <a:prstGeom prst="line">
+            <a:avLst/>
+          </a:prstGeom>
+          <a:ln>
+            <a:solidFill>
+              <a:srgbClr val="FFFFFF"/>
+            </a:solidFill>
+          </a:ln>
+        </p:spPr>
+        <p:style>
+          <a:lnRef idx="1">
+            <a:schemeClr val="accent1"/>
+          </a:lnRef>
+          <a:fillRef idx="0">
+            <a:schemeClr val="accent1"/>
+          </a:fillRef>
+          <a:effectRef idx="0">
+            <a:schemeClr val="accent1"/>
+          </a:effectRef>
+          <a:fontRef idx="minor">
+            <a:schemeClr val="tx1"/>
+          </a:fontRef>
+        </p:style>
+      </p:cxnSp>
+      <p:sp>
+        <p:nvSpPr>
+          <p:cNvPr id="29" name="Rectangle 28">
+            <a:extLst>
+              <a:ext uri="{FF2B5EF4-FFF2-40B4-BE49-F238E27FC236}">
+                <a16:creationId xmlns:a16="http://schemas.microsoft.com/office/drawing/2014/main" id="{4AD45A04-4150-4943-BB06-EEEDDD73BFCE}"/>
+              </a:ext>
+              <a:ext uri="{C183D7F6-B498-43B3-948B-1728B52AA6E4}">
+                <adec:decorative xmlns:adec="http://schemas.microsoft.com/office/drawing/2017/decorative" val="1"/>
+              </a:ext>
+            </a:extLst>
+          </p:cNvPr>
+          <p:cNvSpPr>
+            <a:spLocks noGrp="1" noRot="1" noChangeAspect="1" noMove="1" noResize="1" noEditPoints="1" noAdjustHandles="1" noChangeArrowheads="1" noChangeShapeType="1" noTextEdit="1"/>
+          </p:cNvSpPr>
+          <p:nvPr>
+            <p:extLst>
+              <p:ext uri="{386F3935-93C4-4BCD-93E2-E3B085C9AB24}">
+                <p16:designElem xmlns:p16="http://schemas.microsoft.com/office/powerpoint/2015/main" val="1"/>
+              </p:ext>
+            </p:extLst>
+          </p:nvPr>
+        </p:nvSpPr>
+        <p:spPr>
+          <a:xfrm>
+            <a:off x="228600" y="246888"/>
+            <a:ext cx="11724640" cy="6377939"/>
+          </a:xfrm>
+          <a:prstGeom prst="rect">
+            <a:avLst/>
+          </a:prstGeom>
+          <a:noFill/>
+          <a:ln w="12700">
+            <a:solidFill>
+              <a:srgbClr val="FFFFFF"/>
+            </a:solidFill>
+          </a:ln>
+        </p:spPr>
+        <p:style>
+          <a:lnRef idx="2">
+            <a:schemeClr val="accent1">
+              <a:shade val="50000"/>
+            </a:schemeClr>
+          </a:lnRef>
+          <a:fillRef idx="1">
+            <a:schemeClr val="accent1"/>
+          </a:fillRef>
+          <a:effectRef idx="0">
+            <a:schemeClr val="accent1"/>
+          </a:effectRef>
+          <a:fontRef idx="minor">
+            <a:schemeClr val="lt1"/>
+          </a:fontRef>
+        </p:style>
+        <p:txBody>
+          <a:bodyPr/>
+          <a:lstStyle/>
+          <a:p>
+            <a:endParaRPr lang="en-US" dirty="0"/>
+          </a:p>
+        </p:txBody>
+      </p:sp>
+      <p:sp>
+        <p:nvSpPr>
           <p:cNvPr id="2" name="Title 1">
             <a:extLst>
               <a:ext uri="{FF2B5EF4-FFF2-40B4-BE49-F238E27FC236}">
@@ -16036,20 +19742,25 @@
         </p:nvSpPr>
         <p:spPr>
           <a:xfrm>
-            <a:off x="541638" y="399534"/>
-            <a:ext cx="5974492" cy="650789"/>
+            <a:off x="8195138" y="857675"/>
+            <a:ext cx="3113366" cy="3622844"/>
           </a:xfrm>
         </p:spPr>
         <p:txBody>
-          <a:bodyPr>
+          <a:bodyPr vert="horz" lIns="91440" tIns="45720" rIns="91440" bIns="45720" rtlCol="0" anchor="b">
             <a:normAutofit/>
           </a:bodyPr>
           <a:lstStyle/>
           <a:p>
+            <a:pPr algn="ctr">
+              <a:lnSpc>
+                <a:spcPct val="85000"/>
+              </a:lnSpc>
+            </a:pPr>
             <a:r>
-              <a:rPr lang="en-US" sz="2800" dirty="0">
+              <a:rPr lang="en-US" sz="3800" b="1" cap="all">
                 <a:solidFill>
-                  <a:schemeClr val="tx1"/>
+                  <a:srgbClr val="FFFFFF"/>
                 </a:solidFill>
               </a:rPr>
               <a:t>Difference in field width: holes</a:t>
@@ -16072,14 +19783,14 @@
           <p:nvPr>
             <p:extLst>
               <p:ext uri="{D42A27DB-BD31-4B8C-83A1-F6EECF244321}">
-                <p14:modId xmlns:p14="http://schemas.microsoft.com/office/powerpoint/2010/main" val="1904058574"/>
+                <p14:modId xmlns:p14="http://schemas.microsoft.com/office/powerpoint/2010/main" val="557857323"/>
               </p:ext>
             </p:extLst>
           </p:nvPr>
         </p:nvGraphicFramePr>
         <p:xfrm>
-          <a:off x="2185481" y="1118681"/>
-          <a:ext cx="7821038" cy="4620638"/>
+          <a:off x="872064" y="857675"/>
+          <a:ext cx="6045576" cy="5140669"/>
         </p:xfrm>
         <a:graphic>
           <a:graphicData uri="http://schemas.openxmlformats.org/drawingml/2006/chart">
@@ -16335,4 +20046,299 @@
     </a:ext>
   </a:extLst>
 </a:theme>
+</file>
+
+<file path=ppt/theme/theme2.xml><?xml version="1.0" encoding="utf-8"?>
+<a:theme xmlns:a="http://schemas.openxmlformats.org/drawingml/2006/main" name="Office Theme">
+  <a:themeElements>
+    <a:clrScheme name="Office">
+      <a:dk1>
+        <a:sysClr val="windowText" lastClr="000000"/>
+      </a:dk1>
+      <a:lt1>
+        <a:sysClr val="window" lastClr="FFFFFF"/>
+      </a:lt1>
+      <a:dk2>
+        <a:srgbClr val="44546A"/>
+      </a:dk2>
+      <a:lt2>
+        <a:srgbClr val="E7E6E6"/>
+      </a:lt2>
+      <a:accent1>
+        <a:srgbClr val="4472C4"/>
+      </a:accent1>
+      <a:accent2>
+        <a:srgbClr val="ED7D31"/>
+      </a:accent2>
+      <a:accent3>
+        <a:srgbClr val="A5A5A5"/>
+      </a:accent3>
+      <a:accent4>
+        <a:srgbClr val="FFC000"/>
+      </a:accent4>
+      <a:accent5>
+        <a:srgbClr val="5B9BD5"/>
+      </a:accent5>
+      <a:accent6>
+        <a:srgbClr val="70AD47"/>
+      </a:accent6>
+      <a:hlink>
+        <a:srgbClr val="0563C1"/>
+      </a:hlink>
+      <a:folHlink>
+        <a:srgbClr val="954F72"/>
+      </a:folHlink>
+    </a:clrScheme>
+    <a:fontScheme name="Office">
+      <a:majorFont>
+        <a:latin typeface="Calibri Light" panose="020F0302020204030204"/>
+        <a:ea typeface=""/>
+        <a:cs typeface=""/>
+        <a:font script="Jpan" typeface="游ゴシック Light"/>
+        <a:font script="Hang" typeface="맑은 고딕"/>
+        <a:font script="Hans" typeface="等线 Light"/>
+        <a:font script="Hant" typeface="新細明體"/>
+        <a:font script="Arab" typeface="Times New Roman"/>
+        <a:font script="Hebr" typeface="Times New Roman"/>
+        <a:font script="Thai" typeface="Angsana New"/>
+        <a:font script="Ethi" typeface="Nyala"/>
+        <a:font script="Beng" typeface="Vrinda"/>
+        <a:font script="Gujr" typeface="Shruti"/>
+        <a:font script="Khmr" typeface="MoolBoran"/>
+        <a:font script="Knda" typeface="Tunga"/>
+        <a:font script="Guru" typeface="Raavi"/>
+        <a:font script="Cans" typeface="Euphemia"/>
+        <a:font script="Cher" typeface="Plantagenet Cherokee"/>
+        <a:font script="Yiii" typeface="Microsoft Yi Baiti"/>
+        <a:font script="Tibt" typeface="Microsoft Himalaya"/>
+        <a:font script="Thaa" typeface="MV Boli"/>
+        <a:font script="Deva" typeface="Mangal"/>
+        <a:font script="Telu" typeface="Gautami"/>
+        <a:font script="Taml" typeface="Latha"/>
+        <a:font script="Syrc" typeface="Estrangelo Edessa"/>
+        <a:font script="Orya" typeface="Kalinga"/>
+        <a:font script="Mlym" typeface="Kartika"/>
+        <a:font script="Laoo" typeface="DokChampa"/>
+        <a:font script="Sinh" typeface="Iskoola Pota"/>
+        <a:font script="Mong" typeface="Mongolian Baiti"/>
+        <a:font script="Viet" typeface="Times New Roman"/>
+        <a:font script="Uigh" typeface="Microsoft Uighur"/>
+        <a:font script="Geor" typeface="Sylfaen"/>
+        <a:font script="Armn" typeface="Arial"/>
+        <a:font script="Bugi" typeface="Leelawadee UI"/>
+        <a:font script="Bopo" typeface="Microsoft JhengHei"/>
+        <a:font script="Java" typeface="Javanese Text"/>
+        <a:font script="Lisu" typeface="Segoe UI"/>
+        <a:font script="Mymr" typeface="Myanmar Text"/>
+        <a:font script="Nkoo" typeface="Ebrima"/>
+        <a:font script="Olck" typeface="Nirmala UI"/>
+        <a:font script="Osma" typeface="Ebrima"/>
+        <a:font script="Phag" typeface="Phagspa"/>
+        <a:font script="Syrn" typeface="Estrangelo Edessa"/>
+        <a:font script="Syrj" typeface="Estrangelo Edessa"/>
+        <a:font script="Syre" typeface="Estrangelo Edessa"/>
+        <a:font script="Sora" typeface="Nirmala UI"/>
+        <a:font script="Tale" typeface="Microsoft Tai Le"/>
+        <a:font script="Talu" typeface="Microsoft New Tai Lue"/>
+        <a:font script="Tfng" typeface="Ebrima"/>
+      </a:majorFont>
+      <a:minorFont>
+        <a:latin typeface="Calibri" panose="020F0502020204030204"/>
+        <a:ea typeface=""/>
+        <a:cs typeface=""/>
+        <a:font script="Jpan" typeface="游ゴシック"/>
+        <a:font script="Hang" typeface="맑은 고딕"/>
+        <a:font script="Hans" typeface="等线"/>
+        <a:font script="Hant" typeface="新細明體"/>
+        <a:font script="Arab" typeface="Arial"/>
+        <a:font script="Hebr" typeface="Arial"/>
+        <a:font script="Thai" typeface="Cordia New"/>
+        <a:font script="Ethi" typeface="Nyala"/>
+        <a:font script="Beng" typeface="Vrinda"/>
+        <a:font script="Gujr" typeface="Shruti"/>
+        <a:font script="Khmr" typeface="DaunPenh"/>
+        <a:font script="Knda" typeface="Tunga"/>
+        <a:font script="Guru" typeface="Raavi"/>
+        <a:font script="Cans" typeface="Euphemia"/>
+        <a:font script="Cher" typeface="Plantagenet Cherokee"/>
+        <a:font script="Yiii" typeface="Microsoft Yi Baiti"/>
+        <a:font script="Tibt" typeface="Microsoft Himalaya"/>
+        <a:font script="Thaa" typeface="MV Boli"/>
+        <a:font script="Deva" typeface="Mangal"/>
+        <a:font script="Telu" typeface="Gautami"/>
+        <a:font script="Taml" typeface="Latha"/>
+        <a:font script="Syrc" typeface="Estrangelo Edessa"/>
+        <a:font script="Orya" typeface="Kalinga"/>
+        <a:font script="Mlym" typeface="Kartika"/>
+        <a:font script="Laoo" typeface="DokChampa"/>
+        <a:font script="Sinh" typeface="Iskoola Pota"/>
+        <a:font script="Mong" typeface="Mongolian Baiti"/>
+        <a:font script="Viet" typeface="Arial"/>
+        <a:font script="Uigh" typeface="Microsoft Uighur"/>
+        <a:font script="Geor" typeface="Sylfaen"/>
+        <a:font script="Armn" typeface="Arial"/>
+        <a:font script="Bugi" typeface="Leelawadee UI"/>
+        <a:font script="Bopo" typeface="Microsoft JhengHei"/>
+        <a:font script="Java" typeface="Javanese Text"/>
+        <a:font script="Lisu" typeface="Segoe UI"/>
+        <a:font script="Mymr" typeface="Myanmar Text"/>
+        <a:font script="Nkoo" typeface="Ebrima"/>
+        <a:font script="Olck" typeface="Nirmala UI"/>
+        <a:font script="Osma" typeface="Ebrima"/>
+        <a:font script="Phag" typeface="Phagspa"/>
+        <a:font script="Syrn" typeface="Estrangelo Edessa"/>
+        <a:font script="Syrj" typeface="Estrangelo Edessa"/>
+        <a:font script="Syre" typeface="Estrangelo Edessa"/>
+        <a:font script="Sora" typeface="Nirmala UI"/>
+        <a:font script="Tale" typeface="Microsoft Tai Le"/>
+        <a:font script="Talu" typeface="Microsoft New Tai Lue"/>
+        <a:font script="Tfng" typeface="Ebrima"/>
+      </a:minorFont>
+    </a:fontScheme>
+    <a:fmtScheme name="Office">
+      <a:fillStyleLst>
+        <a:solidFill>
+          <a:schemeClr val="phClr"/>
+        </a:solidFill>
+        <a:gradFill rotWithShape="1">
+          <a:gsLst>
+            <a:gs pos="0">
+              <a:schemeClr val="phClr">
+                <a:lumMod val="110000"/>
+                <a:satMod val="105000"/>
+                <a:tint val="67000"/>
+              </a:schemeClr>
+            </a:gs>
+            <a:gs pos="50000">
+              <a:schemeClr val="phClr">
+                <a:lumMod val="105000"/>
+                <a:satMod val="103000"/>
+                <a:tint val="73000"/>
+              </a:schemeClr>
+            </a:gs>
+            <a:gs pos="100000">
+              <a:schemeClr val="phClr">
+                <a:lumMod val="105000"/>
+                <a:satMod val="109000"/>
+                <a:tint val="81000"/>
+              </a:schemeClr>
+            </a:gs>
+          </a:gsLst>
+          <a:lin ang="5400000" scaled="0"/>
+        </a:gradFill>
+        <a:gradFill rotWithShape="1">
+          <a:gsLst>
+            <a:gs pos="0">
+              <a:schemeClr val="phClr">
+                <a:satMod val="103000"/>
+                <a:lumMod val="102000"/>
+                <a:tint val="94000"/>
+              </a:schemeClr>
+            </a:gs>
+            <a:gs pos="50000">
+              <a:schemeClr val="phClr">
+                <a:satMod val="110000"/>
+                <a:lumMod val="100000"/>
+                <a:shade val="100000"/>
+              </a:schemeClr>
+            </a:gs>
+            <a:gs pos="100000">
+              <a:schemeClr val="phClr">
+                <a:lumMod val="99000"/>
+                <a:satMod val="120000"/>
+                <a:shade val="78000"/>
+              </a:schemeClr>
+            </a:gs>
+          </a:gsLst>
+          <a:lin ang="5400000" scaled="0"/>
+        </a:gradFill>
+      </a:fillStyleLst>
+      <a:lnStyleLst>
+        <a:ln w="6350" cap="flat" cmpd="sng" algn="ctr">
+          <a:solidFill>
+            <a:schemeClr val="phClr"/>
+          </a:solidFill>
+          <a:prstDash val="solid"/>
+          <a:miter lim="800000"/>
+        </a:ln>
+        <a:ln w="12700" cap="flat" cmpd="sng" algn="ctr">
+          <a:solidFill>
+            <a:schemeClr val="phClr"/>
+          </a:solidFill>
+          <a:prstDash val="solid"/>
+          <a:miter lim="800000"/>
+        </a:ln>
+        <a:ln w="19050" cap="flat" cmpd="sng" algn="ctr">
+          <a:solidFill>
+            <a:schemeClr val="phClr"/>
+          </a:solidFill>
+          <a:prstDash val="solid"/>
+          <a:miter lim="800000"/>
+        </a:ln>
+      </a:lnStyleLst>
+      <a:effectStyleLst>
+        <a:effectStyle>
+          <a:effectLst/>
+        </a:effectStyle>
+        <a:effectStyle>
+          <a:effectLst/>
+        </a:effectStyle>
+        <a:effectStyle>
+          <a:effectLst>
+            <a:outerShdw blurRad="57150" dist="19050" dir="5400000" algn="ctr" rotWithShape="0">
+              <a:srgbClr val="000000">
+                <a:alpha val="63000"/>
+              </a:srgbClr>
+            </a:outerShdw>
+          </a:effectLst>
+        </a:effectStyle>
+      </a:effectStyleLst>
+      <a:bgFillStyleLst>
+        <a:solidFill>
+          <a:schemeClr val="phClr"/>
+        </a:solidFill>
+        <a:solidFill>
+          <a:schemeClr val="phClr">
+            <a:tint val="95000"/>
+            <a:satMod val="170000"/>
+          </a:schemeClr>
+        </a:solidFill>
+        <a:gradFill rotWithShape="1">
+          <a:gsLst>
+            <a:gs pos="0">
+              <a:schemeClr val="phClr">
+                <a:tint val="93000"/>
+                <a:satMod val="150000"/>
+                <a:shade val="98000"/>
+                <a:lumMod val="102000"/>
+              </a:schemeClr>
+            </a:gs>
+            <a:gs pos="50000">
+              <a:schemeClr val="phClr">
+                <a:tint val="98000"/>
+                <a:satMod val="130000"/>
+                <a:shade val="90000"/>
+                <a:lumMod val="103000"/>
+              </a:schemeClr>
+            </a:gs>
+            <a:gs pos="100000">
+              <a:schemeClr val="phClr">
+                <a:shade val="63000"/>
+                <a:satMod val="120000"/>
+              </a:schemeClr>
+            </a:gs>
+          </a:gsLst>
+          <a:lin ang="5400000" scaled="0"/>
+        </a:gradFill>
+      </a:bgFillStyleLst>
+    </a:fmtScheme>
+  </a:themeElements>
+  <a:objectDefaults/>
+  <a:extraClrSchemeLst/>
+  <a:extLst>
+    <a:ext uri="{05A4C25C-085E-4340-85A3-A5531E510DB2}">
+      <thm15:themeFamily xmlns:thm15="http://schemas.microsoft.com/office/thememl/2012/main" name="Office Theme" id="{62F939B6-93AF-4DB8-9C6B-D6C7DFDC589F}" vid="{4A3C46E8-61CC-4603-A589-7422A47A8E4A}"/>
+    </a:ext>
+  </a:extLst>
+</a:theme>
 </file>
--- a/Pentetris bots.pptx
+++ b/Pentetris bots.pptx
@@ -14278,7 +14278,11 @@
               </a:lnSpc>
             </a:pPr>
             <a:r>
-              <a:rPr lang="en-US" sz="6600" b="1" cap="all"/>
+              <a:rPr lang="en-US" sz="6600" b="1" cap="all" dirty="0">
+                <a:solidFill>
+                  <a:schemeClr val="tx1"/>
+                </a:solidFill>
+              </a:rPr>
               <a:t>Bot comparison</a:t>
             </a:r>
           </a:p>
@@ -15554,7 +15558,11 @@
           <a:lstStyle/>
           <a:p>
             <a:r>
-              <a:rPr lang="en-US"/>
+              <a:rPr lang="en-US" dirty="0">
+                <a:solidFill>
+                  <a:schemeClr val="tx1"/>
+                </a:solidFill>
+              </a:rPr>
               <a:t>Optimal order</a:t>
             </a:r>
           </a:p>
@@ -15589,27 +15597,43 @@
           <a:lstStyle/>
           <a:p>
             <a:r>
-              <a:rPr lang="en-US"/>
+              <a:rPr lang="en-US" dirty="0">
+                <a:solidFill>
+                  <a:schemeClr val="tx1"/>
+                </a:solidFill>
+              </a:rPr>
               <a:t>Approach</a:t>
             </a:r>
           </a:p>
           <a:p>
             <a:pPr lvl="1"/>
             <a:r>
-              <a:rPr lang="en-US"/>
+              <a:rPr lang="en-US" dirty="0">
+                <a:solidFill>
+                  <a:schemeClr val="tx1"/>
+                </a:solidFill>
+              </a:rPr>
               <a:t>Algorithm X as a start</a:t>
             </a:r>
           </a:p>
           <a:p>
             <a:pPr lvl="1"/>
             <a:r>
-              <a:rPr lang="en-US"/>
+              <a:rPr lang="en-US" dirty="0">
+                <a:solidFill>
+                  <a:schemeClr val="tx1"/>
+                </a:solidFill>
+              </a:rPr>
               <a:t>Play the game with the given orders</a:t>
             </a:r>
           </a:p>
           <a:p>
             <a:r>
-              <a:rPr lang="en-US"/>
+              <a:rPr lang="en-US" dirty="0">
+                <a:solidFill>
+                  <a:schemeClr val="tx1"/>
+                </a:solidFill>
+              </a:rPr>
               <a:t>Results</a:t>
             </a:r>
           </a:p>
@@ -16306,10 +16330,13 @@
               </a:lnSpc>
             </a:pPr>
             <a:r>
-              <a:rPr lang="en-US" sz="6600" b="1" cap="all"/>
+              <a:rPr lang="en-US" sz="6600" b="1" cap="all" dirty="0">
+                <a:solidFill>
+                  <a:schemeClr val="tx1"/>
+                </a:solidFill>
+              </a:rPr>
               <a:t>Q-bot</a:t>
             </a:r>
-            <a:endParaRPr lang="en-US" sz="6600" b="1" cap="all" dirty="0"/>
           </a:p>
         </p:txBody>
       </p:sp>
@@ -16345,43 +16372,83 @@
               <a:buNone/>
             </a:pPr>
             <a:r>
-              <a:rPr lang="en-US" altLang="en-US" sz="2000" dirty="0" err="1"/>
+              <a:rPr lang="en-US" altLang="en-US" sz="2000" dirty="0" err="1">
+                <a:solidFill>
+                  <a:schemeClr val="tx1"/>
+                </a:solidFill>
+              </a:rPr>
               <a:t>amountOfBlocksSurrounding</a:t>
             </a:r>
             <a:r>
-              <a:rPr lang="en-US" altLang="en-US" sz="2000" dirty="0"/>
+              <a:rPr lang="en-US" altLang="en-US" sz="2000" dirty="0">
+                <a:solidFill>
+                  <a:schemeClr val="tx1"/>
+                </a:solidFill>
+              </a:rPr>
               <a:t> * (5 * (</a:t>
             </a:r>
             <a:r>
-              <a:rPr lang="en-US" altLang="en-US" sz="2000" dirty="0" err="1"/>
+              <a:rPr lang="en-US" altLang="en-US" sz="2000" dirty="0" err="1">
+                <a:solidFill>
+                  <a:schemeClr val="tx1"/>
+                </a:solidFill>
+              </a:rPr>
               <a:t>i</a:t>
             </a:r>
             <a:r>
-              <a:rPr lang="en-US" altLang="en-US" sz="2000" dirty="0"/>
+              <a:rPr lang="en-US" altLang="en-US" sz="2000" dirty="0">
+                <a:solidFill>
+                  <a:schemeClr val="tx1"/>
+                </a:solidFill>
+              </a:rPr>
               <a:t> + 1)) + 25 * (</a:t>
             </a:r>
             <a:r>
-              <a:rPr lang="en-US" altLang="en-US" sz="2000" dirty="0" err="1"/>
+              <a:rPr lang="en-US" altLang="en-US" sz="2000" dirty="0" err="1">
+                <a:solidFill>
+                  <a:schemeClr val="tx1"/>
+                </a:solidFill>
+              </a:rPr>
               <a:t>i</a:t>
             </a:r>
             <a:r>
-              <a:rPr lang="en-US" altLang="en-US" sz="2000" dirty="0"/>
+              <a:rPr lang="en-US" altLang="en-US" sz="2000" dirty="0">
+                <a:solidFill>
+                  <a:schemeClr val="tx1"/>
+                </a:solidFill>
+              </a:rPr>
               <a:t>) + </a:t>
             </a:r>
             <a:r>
-              <a:rPr lang="en-US" altLang="en-US" sz="2000" dirty="0" err="1"/>
+              <a:rPr lang="en-US" altLang="en-US" sz="2000" dirty="0" err="1">
+                <a:solidFill>
+                  <a:schemeClr val="tx1"/>
+                </a:solidFill>
+              </a:rPr>
               <a:t>amountOfBlocksInRow</a:t>
             </a:r>
             <a:r>
-              <a:rPr lang="en-US" altLang="en-US" sz="2000" dirty="0"/>
+              <a:rPr lang="en-US" altLang="en-US" sz="2000" dirty="0">
+                <a:solidFill>
+                  <a:schemeClr val="tx1"/>
+                </a:solidFill>
+              </a:rPr>
               <a:t> * (3 * (</a:t>
             </a:r>
             <a:r>
-              <a:rPr lang="en-US" altLang="en-US" sz="2000" dirty="0" err="1"/>
+              <a:rPr lang="en-US" altLang="en-US" sz="2000" dirty="0" err="1">
+                <a:solidFill>
+                  <a:schemeClr val="tx1"/>
+                </a:solidFill>
+              </a:rPr>
               <a:t>i</a:t>
             </a:r>
             <a:r>
-              <a:rPr lang="en-US" altLang="en-US" sz="2000" dirty="0"/>
+              <a:rPr lang="en-US" altLang="en-US" sz="2000" dirty="0">
+                <a:solidFill>
+                  <a:schemeClr val="tx1"/>
+                </a:solidFill>
+              </a:rPr>
               <a:t>) + 3) + 1;</a:t>
             </a:r>
           </a:p>
@@ -16389,7 +16456,11 @@
             <a:pPr marL="0" indent="0" algn="ctr">
               <a:buNone/>
             </a:pPr>
-            <a:endParaRPr lang="en-US" sz="2000" dirty="0"/>
+            <a:endParaRPr lang="en-US" sz="2000" dirty="0">
+              <a:solidFill>
+                <a:schemeClr val="tx1"/>
+              </a:solidFill>
+            </a:endParaRPr>
           </a:p>
         </p:txBody>
       </p:sp>
@@ -16916,7 +16987,11 @@
               </a:lnSpc>
             </a:pPr>
             <a:r>
-              <a:rPr lang="en-US" sz="6600" b="1" cap="all"/>
+              <a:rPr lang="en-US" sz="6600" b="1" cap="all" dirty="0">
+                <a:solidFill>
+                  <a:schemeClr val="tx1"/>
+                </a:solidFill>
+              </a:rPr>
               <a:t>G-bot</a:t>
             </a:r>
           </a:p>

--- a/Pentetris bots.pptx
+++ b/Pentetris bots.pptx
@@ -132,7 +132,7 @@
 <file path=ppt/charts/chart1.xml><?xml version="1.0" encoding="utf-8"?>
 <c:chartSpace xmlns:c="http://schemas.openxmlformats.org/drawingml/2006/chart" xmlns:a="http://schemas.openxmlformats.org/drawingml/2006/main" xmlns:r="http://schemas.openxmlformats.org/officeDocument/2006/relationships" xmlns:c16r2="http://schemas.microsoft.com/office/drawing/2015/06/chart">
   <c:date1904 val="0"/>
-  <c:lang val="en-US"/>
+  <c:lang val="en-GB"/>
   <c:roundedCorners val="0"/>
   <mc:AlternateContent xmlns:mc="http://schemas.openxmlformats.org/markup-compatibility/2006">
     <mc:Choice xmlns:c14="http://schemas.microsoft.com/office/drawing/2007/8/2/chart" Requires="c14">
@@ -1099,7 +1099,7 @@
 <file path=ppt/charts/chart2.xml><?xml version="1.0" encoding="utf-8"?>
 <c:chartSpace xmlns:c="http://schemas.openxmlformats.org/drawingml/2006/chart" xmlns:a="http://schemas.openxmlformats.org/drawingml/2006/main" xmlns:r="http://schemas.openxmlformats.org/officeDocument/2006/relationships" xmlns:c16r2="http://schemas.microsoft.com/office/drawing/2015/06/chart">
   <c:date1904 val="0"/>
-  <c:lang val="en-US"/>
+  <c:lang val="en-GB"/>
   <c:roundedCorners val="0"/>
   <mc:AlternateContent xmlns:mc="http://schemas.openxmlformats.org/markup-compatibility/2006">
     <mc:Choice xmlns:c14="http://schemas.microsoft.com/office/drawing/2007/8/2/chart" Requires="c14">
@@ -2060,7 +2060,7 @@
 <file path=ppt/charts/chart3.xml><?xml version="1.0" encoding="utf-8"?>
 <c:chartSpace xmlns:c="http://schemas.openxmlformats.org/drawingml/2006/chart" xmlns:a="http://schemas.openxmlformats.org/drawingml/2006/main" xmlns:r="http://schemas.openxmlformats.org/officeDocument/2006/relationships" xmlns:c16r2="http://schemas.microsoft.com/office/drawing/2015/06/chart">
   <c:date1904 val="0"/>
-  <c:lang val="en-US"/>
+  <c:lang val="en-GB"/>
   <c:roundedCorners val="0"/>
   <mc:AlternateContent xmlns:mc="http://schemas.openxmlformats.org/markup-compatibility/2006">
     <mc:Choice xmlns:c14="http://schemas.microsoft.com/office/drawing/2007/8/2/chart" Requires="c14">
@@ -3022,7 +3022,7 @@
 <file path=ppt/charts/chart4.xml><?xml version="1.0" encoding="utf-8"?>
 <c:chartSpace xmlns:c="http://schemas.openxmlformats.org/drawingml/2006/chart" xmlns:a="http://schemas.openxmlformats.org/drawingml/2006/main" xmlns:r="http://schemas.openxmlformats.org/officeDocument/2006/relationships" xmlns:c16r2="http://schemas.microsoft.com/office/drawing/2015/06/chart">
   <c:date1904 val="0"/>
-  <c:lang val="en-US"/>
+  <c:lang val="en-GB"/>
   <c:roundedCorners val="0"/>
   <mc:AlternateContent xmlns:mc="http://schemas.openxmlformats.org/markup-compatibility/2006">
     <mc:Choice xmlns:c14="http://schemas.microsoft.com/office/drawing/2007/8/2/chart" Requires="c14">
@@ -3984,7 +3984,7 @@
 <file path=ppt/charts/chart5.xml><?xml version="1.0" encoding="utf-8"?>
 <c:chartSpace xmlns:c="http://schemas.openxmlformats.org/drawingml/2006/chart" xmlns:a="http://schemas.openxmlformats.org/drawingml/2006/main" xmlns:r="http://schemas.openxmlformats.org/officeDocument/2006/relationships" xmlns:c16r2="http://schemas.microsoft.com/office/drawing/2015/06/chart">
   <c:date1904 val="0"/>
-  <c:lang val="en-US"/>
+  <c:lang val="en-GB"/>
   <c:roundedCorners val="0"/>
   <mc:AlternateContent xmlns:mc="http://schemas.openxmlformats.org/markup-compatibility/2006">
     <mc:Choice xmlns:c14="http://schemas.microsoft.com/office/drawing/2007/8/2/chart" Requires="c14">
@@ -7801,7 +7801,7 @@
           <a:p>
             <a:fld id="{22A718B8-5F9A-4008-86CD-16CAD8395C61}" type="datetimeFigureOut">
               <a:rPr lang="en-US" smtClean="0"/>
-              <a:t>12/10/2019</a:t>
+              <a:t>12/10/19</a:t>
             </a:fld>
             <a:endParaRPr lang="en-US"/>
           </a:p>
@@ -8117,6 +8117,12 @@
               <a:t>Introduce group</a:t>
             </a:r>
           </a:p>
+          <a:p>
+            <a:r>
+              <a:rPr lang="en-US" dirty="0"/>
+              <a:t>ALI</a:t>
+            </a:r>
+          </a:p>
         </p:txBody>
       </p:sp>
       <p:sp>
@@ -8146,6 +8152,528 @@
     <p:extLst>
       <p:ext uri="{BB962C8B-B14F-4D97-AF65-F5344CB8AC3E}">
         <p14:creationId xmlns:p14="http://schemas.microsoft.com/office/powerpoint/2010/main" val="3514882085"/>
+      </p:ext>
+    </p:extLst>
+  </p:cSld>
+  <p:clrMapOvr>
+    <a:masterClrMapping/>
+  </p:clrMapOvr>
+</p:notes>
+</file>
+
+<file path=ppt/notesSlides/notesSlide10.xml><?xml version="1.0" encoding="utf-8"?>
+<p:notes xmlns:a="http://schemas.openxmlformats.org/drawingml/2006/main" xmlns:r="http://schemas.openxmlformats.org/officeDocument/2006/relationships" xmlns:p="http://schemas.openxmlformats.org/presentationml/2006/main">
+  <p:cSld>
+    <p:spTree>
+      <p:nvGrpSpPr>
+        <p:cNvPr id="1" name=""/>
+        <p:cNvGrpSpPr/>
+        <p:nvPr/>
+      </p:nvGrpSpPr>
+      <p:grpSpPr>
+        <a:xfrm>
+          <a:off x="0" y="0"/>
+          <a:ext cx="0" cy="0"/>
+          <a:chOff x="0" y="0"/>
+          <a:chExt cx="0" cy="0"/>
+        </a:xfrm>
+      </p:grpSpPr>
+      <p:sp>
+        <p:nvSpPr>
+          <p:cNvPr id="2" name="Slide Image Placeholder 1"/>
+          <p:cNvSpPr>
+            <a:spLocks noGrp="1" noRot="1" noChangeAspect="1"/>
+          </p:cNvSpPr>
+          <p:nvPr>
+            <p:ph type="sldImg"/>
+          </p:nvPr>
+        </p:nvSpPr>
+        <p:spPr/>
+      </p:sp>
+      <p:sp>
+        <p:nvSpPr>
+          <p:cNvPr id="3" name="Notes Placeholder 2"/>
+          <p:cNvSpPr>
+            <a:spLocks noGrp="1"/>
+          </p:cNvSpPr>
+          <p:nvPr>
+            <p:ph type="body" idx="1"/>
+          </p:nvPr>
+        </p:nvSpPr>
+        <p:spPr/>
+        <p:txBody>
+          <a:bodyPr/>
+          <a:lstStyle/>
+          <a:p>
+            <a:r>
+              <a:rPr lang="en-US" dirty="0"/>
+              <a:t>SAMUELE</a:t>
+            </a:r>
+          </a:p>
+        </p:txBody>
+      </p:sp>
+      <p:sp>
+        <p:nvSpPr>
+          <p:cNvPr id="4" name="Slide Number Placeholder 3"/>
+          <p:cNvSpPr>
+            <a:spLocks noGrp="1"/>
+          </p:cNvSpPr>
+          <p:nvPr>
+            <p:ph type="sldNum" sz="quarter" idx="5"/>
+          </p:nvPr>
+        </p:nvSpPr>
+        <p:spPr/>
+        <p:txBody>
+          <a:bodyPr/>
+          <a:lstStyle/>
+          <a:p>
+            <a:fld id="{74F3012B-8549-4BD1-8E89-0997551CB614}" type="slidenum">
+              <a:rPr lang="en-US" smtClean="0"/>
+              <a:t>10</a:t>
+            </a:fld>
+            <a:endParaRPr lang="en-US"/>
+          </a:p>
+        </p:txBody>
+      </p:sp>
+    </p:spTree>
+    <p:extLst>
+      <p:ext uri="{BB962C8B-B14F-4D97-AF65-F5344CB8AC3E}">
+        <p14:creationId xmlns:p14="http://schemas.microsoft.com/office/powerpoint/2010/main" val="604640541"/>
+      </p:ext>
+    </p:extLst>
+  </p:cSld>
+  <p:clrMapOvr>
+    <a:masterClrMapping/>
+  </p:clrMapOvr>
+</p:notes>
+</file>
+
+<file path=ppt/notesSlides/notesSlide11.xml><?xml version="1.0" encoding="utf-8"?>
+<p:notes xmlns:a="http://schemas.openxmlformats.org/drawingml/2006/main" xmlns:r="http://schemas.openxmlformats.org/officeDocument/2006/relationships" xmlns:p="http://schemas.openxmlformats.org/presentationml/2006/main">
+  <p:cSld>
+    <p:spTree>
+      <p:nvGrpSpPr>
+        <p:cNvPr id="1" name=""/>
+        <p:cNvGrpSpPr/>
+        <p:nvPr/>
+      </p:nvGrpSpPr>
+      <p:grpSpPr>
+        <a:xfrm>
+          <a:off x="0" y="0"/>
+          <a:ext cx="0" cy="0"/>
+          <a:chOff x="0" y="0"/>
+          <a:chExt cx="0" cy="0"/>
+        </a:xfrm>
+      </p:grpSpPr>
+      <p:sp>
+        <p:nvSpPr>
+          <p:cNvPr id="2" name="Slide Image Placeholder 1"/>
+          <p:cNvSpPr>
+            <a:spLocks noGrp="1" noRot="1" noChangeAspect="1"/>
+          </p:cNvSpPr>
+          <p:nvPr>
+            <p:ph type="sldImg"/>
+          </p:nvPr>
+        </p:nvSpPr>
+        <p:spPr/>
+      </p:sp>
+      <p:sp>
+        <p:nvSpPr>
+          <p:cNvPr id="3" name="Notes Placeholder 2"/>
+          <p:cNvSpPr>
+            <a:spLocks noGrp="1"/>
+          </p:cNvSpPr>
+          <p:nvPr>
+            <p:ph type="body" idx="1"/>
+          </p:nvPr>
+        </p:nvSpPr>
+        <p:spPr/>
+        <p:txBody>
+          <a:bodyPr/>
+          <a:lstStyle/>
+          <a:p>
+            <a:r>
+              <a:rPr lang="en-US" dirty="0"/>
+              <a:t>SAMUELE</a:t>
+            </a:r>
+          </a:p>
+        </p:txBody>
+      </p:sp>
+      <p:sp>
+        <p:nvSpPr>
+          <p:cNvPr id="4" name="Slide Number Placeholder 3"/>
+          <p:cNvSpPr>
+            <a:spLocks noGrp="1"/>
+          </p:cNvSpPr>
+          <p:nvPr>
+            <p:ph type="sldNum" sz="quarter" idx="5"/>
+          </p:nvPr>
+        </p:nvSpPr>
+        <p:spPr/>
+        <p:txBody>
+          <a:bodyPr/>
+          <a:lstStyle/>
+          <a:p>
+            <a:fld id="{74F3012B-8549-4BD1-8E89-0997551CB614}" type="slidenum">
+              <a:rPr lang="en-US" smtClean="0"/>
+              <a:t>11</a:t>
+            </a:fld>
+            <a:endParaRPr lang="en-US"/>
+          </a:p>
+        </p:txBody>
+      </p:sp>
+    </p:spTree>
+    <p:extLst>
+      <p:ext uri="{BB962C8B-B14F-4D97-AF65-F5344CB8AC3E}">
+        <p14:creationId xmlns:p14="http://schemas.microsoft.com/office/powerpoint/2010/main" val="1767858412"/>
+      </p:ext>
+    </p:extLst>
+  </p:cSld>
+  <p:clrMapOvr>
+    <a:masterClrMapping/>
+  </p:clrMapOvr>
+</p:notes>
+</file>
+
+<file path=ppt/notesSlides/notesSlide12.xml><?xml version="1.0" encoding="utf-8"?>
+<p:notes xmlns:a="http://schemas.openxmlformats.org/drawingml/2006/main" xmlns:r="http://schemas.openxmlformats.org/officeDocument/2006/relationships" xmlns:p="http://schemas.openxmlformats.org/presentationml/2006/main">
+  <p:cSld>
+    <p:spTree>
+      <p:nvGrpSpPr>
+        <p:cNvPr id="1" name=""/>
+        <p:cNvGrpSpPr/>
+        <p:nvPr/>
+      </p:nvGrpSpPr>
+      <p:grpSpPr>
+        <a:xfrm>
+          <a:off x="0" y="0"/>
+          <a:ext cx="0" cy="0"/>
+          <a:chOff x="0" y="0"/>
+          <a:chExt cx="0" cy="0"/>
+        </a:xfrm>
+      </p:grpSpPr>
+      <p:sp>
+        <p:nvSpPr>
+          <p:cNvPr id="2" name="Slide Image Placeholder 1"/>
+          <p:cNvSpPr>
+            <a:spLocks noGrp="1" noRot="1" noChangeAspect="1"/>
+          </p:cNvSpPr>
+          <p:nvPr>
+            <p:ph type="sldImg"/>
+          </p:nvPr>
+        </p:nvSpPr>
+        <p:spPr/>
+      </p:sp>
+      <p:sp>
+        <p:nvSpPr>
+          <p:cNvPr id="3" name="Notes Placeholder 2"/>
+          <p:cNvSpPr>
+            <a:spLocks noGrp="1"/>
+          </p:cNvSpPr>
+          <p:nvPr>
+            <p:ph type="body" idx="1"/>
+          </p:nvPr>
+        </p:nvSpPr>
+        <p:spPr/>
+        <p:txBody>
+          <a:bodyPr/>
+          <a:lstStyle/>
+          <a:p>
+            <a:r>
+              <a:rPr lang="en-US" dirty="0"/>
+              <a:t>SAMUELE</a:t>
+            </a:r>
+          </a:p>
+        </p:txBody>
+      </p:sp>
+      <p:sp>
+        <p:nvSpPr>
+          <p:cNvPr id="4" name="Slide Number Placeholder 3"/>
+          <p:cNvSpPr>
+            <a:spLocks noGrp="1"/>
+          </p:cNvSpPr>
+          <p:nvPr>
+            <p:ph type="sldNum" sz="quarter" idx="5"/>
+          </p:nvPr>
+        </p:nvSpPr>
+        <p:spPr/>
+        <p:txBody>
+          <a:bodyPr/>
+          <a:lstStyle/>
+          <a:p>
+            <a:fld id="{74F3012B-8549-4BD1-8E89-0997551CB614}" type="slidenum">
+              <a:rPr lang="en-US" smtClean="0"/>
+              <a:t>12</a:t>
+            </a:fld>
+            <a:endParaRPr lang="en-US"/>
+          </a:p>
+        </p:txBody>
+      </p:sp>
+    </p:spTree>
+    <p:extLst>
+      <p:ext uri="{BB962C8B-B14F-4D97-AF65-F5344CB8AC3E}">
+        <p14:creationId xmlns:p14="http://schemas.microsoft.com/office/powerpoint/2010/main" val="2127025847"/>
+      </p:ext>
+    </p:extLst>
+  </p:cSld>
+  <p:clrMapOvr>
+    <a:masterClrMapping/>
+  </p:clrMapOvr>
+</p:notes>
+</file>
+
+<file path=ppt/notesSlides/notesSlide13.xml><?xml version="1.0" encoding="utf-8"?>
+<p:notes xmlns:a="http://schemas.openxmlformats.org/drawingml/2006/main" xmlns:r="http://schemas.openxmlformats.org/officeDocument/2006/relationships" xmlns:p="http://schemas.openxmlformats.org/presentationml/2006/main">
+  <p:cSld>
+    <p:spTree>
+      <p:nvGrpSpPr>
+        <p:cNvPr id="1" name=""/>
+        <p:cNvGrpSpPr/>
+        <p:nvPr/>
+      </p:nvGrpSpPr>
+      <p:grpSpPr>
+        <a:xfrm>
+          <a:off x="0" y="0"/>
+          <a:ext cx="0" cy="0"/>
+          <a:chOff x="0" y="0"/>
+          <a:chExt cx="0" cy="0"/>
+        </a:xfrm>
+      </p:grpSpPr>
+      <p:sp>
+        <p:nvSpPr>
+          <p:cNvPr id="2" name="Slide Image Placeholder 1"/>
+          <p:cNvSpPr>
+            <a:spLocks noGrp="1" noRot="1" noChangeAspect="1"/>
+          </p:cNvSpPr>
+          <p:nvPr>
+            <p:ph type="sldImg"/>
+          </p:nvPr>
+        </p:nvSpPr>
+        <p:spPr/>
+      </p:sp>
+      <p:sp>
+        <p:nvSpPr>
+          <p:cNvPr id="3" name="Notes Placeholder 2"/>
+          <p:cNvSpPr>
+            <a:spLocks noGrp="1"/>
+          </p:cNvSpPr>
+          <p:nvPr>
+            <p:ph type="body" idx="1"/>
+          </p:nvPr>
+        </p:nvSpPr>
+        <p:spPr/>
+        <p:txBody>
+          <a:bodyPr/>
+          <a:lstStyle/>
+          <a:p>
+            <a:r>
+              <a:rPr lang="en-US" dirty="0"/>
+              <a:t>MAX</a:t>
+            </a:r>
+          </a:p>
+        </p:txBody>
+      </p:sp>
+      <p:sp>
+        <p:nvSpPr>
+          <p:cNvPr id="4" name="Slide Number Placeholder 3"/>
+          <p:cNvSpPr>
+            <a:spLocks noGrp="1"/>
+          </p:cNvSpPr>
+          <p:nvPr>
+            <p:ph type="sldNum" sz="quarter" idx="5"/>
+          </p:nvPr>
+        </p:nvSpPr>
+        <p:spPr/>
+        <p:txBody>
+          <a:bodyPr/>
+          <a:lstStyle/>
+          <a:p>
+            <a:fld id="{74F3012B-8549-4BD1-8E89-0997551CB614}" type="slidenum">
+              <a:rPr lang="en-US" smtClean="0"/>
+              <a:t>13</a:t>
+            </a:fld>
+            <a:endParaRPr lang="en-US"/>
+          </a:p>
+        </p:txBody>
+      </p:sp>
+    </p:spTree>
+    <p:extLst>
+      <p:ext uri="{BB962C8B-B14F-4D97-AF65-F5344CB8AC3E}">
+        <p14:creationId xmlns:p14="http://schemas.microsoft.com/office/powerpoint/2010/main" val="1444772963"/>
+      </p:ext>
+    </p:extLst>
+  </p:cSld>
+  <p:clrMapOvr>
+    <a:masterClrMapping/>
+  </p:clrMapOvr>
+</p:notes>
+</file>
+
+<file path=ppt/notesSlides/notesSlide14.xml><?xml version="1.0" encoding="utf-8"?>
+<p:notes xmlns:a="http://schemas.openxmlformats.org/drawingml/2006/main" xmlns:r="http://schemas.openxmlformats.org/officeDocument/2006/relationships" xmlns:p="http://schemas.openxmlformats.org/presentationml/2006/main">
+  <p:cSld>
+    <p:spTree>
+      <p:nvGrpSpPr>
+        <p:cNvPr id="1" name=""/>
+        <p:cNvGrpSpPr/>
+        <p:nvPr/>
+      </p:nvGrpSpPr>
+      <p:grpSpPr>
+        <a:xfrm>
+          <a:off x="0" y="0"/>
+          <a:ext cx="0" cy="0"/>
+          <a:chOff x="0" y="0"/>
+          <a:chExt cx="0" cy="0"/>
+        </a:xfrm>
+      </p:grpSpPr>
+      <p:sp>
+        <p:nvSpPr>
+          <p:cNvPr id="2" name="Slide Image Placeholder 1"/>
+          <p:cNvSpPr>
+            <a:spLocks noGrp="1" noRot="1" noChangeAspect="1"/>
+          </p:cNvSpPr>
+          <p:nvPr>
+            <p:ph type="sldImg"/>
+          </p:nvPr>
+        </p:nvSpPr>
+        <p:spPr/>
+      </p:sp>
+      <p:sp>
+        <p:nvSpPr>
+          <p:cNvPr id="3" name="Notes Placeholder 2"/>
+          <p:cNvSpPr>
+            <a:spLocks noGrp="1"/>
+          </p:cNvSpPr>
+          <p:nvPr>
+            <p:ph type="body" idx="1"/>
+          </p:nvPr>
+        </p:nvSpPr>
+        <p:spPr/>
+        <p:txBody>
+          <a:bodyPr/>
+          <a:lstStyle/>
+          <a:p>
+            <a:r>
+              <a:rPr lang="en-US" dirty="0"/>
+              <a:t>ANDREW</a:t>
+            </a:r>
+          </a:p>
+        </p:txBody>
+      </p:sp>
+      <p:sp>
+        <p:nvSpPr>
+          <p:cNvPr id="4" name="Slide Number Placeholder 3"/>
+          <p:cNvSpPr>
+            <a:spLocks noGrp="1"/>
+          </p:cNvSpPr>
+          <p:nvPr>
+            <p:ph type="sldNum" sz="quarter" idx="5"/>
+          </p:nvPr>
+        </p:nvSpPr>
+        <p:spPr/>
+        <p:txBody>
+          <a:bodyPr/>
+          <a:lstStyle/>
+          <a:p>
+            <a:fld id="{74F3012B-8549-4BD1-8E89-0997551CB614}" type="slidenum">
+              <a:rPr lang="en-US" smtClean="0"/>
+              <a:t>14</a:t>
+            </a:fld>
+            <a:endParaRPr lang="en-US"/>
+          </a:p>
+        </p:txBody>
+      </p:sp>
+    </p:spTree>
+    <p:extLst>
+      <p:ext uri="{BB962C8B-B14F-4D97-AF65-F5344CB8AC3E}">
+        <p14:creationId xmlns:p14="http://schemas.microsoft.com/office/powerpoint/2010/main" val="3069302506"/>
+      </p:ext>
+    </p:extLst>
+  </p:cSld>
+  <p:clrMapOvr>
+    <a:masterClrMapping/>
+  </p:clrMapOvr>
+</p:notes>
+</file>
+
+<file path=ppt/notesSlides/notesSlide15.xml><?xml version="1.0" encoding="utf-8"?>
+<p:notes xmlns:a="http://schemas.openxmlformats.org/drawingml/2006/main" xmlns:r="http://schemas.openxmlformats.org/officeDocument/2006/relationships" xmlns:p="http://schemas.openxmlformats.org/presentationml/2006/main">
+  <p:cSld>
+    <p:spTree>
+      <p:nvGrpSpPr>
+        <p:cNvPr id="1" name=""/>
+        <p:cNvGrpSpPr/>
+        <p:nvPr/>
+      </p:nvGrpSpPr>
+      <p:grpSpPr>
+        <a:xfrm>
+          <a:off x="0" y="0"/>
+          <a:ext cx="0" cy="0"/>
+          <a:chOff x="0" y="0"/>
+          <a:chExt cx="0" cy="0"/>
+        </a:xfrm>
+      </p:grpSpPr>
+      <p:sp>
+        <p:nvSpPr>
+          <p:cNvPr id="2" name="Slide Image Placeholder 1"/>
+          <p:cNvSpPr>
+            <a:spLocks noGrp="1" noRot="1" noChangeAspect="1"/>
+          </p:cNvSpPr>
+          <p:nvPr>
+            <p:ph type="sldImg"/>
+          </p:nvPr>
+        </p:nvSpPr>
+        <p:spPr/>
+      </p:sp>
+      <p:sp>
+        <p:nvSpPr>
+          <p:cNvPr id="3" name="Notes Placeholder 2"/>
+          <p:cNvSpPr>
+            <a:spLocks noGrp="1"/>
+          </p:cNvSpPr>
+          <p:nvPr>
+            <p:ph type="body" idx="1"/>
+          </p:nvPr>
+        </p:nvSpPr>
+        <p:spPr/>
+        <p:txBody>
+          <a:bodyPr/>
+          <a:lstStyle/>
+          <a:p>
+            <a:r>
+              <a:rPr lang="en-US" dirty="0"/>
+              <a:t>ANDREW</a:t>
+            </a:r>
+          </a:p>
+        </p:txBody>
+      </p:sp>
+      <p:sp>
+        <p:nvSpPr>
+          <p:cNvPr id="4" name="Slide Number Placeholder 3"/>
+          <p:cNvSpPr>
+            <a:spLocks noGrp="1"/>
+          </p:cNvSpPr>
+          <p:nvPr>
+            <p:ph type="sldNum" sz="quarter" idx="5"/>
+          </p:nvPr>
+        </p:nvSpPr>
+        <p:spPr/>
+        <p:txBody>
+          <a:bodyPr/>
+          <a:lstStyle/>
+          <a:p>
+            <a:fld id="{74F3012B-8549-4BD1-8E89-0997551CB614}" type="slidenum">
+              <a:rPr lang="en-US" smtClean="0"/>
+              <a:t>15</a:t>
+            </a:fld>
+            <a:endParaRPr lang="en-US"/>
+          </a:p>
+        </p:txBody>
+      </p:sp>
+    </p:spTree>
+    <p:extLst>
+      <p:ext uri="{BB962C8B-B14F-4D97-AF65-F5344CB8AC3E}">
+        <p14:creationId xmlns:p14="http://schemas.microsoft.com/office/powerpoint/2010/main" val="3160310748"/>
       </p:ext>
     </p:extLst>
   </p:cSld>
@@ -8217,6 +8745,15 @@
               <a:t>rowNumber</a:t>
             </a:r>
             <a:endParaRPr lang="en-US" dirty="0"/>
+          </a:p>
+          <a:p>
+            <a:endParaRPr lang="en-US" dirty="0"/>
+          </a:p>
+          <a:p>
+            <a:r>
+              <a:rPr lang="en-US" dirty="0"/>
+              <a:t>ALI</a:t>
+            </a:r>
           </a:p>
         </p:txBody>
       </p:sp>
@@ -8314,6 +8851,24 @@
               <a:t>Try to use the pieces in an order to fill in that desired space</a:t>
             </a:r>
           </a:p>
+          <a:p>
+            <a:endParaRPr lang="en-US" dirty="0"/>
+          </a:p>
+          <a:p>
+            <a:r>
+              <a:rPr lang="en-US" dirty="0"/>
+              <a:t>We didn’t use the ‘score’ multiplier</a:t>
+            </a:r>
+          </a:p>
+          <a:p>
+            <a:endParaRPr lang="en-US" dirty="0"/>
+          </a:p>
+          <a:p>
+            <a:r>
+              <a:rPr lang="en-US" dirty="0"/>
+              <a:t>DRAGO</a:t>
+            </a:r>
+          </a:p>
         </p:txBody>
       </p:sp>
       <p:sp>
@@ -8401,6 +8956,15 @@
               <a:t>We split the group up into two sub-groups each working on their bot. This was done so that we could try a simpler and more complex approach and everyone could still work on something and learn.</a:t>
             </a:r>
           </a:p>
+          <a:p>
+            <a:endParaRPr lang="en-US" dirty="0"/>
+          </a:p>
+          <a:p>
+            <a:r>
+              <a:rPr lang="en-US" dirty="0"/>
+              <a:t>DRAGO</a:t>
+            </a:r>
+          </a:p>
         </p:txBody>
       </p:sp>
       <p:sp>
@@ -8497,6 +9061,15 @@
               <a:t>Explain the scoring system</a:t>
             </a:r>
           </a:p>
+          <a:p>
+            <a:endParaRPr lang="en-US" dirty="0"/>
+          </a:p>
+          <a:p>
+            <a:r>
+              <a:rPr lang="en-US" dirty="0"/>
+              <a:t>RENÉ</a:t>
+            </a:r>
+          </a:p>
         </p:txBody>
       </p:sp>
       <p:sp>
@@ -8584,6 +9157,15 @@
               <a:t>Explain the basic way it learns</a:t>
             </a:r>
           </a:p>
+          <a:p>
+            <a:endParaRPr lang="en-US" dirty="0"/>
+          </a:p>
+          <a:p>
+            <a:r>
+              <a:rPr lang="en-US" dirty="0"/>
+              <a:t>LINDALEE</a:t>
+            </a:r>
+          </a:p>
         </p:txBody>
       </p:sp>
       <p:sp>
@@ -8666,7 +9248,10 @@
           <a:bodyPr/>
           <a:lstStyle/>
           <a:p>
-            <a:endParaRPr lang="en-US" dirty="0"/>
+            <a:r>
+              <a:rPr lang="en-US" dirty="0"/>
+              <a:t>LINDALEE</a:t>
+            </a:r>
           </a:p>
         </p:txBody>
       </p:sp>
@@ -8750,7 +9335,10 @@
           <a:bodyPr/>
           <a:lstStyle/>
           <a:p>
-            <a:endParaRPr lang="en-US" dirty="0"/>
+            <a:r>
+              <a:rPr lang="en-US" dirty="0"/>
+              <a:t>SAMUELE</a:t>
+            </a:r>
           </a:p>
         </p:txBody>
       </p:sp>
@@ -8771,7 +9359,7 @@
           <a:p>
             <a:fld id="{74F3012B-8549-4BD1-8E89-0997551CB614}" type="slidenum">
               <a:rPr lang="en-US" smtClean="0"/>
-              <a:t>13</a:t>
+              <a:t>8</a:t>
             </a:fld>
             <a:endParaRPr lang="en-US"/>
           </a:p>
@@ -8780,7 +9368,7 @@
     </p:spTree>
     <p:extLst>
       <p:ext uri="{BB962C8B-B14F-4D97-AF65-F5344CB8AC3E}">
-        <p14:creationId xmlns:p14="http://schemas.microsoft.com/office/powerpoint/2010/main" val="1444772963"/>
+        <p14:creationId xmlns:p14="http://schemas.microsoft.com/office/powerpoint/2010/main" val="1361214997"/>
       </p:ext>
     </p:extLst>
   </p:cSld>
@@ -8836,14 +9424,8 @@
           <a:p>
             <a:r>
               <a:rPr lang="en-US" dirty="0"/>
-              <a:t>The communication between sub-groups wasn’t always optimal and we will pay extra attention to this in the next phase.</a:t>
+              <a:t>SAMUELE</a:t>
             </a:r>
-          </a:p>
-          <a:p>
-            <a:endParaRPr lang="en-US" dirty="0"/>
-          </a:p>
-          <a:p>
-            <a:endParaRPr lang="en-US" dirty="0"/>
           </a:p>
         </p:txBody>
       </p:sp>
@@ -8864,7 +9446,7 @@
           <a:p>
             <a:fld id="{74F3012B-8549-4BD1-8E89-0997551CB614}" type="slidenum">
               <a:rPr lang="en-US" smtClean="0"/>
-              <a:t>14</a:t>
+              <a:t>9</a:t>
             </a:fld>
             <a:endParaRPr lang="en-US"/>
           </a:p>
@@ -8873,7 +9455,7 @@
     </p:spTree>
     <p:extLst>
       <p:ext uri="{BB962C8B-B14F-4D97-AF65-F5344CB8AC3E}">
-        <p14:creationId xmlns:p14="http://schemas.microsoft.com/office/powerpoint/2010/main" val="3069302506"/>
+        <p14:creationId xmlns:p14="http://schemas.microsoft.com/office/powerpoint/2010/main" val="2811188605"/>
       </p:ext>
     </p:extLst>
   </p:cSld>
@@ -9079,7 +9661,7 @@
           <a:p>
             <a:fld id="{32FC8DA1-6707-49A3-ADA2-8E23F5184E6C}" type="datetimeFigureOut">
               <a:rPr lang="en-US" smtClean="0"/>
-              <a:t>12/10/2019</a:t>
+              <a:t>12/10/19</a:t>
             </a:fld>
             <a:endParaRPr lang="en-US"/>
           </a:p>
@@ -9300,7 +9882,7 @@
           <a:p>
             <a:fld id="{32FC8DA1-6707-49A3-ADA2-8E23F5184E6C}" type="datetimeFigureOut">
               <a:rPr lang="en-US" smtClean="0"/>
-              <a:t>12/10/2019</a:t>
+              <a:t>12/10/19</a:t>
             </a:fld>
             <a:endParaRPr lang="en-US"/>
           </a:p>
@@ -9480,7 +10062,7 @@
           <a:p>
             <a:fld id="{32FC8DA1-6707-49A3-ADA2-8E23F5184E6C}" type="datetimeFigureOut">
               <a:rPr lang="en-US" smtClean="0"/>
-              <a:t>12/10/2019</a:t>
+              <a:t>12/10/19</a:t>
             </a:fld>
             <a:endParaRPr lang="en-US"/>
           </a:p>
@@ -9650,7 +10232,7 @@
           <a:p>
             <a:fld id="{32FC8DA1-6707-49A3-ADA2-8E23F5184E6C}" type="datetimeFigureOut">
               <a:rPr lang="en-US" smtClean="0"/>
-              <a:t>12/10/2019</a:t>
+              <a:t>12/10/19</a:t>
             </a:fld>
             <a:endParaRPr lang="en-US"/>
           </a:p>
@@ -9901,7 +10483,7 @@
           <a:p>
             <a:fld id="{32FC8DA1-6707-49A3-ADA2-8E23F5184E6C}" type="datetimeFigureOut">
               <a:rPr lang="en-US" smtClean="0"/>
-              <a:t>12/10/2019</a:t>
+              <a:t>12/10/19</a:t>
             </a:fld>
             <a:endParaRPr lang="en-US"/>
           </a:p>
@@ -10224,7 +10806,7 @@
           <a:p>
             <a:fld id="{32FC8DA1-6707-49A3-ADA2-8E23F5184E6C}" type="datetimeFigureOut">
               <a:rPr lang="en-US" smtClean="0"/>
-              <a:t>12/10/2019</a:t>
+              <a:t>12/10/19</a:t>
             </a:fld>
             <a:endParaRPr lang="en-US"/>
           </a:p>
@@ -10648,7 +11230,7 @@
           <a:p>
             <a:fld id="{32FC8DA1-6707-49A3-ADA2-8E23F5184E6C}" type="datetimeFigureOut">
               <a:rPr lang="en-US" smtClean="0"/>
-              <a:t>12/10/2019</a:t>
+              <a:t>12/10/19</a:t>
             </a:fld>
             <a:endParaRPr lang="en-US"/>
           </a:p>
@@ -10766,7 +11348,7 @@
           <a:p>
             <a:fld id="{32FC8DA1-6707-49A3-ADA2-8E23F5184E6C}" type="datetimeFigureOut">
               <a:rPr lang="en-US" smtClean="0"/>
-              <a:t>12/10/2019</a:t>
+              <a:t>12/10/19</a:t>
             </a:fld>
             <a:endParaRPr lang="en-US"/>
           </a:p>
@@ -10861,7 +11443,7 @@
           <a:p>
             <a:fld id="{32FC8DA1-6707-49A3-ADA2-8E23F5184E6C}" type="datetimeFigureOut">
               <a:rPr lang="en-US" smtClean="0"/>
-              <a:t>12/10/2019</a:t>
+              <a:t>12/10/19</a:t>
             </a:fld>
             <a:endParaRPr lang="en-US"/>
           </a:p>
@@ -11151,7 +11733,7 @@
           <a:p>
             <a:fld id="{32FC8DA1-6707-49A3-ADA2-8E23F5184E6C}" type="datetimeFigureOut">
               <a:rPr lang="en-US" smtClean="0"/>
-              <a:t>12/10/2019</a:t>
+              <a:t>12/10/19</a:t>
             </a:fld>
             <a:endParaRPr lang="en-US"/>
           </a:p>
@@ -11423,7 +12005,7 @@
           <a:p>
             <a:fld id="{32FC8DA1-6707-49A3-ADA2-8E23F5184E6C}" type="datetimeFigureOut">
               <a:rPr lang="en-US" smtClean="0"/>
-              <a:t>12/10/2019</a:t>
+              <a:t>12/10/19</a:t>
             </a:fld>
             <a:endParaRPr lang="en-US"/>
           </a:p>
@@ -11677,7 +12259,7 @@
           <a:p>
             <a:fld id="{32FC8DA1-6707-49A3-ADA2-8E23F5184E6C}" type="datetimeFigureOut">
               <a:rPr lang="en-US" smtClean="0"/>
-              <a:t>12/10/2019</a:t>
+              <a:t>12/10/19</a:t>
             </a:fld>
             <a:endParaRPr lang="en-US"/>
           </a:p>
@@ -12863,7 +13445,7 @@
         </p:xfrm>
         <a:graphic>
           <a:graphicData uri="http://schemas.openxmlformats.org/drawingml/2006/chart">
-            <c:chart xmlns:c="http://schemas.openxmlformats.org/drawingml/2006/chart" xmlns:r="http://schemas.openxmlformats.org/officeDocument/2006/relationships" r:id="rId2"/>
+            <c:chart xmlns:c="http://schemas.openxmlformats.org/drawingml/2006/chart" xmlns:r="http://schemas.openxmlformats.org/officeDocument/2006/relationships" r:id="rId3"/>
           </a:graphicData>
         </a:graphic>
       </p:graphicFrame>
@@ -13367,7 +13949,7 @@
         </p:xfrm>
         <a:graphic>
           <a:graphicData uri="http://schemas.openxmlformats.org/drawingml/2006/chart">
-            <c:chart xmlns:c="http://schemas.openxmlformats.org/drawingml/2006/chart" xmlns:r="http://schemas.openxmlformats.org/officeDocument/2006/relationships" r:id="rId2"/>
+            <c:chart xmlns:c="http://schemas.openxmlformats.org/drawingml/2006/chart" xmlns:r="http://schemas.openxmlformats.org/officeDocument/2006/relationships" r:id="rId3"/>
           </a:graphicData>
         </a:graphic>
       </p:graphicFrame>
@@ -13871,7 +14453,7 @@
         </p:xfrm>
         <a:graphic>
           <a:graphicData uri="http://schemas.openxmlformats.org/drawingml/2006/chart">
-            <c:chart xmlns:c="http://schemas.openxmlformats.org/drawingml/2006/chart" xmlns:r="http://schemas.openxmlformats.org/officeDocument/2006/relationships" r:id="rId2"/>
+            <c:chart xmlns:c="http://schemas.openxmlformats.org/drawingml/2006/chart" xmlns:r="http://schemas.openxmlformats.org/officeDocument/2006/relationships" r:id="rId3"/>
           </a:graphicData>
         </a:graphic>
       </p:graphicFrame>
@@ -15027,14 +15609,14 @@
           <p:nvPr/>
         </p:nvPicPr>
         <p:blipFill rotWithShape="1">
-          <a:blip r:embed="rId2">
+          <a:blip r:embed="rId3">
             <a:alphaModFix amt="25000"/>
             <a:extLst>
               <a:ext uri="{28A0092B-C50C-407E-A947-70E740481C1C}">
                 <a14:useLocalDpi xmlns:a14="http://schemas.microsoft.com/office/drawing/2010/main" val="0"/>
               </a:ext>
               <a:ext uri="{837473B0-CC2E-450A-ABE3-18F120FF3D39}">
-                <a1611:picAttrSrcUrl xmlns:a1611="http://schemas.microsoft.com/office/drawing/2016/11/main" r:id="rId3"/>
+                <a1611:picAttrSrcUrl xmlns:a1611="http://schemas.microsoft.com/office/drawing/2016/11/main" r:id="rId4"/>
               </a:ext>
             </a:extLst>
           </a:blip>
@@ -15214,7 +15796,7 @@
                 <a:solidFill>
                   <a:srgbClr val="FFFFFF"/>
                 </a:solidFill>
-                <a:hlinkClick r:id="rId3" tooltip="http://www.thebluediamondgallery.com/wooden-tile/p/planning.html">
+                <a:hlinkClick r:id="rId4" tooltip="http://www.thebluediamondgallery.com/wooden-tile/p/planning.html">
                   <a:extLst>
                     <a:ext uri="{A12FA001-AC4F-418D-AE19-62706E023703}">
                       <ahyp:hlinkClr xmlns:ahyp="http://schemas.microsoft.com/office/drawing/2018/hyperlinkcolor" val="tx"/>
@@ -15237,7 +15819,7 @@
                 <a:solidFill>
                   <a:srgbClr val="FFFFFF"/>
                 </a:solidFill>
-                <a:hlinkClick r:id="rId4" tooltip="https://creativecommons.org/licenses/by-sa/3.0/">
+                <a:hlinkClick r:id="rId5" tooltip="https://creativecommons.org/licenses/by-sa/3.0/">
                   <a:extLst>
                     <a:ext uri="{A12FA001-AC4F-418D-AE19-62706E023703}">
                       <ahyp:hlinkClr xmlns:ahyp="http://schemas.microsoft.com/office/drawing/2018/hyperlinkcolor" val="tx"/>
@@ -19365,7 +19947,7 @@
         </p:xfrm>
         <a:graphic>
           <a:graphicData uri="http://schemas.openxmlformats.org/drawingml/2006/chart">
-            <c:chart xmlns:c="http://schemas.openxmlformats.org/drawingml/2006/chart" xmlns:r="http://schemas.openxmlformats.org/officeDocument/2006/relationships" r:id="rId2"/>
+            <c:chart xmlns:c="http://schemas.openxmlformats.org/drawingml/2006/chart" xmlns:r="http://schemas.openxmlformats.org/officeDocument/2006/relationships" r:id="rId3"/>
           </a:graphicData>
         </a:graphic>
       </p:graphicFrame>
@@ -19869,7 +20451,7 @@
         </p:xfrm>
         <a:graphic>
           <a:graphicData uri="http://schemas.openxmlformats.org/drawingml/2006/chart">
-            <c:chart xmlns:c="http://schemas.openxmlformats.org/drawingml/2006/chart" xmlns:r="http://schemas.openxmlformats.org/officeDocument/2006/relationships" r:id="rId2"/>
+            <c:chart xmlns:c="http://schemas.openxmlformats.org/drawingml/2006/chart" xmlns:r="http://schemas.openxmlformats.org/officeDocument/2006/relationships" r:id="rId3"/>
           </a:graphicData>
         </a:graphic>
       </p:graphicFrame>

--- a/Pentetris bots.pptx
+++ b/Pentetris bots.pptx
@@ -132,7 +132,7 @@
 <file path=ppt/charts/chart1.xml><?xml version="1.0" encoding="utf-8"?>
 <c:chartSpace xmlns:c="http://schemas.openxmlformats.org/drawingml/2006/chart" xmlns:a="http://schemas.openxmlformats.org/drawingml/2006/main" xmlns:r="http://schemas.openxmlformats.org/officeDocument/2006/relationships" xmlns:c16r2="http://schemas.microsoft.com/office/drawing/2015/06/chart">
   <c:date1904 val="0"/>
-  <c:lang val="en-GB"/>
+  <c:lang val="en-US"/>
   <c:roundedCorners val="0"/>
   <mc:AlternateContent xmlns:mc="http://schemas.openxmlformats.org/markup-compatibility/2006">
     <mc:Choice xmlns:c14="http://schemas.microsoft.com/office/drawing/2007/8/2/chart" Requires="c14">
@@ -1099,7 +1099,7 @@
 <file path=ppt/charts/chart2.xml><?xml version="1.0" encoding="utf-8"?>
 <c:chartSpace xmlns:c="http://schemas.openxmlformats.org/drawingml/2006/chart" xmlns:a="http://schemas.openxmlformats.org/drawingml/2006/main" xmlns:r="http://schemas.openxmlformats.org/officeDocument/2006/relationships" xmlns:c16r2="http://schemas.microsoft.com/office/drawing/2015/06/chart">
   <c:date1904 val="0"/>
-  <c:lang val="en-GB"/>
+  <c:lang val="en-US"/>
   <c:roundedCorners val="0"/>
   <mc:AlternateContent xmlns:mc="http://schemas.openxmlformats.org/markup-compatibility/2006">
     <mc:Choice xmlns:c14="http://schemas.microsoft.com/office/drawing/2007/8/2/chart" Requires="c14">
@@ -2060,7 +2060,7 @@
 <file path=ppt/charts/chart3.xml><?xml version="1.0" encoding="utf-8"?>
 <c:chartSpace xmlns:c="http://schemas.openxmlformats.org/drawingml/2006/chart" xmlns:a="http://schemas.openxmlformats.org/drawingml/2006/main" xmlns:r="http://schemas.openxmlformats.org/officeDocument/2006/relationships" xmlns:c16r2="http://schemas.microsoft.com/office/drawing/2015/06/chart">
   <c:date1904 val="0"/>
-  <c:lang val="en-GB"/>
+  <c:lang val="en-US"/>
   <c:roundedCorners val="0"/>
   <mc:AlternateContent xmlns:mc="http://schemas.openxmlformats.org/markup-compatibility/2006">
     <mc:Choice xmlns:c14="http://schemas.microsoft.com/office/drawing/2007/8/2/chart" Requires="c14">
@@ -3022,7 +3022,7 @@
 <file path=ppt/charts/chart4.xml><?xml version="1.0" encoding="utf-8"?>
 <c:chartSpace xmlns:c="http://schemas.openxmlformats.org/drawingml/2006/chart" xmlns:a="http://schemas.openxmlformats.org/drawingml/2006/main" xmlns:r="http://schemas.openxmlformats.org/officeDocument/2006/relationships" xmlns:c16r2="http://schemas.microsoft.com/office/drawing/2015/06/chart">
   <c:date1904 val="0"/>
-  <c:lang val="en-GB"/>
+  <c:lang val="en-US"/>
   <c:roundedCorners val="0"/>
   <mc:AlternateContent xmlns:mc="http://schemas.openxmlformats.org/markup-compatibility/2006">
     <mc:Choice xmlns:c14="http://schemas.microsoft.com/office/drawing/2007/8/2/chart" Requires="c14">
@@ -3984,7 +3984,7 @@
 <file path=ppt/charts/chart5.xml><?xml version="1.0" encoding="utf-8"?>
 <c:chartSpace xmlns:c="http://schemas.openxmlformats.org/drawingml/2006/chart" xmlns:a="http://schemas.openxmlformats.org/drawingml/2006/main" xmlns:r="http://schemas.openxmlformats.org/officeDocument/2006/relationships" xmlns:c16r2="http://schemas.microsoft.com/office/drawing/2015/06/chart">
   <c:date1904 val="0"/>
-  <c:lang val="en-GB"/>
+  <c:lang val="en-US"/>
   <c:roundedCorners val="0"/>
   <mc:AlternateContent xmlns:mc="http://schemas.openxmlformats.org/markup-compatibility/2006">
     <mc:Choice xmlns:c14="http://schemas.microsoft.com/office/drawing/2007/8/2/chart" Requires="c14">
@@ -7801,7 +7801,7 @@
           <a:p>
             <a:fld id="{22A718B8-5F9A-4008-86CD-16CAD8395C61}" type="datetimeFigureOut">
               <a:rPr lang="en-US" smtClean="0"/>
-              <a:t>12/10/19</a:t>
+              <a:t>12/12/2019</a:t>
             </a:fld>
             <a:endParaRPr lang="en-US"/>
           </a:p>
@@ -9067,6 +9067,15 @@
           <a:p>
             <a:r>
               <a:rPr lang="en-US" dirty="0"/>
+              <a:t>We didn’t fully finish it since we switched our focus over to the other bot, but we were close to completing it</a:t>
+            </a:r>
+          </a:p>
+          <a:p>
+            <a:endParaRPr lang="en-US" dirty="0"/>
+          </a:p>
+          <a:p>
+            <a:r>
+              <a:rPr lang="en-US" dirty="0"/>
               <a:t>RENÉ</a:t>
             </a:r>
           </a:p>
@@ -9661,7 +9670,7 @@
           <a:p>
             <a:fld id="{32FC8DA1-6707-49A3-ADA2-8E23F5184E6C}" type="datetimeFigureOut">
               <a:rPr lang="en-US" smtClean="0"/>
-              <a:t>12/10/19</a:t>
+              <a:t>12/12/2019</a:t>
             </a:fld>
             <a:endParaRPr lang="en-US"/>
           </a:p>
@@ -9882,7 +9891,7 @@
           <a:p>
             <a:fld id="{32FC8DA1-6707-49A3-ADA2-8E23F5184E6C}" type="datetimeFigureOut">
               <a:rPr lang="en-US" smtClean="0"/>
-              <a:t>12/10/19</a:t>
+              <a:t>12/12/2019</a:t>
             </a:fld>
             <a:endParaRPr lang="en-US"/>
           </a:p>
@@ -10062,7 +10071,7 @@
           <a:p>
             <a:fld id="{32FC8DA1-6707-49A3-ADA2-8E23F5184E6C}" type="datetimeFigureOut">
               <a:rPr lang="en-US" smtClean="0"/>
-              <a:t>12/10/19</a:t>
+              <a:t>12/12/2019</a:t>
             </a:fld>
             <a:endParaRPr lang="en-US"/>
           </a:p>
@@ -10232,7 +10241,7 @@
           <a:p>
             <a:fld id="{32FC8DA1-6707-49A3-ADA2-8E23F5184E6C}" type="datetimeFigureOut">
               <a:rPr lang="en-US" smtClean="0"/>
-              <a:t>12/10/19</a:t>
+              <a:t>12/12/2019</a:t>
             </a:fld>
             <a:endParaRPr lang="en-US"/>
           </a:p>
@@ -10483,7 +10492,7 @@
           <a:p>
             <a:fld id="{32FC8DA1-6707-49A3-ADA2-8E23F5184E6C}" type="datetimeFigureOut">
               <a:rPr lang="en-US" smtClean="0"/>
-              <a:t>12/10/19</a:t>
+              <a:t>12/12/2019</a:t>
             </a:fld>
             <a:endParaRPr lang="en-US"/>
           </a:p>
@@ -10806,7 +10815,7 @@
           <a:p>
             <a:fld id="{32FC8DA1-6707-49A3-ADA2-8E23F5184E6C}" type="datetimeFigureOut">
               <a:rPr lang="en-US" smtClean="0"/>
-              <a:t>12/10/19</a:t>
+              <a:t>12/12/2019</a:t>
             </a:fld>
             <a:endParaRPr lang="en-US"/>
           </a:p>
@@ -11230,7 +11239,7 @@
           <a:p>
             <a:fld id="{32FC8DA1-6707-49A3-ADA2-8E23F5184E6C}" type="datetimeFigureOut">
               <a:rPr lang="en-US" smtClean="0"/>
-              <a:t>12/10/19</a:t>
+              <a:t>12/12/2019</a:t>
             </a:fld>
             <a:endParaRPr lang="en-US"/>
           </a:p>
@@ -11348,7 +11357,7 @@
           <a:p>
             <a:fld id="{32FC8DA1-6707-49A3-ADA2-8E23F5184E6C}" type="datetimeFigureOut">
               <a:rPr lang="en-US" smtClean="0"/>
-              <a:t>12/10/19</a:t>
+              <a:t>12/12/2019</a:t>
             </a:fld>
             <a:endParaRPr lang="en-US"/>
           </a:p>
@@ -11443,7 +11452,7 @@
           <a:p>
             <a:fld id="{32FC8DA1-6707-49A3-ADA2-8E23F5184E6C}" type="datetimeFigureOut">
               <a:rPr lang="en-US" smtClean="0"/>
-              <a:t>12/10/19</a:t>
+              <a:t>12/12/2019</a:t>
             </a:fld>
             <a:endParaRPr lang="en-US"/>
           </a:p>
@@ -11733,7 +11742,7 @@
           <a:p>
             <a:fld id="{32FC8DA1-6707-49A3-ADA2-8E23F5184E6C}" type="datetimeFigureOut">
               <a:rPr lang="en-US" smtClean="0"/>
-              <a:t>12/10/19</a:t>
+              <a:t>12/12/2019</a:t>
             </a:fld>
             <a:endParaRPr lang="en-US"/>
           </a:p>
@@ -12005,7 +12014,7 @@
           <a:p>
             <a:fld id="{32FC8DA1-6707-49A3-ADA2-8E23F5184E6C}" type="datetimeFigureOut">
               <a:rPr lang="en-US" smtClean="0"/>
-              <a:t>12/10/19</a:t>
+              <a:t>12/12/2019</a:t>
             </a:fld>
             <a:endParaRPr lang="en-US"/>
           </a:p>
@@ -12259,7 +12268,7 @@
           <a:p>
             <a:fld id="{32FC8DA1-6707-49A3-ADA2-8E23F5184E6C}" type="datetimeFigureOut">
               <a:rPr lang="en-US" smtClean="0"/>
-              <a:t>12/10/19</a:t>
+              <a:t>12/12/2019</a:t>
             </a:fld>
             <a:endParaRPr lang="en-US"/>
           </a:p>
@@ -14885,14 +14894,14 @@
           <p:nvPr>
             <p:extLst>
               <p:ext uri="{D42A27DB-BD31-4B8C-83A1-F6EECF244321}">
-                <p14:modId xmlns:p14="http://schemas.microsoft.com/office/powerpoint/2010/main" val="2931137269"/>
+                <p14:modId xmlns:p14="http://schemas.microsoft.com/office/powerpoint/2010/main" val="2384540574"/>
               </p:ext>
             </p:extLst>
           </p:nvPr>
         </p:nvGraphicFramePr>
         <p:xfrm>
-          <a:off x="1284158" y="741172"/>
-          <a:ext cx="9623686" cy="3279648"/>
+          <a:off x="1260389" y="741172"/>
+          <a:ext cx="9647455" cy="3588788"/>
         </p:xfrm>
         <a:graphic>
           <a:graphicData uri="http://schemas.openxmlformats.org/drawingml/2006/table">
@@ -14901,7 +14910,7 @@
                 <a:tableStyleId>{5C22544A-7EE6-4342-B048-85BDC9FD1C3A}</a:tableStyleId>
               </a:tblPr>
               <a:tblGrid>
-                <a:gridCol w="4521294">
+                <a:gridCol w="4545063">
                   <a:extLst>
                     <a:ext uri="{9D8B030D-6E8A-4147-A177-3AD203B41FA5}">
                       <a16:colId xmlns:a16="http://schemas.microsoft.com/office/drawing/2014/main" val="4241638655"/>
@@ -14940,7 +14949,7 @@
                     <a:lstStyle/>
                     <a:p>
                       <a:r>
-                        <a:rPr lang="en-US" sz="2400"/>
+                        <a:rPr lang="en-US" sz="2400" dirty="0"/>
                         <a:t>Q-bot</a:t>
                       </a:r>
                     </a:p>
@@ -14986,8 +14995,8 @@
                     <a:lstStyle/>
                     <a:p>
                       <a:r>
-                        <a:rPr lang="en-US" sz="2400"/>
-                        <a:t>Unknown</a:t>
+                        <a:rPr lang="en-US" sz="2400" dirty="0"/>
+                        <a:t>High</a:t>
                       </a:r>
                     </a:p>
                   </a:txBody>
@@ -15032,8 +15041,8 @@
                     <a:lstStyle/>
                     <a:p>
                       <a:r>
-                        <a:rPr lang="en-US" sz="2400"/>
-                        <a:t>Unknown</a:t>
+                        <a:rPr lang="en-US" sz="2400" dirty="0"/>
+                        <a:t>High</a:t>
                       </a:r>
                     </a:p>
                   </a:txBody>
@@ -15111,8 +15120,8 @@
                     <a:lstStyle/>
                     <a:p>
                       <a:r>
-                        <a:rPr lang="en-US" sz="2400"/>
-                        <a:t>Required processing power</a:t>
+                        <a:rPr lang="en-US" sz="2400" dirty="0"/>
+                        <a:t>Required processing power during play</a:t>
                       </a:r>
                     </a:p>
                   </a:txBody>
@@ -15157,7 +15166,7 @@
                     <a:lstStyle/>
                     <a:p>
                       <a:r>
-                        <a:rPr lang="en-US" sz="2400"/>
+                        <a:rPr lang="en-US" sz="2400" dirty="0"/>
                         <a:t>‘Cleverness’</a:t>
                       </a:r>
                     </a:p>
@@ -15184,7 +15193,7 @@
                     <a:p>
                       <a:r>
                         <a:rPr lang="en-US" sz="2400" dirty="0"/>
-                        <a:t>High</a:t>
+                        <a:t>Medium</a:t>
                       </a:r>
                     </a:p>
                   </a:txBody>
@@ -15361,7 +15370,7 @@
           <a:lstStyle/>
           <a:p>
             <a:r>
-              <a:rPr lang="en-US">
+              <a:rPr lang="en-US" dirty="0">
                 <a:solidFill>
                   <a:schemeClr val="bg1"/>
                 </a:solidFill>
@@ -15400,7 +15409,7 @@
           <a:lstStyle/>
           <a:p>
             <a:r>
-              <a:rPr lang="en-US">
+              <a:rPr lang="en-US" dirty="0">
                 <a:solidFill>
                   <a:schemeClr val="bg1"/>
                 </a:solidFill>
@@ -15410,7 +15419,7 @@
           </a:p>
           <a:p>
             <a:r>
-              <a:rPr lang="en-US">
+              <a:rPr lang="en-US" dirty="0">
                 <a:solidFill>
                   <a:schemeClr val="bg1"/>
                 </a:solidFill>
@@ -16219,44 +16228,70 @@
               <a:t>Results</a:t>
             </a:r>
           </a:p>
+          <a:p>
+            <a:pPr lvl="1"/>
+            <a:r>
+              <a:rPr lang="pl-PL" dirty="0">
+                <a:solidFill>
+                  <a:schemeClr val="tx1"/>
+                </a:solidFill>
+              </a:rPr>
+              <a:t>Y T V L N I W Z F X U P</a:t>
+            </a:r>
+            <a:endParaRPr lang="en-US" dirty="0">
+              <a:solidFill>
+                <a:schemeClr val="tx1"/>
+              </a:solidFill>
+            </a:endParaRPr>
+          </a:p>
         </p:txBody>
       </p:sp>
       <p:pic>
         <p:nvPicPr>
-          <p:cNvPr id="5" name="Picture 4" descr="A picture containing object, clock&#10;&#10;Description automatically generated">
+          <p:cNvPr id="7" name="WhatsApp Video 2019-12-08 at 3.39.17 PM">
+            <a:hlinkClick r:id="" action="ppaction://media"/>
             <a:extLst>
               <a:ext uri="{FF2B5EF4-FFF2-40B4-BE49-F238E27FC236}">
-                <a16:creationId xmlns:a16="http://schemas.microsoft.com/office/drawing/2014/main" id="{0B3EE4C3-D4E2-477B-9A53-7EDAC1E6DA4A}"/>
+                <a16:creationId xmlns:a16="http://schemas.microsoft.com/office/drawing/2014/main" id="{4BA71562-F4DA-4B76-B8F8-10097BACC3FC}"/>
               </a:ext>
             </a:extLst>
           </p:cNvPr>
           <p:cNvPicPr>
             <a:picLocks noChangeAspect="1"/>
           </p:cNvPicPr>
-          <p:nvPr/>
+          <p:nvPr>
+            <a:videoFile r:link="rId2"/>
+            <p:extLst>
+              <p:ext uri="{DAA4B4D4-6D71-4841-9C94-3DE7FCFB9230}">
+                <p14:media xmlns:p14="http://schemas.microsoft.com/office/powerpoint/2010/main" r:embed="rId1"/>
+              </p:ext>
+            </p:extLst>
+          </p:nvPr>
         </p:nvPicPr>
-        <p:blipFill rotWithShape="1">
-          <a:blip r:embed="rId3">
-            <a:extLst>
-              <a:ext uri="{28A0092B-C50C-407E-A947-70E740481C1C}">
-                <a14:useLocalDpi xmlns:a14="http://schemas.microsoft.com/office/drawing/2010/main" val="0"/>
-              </a:ext>
-              <a:ext uri="{837473B0-CC2E-450A-ABE3-18F120FF3D39}">
-                <a1611:picAttrSrcUrl xmlns:a1611="http://schemas.microsoft.com/office/drawing/2016/11/main" r:id="rId4"/>
-              </a:ext>
-            </a:extLst>
-          </a:blip>
-          <a:srcRect t="12555" r="-1" b="-1"/>
-          <a:stretch/>
+        <p:blipFill>
+          <a:blip r:embed="rId5"/>
+          <a:stretch>
+            <a:fillRect/>
+          </a:stretch>
         </p:blipFill>
         <p:spPr>
           <a:xfrm>
-            <a:off x="8310622" y="243840"/>
-            <a:ext cx="3646837" cy="6377939"/>
+            <a:off x="7191169" y="298123"/>
+            <a:ext cx="4696315" cy="6261753"/>
           </a:xfrm>
           <a:prstGeom prst="rect">
             <a:avLst/>
           </a:prstGeom>
+          <a:ln>
+            <a:noFill/>
+          </a:ln>
+          <a:effectLst>
+            <a:outerShdw blurRad="190500" algn="tl" rotWithShape="0">
+              <a:srgbClr val="000000">
+                <a:alpha val="70000"/>
+              </a:srgbClr>
+            </a:outerShdw>
+          </a:effectLst>
         </p:spPr>
       </p:pic>
     </p:spTree>
@@ -16269,6 +16304,144 @@
   <p:clrMapOvr>
     <a:masterClrMapping/>
   </p:clrMapOvr>
+  <p:timing>
+    <p:tnLst>
+      <p:par>
+        <p:cTn id="1" dur="indefinite" restart="never" nodeType="tmRoot">
+          <p:childTnLst>
+            <p:seq concurrent="1" nextAc="seek">
+              <p:cTn id="2" dur="indefinite" nodeType="mainSeq">
+                <p:childTnLst>
+                  <p:par>
+                    <p:cTn id="3" fill="hold">
+                      <p:stCondLst>
+                        <p:cond delay="indefinite"/>
+                        <p:cond evt="onBegin" delay="0">
+                          <p:tn val="2"/>
+                        </p:cond>
+                      </p:stCondLst>
+                      <p:childTnLst>
+                        <p:par>
+                          <p:cTn id="4" fill="hold">
+                            <p:stCondLst>
+                              <p:cond delay="0"/>
+                            </p:stCondLst>
+                            <p:childTnLst>
+                              <p:par>
+                                <p:cTn id="5" presetID="1" presetClass="mediacall" presetSubtype="0" fill="hold" nodeType="afterEffect">
+                                  <p:stCondLst>
+                                    <p:cond delay="0"/>
+                                  </p:stCondLst>
+                                  <p:childTnLst>
+                                    <p:cmd type="call" cmd="playFrom(0.0)">
+                                      <p:cBhvr>
+                                        <p:cTn id="6" dur="13461" fill="hold"/>
+                                        <p:tgtEl>
+                                          <p:spTgt spid="7"/>
+                                        </p:tgtEl>
+                                      </p:cBhvr>
+                                    </p:cmd>
+                                  </p:childTnLst>
+                                </p:cTn>
+                              </p:par>
+                            </p:childTnLst>
+                          </p:cTn>
+                        </p:par>
+                      </p:childTnLst>
+                    </p:cTn>
+                  </p:par>
+                </p:childTnLst>
+              </p:cTn>
+              <p:prevCondLst>
+                <p:cond evt="onPrev" delay="0">
+                  <p:tgtEl>
+                    <p:sldTgt/>
+                  </p:tgtEl>
+                </p:cond>
+              </p:prevCondLst>
+              <p:nextCondLst>
+                <p:cond evt="onNext" delay="0">
+                  <p:tgtEl>
+                    <p:sldTgt/>
+                  </p:tgtEl>
+                </p:cond>
+              </p:nextCondLst>
+            </p:seq>
+            <p:video>
+              <p:cMediaNode vol="80000">
+                <p:cTn id="7" fill="hold" display="0">
+                  <p:stCondLst>
+                    <p:cond delay="indefinite"/>
+                  </p:stCondLst>
+                </p:cTn>
+                <p:tgtEl>
+                  <p:spTgt spid="7"/>
+                </p:tgtEl>
+              </p:cMediaNode>
+            </p:video>
+            <p:seq concurrent="1" nextAc="seek">
+              <p:cTn id="8" restart="whenNotActive" fill="hold" evtFilter="cancelBubble" nodeType="interactiveSeq">
+                <p:stCondLst>
+                  <p:cond evt="onClick" delay="0">
+                    <p:tgtEl>
+                      <p:spTgt spid="7"/>
+                    </p:tgtEl>
+                  </p:cond>
+                </p:stCondLst>
+                <p:endSync evt="end" delay="0">
+                  <p:rtn val="all"/>
+                </p:endSync>
+                <p:childTnLst>
+                  <p:par>
+                    <p:cTn id="9" fill="hold">
+                      <p:stCondLst>
+                        <p:cond delay="0"/>
+                      </p:stCondLst>
+                      <p:childTnLst>
+                        <p:par>
+                          <p:cTn id="10" fill="hold">
+                            <p:stCondLst>
+                              <p:cond delay="0"/>
+                            </p:stCondLst>
+                            <p:childTnLst>
+                              <p:par>
+                                <p:cTn id="11" presetID="2" presetClass="mediacall" presetSubtype="0" fill="hold" nodeType="clickEffect">
+                                  <p:stCondLst>
+                                    <p:cond delay="0"/>
+                                  </p:stCondLst>
+                                  <p:childTnLst>
+                                    <p:cmd type="call" cmd="togglePause">
+                                      <p:cBhvr>
+                                        <p:cTn id="12" dur="1" fill="hold"/>
+                                        <p:tgtEl>
+                                          <p:spTgt spid="7"/>
+                                        </p:tgtEl>
+                                      </p:cBhvr>
+                                    </p:cmd>
+                                  </p:childTnLst>
+                                </p:cTn>
+                              </p:par>
+                            </p:childTnLst>
+                          </p:cTn>
+                        </p:par>
+                      </p:childTnLst>
+                    </p:cTn>
+                  </p:par>
+                </p:childTnLst>
+              </p:cTn>
+              <p:nextCondLst>
+                <p:cond evt="onClick" delay="0">
+                  <p:tgtEl>
+                    <p:spTgt spid="7"/>
+                  </p:tgtEl>
+                </p:cond>
+              </p:nextCondLst>
+            </p:seq>
+          </p:childTnLst>
+        </p:cTn>
+      </p:par>
+    </p:tnLst>
+  </p:timing>
 </p:sld>
 </file>
 
